--- a/AUTOMATING THE ATM RECONCILIATION PROCESS IN BRANCHES.pptx
+++ b/AUTOMATING THE ATM RECONCILIATION PROCESS IN BRANCHES.pptx
@@ -6,14 +6,16 @@
   </p:sldMasterIdLst>
   <p:sldIdLst>
     <p:sldId id="256" r:id="rId2"/>
-    <p:sldId id="257" r:id="rId3"/>
-    <p:sldId id="258" r:id="rId4"/>
-    <p:sldId id="259" r:id="rId5"/>
-    <p:sldId id="260" r:id="rId6"/>
-    <p:sldId id="262" r:id="rId7"/>
-    <p:sldId id="261" r:id="rId8"/>
-    <p:sldId id="263" r:id="rId9"/>
-    <p:sldId id="264" r:id="rId10"/>
+    <p:sldId id="266" r:id="rId3"/>
+    <p:sldId id="257" r:id="rId4"/>
+    <p:sldId id="258" r:id="rId5"/>
+    <p:sldId id="259" r:id="rId6"/>
+    <p:sldId id="260" r:id="rId7"/>
+    <p:sldId id="262" r:id="rId8"/>
+    <p:sldId id="261" r:id="rId9"/>
+    <p:sldId id="263" r:id="rId10"/>
+    <p:sldId id="265" r:id="rId11"/>
+    <p:sldId id="264" r:id="rId12"/>
   </p:sldIdLst>
   <p:sldSz cx="12192000" cy="6858000"/>
   <p:notesSz cx="6858000" cy="9144000"/>
@@ -3657,6 +3659,788 @@
     <dgm:txLinClrLst/>
     <dgm:txFillClrLst meth="repeat">
       <a:schemeClr val="bg1"/>
+    </dgm:txFillClrLst>
+    <dgm:txEffectClrLst/>
+  </dgm:styleLbl>
+</dgm:colorsDef>
+</file>
+
+<file path=ppt/diagrams/colors5.xml><?xml version="1.0" encoding="utf-8"?>
+<dgm:colorsDef xmlns:dgm="http://schemas.openxmlformats.org/drawingml/2006/diagram" xmlns:a="http://schemas.openxmlformats.org/drawingml/2006/main" uniqueId="urn:microsoft.com/office/officeart/2005/8/colors/colorful2">
+  <dgm:title val=""/>
+  <dgm:desc val=""/>
+  <dgm:catLst>
+    <dgm:cat type="colorful" pri="10200"/>
+  </dgm:catLst>
+  <dgm:styleLbl name="node0">
+    <dgm:fillClrLst meth="repeat">
+      <a:schemeClr val="accent1"/>
+    </dgm:fillClrLst>
+    <dgm:linClrLst meth="repeat">
+      <a:schemeClr val="lt1"/>
+    </dgm:linClrLst>
+    <dgm:effectClrLst/>
+    <dgm:txLinClrLst/>
+    <dgm:txFillClrLst/>
+    <dgm:txEffectClrLst/>
+  </dgm:styleLbl>
+  <dgm:styleLbl name="node1">
+    <dgm:fillClrLst>
+      <a:schemeClr val="accent2"/>
+      <a:schemeClr val="accent3"/>
+    </dgm:fillClrLst>
+    <dgm:linClrLst meth="repeat">
+      <a:schemeClr val="lt1"/>
+    </dgm:linClrLst>
+    <dgm:effectClrLst/>
+    <dgm:txLinClrLst/>
+    <dgm:txFillClrLst/>
+    <dgm:txEffectClrLst/>
+  </dgm:styleLbl>
+  <dgm:styleLbl name="alignNode1">
+    <dgm:fillClrLst>
+      <a:schemeClr val="accent2"/>
+      <a:schemeClr val="accent3"/>
+    </dgm:fillClrLst>
+    <dgm:linClrLst>
+      <a:schemeClr val="accent2"/>
+      <a:schemeClr val="accent3"/>
+    </dgm:linClrLst>
+    <dgm:effectClrLst/>
+    <dgm:txLinClrLst/>
+    <dgm:txFillClrLst/>
+    <dgm:txEffectClrLst/>
+  </dgm:styleLbl>
+  <dgm:styleLbl name="lnNode1">
+    <dgm:fillClrLst>
+      <a:schemeClr val="accent2"/>
+      <a:schemeClr val="accent3"/>
+    </dgm:fillClrLst>
+    <dgm:linClrLst meth="repeat">
+      <a:schemeClr val="lt1"/>
+    </dgm:linClrLst>
+    <dgm:effectClrLst/>
+    <dgm:txLinClrLst/>
+    <dgm:txFillClrLst/>
+    <dgm:txEffectClrLst/>
+  </dgm:styleLbl>
+  <dgm:styleLbl name="vennNode1">
+    <dgm:fillClrLst>
+      <a:schemeClr val="accent2">
+        <a:alpha val="50000"/>
+      </a:schemeClr>
+      <a:schemeClr val="accent3">
+        <a:alpha val="50000"/>
+      </a:schemeClr>
+    </dgm:fillClrLst>
+    <dgm:linClrLst meth="repeat">
+      <a:schemeClr val="lt1"/>
+    </dgm:linClrLst>
+    <dgm:effectClrLst/>
+    <dgm:txLinClrLst/>
+    <dgm:txFillClrLst/>
+    <dgm:txEffectClrLst/>
+  </dgm:styleLbl>
+  <dgm:styleLbl name="node2">
+    <dgm:fillClrLst>
+      <a:schemeClr val="accent3"/>
+    </dgm:fillClrLst>
+    <dgm:linClrLst meth="repeat">
+      <a:schemeClr val="lt1"/>
+    </dgm:linClrLst>
+    <dgm:effectClrLst/>
+    <dgm:txLinClrLst/>
+    <dgm:txFillClrLst/>
+    <dgm:txEffectClrLst/>
+  </dgm:styleLbl>
+  <dgm:styleLbl name="node3">
+    <dgm:fillClrLst>
+      <a:schemeClr val="accent4"/>
+    </dgm:fillClrLst>
+    <dgm:linClrLst meth="repeat">
+      <a:schemeClr val="lt1"/>
+    </dgm:linClrLst>
+    <dgm:effectClrLst/>
+    <dgm:txLinClrLst/>
+    <dgm:txFillClrLst/>
+    <dgm:txEffectClrLst/>
+  </dgm:styleLbl>
+  <dgm:styleLbl name="node4">
+    <dgm:fillClrLst>
+      <a:schemeClr val="accent5"/>
+    </dgm:fillClrLst>
+    <dgm:linClrLst meth="repeat">
+      <a:schemeClr val="lt1"/>
+    </dgm:linClrLst>
+    <dgm:effectClrLst/>
+    <dgm:txLinClrLst/>
+    <dgm:txFillClrLst/>
+    <dgm:txEffectClrLst/>
+  </dgm:styleLbl>
+  <dgm:styleLbl name="fgImgPlace1">
+    <dgm:fillClrLst>
+      <a:schemeClr val="accent2">
+        <a:tint val="50000"/>
+      </a:schemeClr>
+      <a:schemeClr val="accent3">
+        <a:tint val="50000"/>
+      </a:schemeClr>
+    </dgm:fillClrLst>
+    <dgm:linClrLst meth="repeat">
+      <a:schemeClr val="lt1"/>
+    </dgm:linClrLst>
+    <dgm:effectClrLst/>
+    <dgm:txLinClrLst/>
+    <dgm:txFillClrLst meth="repeat">
+      <a:schemeClr val="lt1"/>
+    </dgm:txFillClrLst>
+    <dgm:txEffectClrLst/>
+  </dgm:styleLbl>
+  <dgm:styleLbl name="alignImgPlace1">
+    <dgm:fillClrLst>
+      <a:schemeClr val="accent2">
+        <a:tint val="50000"/>
+      </a:schemeClr>
+      <a:schemeClr val="accent3">
+        <a:tint val="20000"/>
+      </a:schemeClr>
+    </dgm:fillClrLst>
+    <dgm:linClrLst meth="repeat">
+      <a:schemeClr val="lt1"/>
+    </dgm:linClrLst>
+    <dgm:effectClrLst/>
+    <dgm:txLinClrLst/>
+    <dgm:txFillClrLst meth="repeat">
+      <a:schemeClr val="lt1"/>
+    </dgm:txFillClrLst>
+    <dgm:txEffectClrLst/>
+  </dgm:styleLbl>
+  <dgm:styleLbl name="bgImgPlace1">
+    <dgm:fillClrLst>
+      <a:schemeClr val="accent2">
+        <a:tint val="50000"/>
+      </a:schemeClr>
+      <a:schemeClr val="accent3">
+        <a:tint val="20000"/>
+      </a:schemeClr>
+    </dgm:fillClrLst>
+    <dgm:linClrLst meth="repeat">
+      <a:schemeClr val="lt1"/>
+    </dgm:linClrLst>
+    <dgm:effectClrLst/>
+    <dgm:txLinClrLst/>
+    <dgm:txFillClrLst meth="repeat">
+      <a:schemeClr val="lt1"/>
+    </dgm:txFillClrLst>
+    <dgm:txEffectClrLst/>
+  </dgm:styleLbl>
+  <dgm:styleLbl name="sibTrans2D1">
+    <dgm:fillClrLst>
+      <a:schemeClr val="accent2"/>
+      <a:schemeClr val="accent3"/>
+    </dgm:fillClrLst>
+    <dgm:linClrLst meth="repeat">
+      <a:schemeClr val="lt1"/>
+    </dgm:linClrLst>
+    <dgm:effectClrLst/>
+    <dgm:txLinClrLst/>
+    <dgm:txFillClrLst/>
+    <dgm:txEffectClrLst/>
+  </dgm:styleLbl>
+  <dgm:styleLbl name="fgSibTrans2D1">
+    <dgm:fillClrLst>
+      <a:schemeClr val="accent2"/>
+      <a:schemeClr val="accent3"/>
+    </dgm:fillClrLst>
+    <dgm:linClrLst meth="repeat">
+      <a:schemeClr val="lt1"/>
+    </dgm:linClrLst>
+    <dgm:effectClrLst/>
+    <dgm:txLinClrLst/>
+    <dgm:txFillClrLst meth="repeat">
+      <a:schemeClr val="lt1"/>
+    </dgm:txFillClrLst>
+    <dgm:txEffectClrLst/>
+  </dgm:styleLbl>
+  <dgm:styleLbl name="bgSibTrans2D1">
+    <dgm:fillClrLst>
+      <a:schemeClr val="accent2"/>
+      <a:schemeClr val="accent3"/>
+    </dgm:fillClrLst>
+    <dgm:linClrLst meth="repeat">
+      <a:schemeClr val="lt1"/>
+    </dgm:linClrLst>
+    <dgm:effectClrLst/>
+    <dgm:txLinClrLst/>
+    <dgm:txFillClrLst meth="repeat">
+      <a:schemeClr val="lt1"/>
+    </dgm:txFillClrLst>
+    <dgm:txEffectClrLst/>
+  </dgm:styleLbl>
+  <dgm:styleLbl name="sibTrans1D1">
+    <dgm:fillClrLst/>
+    <dgm:linClrLst>
+      <a:schemeClr val="accent2"/>
+      <a:schemeClr val="accent3"/>
+    </dgm:linClrLst>
+    <dgm:effectClrLst/>
+    <dgm:txLinClrLst/>
+    <dgm:txFillClrLst meth="repeat">
+      <a:schemeClr val="tx1"/>
+    </dgm:txFillClrLst>
+    <dgm:txEffectClrLst/>
+  </dgm:styleLbl>
+  <dgm:styleLbl name="callout">
+    <dgm:fillClrLst meth="repeat">
+      <a:schemeClr val="accent2"/>
+    </dgm:fillClrLst>
+    <dgm:linClrLst meth="repeat">
+      <a:schemeClr val="accent2">
+        <a:tint val="50000"/>
+      </a:schemeClr>
+    </dgm:linClrLst>
+    <dgm:effectClrLst/>
+    <dgm:txLinClrLst/>
+    <dgm:txFillClrLst meth="repeat">
+      <a:schemeClr val="tx1"/>
+    </dgm:txFillClrLst>
+    <dgm:txEffectClrLst/>
+  </dgm:styleLbl>
+  <dgm:styleLbl name="asst0">
+    <dgm:fillClrLst meth="repeat">
+      <a:schemeClr val="accent2"/>
+    </dgm:fillClrLst>
+    <dgm:linClrLst meth="repeat">
+      <a:schemeClr val="lt1">
+        <a:shade val="80000"/>
+      </a:schemeClr>
+    </dgm:linClrLst>
+    <dgm:effectClrLst/>
+    <dgm:txLinClrLst/>
+    <dgm:txFillClrLst/>
+    <dgm:txEffectClrLst/>
+  </dgm:styleLbl>
+  <dgm:styleLbl name="asst1">
+    <dgm:fillClrLst meth="repeat">
+      <a:schemeClr val="accent3"/>
+    </dgm:fillClrLst>
+    <dgm:linClrLst meth="repeat">
+      <a:schemeClr val="lt1">
+        <a:shade val="80000"/>
+      </a:schemeClr>
+    </dgm:linClrLst>
+    <dgm:effectClrLst/>
+    <dgm:txLinClrLst/>
+    <dgm:txFillClrLst/>
+    <dgm:txEffectClrLst/>
+  </dgm:styleLbl>
+  <dgm:styleLbl name="asst2">
+    <dgm:fillClrLst>
+      <a:schemeClr val="accent4"/>
+    </dgm:fillClrLst>
+    <dgm:linClrLst meth="repeat">
+      <a:schemeClr val="lt1"/>
+    </dgm:linClrLst>
+    <dgm:effectClrLst/>
+    <dgm:txLinClrLst/>
+    <dgm:txFillClrLst/>
+    <dgm:txEffectClrLst/>
+  </dgm:styleLbl>
+  <dgm:styleLbl name="asst3">
+    <dgm:fillClrLst>
+      <a:schemeClr val="accent5"/>
+    </dgm:fillClrLst>
+    <dgm:linClrLst meth="repeat">
+      <a:schemeClr val="lt1"/>
+    </dgm:linClrLst>
+    <dgm:effectClrLst/>
+    <dgm:txLinClrLst/>
+    <dgm:txFillClrLst/>
+    <dgm:txEffectClrLst/>
+  </dgm:styleLbl>
+  <dgm:styleLbl name="asst4">
+    <dgm:fillClrLst>
+      <a:schemeClr val="accent6"/>
+    </dgm:fillClrLst>
+    <dgm:linClrLst meth="repeat">
+      <a:schemeClr val="lt1"/>
+    </dgm:linClrLst>
+    <dgm:effectClrLst/>
+    <dgm:txLinClrLst/>
+    <dgm:txFillClrLst/>
+    <dgm:txEffectClrLst/>
+  </dgm:styleLbl>
+  <dgm:styleLbl name="parChTrans2D1">
+    <dgm:fillClrLst meth="repeat">
+      <a:schemeClr val="accent2"/>
+    </dgm:fillClrLst>
+    <dgm:linClrLst meth="repeat">
+      <a:schemeClr val="lt1"/>
+    </dgm:linClrLst>
+    <dgm:effectClrLst/>
+    <dgm:txLinClrLst/>
+    <dgm:txFillClrLst meth="repeat">
+      <a:schemeClr val="lt1"/>
+    </dgm:txFillClrLst>
+    <dgm:txEffectClrLst/>
+  </dgm:styleLbl>
+  <dgm:styleLbl name="parChTrans2D2">
+    <dgm:fillClrLst meth="repeat">
+      <a:schemeClr val="accent3"/>
+    </dgm:fillClrLst>
+    <dgm:linClrLst meth="repeat">
+      <a:schemeClr val="lt1"/>
+    </dgm:linClrLst>
+    <dgm:effectClrLst/>
+    <dgm:txLinClrLst/>
+    <dgm:txFillClrLst/>
+    <dgm:txEffectClrLst/>
+  </dgm:styleLbl>
+  <dgm:styleLbl name="parChTrans2D3">
+    <dgm:fillClrLst meth="repeat">
+      <a:schemeClr val="accent4"/>
+    </dgm:fillClrLst>
+    <dgm:linClrLst meth="repeat">
+      <a:schemeClr val="lt1"/>
+    </dgm:linClrLst>
+    <dgm:effectClrLst/>
+    <dgm:txLinClrLst/>
+    <dgm:txFillClrLst/>
+    <dgm:txEffectClrLst/>
+  </dgm:styleLbl>
+  <dgm:styleLbl name="parChTrans2D4">
+    <dgm:fillClrLst meth="repeat">
+      <a:schemeClr val="accent5"/>
+    </dgm:fillClrLst>
+    <dgm:linClrLst meth="repeat">
+      <a:schemeClr val="lt1"/>
+    </dgm:linClrLst>
+    <dgm:effectClrLst/>
+    <dgm:txLinClrLst/>
+    <dgm:txFillClrLst meth="repeat">
+      <a:schemeClr val="lt1"/>
+    </dgm:txFillClrLst>
+    <dgm:txEffectClrLst/>
+  </dgm:styleLbl>
+  <dgm:styleLbl name="parChTrans1D1">
+    <dgm:fillClrLst meth="repeat">
+      <a:schemeClr val="accent2"/>
+    </dgm:fillClrLst>
+    <dgm:linClrLst meth="repeat">
+      <a:schemeClr val="accent2"/>
+    </dgm:linClrLst>
+    <dgm:effectClrLst/>
+    <dgm:txLinClrLst/>
+    <dgm:txFillClrLst meth="repeat">
+      <a:schemeClr val="tx1"/>
+    </dgm:txFillClrLst>
+    <dgm:txEffectClrLst/>
+  </dgm:styleLbl>
+  <dgm:styleLbl name="parChTrans1D2">
+    <dgm:fillClrLst meth="repeat">
+      <a:schemeClr val="accent2">
+        <a:tint val="90000"/>
+      </a:schemeClr>
+    </dgm:fillClrLst>
+    <dgm:linClrLst meth="repeat">
+      <a:schemeClr val="accent3"/>
+    </dgm:linClrLst>
+    <dgm:effectClrLst/>
+    <dgm:txLinClrLst/>
+    <dgm:txFillClrLst meth="repeat">
+      <a:schemeClr val="tx1"/>
+    </dgm:txFillClrLst>
+    <dgm:txEffectClrLst/>
+  </dgm:styleLbl>
+  <dgm:styleLbl name="parChTrans1D3">
+    <dgm:fillClrLst meth="repeat">
+      <a:schemeClr val="accent2">
+        <a:tint val="70000"/>
+      </a:schemeClr>
+    </dgm:fillClrLst>
+    <dgm:linClrLst meth="repeat">
+      <a:schemeClr val="accent4"/>
+    </dgm:linClrLst>
+    <dgm:effectClrLst/>
+    <dgm:txLinClrLst/>
+    <dgm:txFillClrLst meth="repeat">
+      <a:schemeClr val="tx1"/>
+    </dgm:txFillClrLst>
+    <dgm:txEffectClrLst/>
+  </dgm:styleLbl>
+  <dgm:styleLbl name="parChTrans1D4">
+    <dgm:fillClrLst meth="repeat">
+      <a:schemeClr val="accent2">
+        <a:tint val="50000"/>
+      </a:schemeClr>
+    </dgm:fillClrLst>
+    <dgm:linClrLst meth="repeat">
+      <a:schemeClr val="accent5"/>
+    </dgm:linClrLst>
+    <dgm:effectClrLst/>
+    <dgm:txLinClrLst/>
+    <dgm:txFillClrLst meth="repeat">
+      <a:schemeClr val="tx1"/>
+    </dgm:txFillClrLst>
+    <dgm:txEffectClrLst/>
+  </dgm:styleLbl>
+  <dgm:styleLbl name="fgAcc1">
+    <dgm:fillClrLst meth="repeat">
+      <a:schemeClr val="lt1">
+        <a:alpha val="90000"/>
+      </a:schemeClr>
+    </dgm:fillClrLst>
+    <dgm:linClrLst>
+      <a:schemeClr val="accent2"/>
+      <a:schemeClr val="accent3"/>
+    </dgm:linClrLst>
+    <dgm:effectClrLst/>
+    <dgm:txLinClrLst/>
+    <dgm:txFillClrLst meth="repeat">
+      <a:schemeClr val="dk1"/>
+    </dgm:txFillClrLst>
+    <dgm:txEffectClrLst/>
+  </dgm:styleLbl>
+  <dgm:styleLbl name="conFgAcc1">
+    <dgm:fillClrLst meth="repeat">
+      <a:schemeClr val="lt1">
+        <a:alpha val="90000"/>
+      </a:schemeClr>
+    </dgm:fillClrLst>
+    <dgm:linClrLst>
+      <a:schemeClr val="accent2"/>
+      <a:schemeClr val="accent3"/>
+    </dgm:linClrLst>
+    <dgm:effectClrLst/>
+    <dgm:txLinClrLst/>
+    <dgm:txFillClrLst meth="repeat">
+      <a:schemeClr val="dk1"/>
+    </dgm:txFillClrLst>
+    <dgm:txEffectClrLst/>
+  </dgm:styleLbl>
+  <dgm:styleLbl name="alignAcc1">
+    <dgm:fillClrLst meth="repeat">
+      <a:schemeClr val="lt1">
+        <a:alpha val="90000"/>
+      </a:schemeClr>
+    </dgm:fillClrLst>
+    <dgm:linClrLst>
+      <a:schemeClr val="accent2"/>
+      <a:schemeClr val="accent3"/>
+    </dgm:linClrLst>
+    <dgm:effectClrLst/>
+    <dgm:txLinClrLst/>
+    <dgm:txFillClrLst meth="repeat">
+      <a:schemeClr val="dk1"/>
+    </dgm:txFillClrLst>
+    <dgm:txEffectClrLst/>
+  </dgm:styleLbl>
+  <dgm:styleLbl name="trAlignAcc1">
+    <dgm:fillClrLst meth="repeat">
+      <a:schemeClr val="lt1">
+        <a:alpha val="40000"/>
+      </a:schemeClr>
+    </dgm:fillClrLst>
+    <dgm:linClrLst meth="repeat">
+      <a:schemeClr val="accent2"/>
+    </dgm:linClrLst>
+    <dgm:effectClrLst/>
+    <dgm:txLinClrLst/>
+    <dgm:txFillClrLst meth="repeat">
+      <a:schemeClr val="dk1"/>
+    </dgm:txFillClrLst>
+    <dgm:txEffectClrLst/>
+  </dgm:styleLbl>
+  <dgm:styleLbl name="bgAcc1">
+    <dgm:fillClrLst meth="repeat">
+      <a:schemeClr val="lt1">
+        <a:alpha val="90000"/>
+      </a:schemeClr>
+    </dgm:fillClrLst>
+    <dgm:linClrLst>
+      <a:schemeClr val="accent2"/>
+      <a:schemeClr val="accent3"/>
+    </dgm:linClrLst>
+    <dgm:effectClrLst/>
+    <dgm:txLinClrLst/>
+    <dgm:txFillClrLst meth="repeat">
+      <a:schemeClr val="dk1"/>
+    </dgm:txFillClrLst>
+    <dgm:txEffectClrLst/>
+  </dgm:styleLbl>
+  <dgm:styleLbl name="solidFgAcc1">
+    <dgm:fillClrLst meth="repeat">
+      <a:schemeClr val="lt1"/>
+    </dgm:fillClrLst>
+    <dgm:linClrLst>
+      <a:schemeClr val="accent2"/>
+      <a:schemeClr val="accent3"/>
+    </dgm:linClrLst>
+    <dgm:effectClrLst/>
+    <dgm:txLinClrLst/>
+    <dgm:txFillClrLst meth="repeat">
+      <a:schemeClr val="dk1"/>
+    </dgm:txFillClrLst>
+    <dgm:txEffectClrLst/>
+  </dgm:styleLbl>
+  <dgm:styleLbl name="solidAlignAcc1">
+    <dgm:fillClrLst meth="repeat">
+      <a:schemeClr val="lt1"/>
+    </dgm:fillClrLst>
+    <dgm:linClrLst>
+      <a:schemeClr val="accent2"/>
+      <a:schemeClr val="accent3"/>
+    </dgm:linClrLst>
+    <dgm:effectClrLst/>
+    <dgm:txLinClrLst/>
+    <dgm:txFillClrLst meth="repeat">
+      <a:schemeClr val="dk1"/>
+    </dgm:txFillClrLst>
+    <dgm:txEffectClrLst/>
+  </dgm:styleLbl>
+  <dgm:styleLbl name="solidBgAcc1">
+    <dgm:fillClrLst meth="repeat">
+      <a:schemeClr val="lt1"/>
+    </dgm:fillClrLst>
+    <dgm:linClrLst>
+      <a:schemeClr val="accent2"/>
+      <a:schemeClr val="accent3"/>
+    </dgm:linClrLst>
+    <dgm:effectClrLst/>
+    <dgm:txLinClrLst/>
+    <dgm:txFillClrLst meth="repeat">
+      <a:schemeClr val="dk1"/>
+    </dgm:txFillClrLst>
+    <dgm:txEffectClrLst/>
+  </dgm:styleLbl>
+  <dgm:styleLbl name="fgAccFollowNode1">
+    <dgm:fillClrLst>
+      <a:schemeClr val="accent2">
+        <a:tint val="40000"/>
+        <a:alpha val="90000"/>
+      </a:schemeClr>
+      <a:schemeClr val="accent3">
+        <a:tint val="40000"/>
+        <a:alpha val="90000"/>
+      </a:schemeClr>
+    </dgm:fillClrLst>
+    <dgm:linClrLst>
+      <a:schemeClr val="accent2">
+        <a:tint val="40000"/>
+        <a:alpha val="90000"/>
+      </a:schemeClr>
+      <a:schemeClr val="accent3">
+        <a:tint val="40000"/>
+        <a:alpha val="90000"/>
+      </a:schemeClr>
+    </dgm:linClrLst>
+    <dgm:effectClrLst/>
+    <dgm:txLinClrLst/>
+    <dgm:txFillClrLst meth="repeat">
+      <a:schemeClr val="dk1"/>
+    </dgm:txFillClrLst>
+    <dgm:txEffectClrLst/>
+  </dgm:styleLbl>
+  <dgm:styleLbl name="alignAccFollowNode1">
+    <dgm:fillClrLst>
+      <a:schemeClr val="accent2">
+        <a:tint val="40000"/>
+        <a:alpha val="90000"/>
+      </a:schemeClr>
+      <a:schemeClr val="accent3">
+        <a:tint val="40000"/>
+        <a:alpha val="90000"/>
+      </a:schemeClr>
+    </dgm:fillClrLst>
+    <dgm:linClrLst>
+      <a:schemeClr val="accent2">
+        <a:tint val="40000"/>
+        <a:alpha val="90000"/>
+      </a:schemeClr>
+      <a:schemeClr val="accent3">
+        <a:tint val="40000"/>
+        <a:alpha val="90000"/>
+      </a:schemeClr>
+    </dgm:linClrLst>
+    <dgm:effectClrLst/>
+    <dgm:txLinClrLst/>
+    <dgm:txFillClrLst meth="repeat">
+      <a:schemeClr val="dk1"/>
+    </dgm:txFillClrLst>
+    <dgm:txEffectClrLst/>
+  </dgm:styleLbl>
+  <dgm:styleLbl name="bgAccFollowNode1">
+    <dgm:fillClrLst>
+      <a:schemeClr val="accent2">
+        <a:tint val="40000"/>
+        <a:alpha val="90000"/>
+      </a:schemeClr>
+      <a:schemeClr val="accent3">
+        <a:tint val="40000"/>
+        <a:alpha val="90000"/>
+      </a:schemeClr>
+    </dgm:fillClrLst>
+    <dgm:linClrLst>
+      <a:schemeClr val="accent2">
+        <a:tint val="40000"/>
+        <a:alpha val="90000"/>
+      </a:schemeClr>
+      <a:schemeClr val="accent3">
+        <a:tint val="40000"/>
+        <a:alpha val="90000"/>
+      </a:schemeClr>
+    </dgm:linClrLst>
+    <dgm:effectClrLst/>
+    <dgm:txLinClrLst/>
+    <dgm:txFillClrLst meth="repeat">
+      <a:schemeClr val="dk1"/>
+    </dgm:txFillClrLst>
+    <dgm:txEffectClrLst/>
+  </dgm:styleLbl>
+  <dgm:styleLbl name="fgAcc0">
+    <dgm:fillClrLst meth="repeat">
+      <a:schemeClr val="lt1">
+        <a:alpha val="90000"/>
+      </a:schemeClr>
+    </dgm:fillClrLst>
+    <dgm:linClrLst>
+      <a:schemeClr val="accent1"/>
+    </dgm:linClrLst>
+    <dgm:effectClrLst/>
+    <dgm:txLinClrLst/>
+    <dgm:txFillClrLst meth="repeat">
+      <a:schemeClr val="dk1"/>
+    </dgm:txFillClrLst>
+    <dgm:txEffectClrLst/>
+  </dgm:styleLbl>
+  <dgm:styleLbl name="fgAcc2">
+    <dgm:fillClrLst meth="repeat">
+      <a:schemeClr val="lt1">
+        <a:alpha val="90000"/>
+      </a:schemeClr>
+    </dgm:fillClrLst>
+    <dgm:linClrLst>
+      <a:schemeClr val="accent3"/>
+    </dgm:linClrLst>
+    <dgm:effectClrLst/>
+    <dgm:txLinClrLst/>
+    <dgm:txFillClrLst meth="repeat">
+      <a:schemeClr val="dk1"/>
+    </dgm:txFillClrLst>
+    <dgm:txEffectClrLst/>
+  </dgm:styleLbl>
+  <dgm:styleLbl name="fgAcc3">
+    <dgm:fillClrLst meth="repeat">
+      <a:schemeClr val="lt1">
+        <a:alpha val="90000"/>
+      </a:schemeClr>
+    </dgm:fillClrLst>
+    <dgm:linClrLst>
+      <a:schemeClr val="accent4"/>
+    </dgm:linClrLst>
+    <dgm:effectClrLst/>
+    <dgm:txLinClrLst/>
+    <dgm:txFillClrLst meth="repeat">
+      <a:schemeClr val="dk1"/>
+    </dgm:txFillClrLst>
+    <dgm:txEffectClrLst/>
+  </dgm:styleLbl>
+  <dgm:styleLbl name="fgAcc4">
+    <dgm:fillClrLst meth="repeat">
+      <a:schemeClr val="lt1">
+        <a:alpha val="90000"/>
+      </a:schemeClr>
+    </dgm:fillClrLst>
+    <dgm:linClrLst>
+      <a:schemeClr val="accent5"/>
+    </dgm:linClrLst>
+    <dgm:effectClrLst/>
+    <dgm:txLinClrLst/>
+    <dgm:txFillClrLst meth="repeat">
+      <a:schemeClr val="dk1"/>
+    </dgm:txFillClrLst>
+    <dgm:txEffectClrLst/>
+  </dgm:styleLbl>
+  <dgm:styleLbl name="bgShp">
+    <dgm:fillClrLst meth="repeat">
+      <a:schemeClr val="accent2">
+        <a:tint val="40000"/>
+      </a:schemeClr>
+    </dgm:fillClrLst>
+    <dgm:linClrLst meth="repeat">
+      <a:schemeClr val="dk1"/>
+    </dgm:linClrLst>
+    <dgm:effectClrLst/>
+    <dgm:txLinClrLst/>
+    <dgm:txFillClrLst meth="repeat">
+      <a:schemeClr val="dk1"/>
+    </dgm:txFillClrLst>
+    <dgm:txEffectClrLst/>
+  </dgm:styleLbl>
+  <dgm:styleLbl name="dkBgShp">
+    <dgm:fillClrLst meth="repeat">
+      <a:schemeClr val="accent2">
+        <a:shade val="90000"/>
+      </a:schemeClr>
+    </dgm:fillClrLst>
+    <dgm:linClrLst meth="repeat">
+      <a:schemeClr val="dk1"/>
+    </dgm:linClrLst>
+    <dgm:effectClrLst/>
+    <dgm:txLinClrLst/>
+    <dgm:txFillClrLst meth="repeat">
+      <a:schemeClr val="lt1"/>
+    </dgm:txFillClrLst>
+    <dgm:txEffectClrLst/>
+  </dgm:styleLbl>
+  <dgm:styleLbl name="trBgShp">
+    <dgm:fillClrLst meth="repeat">
+      <a:schemeClr val="accent2">
+        <a:tint val="50000"/>
+        <a:alpha val="40000"/>
+      </a:schemeClr>
+    </dgm:fillClrLst>
+    <dgm:linClrLst meth="repeat">
+      <a:schemeClr val="accent2"/>
+    </dgm:linClrLst>
+    <dgm:effectClrLst/>
+    <dgm:txLinClrLst/>
+    <dgm:txFillClrLst meth="repeat">
+      <a:schemeClr val="lt1"/>
+    </dgm:txFillClrLst>
+    <dgm:txEffectClrLst/>
+  </dgm:styleLbl>
+  <dgm:styleLbl name="fgShp">
+    <dgm:fillClrLst meth="repeat">
+      <a:schemeClr val="accent2">
+        <a:tint val="40000"/>
+      </a:schemeClr>
+    </dgm:fillClrLst>
+    <dgm:linClrLst meth="repeat">
+      <a:schemeClr val="lt1"/>
+    </dgm:linClrLst>
+    <dgm:effectClrLst/>
+    <dgm:txLinClrLst/>
+    <dgm:txFillClrLst meth="repeat">
+      <a:schemeClr val="dk1"/>
+    </dgm:txFillClrLst>
+    <dgm:txEffectClrLst/>
+  </dgm:styleLbl>
+  <dgm:styleLbl name="revTx">
+    <dgm:fillClrLst meth="repeat">
+      <a:schemeClr val="lt1">
+        <a:alpha val="0"/>
+      </a:schemeClr>
+    </dgm:fillClrLst>
+    <dgm:linClrLst meth="repeat">
+      <a:schemeClr val="dk1">
+        <a:alpha val="0"/>
+      </a:schemeClr>
+    </dgm:linClrLst>
+    <dgm:effectClrLst/>
+    <dgm:txLinClrLst/>
+    <dgm:txFillClrLst meth="repeat">
+      <a:schemeClr val="tx1"/>
     </dgm:txFillClrLst>
     <dgm:txEffectClrLst/>
   </dgm:styleLbl>
@@ -5129,6 +5913,621 @@
   <dgm:extLst>
     <a:ext uri="http://schemas.microsoft.com/office/drawing/2008/diagram">
       <dsp:dataModelExt xmlns:dsp="http://schemas.microsoft.com/office/drawing/2008/diagram" relId="rId9" minVer="http://schemas.openxmlformats.org/drawingml/2006/diagram"/>
+    </a:ext>
+  </dgm:extLst>
+</dgm:dataModel>
+</file>
+
+<file path=ppt/diagrams/data5.xml><?xml version="1.0" encoding="utf-8"?>
+<dgm:dataModel xmlns:dgm="http://schemas.openxmlformats.org/drawingml/2006/diagram" xmlns:a="http://schemas.openxmlformats.org/drawingml/2006/main">
+  <dgm:ptLst>
+    <dgm:pt modelId="{30A64EE1-ED2B-4785-8814-350F7A750F06}" type="doc">
+      <dgm:prSet loTypeId="urn:microsoft.com/office/officeart/2005/8/layout/vList2" loCatId="list" qsTypeId="urn:microsoft.com/office/officeart/2005/8/quickstyle/simple1" qsCatId="simple" csTypeId="urn:microsoft.com/office/officeart/2005/8/colors/colorful2" csCatId="colorful"/>
+      <dgm:spPr/>
+      <dgm:t>
+        <a:bodyPr/>
+        <a:lstStyle/>
+        <a:p>
+          <a:endParaRPr lang="en-US"/>
+        </a:p>
+      </dgm:t>
+    </dgm:pt>
+    <dgm:pt modelId="{2E23B28D-6959-45F3-A704-67D392932DC4}">
+      <dgm:prSet/>
+      <dgm:spPr/>
+      <dgm:t>
+        <a:bodyPr/>
+        <a:lstStyle/>
+        <a:p>
+          <a:r>
+            <a:rPr lang="en-US"/>
+            <a:t>The output is an excel workbook with the following sheets:</a:t>
+          </a:r>
+        </a:p>
+      </dgm:t>
+    </dgm:pt>
+    <dgm:pt modelId="{7379C4C6-F1FD-4031-B1E0-2BF5E717AE19}" type="parTrans" cxnId="{27AB9532-A965-4F41-A0C9-8B695B2E0619}">
+      <dgm:prSet/>
+      <dgm:spPr/>
+      <dgm:t>
+        <a:bodyPr/>
+        <a:lstStyle/>
+        <a:p>
+          <a:endParaRPr lang="en-US"/>
+        </a:p>
+      </dgm:t>
+    </dgm:pt>
+    <dgm:pt modelId="{23A6930F-EE96-4DE1-8E17-421394D77DF2}" type="sibTrans" cxnId="{27AB9532-A965-4F41-A0C9-8B695B2E0619}">
+      <dgm:prSet/>
+      <dgm:spPr/>
+      <dgm:t>
+        <a:bodyPr/>
+        <a:lstStyle/>
+        <a:p>
+          <a:endParaRPr lang="en-US"/>
+        </a:p>
+      </dgm:t>
+    </dgm:pt>
+    <dgm:pt modelId="{212DECA5-7164-46FB-A2BB-666DE0302A37}">
+      <dgm:prSet/>
+      <dgm:spPr/>
+      <dgm:t>
+        <a:bodyPr/>
+        <a:lstStyle/>
+        <a:p>
+          <a:r>
+            <a:rPr lang="en-US"/>
+            <a:t>Certificate</a:t>
+          </a:r>
+        </a:p>
+      </dgm:t>
+    </dgm:pt>
+    <dgm:pt modelId="{765B5BBE-4DC7-4DC4-8F84-39F7653E07E7}" type="parTrans" cxnId="{45B7256E-9A30-492A-8AAA-8B2C2FB5D4F4}">
+      <dgm:prSet/>
+      <dgm:spPr/>
+      <dgm:t>
+        <a:bodyPr/>
+        <a:lstStyle/>
+        <a:p>
+          <a:endParaRPr lang="en-US"/>
+        </a:p>
+      </dgm:t>
+    </dgm:pt>
+    <dgm:pt modelId="{663FC0C2-00D6-4FA4-A5DB-3194E31EA072}" type="sibTrans" cxnId="{45B7256E-9A30-492A-8AAA-8B2C2FB5D4F4}">
+      <dgm:prSet/>
+      <dgm:spPr/>
+      <dgm:t>
+        <a:bodyPr/>
+        <a:lstStyle/>
+        <a:p>
+          <a:endParaRPr lang="en-US"/>
+        </a:p>
+      </dgm:t>
+    </dgm:pt>
+    <dgm:pt modelId="{49EFAA4D-6612-487C-B7EA-2C146E0914B4}">
+      <dgm:prSet/>
+      <dgm:spPr/>
+      <dgm:t>
+        <a:bodyPr/>
+        <a:lstStyle/>
+        <a:p>
+          <a:r>
+            <a:rPr lang="en-US"/>
+            <a:t>ATM Manual Balancing</a:t>
+          </a:r>
+        </a:p>
+      </dgm:t>
+    </dgm:pt>
+    <dgm:pt modelId="{03037EBA-9364-4350-AA8A-5F0DAD4737C3}" type="parTrans" cxnId="{BEFE4BC5-757C-4C83-8E55-7AD6A811692C}">
+      <dgm:prSet/>
+      <dgm:spPr/>
+      <dgm:t>
+        <a:bodyPr/>
+        <a:lstStyle/>
+        <a:p>
+          <a:endParaRPr lang="en-US"/>
+        </a:p>
+      </dgm:t>
+    </dgm:pt>
+    <dgm:pt modelId="{125C175E-3E07-49FA-B37C-EC5648849362}" type="sibTrans" cxnId="{BEFE4BC5-757C-4C83-8E55-7AD6A811692C}">
+      <dgm:prSet/>
+      <dgm:spPr/>
+      <dgm:t>
+        <a:bodyPr/>
+        <a:lstStyle/>
+        <a:p>
+          <a:endParaRPr lang="en-US"/>
+        </a:p>
+      </dgm:t>
+    </dgm:pt>
+    <dgm:pt modelId="{7C8503B3-5D68-490A-B569-8D62FC6A7B2E}">
+      <dgm:prSet/>
+      <dgm:spPr/>
+      <dgm:t>
+        <a:bodyPr/>
+        <a:lstStyle/>
+        <a:p>
+          <a:r>
+            <a:rPr lang="en-US"/>
+            <a:t>Manual Balancing Transactions</a:t>
+          </a:r>
+        </a:p>
+      </dgm:t>
+    </dgm:pt>
+    <dgm:pt modelId="{3AA656D2-1644-4243-9D04-D15F82A54F0E}" type="parTrans" cxnId="{5CA5507A-7A0C-410D-8B6E-34C58238BB89}">
+      <dgm:prSet/>
+      <dgm:spPr/>
+      <dgm:t>
+        <a:bodyPr/>
+        <a:lstStyle/>
+        <a:p>
+          <a:endParaRPr lang="en-US"/>
+        </a:p>
+      </dgm:t>
+    </dgm:pt>
+    <dgm:pt modelId="{15BDF394-F50A-4C74-A91D-A1E11CC770E7}" type="sibTrans" cxnId="{5CA5507A-7A0C-410D-8B6E-34C58238BB89}">
+      <dgm:prSet/>
+      <dgm:spPr/>
+      <dgm:t>
+        <a:bodyPr/>
+        <a:lstStyle/>
+        <a:p>
+          <a:endParaRPr lang="en-US"/>
+        </a:p>
+      </dgm:t>
+    </dgm:pt>
+    <dgm:pt modelId="{40BCEB96-7B02-4053-AECD-A64C6CE4A228}">
+      <dgm:prSet/>
+      <dgm:spPr/>
+      <dgm:t>
+        <a:bodyPr/>
+        <a:lstStyle/>
+        <a:p>
+          <a:r>
+            <a:rPr lang="en-US"/>
+            <a:t>ATM Recon</a:t>
+          </a:r>
+        </a:p>
+      </dgm:t>
+    </dgm:pt>
+    <dgm:pt modelId="{CF7F2CF0-13C1-4659-B632-DACA77023BF5}" type="parTrans" cxnId="{657EB2B3-B231-4B1B-BE40-43B0FCA9C3A2}">
+      <dgm:prSet/>
+      <dgm:spPr/>
+      <dgm:t>
+        <a:bodyPr/>
+        <a:lstStyle/>
+        <a:p>
+          <a:endParaRPr lang="en-US"/>
+        </a:p>
+      </dgm:t>
+    </dgm:pt>
+    <dgm:pt modelId="{1D46E035-5E7E-481C-83A9-0970C3637A70}" type="sibTrans" cxnId="{657EB2B3-B231-4B1B-BE40-43B0FCA9C3A2}">
+      <dgm:prSet/>
+      <dgm:spPr/>
+      <dgm:t>
+        <a:bodyPr/>
+        <a:lstStyle/>
+        <a:p>
+          <a:endParaRPr lang="en-US"/>
+        </a:p>
+      </dgm:t>
+    </dgm:pt>
+    <dgm:pt modelId="{AA777A37-D16B-4189-8E77-0AB7A6816139}">
+      <dgm:prSet/>
+      <dgm:spPr/>
+      <dgm:t>
+        <a:bodyPr/>
+        <a:lstStyle/>
+        <a:p>
+          <a:r>
+            <a:rPr lang="en-US"/>
+            <a:t>GL</a:t>
+          </a:r>
+        </a:p>
+      </dgm:t>
+    </dgm:pt>
+    <dgm:pt modelId="{32B45E31-3540-4479-8714-842BA7635153}" type="parTrans" cxnId="{A3E4D0CA-3EA0-4DAF-B6E8-D2FD6E11D246}">
+      <dgm:prSet/>
+      <dgm:spPr/>
+      <dgm:t>
+        <a:bodyPr/>
+        <a:lstStyle/>
+        <a:p>
+          <a:endParaRPr lang="en-US"/>
+        </a:p>
+      </dgm:t>
+    </dgm:pt>
+    <dgm:pt modelId="{76186BD9-324D-40EE-9301-B39D35B1FE8D}" type="sibTrans" cxnId="{A3E4D0CA-3EA0-4DAF-B6E8-D2FD6E11D246}">
+      <dgm:prSet/>
+      <dgm:spPr/>
+      <dgm:t>
+        <a:bodyPr/>
+        <a:lstStyle/>
+        <a:p>
+          <a:endParaRPr lang="en-US"/>
+        </a:p>
+      </dgm:t>
+    </dgm:pt>
+    <dgm:pt modelId="{6B41087A-1946-439C-8209-ED131B1CB89E}">
+      <dgm:prSet/>
+      <dgm:spPr/>
+      <dgm:t>
+        <a:bodyPr/>
+        <a:lstStyle/>
+        <a:p>
+          <a:r>
+            <a:rPr lang="en-US"/>
+            <a:t>FEP</a:t>
+          </a:r>
+        </a:p>
+      </dgm:t>
+    </dgm:pt>
+    <dgm:pt modelId="{F3D57AD6-9774-4DD0-9B2C-A053A83D93AE}" type="parTrans" cxnId="{695EC443-57D9-486F-A45F-3D4B9177E04C}">
+      <dgm:prSet/>
+      <dgm:spPr/>
+      <dgm:t>
+        <a:bodyPr/>
+        <a:lstStyle/>
+        <a:p>
+          <a:endParaRPr lang="en-US"/>
+        </a:p>
+      </dgm:t>
+    </dgm:pt>
+    <dgm:pt modelId="{E112C2EF-713D-4970-803D-7F389BEA349A}" type="sibTrans" cxnId="{695EC443-57D9-486F-A45F-3D4B9177E04C}">
+      <dgm:prSet/>
+      <dgm:spPr/>
+      <dgm:t>
+        <a:bodyPr/>
+        <a:lstStyle/>
+        <a:p>
+          <a:endParaRPr lang="en-US"/>
+        </a:p>
+      </dgm:t>
+    </dgm:pt>
+    <dgm:pt modelId="{A43CDE11-B066-4E0E-9FBB-4477D9413428}">
+      <dgm:prSet/>
+      <dgm:spPr/>
+      <dgm:t>
+        <a:bodyPr/>
+        <a:lstStyle/>
+        <a:p>
+          <a:r>
+            <a:rPr lang="en-US"/>
+            <a:t>Transactions after cash count before EOD</a:t>
+          </a:r>
+        </a:p>
+      </dgm:t>
+    </dgm:pt>
+    <dgm:pt modelId="{35DDC4D3-72E6-4853-9731-3E34205C0271}" type="parTrans" cxnId="{FCD19351-17C1-4C22-8A90-1D9480A5E63D}">
+      <dgm:prSet/>
+      <dgm:spPr/>
+      <dgm:t>
+        <a:bodyPr/>
+        <a:lstStyle/>
+        <a:p>
+          <a:endParaRPr lang="en-US"/>
+        </a:p>
+      </dgm:t>
+    </dgm:pt>
+    <dgm:pt modelId="{8A699F55-21C9-4FDD-9405-E1991B60D55B}" type="sibTrans" cxnId="{FCD19351-17C1-4C22-8A90-1D9480A5E63D}">
+      <dgm:prSet/>
+      <dgm:spPr/>
+      <dgm:t>
+        <a:bodyPr/>
+        <a:lstStyle/>
+        <a:p>
+          <a:endParaRPr lang="en-US"/>
+        </a:p>
+      </dgm:t>
+    </dgm:pt>
+    <dgm:pt modelId="{A2CFE07A-0ED6-49BD-B3E1-3CD288929B59}">
+      <dgm:prSet/>
+      <dgm:spPr/>
+      <dgm:t>
+        <a:bodyPr/>
+        <a:lstStyle/>
+        <a:p>
+          <a:r>
+            <a:rPr lang="en-US"/>
+            <a:t>Suspected Dispense Error</a:t>
+          </a:r>
+        </a:p>
+      </dgm:t>
+    </dgm:pt>
+    <dgm:pt modelId="{9925157B-878C-4F7C-986E-1CA33CED1619}" type="parTrans" cxnId="{27BFA6E1-10FE-4EB5-9D86-C4E862A1C0D7}">
+      <dgm:prSet/>
+      <dgm:spPr/>
+      <dgm:t>
+        <a:bodyPr/>
+        <a:lstStyle/>
+        <a:p>
+          <a:endParaRPr lang="en-US"/>
+        </a:p>
+      </dgm:t>
+    </dgm:pt>
+    <dgm:pt modelId="{1D75DCBA-9137-46ED-8413-844526D95B8A}" type="sibTrans" cxnId="{27BFA6E1-10FE-4EB5-9D86-C4E862A1C0D7}">
+      <dgm:prSet/>
+      <dgm:spPr/>
+      <dgm:t>
+        <a:bodyPr/>
+        <a:lstStyle/>
+        <a:p>
+          <a:endParaRPr lang="en-US"/>
+        </a:p>
+      </dgm:t>
+    </dgm:pt>
+    <dgm:pt modelId="{264CA754-2AEB-475C-872F-805519F520EB}">
+      <dgm:prSet/>
+      <dgm:spPr/>
+      <dgm:t>
+        <a:bodyPr/>
+        <a:lstStyle/>
+        <a:p>
+          <a:r>
+            <a:rPr lang="en-US"/>
+            <a:t>On FEP not on GL</a:t>
+          </a:r>
+        </a:p>
+      </dgm:t>
+    </dgm:pt>
+    <dgm:pt modelId="{F9B6410A-2D8F-4BFE-ACDB-9C71936EDE1F}" type="parTrans" cxnId="{826B365A-E7FF-4BD1-8AD0-8E6F93B9933C}">
+      <dgm:prSet/>
+      <dgm:spPr/>
+      <dgm:t>
+        <a:bodyPr/>
+        <a:lstStyle/>
+        <a:p>
+          <a:endParaRPr lang="en-US"/>
+        </a:p>
+      </dgm:t>
+    </dgm:pt>
+    <dgm:pt modelId="{62DEB06A-4639-4894-B488-985D7331727B}" type="sibTrans" cxnId="{826B365A-E7FF-4BD1-8AD0-8E6F93B9933C}">
+      <dgm:prSet/>
+      <dgm:spPr/>
+      <dgm:t>
+        <a:bodyPr/>
+        <a:lstStyle/>
+        <a:p>
+          <a:endParaRPr lang="en-US"/>
+        </a:p>
+      </dgm:t>
+    </dgm:pt>
+    <dgm:pt modelId="{C0656509-78B2-4669-8DFF-F4843BB161CA}">
+      <dgm:prSet/>
+      <dgm:spPr/>
+      <dgm:t>
+        <a:bodyPr/>
+        <a:lstStyle/>
+        <a:p>
+          <a:r>
+            <a:rPr lang="en-US"/>
+            <a:t>On GL not on FEP</a:t>
+          </a:r>
+        </a:p>
+      </dgm:t>
+    </dgm:pt>
+    <dgm:pt modelId="{4192B34A-CA8F-4C0C-99E9-E0D3A09D27DC}" type="parTrans" cxnId="{76720E7B-5DCA-4233-AE8A-8ED44518D2D4}">
+      <dgm:prSet/>
+      <dgm:spPr/>
+      <dgm:t>
+        <a:bodyPr/>
+        <a:lstStyle/>
+        <a:p>
+          <a:endParaRPr lang="en-US"/>
+        </a:p>
+      </dgm:t>
+    </dgm:pt>
+    <dgm:pt modelId="{477EC6BA-6214-4860-B69A-1A17C4A28E79}" type="sibTrans" cxnId="{76720E7B-5DCA-4233-AE8A-8ED44518D2D4}">
+      <dgm:prSet/>
+      <dgm:spPr/>
+      <dgm:t>
+        <a:bodyPr/>
+        <a:lstStyle/>
+        <a:p>
+          <a:endParaRPr lang="en-US"/>
+        </a:p>
+      </dgm:t>
+    </dgm:pt>
+    <dgm:pt modelId="{AD4E1639-B3BA-49BE-BB9D-5F77E0517A3A}" type="pres">
+      <dgm:prSet presAssocID="{30A64EE1-ED2B-4785-8814-350F7A750F06}" presName="linear" presStyleCnt="0">
+        <dgm:presLayoutVars>
+          <dgm:animLvl val="lvl"/>
+          <dgm:resizeHandles val="exact"/>
+        </dgm:presLayoutVars>
+      </dgm:prSet>
+      <dgm:spPr/>
+    </dgm:pt>
+    <dgm:pt modelId="{F09EA2D2-955F-4B53-82E3-6BC6C5392B77}" type="pres">
+      <dgm:prSet presAssocID="{2E23B28D-6959-45F3-A704-67D392932DC4}" presName="parentText" presStyleLbl="node1" presStyleIdx="0" presStyleCnt="11">
+        <dgm:presLayoutVars>
+          <dgm:chMax val="0"/>
+          <dgm:bulletEnabled val="1"/>
+        </dgm:presLayoutVars>
+      </dgm:prSet>
+      <dgm:spPr/>
+    </dgm:pt>
+    <dgm:pt modelId="{019D156D-FA8B-4652-A242-83B6D131E6FA}" type="pres">
+      <dgm:prSet presAssocID="{23A6930F-EE96-4DE1-8E17-421394D77DF2}" presName="spacer" presStyleCnt="0"/>
+      <dgm:spPr/>
+    </dgm:pt>
+    <dgm:pt modelId="{873B67AB-E060-4DA9-9B94-7D2F41E879FE}" type="pres">
+      <dgm:prSet presAssocID="{212DECA5-7164-46FB-A2BB-666DE0302A37}" presName="parentText" presStyleLbl="node1" presStyleIdx="1" presStyleCnt="11">
+        <dgm:presLayoutVars>
+          <dgm:chMax val="0"/>
+          <dgm:bulletEnabled val="1"/>
+        </dgm:presLayoutVars>
+      </dgm:prSet>
+      <dgm:spPr/>
+    </dgm:pt>
+    <dgm:pt modelId="{B09FA1EF-AE8A-46BC-822C-DE3029E6D6ED}" type="pres">
+      <dgm:prSet presAssocID="{663FC0C2-00D6-4FA4-A5DB-3194E31EA072}" presName="spacer" presStyleCnt="0"/>
+      <dgm:spPr/>
+    </dgm:pt>
+    <dgm:pt modelId="{048B0616-7902-4F34-A610-E8431E5DCBA3}" type="pres">
+      <dgm:prSet presAssocID="{49EFAA4D-6612-487C-B7EA-2C146E0914B4}" presName="parentText" presStyleLbl="node1" presStyleIdx="2" presStyleCnt="11">
+        <dgm:presLayoutVars>
+          <dgm:chMax val="0"/>
+          <dgm:bulletEnabled val="1"/>
+        </dgm:presLayoutVars>
+      </dgm:prSet>
+      <dgm:spPr/>
+    </dgm:pt>
+    <dgm:pt modelId="{6A04BEC9-E1ED-43CD-9252-EA37F79706C0}" type="pres">
+      <dgm:prSet presAssocID="{125C175E-3E07-49FA-B37C-EC5648849362}" presName="spacer" presStyleCnt="0"/>
+      <dgm:spPr/>
+    </dgm:pt>
+    <dgm:pt modelId="{2B56AA36-DE4A-4486-AFFC-7BDA651A5ECD}" type="pres">
+      <dgm:prSet presAssocID="{7C8503B3-5D68-490A-B569-8D62FC6A7B2E}" presName="parentText" presStyleLbl="node1" presStyleIdx="3" presStyleCnt="11">
+        <dgm:presLayoutVars>
+          <dgm:chMax val="0"/>
+          <dgm:bulletEnabled val="1"/>
+        </dgm:presLayoutVars>
+      </dgm:prSet>
+      <dgm:spPr/>
+    </dgm:pt>
+    <dgm:pt modelId="{CDA37DE9-7604-412A-86BE-E5806C9249FC}" type="pres">
+      <dgm:prSet presAssocID="{15BDF394-F50A-4C74-A91D-A1E11CC770E7}" presName="spacer" presStyleCnt="0"/>
+      <dgm:spPr/>
+    </dgm:pt>
+    <dgm:pt modelId="{39B56475-CCB7-479E-9E3E-CFF594233A08}" type="pres">
+      <dgm:prSet presAssocID="{40BCEB96-7B02-4053-AECD-A64C6CE4A228}" presName="parentText" presStyleLbl="node1" presStyleIdx="4" presStyleCnt="11">
+        <dgm:presLayoutVars>
+          <dgm:chMax val="0"/>
+          <dgm:bulletEnabled val="1"/>
+        </dgm:presLayoutVars>
+      </dgm:prSet>
+      <dgm:spPr/>
+    </dgm:pt>
+    <dgm:pt modelId="{CE24C5EC-8226-48BB-BCC5-0784983D8CB5}" type="pres">
+      <dgm:prSet presAssocID="{1D46E035-5E7E-481C-83A9-0970C3637A70}" presName="spacer" presStyleCnt="0"/>
+      <dgm:spPr/>
+    </dgm:pt>
+    <dgm:pt modelId="{48833CC6-CA0F-4446-8B0D-B8DC807CE964}" type="pres">
+      <dgm:prSet presAssocID="{AA777A37-D16B-4189-8E77-0AB7A6816139}" presName="parentText" presStyleLbl="node1" presStyleIdx="5" presStyleCnt="11">
+        <dgm:presLayoutVars>
+          <dgm:chMax val="0"/>
+          <dgm:bulletEnabled val="1"/>
+        </dgm:presLayoutVars>
+      </dgm:prSet>
+      <dgm:spPr/>
+    </dgm:pt>
+    <dgm:pt modelId="{13130E28-0EA7-4037-A7C9-B69EAF636B5E}" type="pres">
+      <dgm:prSet presAssocID="{76186BD9-324D-40EE-9301-B39D35B1FE8D}" presName="spacer" presStyleCnt="0"/>
+      <dgm:spPr/>
+    </dgm:pt>
+    <dgm:pt modelId="{CEF55570-F0EA-4562-857E-2E4FCCA41A7F}" type="pres">
+      <dgm:prSet presAssocID="{6B41087A-1946-439C-8209-ED131B1CB89E}" presName="parentText" presStyleLbl="node1" presStyleIdx="6" presStyleCnt="11">
+        <dgm:presLayoutVars>
+          <dgm:chMax val="0"/>
+          <dgm:bulletEnabled val="1"/>
+        </dgm:presLayoutVars>
+      </dgm:prSet>
+      <dgm:spPr/>
+    </dgm:pt>
+    <dgm:pt modelId="{D389A694-A882-4E68-A303-645F76FAFD17}" type="pres">
+      <dgm:prSet presAssocID="{E112C2EF-713D-4970-803D-7F389BEA349A}" presName="spacer" presStyleCnt="0"/>
+      <dgm:spPr/>
+    </dgm:pt>
+    <dgm:pt modelId="{E8C0DC90-D5ED-4758-A068-E8CB9BEE9506}" type="pres">
+      <dgm:prSet presAssocID="{A43CDE11-B066-4E0E-9FBB-4477D9413428}" presName="parentText" presStyleLbl="node1" presStyleIdx="7" presStyleCnt="11">
+        <dgm:presLayoutVars>
+          <dgm:chMax val="0"/>
+          <dgm:bulletEnabled val="1"/>
+        </dgm:presLayoutVars>
+      </dgm:prSet>
+      <dgm:spPr/>
+    </dgm:pt>
+    <dgm:pt modelId="{D07B3DAF-56AA-472A-BA57-705A623AEBEA}" type="pres">
+      <dgm:prSet presAssocID="{8A699F55-21C9-4FDD-9405-E1991B60D55B}" presName="spacer" presStyleCnt="0"/>
+      <dgm:spPr/>
+    </dgm:pt>
+    <dgm:pt modelId="{68FEE1A7-A087-40DD-88DA-C617133E7AA8}" type="pres">
+      <dgm:prSet presAssocID="{A2CFE07A-0ED6-49BD-B3E1-3CD288929B59}" presName="parentText" presStyleLbl="node1" presStyleIdx="8" presStyleCnt="11">
+        <dgm:presLayoutVars>
+          <dgm:chMax val="0"/>
+          <dgm:bulletEnabled val="1"/>
+        </dgm:presLayoutVars>
+      </dgm:prSet>
+      <dgm:spPr/>
+    </dgm:pt>
+    <dgm:pt modelId="{99F18A85-CB68-4884-87EB-7691F1A0AFF4}" type="pres">
+      <dgm:prSet presAssocID="{1D75DCBA-9137-46ED-8413-844526D95B8A}" presName="spacer" presStyleCnt="0"/>
+      <dgm:spPr/>
+    </dgm:pt>
+    <dgm:pt modelId="{FF561B23-B0A4-475F-968C-0A97F78F2A03}" type="pres">
+      <dgm:prSet presAssocID="{264CA754-2AEB-475C-872F-805519F520EB}" presName="parentText" presStyleLbl="node1" presStyleIdx="9" presStyleCnt="11">
+        <dgm:presLayoutVars>
+          <dgm:chMax val="0"/>
+          <dgm:bulletEnabled val="1"/>
+        </dgm:presLayoutVars>
+      </dgm:prSet>
+      <dgm:spPr/>
+    </dgm:pt>
+    <dgm:pt modelId="{06DEB34C-231E-40FF-A737-3A3F2A3B6529}" type="pres">
+      <dgm:prSet presAssocID="{62DEB06A-4639-4894-B488-985D7331727B}" presName="spacer" presStyleCnt="0"/>
+      <dgm:spPr/>
+    </dgm:pt>
+    <dgm:pt modelId="{6D9E0C88-9855-478E-AA27-AC4BC96CD4FC}" type="pres">
+      <dgm:prSet presAssocID="{C0656509-78B2-4669-8DFF-F4843BB161CA}" presName="parentText" presStyleLbl="node1" presStyleIdx="10" presStyleCnt="11">
+        <dgm:presLayoutVars>
+          <dgm:chMax val="0"/>
+          <dgm:bulletEnabled val="1"/>
+        </dgm:presLayoutVars>
+      </dgm:prSet>
+      <dgm:spPr/>
+    </dgm:pt>
+  </dgm:ptLst>
+  <dgm:cxnLst>
+    <dgm:cxn modelId="{20A66B29-6405-49EF-8C83-88D82B6BD0AC}" type="presOf" srcId="{6B41087A-1946-439C-8209-ED131B1CB89E}" destId="{CEF55570-F0EA-4562-857E-2E4FCCA41A7F}" srcOrd="0" destOrd="0" presId="urn:microsoft.com/office/officeart/2005/8/layout/vList2"/>
+    <dgm:cxn modelId="{C31E6F29-4FA5-48AA-B95A-F496F763C837}" type="presOf" srcId="{264CA754-2AEB-475C-872F-805519F520EB}" destId="{FF561B23-B0A4-475F-968C-0A97F78F2A03}" srcOrd="0" destOrd="0" presId="urn:microsoft.com/office/officeart/2005/8/layout/vList2"/>
+    <dgm:cxn modelId="{27AB9532-A965-4F41-A0C9-8B695B2E0619}" srcId="{30A64EE1-ED2B-4785-8814-350F7A750F06}" destId="{2E23B28D-6959-45F3-A704-67D392932DC4}" srcOrd="0" destOrd="0" parTransId="{7379C4C6-F1FD-4031-B1E0-2BF5E717AE19}" sibTransId="{23A6930F-EE96-4DE1-8E17-421394D77DF2}"/>
+    <dgm:cxn modelId="{50C7F238-6924-4815-B25F-417AB556C784}" type="presOf" srcId="{212DECA5-7164-46FB-A2BB-666DE0302A37}" destId="{873B67AB-E060-4DA9-9B94-7D2F41E879FE}" srcOrd="0" destOrd="0" presId="urn:microsoft.com/office/officeart/2005/8/layout/vList2"/>
+    <dgm:cxn modelId="{8AB33E3B-9664-418D-A490-791CA14535C6}" type="presOf" srcId="{40BCEB96-7B02-4053-AECD-A64C6CE4A228}" destId="{39B56475-CCB7-479E-9E3E-CFF594233A08}" srcOrd="0" destOrd="0" presId="urn:microsoft.com/office/officeart/2005/8/layout/vList2"/>
+    <dgm:cxn modelId="{695EC443-57D9-486F-A45F-3D4B9177E04C}" srcId="{30A64EE1-ED2B-4785-8814-350F7A750F06}" destId="{6B41087A-1946-439C-8209-ED131B1CB89E}" srcOrd="6" destOrd="0" parTransId="{F3D57AD6-9774-4DD0-9B2C-A053A83D93AE}" sibTransId="{E112C2EF-713D-4970-803D-7F389BEA349A}"/>
+    <dgm:cxn modelId="{45B7256E-9A30-492A-8AAA-8B2C2FB5D4F4}" srcId="{30A64EE1-ED2B-4785-8814-350F7A750F06}" destId="{212DECA5-7164-46FB-A2BB-666DE0302A37}" srcOrd="1" destOrd="0" parTransId="{765B5BBE-4DC7-4DC4-8F84-39F7653E07E7}" sibTransId="{663FC0C2-00D6-4FA4-A5DB-3194E31EA072}"/>
+    <dgm:cxn modelId="{3F1DA26F-072F-416B-B851-381F2DF9CA0A}" type="presOf" srcId="{30A64EE1-ED2B-4785-8814-350F7A750F06}" destId="{AD4E1639-B3BA-49BE-BB9D-5F77E0517A3A}" srcOrd="0" destOrd="0" presId="urn:microsoft.com/office/officeart/2005/8/layout/vList2"/>
+    <dgm:cxn modelId="{FCD19351-17C1-4C22-8A90-1D9480A5E63D}" srcId="{30A64EE1-ED2B-4785-8814-350F7A750F06}" destId="{A43CDE11-B066-4E0E-9FBB-4477D9413428}" srcOrd="7" destOrd="0" parTransId="{35DDC4D3-72E6-4853-9731-3E34205C0271}" sibTransId="{8A699F55-21C9-4FDD-9405-E1991B60D55B}"/>
+    <dgm:cxn modelId="{F355FA75-6B48-4CB0-8504-836003D2B9E7}" type="presOf" srcId="{AA777A37-D16B-4189-8E77-0AB7A6816139}" destId="{48833CC6-CA0F-4446-8B0D-B8DC807CE964}" srcOrd="0" destOrd="0" presId="urn:microsoft.com/office/officeart/2005/8/layout/vList2"/>
+    <dgm:cxn modelId="{826B365A-E7FF-4BD1-8AD0-8E6F93B9933C}" srcId="{30A64EE1-ED2B-4785-8814-350F7A750F06}" destId="{264CA754-2AEB-475C-872F-805519F520EB}" srcOrd="9" destOrd="0" parTransId="{F9B6410A-2D8F-4BFE-ACDB-9C71936EDE1F}" sibTransId="{62DEB06A-4639-4894-B488-985D7331727B}"/>
+    <dgm:cxn modelId="{5CA5507A-7A0C-410D-8B6E-34C58238BB89}" srcId="{30A64EE1-ED2B-4785-8814-350F7A750F06}" destId="{7C8503B3-5D68-490A-B569-8D62FC6A7B2E}" srcOrd="3" destOrd="0" parTransId="{3AA656D2-1644-4243-9D04-D15F82A54F0E}" sibTransId="{15BDF394-F50A-4C74-A91D-A1E11CC770E7}"/>
+    <dgm:cxn modelId="{76720E7B-5DCA-4233-AE8A-8ED44518D2D4}" srcId="{30A64EE1-ED2B-4785-8814-350F7A750F06}" destId="{C0656509-78B2-4669-8DFF-F4843BB161CA}" srcOrd="10" destOrd="0" parTransId="{4192B34A-CA8F-4C0C-99E9-E0D3A09D27DC}" sibTransId="{477EC6BA-6214-4860-B69A-1A17C4A28E79}"/>
+    <dgm:cxn modelId="{657EB2B3-B231-4B1B-BE40-43B0FCA9C3A2}" srcId="{30A64EE1-ED2B-4785-8814-350F7A750F06}" destId="{40BCEB96-7B02-4053-AECD-A64C6CE4A228}" srcOrd="4" destOrd="0" parTransId="{CF7F2CF0-13C1-4659-B632-DACA77023BF5}" sibTransId="{1D46E035-5E7E-481C-83A9-0970C3637A70}"/>
+    <dgm:cxn modelId="{268215BD-4F60-40D1-8573-84249991CF49}" type="presOf" srcId="{2E23B28D-6959-45F3-A704-67D392932DC4}" destId="{F09EA2D2-955F-4B53-82E3-6BC6C5392B77}" srcOrd="0" destOrd="0" presId="urn:microsoft.com/office/officeart/2005/8/layout/vList2"/>
+    <dgm:cxn modelId="{55960BC0-1D0B-40F9-A5FA-3D0C4E9328CF}" type="presOf" srcId="{49EFAA4D-6612-487C-B7EA-2C146E0914B4}" destId="{048B0616-7902-4F34-A610-E8431E5DCBA3}" srcOrd="0" destOrd="0" presId="urn:microsoft.com/office/officeart/2005/8/layout/vList2"/>
+    <dgm:cxn modelId="{BEFE4BC5-757C-4C83-8E55-7AD6A811692C}" srcId="{30A64EE1-ED2B-4785-8814-350F7A750F06}" destId="{49EFAA4D-6612-487C-B7EA-2C146E0914B4}" srcOrd="2" destOrd="0" parTransId="{03037EBA-9364-4350-AA8A-5F0DAD4737C3}" sibTransId="{125C175E-3E07-49FA-B37C-EC5648849362}"/>
+    <dgm:cxn modelId="{A3E4D0CA-3EA0-4DAF-B6E8-D2FD6E11D246}" srcId="{30A64EE1-ED2B-4785-8814-350F7A750F06}" destId="{AA777A37-D16B-4189-8E77-0AB7A6816139}" srcOrd="5" destOrd="0" parTransId="{32B45E31-3540-4479-8714-842BA7635153}" sibTransId="{76186BD9-324D-40EE-9301-B39D35B1FE8D}"/>
+    <dgm:cxn modelId="{F2059BD8-0B04-4A88-826F-859CCFBFE14A}" type="presOf" srcId="{A43CDE11-B066-4E0E-9FBB-4477D9413428}" destId="{E8C0DC90-D5ED-4758-A068-E8CB9BEE9506}" srcOrd="0" destOrd="0" presId="urn:microsoft.com/office/officeart/2005/8/layout/vList2"/>
+    <dgm:cxn modelId="{27BFA6E1-10FE-4EB5-9D86-C4E862A1C0D7}" srcId="{30A64EE1-ED2B-4785-8814-350F7A750F06}" destId="{A2CFE07A-0ED6-49BD-B3E1-3CD288929B59}" srcOrd="8" destOrd="0" parTransId="{9925157B-878C-4F7C-986E-1CA33CED1619}" sibTransId="{1D75DCBA-9137-46ED-8413-844526D95B8A}"/>
+    <dgm:cxn modelId="{1166C1E1-B2FF-4A81-A8B9-885478ABE578}" type="presOf" srcId="{7C8503B3-5D68-490A-B569-8D62FC6A7B2E}" destId="{2B56AA36-DE4A-4486-AFFC-7BDA651A5ECD}" srcOrd="0" destOrd="0" presId="urn:microsoft.com/office/officeart/2005/8/layout/vList2"/>
+    <dgm:cxn modelId="{4E7C58E9-56D5-4FE5-A36E-03C78F780C8C}" type="presOf" srcId="{A2CFE07A-0ED6-49BD-B3E1-3CD288929B59}" destId="{68FEE1A7-A087-40DD-88DA-C617133E7AA8}" srcOrd="0" destOrd="0" presId="urn:microsoft.com/office/officeart/2005/8/layout/vList2"/>
+    <dgm:cxn modelId="{B2D8CFF2-E784-41B3-B67E-9745988D48CA}" type="presOf" srcId="{C0656509-78B2-4669-8DFF-F4843BB161CA}" destId="{6D9E0C88-9855-478E-AA27-AC4BC96CD4FC}" srcOrd="0" destOrd="0" presId="urn:microsoft.com/office/officeart/2005/8/layout/vList2"/>
+    <dgm:cxn modelId="{99B3E59F-99D7-4F09-A5C7-7689C6FF4A1C}" type="presParOf" srcId="{AD4E1639-B3BA-49BE-BB9D-5F77E0517A3A}" destId="{F09EA2D2-955F-4B53-82E3-6BC6C5392B77}" srcOrd="0" destOrd="0" presId="urn:microsoft.com/office/officeart/2005/8/layout/vList2"/>
+    <dgm:cxn modelId="{908AA8C1-0A0F-4E5C-B0CA-8B0BB041B76E}" type="presParOf" srcId="{AD4E1639-B3BA-49BE-BB9D-5F77E0517A3A}" destId="{019D156D-FA8B-4652-A242-83B6D131E6FA}" srcOrd="1" destOrd="0" presId="urn:microsoft.com/office/officeart/2005/8/layout/vList2"/>
+    <dgm:cxn modelId="{AA52A1AB-9623-46AD-AD08-0C09DE789461}" type="presParOf" srcId="{AD4E1639-B3BA-49BE-BB9D-5F77E0517A3A}" destId="{873B67AB-E060-4DA9-9B94-7D2F41E879FE}" srcOrd="2" destOrd="0" presId="urn:microsoft.com/office/officeart/2005/8/layout/vList2"/>
+    <dgm:cxn modelId="{5143820D-ED86-4E34-A040-12770AD6DDCA}" type="presParOf" srcId="{AD4E1639-B3BA-49BE-BB9D-5F77E0517A3A}" destId="{B09FA1EF-AE8A-46BC-822C-DE3029E6D6ED}" srcOrd="3" destOrd="0" presId="urn:microsoft.com/office/officeart/2005/8/layout/vList2"/>
+    <dgm:cxn modelId="{9B30C0E2-F009-40D9-83A3-17F4045A1E82}" type="presParOf" srcId="{AD4E1639-B3BA-49BE-BB9D-5F77E0517A3A}" destId="{048B0616-7902-4F34-A610-E8431E5DCBA3}" srcOrd="4" destOrd="0" presId="urn:microsoft.com/office/officeart/2005/8/layout/vList2"/>
+    <dgm:cxn modelId="{1E4A4E74-C545-466A-813E-973C1C6E3024}" type="presParOf" srcId="{AD4E1639-B3BA-49BE-BB9D-5F77E0517A3A}" destId="{6A04BEC9-E1ED-43CD-9252-EA37F79706C0}" srcOrd="5" destOrd="0" presId="urn:microsoft.com/office/officeart/2005/8/layout/vList2"/>
+    <dgm:cxn modelId="{770CDFC8-2A4C-4878-A641-592AEC71CEDB}" type="presParOf" srcId="{AD4E1639-B3BA-49BE-BB9D-5F77E0517A3A}" destId="{2B56AA36-DE4A-4486-AFFC-7BDA651A5ECD}" srcOrd="6" destOrd="0" presId="urn:microsoft.com/office/officeart/2005/8/layout/vList2"/>
+    <dgm:cxn modelId="{658DE4BA-23A4-4667-A663-867A3E81B442}" type="presParOf" srcId="{AD4E1639-B3BA-49BE-BB9D-5F77E0517A3A}" destId="{CDA37DE9-7604-412A-86BE-E5806C9249FC}" srcOrd="7" destOrd="0" presId="urn:microsoft.com/office/officeart/2005/8/layout/vList2"/>
+    <dgm:cxn modelId="{4C2E3D2D-C5D3-4978-A009-612231D3A508}" type="presParOf" srcId="{AD4E1639-B3BA-49BE-BB9D-5F77E0517A3A}" destId="{39B56475-CCB7-479E-9E3E-CFF594233A08}" srcOrd="8" destOrd="0" presId="urn:microsoft.com/office/officeart/2005/8/layout/vList2"/>
+    <dgm:cxn modelId="{2E59A939-9A7C-4C65-A9CB-342C42FD5211}" type="presParOf" srcId="{AD4E1639-B3BA-49BE-BB9D-5F77E0517A3A}" destId="{CE24C5EC-8226-48BB-BCC5-0784983D8CB5}" srcOrd="9" destOrd="0" presId="urn:microsoft.com/office/officeart/2005/8/layout/vList2"/>
+    <dgm:cxn modelId="{32C29C5D-73DD-4B25-B5B6-5CC1B2E5A639}" type="presParOf" srcId="{AD4E1639-B3BA-49BE-BB9D-5F77E0517A3A}" destId="{48833CC6-CA0F-4446-8B0D-B8DC807CE964}" srcOrd="10" destOrd="0" presId="urn:microsoft.com/office/officeart/2005/8/layout/vList2"/>
+    <dgm:cxn modelId="{BBA3E60A-2649-4E4C-8166-4964E5D8145B}" type="presParOf" srcId="{AD4E1639-B3BA-49BE-BB9D-5F77E0517A3A}" destId="{13130E28-0EA7-4037-A7C9-B69EAF636B5E}" srcOrd="11" destOrd="0" presId="urn:microsoft.com/office/officeart/2005/8/layout/vList2"/>
+    <dgm:cxn modelId="{DF3489F6-8650-49C9-B171-BC89E113C6CF}" type="presParOf" srcId="{AD4E1639-B3BA-49BE-BB9D-5F77E0517A3A}" destId="{CEF55570-F0EA-4562-857E-2E4FCCA41A7F}" srcOrd="12" destOrd="0" presId="urn:microsoft.com/office/officeart/2005/8/layout/vList2"/>
+    <dgm:cxn modelId="{3979FF0D-A9F4-4601-9302-F22D1CD79BF2}" type="presParOf" srcId="{AD4E1639-B3BA-49BE-BB9D-5F77E0517A3A}" destId="{D389A694-A882-4E68-A303-645F76FAFD17}" srcOrd="13" destOrd="0" presId="urn:microsoft.com/office/officeart/2005/8/layout/vList2"/>
+    <dgm:cxn modelId="{945A4E14-C79D-4DE8-BE8F-92805F01D73C}" type="presParOf" srcId="{AD4E1639-B3BA-49BE-BB9D-5F77E0517A3A}" destId="{E8C0DC90-D5ED-4758-A068-E8CB9BEE9506}" srcOrd="14" destOrd="0" presId="urn:microsoft.com/office/officeart/2005/8/layout/vList2"/>
+    <dgm:cxn modelId="{CFCA2446-C52C-47B4-B4F8-A17FBCD6BC01}" type="presParOf" srcId="{AD4E1639-B3BA-49BE-BB9D-5F77E0517A3A}" destId="{D07B3DAF-56AA-472A-BA57-705A623AEBEA}" srcOrd="15" destOrd="0" presId="urn:microsoft.com/office/officeart/2005/8/layout/vList2"/>
+    <dgm:cxn modelId="{8678AEEA-4B37-4B18-9414-27075737968F}" type="presParOf" srcId="{AD4E1639-B3BA-49BE-BB9D-5F77E0517A3A}" destId="{68FEE1A7-A087-40DD-88DA-C617133E7AA8}" srcOrd="16" destOrd="0" presId="urn:microsoft.com/office/officeart/2005/8/layout/vList2"/>
+    <dgm:cxn modelId="{D50786B6-DEBD-401F-9077-643BC323D345}" type="presParOf" srcId="{AD4E1639-B3BA-49BE-BB9D-5F77E0517A3A}" destId="{99F18A85-CB68-4884-87EB-7691F1A0AFF4}" srcOrd="17" destOrd="0" presId="urn:microsoft.com/office/officeart/2005/8/layout/vList2"/>
+    <dgm:cxn modelId="{1BF421F9-DB1A-498C-A57A-70C16D581B4C}" type="presParOf" srcId="{AD4E1639-B3BA-49BE-BB9D-5F77E0517A3A}" destId="{FF561B23-B0A4-475F-968C-0A97F78F2A03}" srcOrd="18" destOrd="0" presId="urn:microsoft.com/office/officeart/2005/8/layout/vList2"/>
+    <dgm:cxn modelId="{2F0B6199-6BF4-4011-B06D-4E61E55CFA22}" type="presParOf" srcId="{AD4E1639-B3BA-49BE-BB9D-5F77E0517A3A}" destId="{06DEB34C-231E-40FF-A737-3A3F2A3B6529}" srcOrd="19" destOrd="0" presId="urn:microsoft.com/office/officeart/2005/8/layout/vList2"/>
+    <dgm:cxn modelId="{CF8D6DDF-4C1F-41F9-B8B0-4AC394359F99}" type="presParOf" srcId="{AD4E1639-B3BA-49BE-BB9D-5F77E0517A3A}" destId="{6D9E0C88-9855-478E-AA27-AC4BC96CD4FC}" srcOrd="20" destOrd="0" presId="urn:microsoft.com/office/officeart/2005/8/layout/vList2"/>
+  </dgm:cxnLst>
+  <dgm:bg/>
+  <dgm:whole/>
+  <dgm:extLst>
+    <a:ext uri="http://schemas.microsoft.com/office/drawing/2008/diagram">
+      <dsp:dataModelExt xmlns:dsp="http://schemas.microsoft.com/office/drawing/2008/diagram" relId="rId10" minVer="http://schemas.openxmlformats.org/drawingml/2006/diagram"/>
     </a:ext>
   </dgm:extLst>
 </dgm:dataModel>
@@ -7129,6 +8528,865 @@
 </dsp:drawing>
 </file>
 
+<file path=ppt/diagrams/drawing5.xml><?xml version="1.0" encoding="utf-8"?>
+<dsp:drawing xmlns:dgm="http://schemas.openxmlformats.org/drawingml/2006/diagram" xmlns:dsp="http://schemas.microsoft.com/office/drawing/2008/diagram" xmlns:a="http://schemas.openxmlformats.org/drawingml/2006/main">
+  <dsp:spTree>
+    <dsp:nvGrpSpPr>
+      <dsp:cNvPr id="0" name=""/>
+      <dsp:cNvGrpSpPr/>
+    </dsp:nvGrpSpPr>
+    <dsp:grpSpPr/>
+    <dsp:sp modelId="{F09EA2D2-955F-4B53-82E3-6BC6C5392B77}">
+      <dsp:nvSpPr>
+        <dsp:cNvPr id="0" name=""/>
+        <dsp:cNvSpPr/>
+      </dsp:nvSpPr>
+      <dsp:spPr>
+        <a:xfrm>
+          <a:off x="0" y="361300"/>
+          <a:ext cx="6572250" cy="397800"/>
+        </a:xfrm>
+        <a:prstGeom prst="roundRect">
+          <a:avLst/>
+        </a:prstGeom>
+        <a:solidFill>
+          <a:schemeClr val="accent2">
+            <a:hueOff val="0"/>
+            <a:satOff val="0"/>
+            <a:lumOff val="0"/>
+            <a:alphaOff val="0"/>
+          </a:schemeClr>
+        </a:solidFill>
+        <a:ln w="12700" cap="flat" cmpd="sng" algn="ctr">
+          <a:solidFill>
+            <a:schemeClr val="lt1">
+              <a:hueOff val="0"/>
+              <a:satOff val="0"/>
+              <a:lumOff val="0"/>
+              <a:alphaOff val="0"/>
+            </a:schemeClr>
+          </a:solidFill>
+          <a:prstDash val="solid"/>
+        </a:ln>
+        <a:effectLst/>
+      </dsp:spPr>
+      <dsp:style>
+        <a:lnRef idx="2">
+          <a:scrgbClr r="0" g="0" b="0"/>
+        </a:lnRef>
+        <a:fillRef idx="1">
+          <a:scrgbClr r="0" g="0" b="0"/>
+        </a:fillRef>
+        <a:effectRef idx="0">
+          <a:scrgbClr r="0" g="0" b="0"/>
+        </a:effectRef>
+        <a:fontRef idx="minor">
+          <a:schemeClr val="lt1"/>
+        </a:fontRef>
+      </dsp:style>
+      <dsp:txBody>
+        <a:bodyPr spcFirstLastPara="0" vert="horz" wrap="square" lIns="64770" tIns="64770" rIns="64770" bIns="64770" numCol="1" spcCol="1270" anchor="ctr" anchorCtr="0">
+          <a:noAutofit/>
+        </a:bodyPr>
+        <a:lstStyle/>
+        <a:p>
+          <a:pPr marL="0" lvl="0" indent="0" algn="l" defTabSz="755650">
+            <a:lnSpc>
+              <a:spcPct val="90000"/>
+            </a:lnSpc>
+            <a:spcBef>
+              <a:spcPct val="0"/>
+            </a:spcBef>
+            <a:spcAft>
+              <a:spcPct val="35000"/>
+            </a:spcAft>
+            <a:buNone/>
+          </a:pPr>
+          <a:r>
+            <a:rPr lang="en-US" sz="1700" kern="1200"/>
+            <a:t>The output is an excel workbook with the following sheets:</a:t>
+          </a:r>
+        </a:p>
+      </dsp:txBody>
+      <dsp:txXfrm>
+        <a:off x="19419" y="380719"/>
+        <a:ext cx="6533412" cy="358962"/>
+      </dsp:txXfrm>
+    </dsp:sp>
+    <dsp:sp modelId="{873B67AB-E060-4DA9-9B94-7D2F41E879FE}">
+      <dsp:nvSpPr>
+        <dsp:cNvPr id="0" name=""/>
+        <dsp:cNvSpPr/>
+      </dsp:nvSpPr>
+      <dsp:spPr>
+        <a:xfrm>
+          <a:off x="0" y="808060"/>
+          <a:ext cx="6572250" cy="397800"/>
+        </a:xfrm>
+        <a:prstGeom prst="roundRect">
+          <a:avLst/>
+        </a:prstGeom>
+        <a:solidFill>
+          <a:schemeClr val="accent2">
+            <a:hueOff val="-1465266"/>
+            <a:satOff val="2559"/>
+            <a:lumOff val="1471"/>
+            <a:alphaOff val="0"/>
+          </a:schemeClr>
+        </a:solidFill>
+        <a:ln w="12700" cap="flat" cmpd="sng" algn="ctr">
+          <a:solidFill>
+            <a:schemeClr val="lt1">
+              <a:hueOff val="0"/>
+              <a:satOff val="0"/>
+              <a:lumOff val="0"/>
+              <a:alphaOff val="0"/>
+            </a:schemeClr>
+          </a:solidFill>
+          <a:prstDash val="solid"/>
+        </a:ln>
+        <a:effectLst/>
+      </dsp:spPr>
+      <dsp:style>
+        <a:lnRef idx="2">
+          <a:scrgbClr r="0" g="0" b="0"/>
+        </a:lnRef>
+        <a:fillRef idx="1">
+          <a:scrgbClr r="0" g="0" b="0"/>
+        </a:fillRef>
+        <a:effectRef idx="0">
+          <a:scrgbClr r="0" g="0" b="0"/>
+        </a:effectRef>
+        <a:fontRef idx="minor">
+          <a:schemeClr val="lt1"/>
+        </a:fontRef>
+      </dsp:style>
+      <dsp:txBody>
+        <a:bodyPr spcFirstLastPara="0" vert="horz" wrap="square" lIns="64770" tIns="64770" rIns="64770" bIns="64770" numCol="1" spcCol="1270" anchor="ctr" anchorCtr="0">
+          <a:noAutofit/>
+        </a:bodyPr>
+        <a:lstStyle/>
+        <a:p>
+          <a:pPr marL="0" lvl="0" indent="0" algn="l" defTabSz="755650">
+            <a:lnSpc>
+              <a:spcPct val="90000"/>
+            </a:lnSpc>
+            <a:spcBef>
+              <a:spcPct val="0"/>
+            </a:spcBef>
+            <a:spcAft>
+              <a:spcPct val="35000"/>
+            </a:spcAft>
+            <a:buNone/>
+          </a:pPr>
+          <a:r>
+            <a:rPr lang="en-US" sz="1700" kern="1200"/>
+            <a:t>Certificate</a:t>
+          </a:r>
+        </a:p>
+      </dsp:txBody>
+      <dsp:txXfrm>
+        <a:off x="19419" y="827479"/>
+        <a:ext cx="6533412" cy="358962"/>
+      </dsp:txXfrm>
+    </dsp:sp>
+    <dsp:sp modelId="{048B0616-7902-4F34-A610-E8431E5DCBA3}">
+      <dsp:nvSpPr>
+        <dsp:cNvPr id="0" name=""/>
+        <dsp:cNvSpPr/>
+      </dsp:nvSpPr>
+      <dsp:spPr>
+        <a:xfrm>
+          <a:off x="0" y="1254820"/>
+          <a:ext cx="6572250" cy="397800"/>
+        </a:xfrm>
+        <a:prstGeom prst="roundRect">
+          <a:avLst/>
+        </a:prstGeom>
+        <a:solidFill>
+          <a:schemeClr val="accent2">
+            <a:hueOff val="-2930532"/>
+            <a:satOff val="5119"/>
+            <a:lumOff val="2941"/>
+            <a:alphaOff val="0"/>
+          </a:schemeClr>
+        </a:solidFill>
+        <a:ln w="12700" cap="flat" cmpd="sng" algn="ctr">
+          <a:solidFill>
+            <a:schemeClr val="lt1">
+              <a:hueOff val="0"/>
+              <a:satOff val="0"/>
+              <a:lumOff val="0"/>
+              <a:alphaOff val="0"/>
+            </a:schemeClr>
+          </a:solidFill>
+          <a:prstDash val="solid"/>
+        </a:ln>
+        <a:effectLst/>
+      </dsp:spPr>
+      <dsp:style>
+        <a:lnRef idx="2">
+          <a:scrgbClr r="0" g="0" b="0"/>
+        </a:lnRef>
+        <a:fillRef idx="1">
+          <a:scrgbClr r="0" g="0" b="0"/>
+        </a:fillRef>
+        <a:effectRef idx="0">
+          <a:scrgbClr r="0" g="0" b="0"/>
+        </a:effectRef>
+        <a:fontRef idx="minor">
+          <a:schemeClr val="lt1"/>
+        </a:fontRef>
+      </dsp:style>
+      <dsp:txBody>
+        <a:bodyPr spcFirstLastPara="0" vert="horz" wrap="square" lIns="64770" tIns="64770" rIns="64770" bIns="64770" numCol="1" spcCol="1270" anchor="ctr" anchorCtr="0">
+          <a:noAutofit/>
+        </a:bodyPr>
+        <a:lstStyle/>
+        <a:p>
+          <a:pPr marL="0" lvl="0" indent="0" algn="l" defTabSz="755650">
+            <a:lnSpc>
+              <a:spcPct val="90000"/>
+            </a:lnSpc>
+            <a:spcBef>
+              <a:spcPct val="0"/>
+            </a:spcBef>
+            <a:spcAft>
+              <a:spcPct val="35000"/>
+            </a:spcAft>
+            <a:buNone/>
+          </a:pPr>
+          <a:r>
+            <a:rPr lang="en-US" sz="1700" kern="1200"/>
+            <a:t>ATM Manual Balancing</a:t>
+          </a:r>
+        </a:p>
+      </dsp:txBody>
+      <dsp:txXfrm>
+        <a:off x="19419" y="1274239"/>
+        <a:ext cx="6533412" cy="358962"/>
+      </dsp:txXfrm>
+    </dsp:sp>
+    <dsp:sp modelId="{2B56AA36-DE4A-4486-AFFC-7BDA651A5ECD}">
+      <dsp:nvSpPr>
+        <dsp:cNvPr id="0" name=""/>
+        <dsp:cNvSpPr/>
+      </dsp:nvSpPr>
+      <dsp:spPr>
+        <a:xfrm>
+          <a:off x="0" y="1701580"/>
+          <a:ext cx="6572250" cy="397800"/>
+        </a:xfrm>
+        <a:prstGeom prst="roundRect">
+          <a:avLst/>
+        </a:prstGeom>
+        <a:solidFill>
+          <a:schemeClr val="accent2">
+            <a:hueOff val="-4395797"/>
+            <a:satOff val="7678"/>
+            <a:lumOff val="4412"/>
+            <a:alphaOff val="0"/>
+          </a:schemeClr>
+        </a:solidFill>
+        <a:ln w="12700" cap="flat" cmpd="sng" algn="ctr">
+          <a:solidFill>
+            <a:schemeClr val="lt1">
+              <a:hueOff val="0"/>
+              <a:satOff val="0"/>
+              <a:lumOff val="0"/>
+              <a:alphaOff val="0"/>
+            </a:schemeClr>
+          </a:solidFill>
+          <a:prstDash val="solid"/>
+        </a:ln>
+        <a:effectLst/>
+      </dsp:spPr>
+      <dsp:style>
+        <a:lnRef idx="2">
+          <a:scrgbClr r="0" g="0" b="0"/>
+        </a:lnRef>
+        <a:fillRef idx="1">
+          <a:scrgbClr r="0" g="0" b="0"/>
+        </a:fillRef>
+        <a:effectRef idx="0">
+          <a:scrgbClr r="0" g="0" b="0"/>
+        </a:effectRef>
+        <a:fontRef idx="minor">
+          <a:schemeClr val="lt1"/>
+        </a:fontRef>
+      </dsp:style>
+      <dsp:txBody>
+        <a:bodyPr spcFirstLastPara="0" vert="horz" wrap="square" lIns="64770" tIns="64770" rIns="64770" bIns="64770" numCol="1" spcCol="1270" anchor="ctr" anchorCtr="0">
+          <a:noAutofit/>
+        </a:bodyPr>
+        <a:lstStyle/>
+        <a:p>
+          <a:pPr marL="0" lvl="0" indent="0" algn="l" defTabSz="755650">
+            <a:lnSpc>
+              <a:spcPct val="90000"/>
+            </a:lnSpc>
+            <a:spcBef>
+              <a:spcPct val="0"/>
+            </a:spcBef>
+            <a:spcAft>
+              <a:spcPct val="35000"/>
+            </a:spcAft>
+            <a:buNone/>
+          </a:pPr>
+          <a:r>
+            <a:rPr lang="en-US" sz="1700" kern="1200"/>
+            <a:t>Manual Balancing Transactions</a:t>
+          </a:r>
+        </a:p>
+      </dsp:txBody>
+      <dsp:txXfrm>
+        <a:off x="19419" y="1720999"/>
+        <a:ext cx="6533412" cy="358962"/>
+      </dsp:txXfrm>
+    </dsp:sp>
+    <dsp:sp modelId="{39B56475-CCB7-479E-9E3E-CFF594233A08}">
+      <dsp:nvSpPr>
+        <dsp:cNvPr id="0" name=""/>
+        <dsp:cNvSpPr/>
+      </dsp:nvSpPr>
+      <dsp:spPr>
+        <a:xfrm>
+          <a:off x="0" y="2148340"/>
+          <a:ext cx="6572250" cy="397800"/>
+        </a:xfrm>
+        <a:prstGeom prst="roundRect">
+          <a:avLst/>
+        </a:prstGeom>
+        <a:solidFill>
+          <a:schemeClr val="accent2">
+            <a:hueOff val="-5861063"/>
+            <a:satOff val="10237"/>
+            <a:lumOff val="5882"/>
+            <a:alphaOff val="0"/>
+          </a:schemeClr>
+        </a:solidFill>
+        <a:ln w="12700" cap="flat" cmpd="sng" algn="ctr">
+          <a:solidFill>
+            <a:schemeClr val="lt1">
+              <a:hueOff val="0"/>
+              <a:satOff val="0"/>
+              <a:lumOff val="0"/>
+              <a:alphaOff val="0"/>
+            </a:schemeClr>
+          </a:solidFill>
+          <a:prstDash val="solid"/>
+        </a:ln>
+        <a:effectLst/>
+      </dsp:spPr>
+      <dsp:style>
+        <a:lnRef idx="2">
+          <a:scrgbClr r="0" g="0" b="0"/>
+        </a:lnRef>
+        <a:fillRef idx="1">
+          <a:scrgbClr r="0" g="0" b="0"/>
+        </a:fillRef>
+        <a:effectRef idx="0">
+          <a:scrgbClr r="0" g="0" b="0"/>
+        </a:effectRef>
+        <a:fontRef idx="minor">
+          <a:schemeClr val="lt1"/>
+        </a:fontRef>
+      </dsp:style>
+      <dsp:txBody>
+        <a:bodyPr spcFirstLastPara="0" vert="horz" wrap="square" lIns="64770" tIns="64770" rIns="64770" bIns="64770" numCol="1" spcCol="1270" anchor="ctr" anchorCtr="0">
+          <a:noAutofit/>
+        </a:bodyPr>
+        <a:lstStyle/>
+        <a:p>
+          <a:pPr marL="0" lvl="0" indent="0" algn="l" defTabSz="755650">
+            <a:lnSpc>
+              <a:spcPct val="90000"/>
+            </a:lnSpc>
+            <a:spcBef>
+              <a:spcPct val="0"/>
+            </a:spcBef>
+            <a:spcAft>
+              <a:spcPct val="35000"/>
+            </a:spcAft>
+            <a:buNone/>
+          </a:pPr>
+          <a:r>
+            <a:rPr lang="en-US" sz="1700" kern="1200"/>
+            <a:t>ATM Recon</a:t>
+          </a:r>
+        </a:p>
+      </dsp:txBody>
+      <dsp:txXfrm>
+        <a:off x="19419" y="2167759"/>
+        <a:ext cx="6533412" cy="358962"/>
+      </dsp:txXfrm>
+    </dsp:sp>
+    <dsp:sp modelId="{48833CC6-CA0F-4446-8B0D-B8DC807CE964}">
+      <dsp:nvSpPr>
+        <dsp:cNvPr id="0" name=""/>
+        <dsp:cNvSpPr/>
+      </dsp:nvSpPr>
+      <dsp:spPr>
+        <a:xfrm>
+          <a:off x="0" y="2595100"/>
+          <a:ext cx="6572250" cy="397800"/>
+        </a:xfrm>
+        <a:prstGeom prst="roundRect">
+          <a:avLst/>
+        </a:prstGeom>
+        <a:solidFill>
+          <a:schemeClr val="accent2">
+            <a:hueOff val="-7326329"/>
+            <a:satOff val="12797"/>
+            <a:lumOff val="7353"/>
+            <a:alphaOff val="0"/>
+          </a:schemeClr>
+        </a:solidFill>
+        <a:ln w="12700" cap="flat" cmpd="sng" algn="ctr">
+          <a:solidFill>
+            <a:schemeClr val="lt1">
+              <a:hueOff val="0"/>
+              <a:satOff val="0"/>
+              <a:lumOff val="0"/>
+              <a:alphaOff val="0"/>
+            </a:schemeClr>
+          </a:solidFill>
+          <a:prstDash val="solid"/>
+        </a:ln>
+        <a:effectLst/>
+      </dsp:spPr>
+      <dsp:style>
+        <a:lnRef idx="2">
+          <a:scrgbClr r="0" g="0" b="0"/>
+        </a:lnRef>
+        <a:fillRef idx="1">
+          <a:scrgbClr r="0" g="0" b="0"/>
+        </a:fillRef>
+        <a:effectRef idx="0">
+          <a:scrgbClr r="0" g="0" b="0"/>
+        </a:effectRef>
+        <a:fontRef idx="minor">
+          <a:schemeClr val="lt1"/>
+        </a:fontRef>
+      </dsp:style>
+      <dsp:txBody>
+        <a:bodyPr spcFirstLastPara="0" vert="horz" wrap="square" lIns="64770" tIns="64770" rIns="64770" bIns="64770" numCol="1" spcCol="1270" anchor="ctr" anchorCtr="0">
+          <a:noAutofit/>
+        </a:bodyPr>
+        <a:lstStyle/>
+        <a:p>
+          <a:pPr marL="0" lvl="0" indent="0" algn="l" defTabSz="755650">
+            <a:lnSpc>
+              <a:spcPct val="90000"/>
+            </a:lnSpc>
+            <a:spcBef>
+              <a:spcPct val="0"/>
+            </a:spcBef>
+            <a:spcAft>
+              <a:spcPct val="35000"/>
+            </a:spcAft>
+            <a:buNone/>
+          </a:pPr>
+          <a:r>
+            <a:rPr lang="en-US" sz="1700" kern="1200"/>
+            <a:t>GL</a:t>
+          </a:r>
+        </a:p>
+      </dsp:txBody>
+      <dsp:txXfrm>
+        <a:off x="19419" y="2614519"/>
+        <a:ext cx="6533412" cy="358962"/>
+      </dsp:txXfrm>
+    </dsp:sp>
+    <dsp:sp modelId="{CEF55570-F0EA-4562-857E-2E4FCCA41A7F}">
+      <dsp:nvSpPr>
+        <dsp:cNvPr id="0" name=""/>
+        <dsp:cNvSpPr/>
+      </dsp:nvSpPr>
+      <dsp:spPr>
+        <a:xfrm>
+          <a:off x="0" y="3041860"/>
+          <a:ext cx="6572250" cy="397800"/>
+        </a:xfrm>
+        <a:prstGeom prst="roundRect">
+          <a:avLst/>
+        </a:prstGeom>
+        <a:solidFill>
+          <a:schemeClr val="accent2">
+            <a:hueOff val="-8791595"/>
+            <a:satOff val="15356"/>
+            <a:lumOff val="8824"/>
+            <a:alphaOff val="0"/>
+          </a:schemeClr>
+        </a:solidFill>
+        <a:ln w="12700" cap="flat" cmpd="sng" algn="ctr">
+          <a:solidFill>
+            <a:schemeClr val="lt1">
+              <a:hueOff val="0"/>
+              <a:satOff val="0"/>
+              <a:lumOff val="0"/>
+              <a:alphaOff val="0"/>
+            </a:schemeClr>
+          </a:solidFill>
+          <a:prstDash val="solid"/>
+        </a:ln>
+        <a:effectLst/>
+      </dsp:spPr>
+      <dsp:style>
+        <a:lnRef idx="2">
+          <a:scrgbClr r="0" g="0" b="0"/>
+        </a:lnRef>
+        <a:fillRef idx="1">
+          <a:scrgbClr r="0" g="0" b="0"/>
+        </a:fillRef>
+        <a:effectRef idx="0">
+          <a:scrgbClr r="0" g="0" b="0"/>
+        </a:effectRef>
+        <a:fontRef idx="minor">
+          <a:schemeClr val="lt1"/>
+        </a:fontRef>
+      </dsp:style>
+      <dsp:txBody>
+        <a:bodyPr spcFirstLastPara="0" vert="horz" wrap="square" lIns="64770" tIns="64770" rIns="64770" bIns="64770" numCol="1" spcCol="1270" anchor="ctr" anchorCtr="0">
+          <a:noAutofit/>
+        </a:bodyPr>
+        <a:lstStyle/>
+        <a:p>
+          <a:pPr marL="0" lvl="0" indent="0" algn="l" defTabSz="755650">
+            <a:lnSpc>
+              <a:spcPct val="90000"/>
+            </a:lnSpc>
+            <a:spcBef>
+              <a:spcPct val="0"/>
+            </a:spcBef>
+            <a:spcAft>
+              <a:spcPct val="35000"/>
+            </a:spcAft>
+            <a:buNone/>
+          </a:pPr>
+          <a:r>
+            <a:rPr lang="en-US" sz="1700" kern="1200"/>
+            <a:t>FEP</a:t>
+          </a:r>
+        </a:p>
+      </dsp:txBody>
+      <dsp:txXfrm>
+        <a:off x="19419" y="3061279"/>
+        <a:ext cx="6533412" cy="358962"/>
+      </dsp:txXfrm>
+    </dsp:sp>
+    <dsp:sp modelId="{E8C0DC90-D5ED-4758-A068-E8CB9BEE9506}">
+      <dsp:nvSpPr>
+        <dsp:cNvPr id="0" name=""/>
+        <dsp:cNvSpPr/>
+      </dsp:nvSpPr>
+      <dsp:spPr>
+        <a:xfrm>
+          <a:off x="0" y="3488620"/>
+          <a:ext cx="6572250" cy="397800"/>
+        </a:xfrm>
+        <a:prstGeom prst="roundRect">
+          <a:avLst/>
+        </a:prstGeom>
+        <a:solidFill>
+          <a:schemeClr val="accent2">
+            <a:hueOff val="-10256861"/>
+            <a:satOff val="17915"/>
+            <a:lumOff val="10294"/>
+            <a:alphaOff val="0"/>
+          </a:schemeClr>
+        </a:solidFill>
+        <a:ln w="12700" cap="flat" cmpd="sng" algn="ctr">
+          <a:solidFill>
+            <a:schemeClr val="lt1">
+              <a:hueOff val="0"/>
+              <a:satOff val="0"/>
+              <a:lumOff val="0"/>
+              <a:alphaOff val="0"/>
+            </a:schemeClr>
+          </a:solidFill>
+          <a:prstDash val="solid"/>
+        </a:ln>
+        <a:effectLst/>
+      </dsp:spPr>
+      <dsp:style>
+        <a:lnRef idx="2">
+          <a:scrgbClr r="0" g="0" b="0"/>
+        </a:lnRef>
+        <a:fillRef idx="1">
+          <a:scrgbClr r="0" g="0" b="0"/>
+        </a:fillRef>
+        <a:effectRef idx="0">
+          <a:scrgbClr r="0" g="0" b="0"/>
+        </a:effectRef>
+        <a:fontRef idx="minor">
+          <a:schemeClr val="lt1"/>
+        </a:fontRef>
+      </dsp:style>
+      <dsp:txBody>
+        <a:bodyPr spcFirstLastPara="0" vert="horz" wrap="square" lIns="64770" tIns="64770" rIns="64770" bIns="64770" numCol="1" spcCol="1270" anchor="ctr" anchorCtr="0">
+          <a:noAutofit/>
+        </a:bodyPr>
+        <a:lstStyle/>
+        <a:p>
+          <a:pPr marL="0" lvl="0" indent="0" algn="l" defTabSz="755650">
+            <a:lnSpc>
+              <a:spcPct val="90000"/>
+            </a:lnSpc>
+            <a:spcBef>
+              <a:spcPct val="0"/>
+            </a:spcBef>
+            <a:spcAft>
+              <a:spcPct val="35000"/>
+            </a:spcAft>
+            <a:buNone/>
+          </a:pPr>
+          <a:r>
+            <a:rPr lang="en-US" sz="1700" kern="1200"/>
+            <a:t>Transactions after cash count before EOD</a:t>
+          </a:r>
+        </a:p>
+      </dsp:txBody>
+      <dsp:txXfrm>
+        <a:off x="19419" y="3508039"/>
+        <a:ext cx="6533412" cy="358962"/>
+      </dsp:txXfrm>
+    </dsp:sp>
+    <dsp:sp modelId="{68FEE1A7-A087-40DD-88DA-C617133E7AA8}">
+      <dsp:nvSpPr>
+        <dsp:cNvPr id="0" name=""/>
+        <dsp:cNvSpPr/>
+      </dsp:nvSpPr>
+      <dsp:spPr>
+        <a:xfrm>
+          <a:off x="0" y="3935380"/>
+          <a:ext cx="6572250" cy="397800"/>
+        </a:xfrm>
+        <a:prstGeom prst="roundRect">
+          <a:avLst/>
+        </a:prstGeom>
+        <a:solidFill>
+          <a:schemeClr val="accent2">
+            <a:hueOff val="-11722126"/>
+            <a:satOff val="20474"/>
+            <a:lumOff val="11765"/>
+            <a:alphaOff val="0"/>
+          </a:schemeClr>
+        </a:solidFill>
+        <a:ln w="12700" cap="flat" cmpd="sng" algn="ctr">
+          <a:solidFill>
+            <a:schemeClr val="lt1">
+              <a:hueOff val="0"/>
+              <a:satOff val="0"/>
+              <a:lumOff val="0"/>
+              <a:alphaOff val="0"/>
+            </a:schemeClr>
+          </a:solidFill>
+          <a:prstDash val="solid"/>
+        </a:ln>
+        <a:effectLst/>
+      </dsp:spPr>
+      <dsp:style>
+        <a:lnRef idx="2">
+          <a:scrgbClr r="0" g="0" b="0"/>
+        </a:lnRef>
+        <a:fillRef idx="1">
+          <a:scrgbClr r="0" g="0" b="0"/>
+        </a:fillRef>
+        <a:effectRef idx="0">
+          <a:scrgbClr r="0" g="0" b="0"/>
+        </a:effectRef>
+        <a:fontRef idx="minor">
+          <a:schemeClr val="lt1"/>
+        </a:fontRef>
+      </dsp:style>
+      <dsp:txBody>
+        <a:bodyPr spcFirstLastPara="0" vert="horz" wrap="square" lIns="64770" tIns="64770" rIns="64770" bIns="64770" numCol="1" spcCol="1270" anchor="ctr" anchorCtr="0">
+          <a:noAutofit/>
+        </a:bodyPr>
+        <a:lstStyle/>
+        <a:p>
+          <a:pPr marL="0" lvl="0" indent="0" algn="l" defTabSz="755650">
+            <a:lnSpc>
+              <a:spcPct val="90000"/>
+            </a:lnSpc>
+            <a:spcBef>
+              <a:spcPct val="0"/>
+            </a:spcBef>
+            <a:spcAft>
+              <a:spcPct val="35000"/>
+            </a:spcAft>
+            <a:buNone/>
+          </a:pPr>
+          <a:r>
+            <a:rPr lang="en-US" sz="1700" kern="1200"/>
+            <a:t>Suspected Dispense Error</a:t>
+          </a:r>
+        </a:p>
+      </dsp:txBody>
+      <dsp:txXfrm>
+        <a:off x="19419" y="3954799"/>
+        <a:ext cx="6533412" cy="358962"/>
+      </dsp:txXfrm>
+    </dsp:sp>
+    <dsp:sp modelId="{FF561B23-B0A4-475F-968C-0A97F78F2A03}">
+      <dsp:nvSpPr>
+        <dsp:cNvPr id="0" name=""/>
+        <dsp:cNvSpPr/>
+      </dsp:nvSpPr>
+      <dsp:spPr>
+        <a:xfrm>
+          <a:off x="0" y="4382140"/>
+          <a:ext cx="6572250" cy="397800"/>
+        </a:xfrm>
+        <a:prstGeom prst="roundRect">
+          <a:avLst/>
+        </a:prstGeom>
+        <a:solidFill>
+          <a:schemeClr val="accent2">
+            <a:hueOff val="-13187392"/>
+            <a:satOff val="23034"/>
+            <a:lumOff val="13235"/>
+            <a:alphaOff val="0"/>
+          </a:schemeClr>
+        </a:solidFill>
+        <a:ln w="12700" cap="flat" cmpd="sng" algn="ctr">
+          <a:solidFill>
+            <a:schemeClr val="lt1">
+              <a:hueOff val="0"/>
+              <a:satOff val="0"/>
+              <a:lumOff val="0"/>
+              <a:alphaOff val="0"/>
+            </a:schemeClr>
+          </a:solidFill>
+          <a:prstDash val="solid"/>
+        </a:ln>
+        <a:effectLst/>
+      </dsp:spPr>
+      <dsp:style>
+        <a:lnRef idx="2">
+          <a:scrgbClr r="0" g="0" b="0"/>
+        </a:lnRef>
+        <a:fillRef idx="1">
+          <a:scrgbClr r="0" g="0" b="0"/>
+        </a:fillRef>
+        <a:effectRef idx="0">
+          <a:scrgbClr r="0" g="0" b="0"/>
+        </a:effectRef>
+        <a:fontRef idx="minor">
+          <a:schemeClr val="lt1"/>
+        </a:fontRef>
+      </dsp:style>
+      <dsp:txBody>
+        <a:bodyPr spcFirstLastPara="0" vert="horz" wrap="square" lIns="64770" tIns="64770" rIns="64770" bIns="64770" numCol="1" spcCol="1270" anchor="ctr" anchorCtr="0">
+          <a:noAutofit/>
+        </a:bodyPr>
+        <a:lstStyle/>
+        <a:p>
+          <a:pPr marL="0" lvl="0" indent="0" algn="l" defTabSz="755650">
+            <a:lnSpc>
+              <a:spcPct val="90000"/>
+            </a:lnSpc>
+            <a:spcBef>
+              <a:spcPct val="0"/>
+            </a:spcBef>
+            <a:spcAft>
+              <a:spcPct val="35000"/>
+            </a:spcAft>
+            <a:buNone/>
+          </a:pPr>
+          <a:r>
+            <a:rPr lang="en-US" sz="1700" kern="1200"/>
+            <a:t>On FEP not on GL</a:t>
+          </a:r>
+        </a:p>
+      </dsp:txBody>
+      <dsp:txXfrm>
+        <a:off x="19419" y="4401559"/>
+        <a:ext cx="6533412" cy="358962"/>
+      </dsp:txXfrm>
+    </dsp:sp>
+    <dsp:sp modelId="{6D9E0C88-9855-478E-AA27-AC4BC96CD4FC}">
+      <dsp:nvSpPr>
+        <dsp:cNvPr id="0" name=""/>
+        <dsp:cNvSpPr/>
+      </dsp:nvSpPr>
+      <dsp:spPr>
+        <a:xfrm>
+          <a:off x="0" y="4828900"/>
+          <a:ext cx="6572250" cy="397800"/>
+        </a:xfrm>
+        <a:prstGeom prst="roundRect">
+          <a:avLst/>
+        </a:prstGeom>
+        <a:solidFill>
+          <a:schemeClr val="accent2">
+            <a:hueOff val="-14652658"/>
+            <a:satOff val="25593"/>
+            <a:lumOff val="14706"/>
+            <a:alphaOff val="0"/>
+          </a:schemeClr>
+        </a:solidFill>
+        <a:ln w="12700" cap="flat" cmpd="sng" algn="ctr">
+          <a:solidFill>
+            <a:schemeClr val="lt1">
+              <a:hueOff val="0"/>
+              <a:satOff val="0"/>
+              <a:lumOff val="0"/>
+              <a:alphaOff val="0"/>
+            </a:schemeClr>
+          </a:solidFill>
+          <a:prstDash val="solid"/>
+        </a:ln>
+        <a:effectLst/>
+      </dsp:spPr>
+      <dsp:style>
+        <a:lnRef idx="2">
+          <a:scrgbClr r="0" g="0" b="0"/>
+        </a:lnRef>
+        <a:fillRef idx="1">
+          <a:scrgbClr r="0" g="0" b="0"/>
+        </a:fillRef>
+        <a:effectRef idx="0">
+          <a:scrgbClr r="0" g="0" b="0"/>
+        </a:effectRef>
+        <a:fontRef idx="minor">
+          <a:schemeClr val="lt1"/>
+        </a:fontRef>
+      </dsp:style>
+      <dsp:txBody>
+        <a:bodyPr spcFirstLastPara="0" vert="horz" wrap="square" lIns="64770" tIns="64770" rIns="64770" bIns="64770" numCol="1" spcCol="1270" anchor="ctr" anchorCtr="0">
+          <a:noAutofit/>
+        </a:bodyPr>
+        <a:lstStyle/>
+        <a:p>
+          <a:pPr marL="0" lvl="0" indent="0" algn="l" defTabSz="755650">
+            <a:lnSpc>
+              <a:spcPct val="90000"/>
+            </a:lnSpc>
+            <a:spcBef>
+              <a:spcPct val="0"/>
+            </a:spcBef>
+            <a:spcAft>
+              <a:spcPct val="35000"/>
+            </a:spcAft>
+            <a:buNone/>
+          </a:pPr>
+          <a:r>
+            <a:rPr lang="en-US" sz="1700" kern="1200"/>
+            <a:t>On GL not on FEP</a:t>
+          </a:r>
+        </a:p>
+      </dsp:txBody>
+      <dsp:txXfrm>
+        <a:off x="19419" y="4848319"/>
+        <a:ext cx="6533412" cy="358962"/>
+      </dsp:txXfrm>
+    </dsp:sp>
+  </dsp:spTree>
+</dsp:drawing>
+</file>
+
 <file path=ppt/diagrams/layout1.xml><?xml version="1.0" encoding="utf-8"?>
 <dgm:layoutDef xmlns:dgm="http://schemas.openxmlformats.org/drawingml/2006/diagram" xmlns:a="http://schemas.openxmlformats.org/drawingml/2006/main" uniqueId="urn:microsoft.com/office/officeart/2005/8/layout/hList1">
   <dgm:title val=""/>
@@ -8287,6 +10545,173 @@
 </dgm:layoutDef>
 </file>
 
+<file path=ppt/diagrams/layout5.xml><?xml version="1.0" encoding="utf-8"?>
+<dgm:layoutDef xmlns:dgm="http://schemas.openxmlformats.org/drawingml/2006/diagram" xmlns:a="http://schemas.openxmlformats.org/drawingml/2006/main" uniqueId="urn:microsoft.com/office/officeart/2005/8/layout/vList2">
+  <dgm:title val=""/>
+  <dgm:desc val=""/>
+  <dgm:catLst>
+    <dgm:cat type="list" pri="3000"/>
+    <dgm:cat type="convert" pri="1000"/>
+  </dgm:catLst>
+  <dgm:sampData>
+    <dgm:dataModel>
+      <dgm:ptLst>
+        <dgm:pt modelId="0" type="doc"/>
+        <dgm:pt modelId="1">
+          <dgm:prSet phldr="1"/>
+        </dgm:pt>
+        <dgm:pt modelId="11">
+          <dgm:prSet phldr="1"/>
+        </dgm:pt>
+        <dgm:pt modelId="2">
+          <dgm:prSet phldr="1"/>
+        </dgm:pt>
+        <dgm:pt modelId="21">
+          <dgm:prSet phldr="1"/>
+        </dgm:pt>
+      </dgm:ptLst>
+      <dgm:cxnLst>
+        <dgm:cxn modelId="4" srcId="0" destId="1" srcOrd="0" destOrd="0"/>
+        <dgm:cxn modelId="5" srcId="0" destId="2" srcOrd="1" destOrd="0"/>
+        <dgm:cxn modelId="12" srcId="1" destId="11" srcOrd="0" destOrd="0"/>
+        <dgm:cxn modelId="23" srcId="2" destId="21" srcOrd="0" destOrd="0"/>
+      </dgm:cxnLst>
+      <dgm:bg/>
+      <dgm:whole/>
+    </dgm:dataModel>
+  </dgm:sampData>
+  <dgm:styleData>
+    <dgm:dataModel>
+      <dgm:ptLst>
+        <dgm:pt modelId="0" type="doc"/>
+        <dgm:pt modelId="1"/>
+        <dgm:pt modelId="2"/>
+      </dgm:ptLst>
+      <dgm:cxnLst>
+        <dgm:cxn modelId="3" srcId="0" destId="1" srcOrd="0" destOrd="0"/>
+        <dgm:cxn modelId="4" srcId="0" destId="2" srcOrd="1" destOrd="0"/>
+      </dgm:cxnLst>
+      <dgm:bg/>
+      <dgm:whole/>
+    </dgm:dataModel>
+  </dgm:styleData>
+  <dgm:clrData>
+    <dgm:dataModel>
+      <dgm:ptLst>
+        <dgm:pt modelId="0" type="doc"/>
+        <dgm:pt modelId="1"/>
+        <dgm:pt modelId="2"/>
+        <dgm:pt modelId="3"/>
+        <dgm:pt modelId="4"/>
+      </dgm:ptLst>
+      <dgm:cxnLst>
+        <dgm:cxn modelId="5" srcId="0" destId="1" srcOrd="0" destOrd="0"/>
+        <dgm:cxn modelId="6" srcId="0" destId="2" srcOrd="1" destOrd="0"/>
+        <dgm:cxn modelId="7" srcId="0" destId="3" srcOrd="2" destOrd="0"/>
+        <dgm:cxn modelId="8" srcId="0" destId="4" srcOrd="3" destOrd="0"/>
+      </dgm:cxnLst>
+      <dgm:bg/>
+      <dgm:whole/>
+    </dgm:dataModel>
+  </dgm:clrData>
+  <dgm:layoutNode name="linear">
+    <dgm:varLst>
+      <dgm:animLvl val="lvl"/>
+      <dgm:resizeHandles val="exact"/>
+    </dgm:varLst>
+    <dgm:alg type="lin">
+      <dgm:param type="linDir" val="fromT"/>
+      <dgm:param type="vertAlign" val="mid"/>
+    </dgm:alg>
+    <dgm:shape xmlns:r="http://schemas.openxmlformats.org/officeDocument/2006/relationships" r:blip="">
+      <dgm:adjLst/>
+    </dgm:shape>
+    <dgm:presOf/>
+    <dgm:constrLst>
+      <dgm:constr type="w" for="ch" forName="parentText" refType="w"/>
+      <dgm:constr type="h" for="ch" forName="parentText" refType="primFontSz" refFor="ch" refForName="parentText" fact="0.52"/>
+      <dgm:constr type="w" for="ch" forName="childText" refType="w"/>
+      <dgm:constr type="h" for="ch" forName="childText" refType="primFontSz" refFor="ch" refForName="parentText" fact="0.46"/>
+      <dgm:constr type="h" for="ch" forName="parentText" op="equ"/>
+      <dgm:constr type="primFontSz" for="ch" forName="parentText" op="equ" val="65"/>
+      <dgm:constr type="primFontSz" for="ch" forName="childText" refType="primFontSz" refFor="ch" refForName="parentText" op="equ"/>
+      <dgm:constr type="h" for="ch" forName="spacer" refType="primFontSz" refFor="ch" refForName="parentText" fact="0.08"/>
+    </dgm:constrLst>
+    <dgm:ruleLst>
+      <dgm:rule type="primFontSz" for="ch" forName="parentText" val="5" fact="NaN" max="NaN"/>
+    </dgm:ruleLst>
+    <dgm:forEach name="Name0" axis="ch" ptType="node">
+      <dgm:layoutNode name="parentText" styleLbl="node1">
+        <dgm:varLst>
+          <dgm:chMax val="0"/>
+          <dgm:bulletEnabled val="1"/>
+        </dgm:varLst>
+        <dgm:alg type="tx">
+          <dgm:param type="parTxLTRAlign" val="l"/>
+          <dgm:param type="parTxRTLAlign" val="r"/>
+        </dgm:alg>
+        <dgm:shape xmlns:r="http://schemas.openxmlformats.org/officeDocument/2006/relationships" type="roundRect" r:blip="">
+          <dgm:adjLst/>
+        </dgm:shape>
+        <dgm:presOf axis="self"/>
+        <dgm:constrLst>
+          <dgm:constr type="tMarg" refType="primFontSz" fact="0.3"/>
+          <dgm:constr type="bMarg" refType="primFontSz" fact="0.3"/>
+          <dgm:constr type="lMarg" refType="primFontSz" fact="0.3"/>
+          <dgm:constr type="rMarg" refType="primFontSz" fact="0.3"/>
+        </dgm:constrLst>
+        <dgm:ruleLst>
+          <dgm:rule type="h" val="INF" fact="NaN" max="NaN"/>
+        </dgm:ruleLst>
+      </dgm:layoutNode>
+      <dgm:choose name="Name1">
+        <dgm:if name="Name2" axis="ch" ptType="node" func="cnt" op="gte" val="1">
+          <dgm:layoutNode name="childText" styleLbl="revTx">
+            <dgm:varLst>
+              <dgm:bulletEnabled val="1"/>
+            </dgm:varLst>
+            <dgm:alg type="tx">
+              <dgm:param type="stBulletLvl" val="1"/>
+              <dgm:param type="lnSpAfChP" val="20"/>
+            </dgm:alg>
+            <dgm:shape xmlns:r="http://schemas.openxmlformats.org/officeDocument/2006/relationships" type="rect" r:blip="">
+              <dgm:adjLst/>
+            </dgm:shape>
+            <dgm:presOf axis="des" ptType="node"/>
+            <dgm:constrLst>
+              <dgm:constr type="tMarg" refType="primFontSz" fact="0.1"/>
+              <dgm:constr type="bMarg" refType="primFontSz" fact="0.1"/>
+              <dgm:constr type="lMarg" refType="w" fact="0.09"/>
+            </dgm:constrLst>
+            <dgm:ruleLst>
+              <dgm:rule type="h" val="INF" fact="NaN" max="NaN"/>
+            </dgm:ruleLst>
+          </dgm:layoutNode>
+        </dgm:if>
+        <dgm:else name="Name3">
+          <dgm:choose name="Name4">
+            <dgm:if name="Name5" axis="par ch" ptType="doc node" func="cnt" op="gte" val="2">
+              <dgm:forEach name="Name6" axis="followSib" ptType="sibTrans" cnt="1">
+                <dgm:layoutNode name="spacer">
+                  <dgm:alg type="sp"/>
+                  <dgm:shape xmlns:r="http://schemas.openxmlformats.org/officeDocument/2006/relationships" r:blip="">
+                    <dgm:adjLst/>
+                  </dgm:shape>
+                  <dgm:presOf/>
+                  <dgm:constrLst/>
+                  <dgm:ruleLst/>
+                </dgm:layoutNode>
+              </dgm:forEach>
+            </dgm:if>
+            <dgm:else name="Name7"/>
+          </dgm:choose>
+        </dgm:else>
+      </dgm:choose>
+    </dgm:forEach>
+  </dgm:layoutNode>
+</dgm:layoutDef>
+</file>
+
 <file path=ppt/diagrams/quickStyle1.xml><?xml version="1.0" encoding="utf-8"?>
 <dgm:styleDef xmlns:dgm="http://schemas.openxmlformats.org/drawingml/2006/diagram" xmlns:a="http://schemas.openxmlformats.org/drawingml/2006/main" uniqueId="urn:microsoft.com/office/officeart/2005/8/quickstyle/simple1">
   <dgm:title val=""/>
@@ -11390,6 +13815,1040 @@
 </file>
 
 <file path=ppt/diagrams/quickStyle4.xml><?xml version="1.0" encoding="utf-8"?>
+<dgm:styleDef xmlns:dgm="http://schemas.openxmlformats.org/drawingml/2006/diagram" xmlns:a="http://schemas.openxmlformats.org/drawingml/2006/main" uniqueId="urn:microsoft.com/office/officeart/2005/8/quickstyle/simple1">
+  <dgm:title val=""/>
+  <dgm:desc val=""/>
+  <dgm:catLst>
+    <dgm:cat type="simple" pri="10100"/>
+  </dgm:catLst>
+  <dgm:scene3d>
+    <a:camera prst="orthographicFront"/>
+    <a:lightRig rig="threePt" dir="t"/>
+  </dgm:scene3d>
+  <dgm:styleLbl name="node0">
+    <dgm:scene3d>
+      <a:camera prst="orthographicFront"/>
+      <a:lightRig rig="threePt" dir="t"/>
+    </dgm:scene3d>
+    <dgm:sp3d/>
+    <dgm:txPr/>
+    <dgm:style>
+      <a:lnRef idx="2">
+        <a:scrgbClr r="0" g="0" b="0"/>
+      </a:lnRef>
+      <a:fillRef idx="1">
+        <a:scrgbClr r="0" g="0" b="0"/>
+      </a:fillRef>
+      <a:effectRef idx="0">
+        <a:scrgbClr r="0" g="0" b="0"/>
+      </a:effectRef>
+      <a:fontRef idx="minor">
+        <a:schemeClr val="lt1"/>
+      </a:fontRef>
+    </dgm:style>
+  </dgm:styleLbl>
+  <dgm:styleLbl name="lnNode1">
+    <dgm:scene3d>
+      <a:camera prst="orthographicFront"/>
+      <a:lightRig rig="threePt" dir="t"/>
+    </dgm:scene3d>
+    <dgm:sp3d/>
+    <dgm:txPr/>
+    <dgm:style>
+      <a:lnRef idx="2">
+        <a:scrgbClr r="0" g="0" b="0"/>
+      </a:lnRef>
+      <a:fillRef idx="1">
+        <a:scrgbClr r="0" g="0" b="0"/>
+      </a:fillRef>
+      <a:effectRef idx="0">
+        <a:scrgbClr r="0" g="0" b="0"/>
+      </a:effectRef>
+      <a:fontRef idx="minor">
+        <a:schemeClr val="lt1"/>
+      </a:fontRef>
+    </dgm:style>
+  </dgm:styleLbl>
+  <dgm:styleLbl name="vennNode1">
+    <dgm:scene3d>
+      <a:camera prst="orthographicFront"/>
+      <a:lightRig rig="threePt" dir="t"/>
+    </dgm:scene3d>
+    <dgm:sp3d/>
+    <dgm:txPr/>
+    <dgm:style>
+      <a:lnRef idx="2">
+        <a:scrgbClr r="0" g="0" b="0"/>
+      </a:lnRef>
+      <a:fillRef idx="1">
+        <a:scrgbClr r="0" g="0" b="0"/>
+      </a:fillRef>
+      <a:effectRef idx="0">
+        <a:scrgbClr r="0" g="0" b="0"/>
+      </a:effectRef>
+      <a:fontRef idx="minor">
+        <a:schemeClr val="tx1"/>
+      </a:fontRef>
+    </dgm:style>
+  </dgm:styleLbl>
+  <dgm:styleLbl name="alignNode1">
+    <dgm:scene3d>
+      <a:camera prst="orthographicFront"/>
+      <a:lightRig rig="threePt" dir="t"/>
+    </dgm:scene3d>
+    <dgm:sp3d/>
+    <dgm:txPr/>
+    <dgm:style>
+      <a:lnRef idx="2">
+        <a:scrgbClr r="0" g="0" b="0"/>
+      </a:lnRef>
+      <a:fillRef idx="1">
+        <a:scrgbClr r="0" g="0" b="0"/>
+      </a:fillRef>
+      <a:effectRef idx="0">
+        <a:scrgbClr r="0" g="0" b="0"/>
+      </a:effectRef>
+      <a:fontRef idx="minor">
+        <a:schemeClr val="lt1"/>
+      </a:fontRef>
+    </dgm:style>
+  </dgm:styleLbl>
+  <dgm:styleLbl name="node1">
+    <dgm:scene3d>
+      <a:camera prst="orthographicFront"/>
+      <a:lightRig rig="threePt" dir="t"/>
+    </dgm:scene3d>
+    <dgm:sp3d/>
+    <dgm:txPr/>
+    <dgm:style>
+      <a:lnRef idx="2">
+        <a:scrgbClr r="0" g="0" b="0"/>
+      </a:lnRef>
+      <a:fillRef idx="1">
+        <a:scrgbClr r="0" g="0" b="0"/>
+      </a:fillRef>
+      <a:effectRef idx="0">
+        <a:scrgbClr r="0" g="0" b="0"/>
+      </a:effectRef>
+      <a:fontRef idx="minor">
+        <a:schemeClr val="lt1"/>
+      </a:fontRef>
+    </dgm:style>
+  </dgm:styleLbl>
+  <dgm:styleLbl name="node2">
+    <dgm:scene3d>
+      <a:camera prst="orthographicFront"/>
+      <a:lightRig rig="threePt" dir="t"/>
+    </dgm:scene3d>
+    <dgm:sp3d/>
+    <dgm:txPr/>
+    <dgm:style>
+      <a:lnRef idx="2">
+        <a:scrgbClr r="0" g="0" b="0"/>
+      </a:lnRef>
+      <a:fillRef idx="1">
+        <a:scrgbClr r="0" g="0" b="0"/>
+      </a:fillRef>
+      <a:effectRef idx="0">
+        <a:scrgbClr r="0" g="0" b="0"/>
+      </a:effectRef>
+      <a:fontRef idx="minor">
+        <a:schemeClr val="lt1"/>
+      </a:fontRef>
+    </dgm:style>
+  </dgm:styleLbl>
+  <dgm:styleLbl name="node3">
+    <dgm:scene3d>
+      <a:camera prst="orthographicFront"/>
+      <a:lightRig rig="threePt" dir="t"/>
+    </dgm:scene3d>
+    <dgm:sp3d/>
+    <dgm:txPr/>
+    <dgm:style>
+      <a:lnRef idx="2">
+        <a:scrgbClr r="0" g="0" b="0"/>
+      </a:lnRef>
+      <a:fillRef idx="1">
+        <a:scrgbClr r="0" g="0" b="0"/>
+      </a:fillRef>
+      <a:effectRef idx="0">
+        <a:scrgbClr r="0" g="0" b="0"/>
+      </a:effectRef>
+      <a:fontRef idx="minor">
+        <a:schemeClr val="lt1"/>
+      </a:fontRef>
+    </dgm:style>
+  </dgm:styleLbl>
+  <dgm:styleLbl name="node4">
+    <dgm:scene3d>
+      <a:camera prst="orthographicFront"/>
+      <a:lightRig rig="threePt" dir="t"/>
+    </dgm:scene3d>
+    <dgm:sp3d/>
+    <dgm:txPr/>
+    <dgm:style>
+      <a:lnRef idx="2">
+        <a:scrgbClr r="0" g="0" b="0"/>
+      </a:lnRef>
+      <a:fillRef idx="1">
+        <a:scrgbClr r="0" g="0" b="0"/>
+      </a:fillRef>
+      <a:effectRef idx="0">
+        <a:scrgbClr r="0" g="0" b="0"/>
+      </a:effectRef>
+      <a:fontRef idx="minor">
+        <a:schemeClr val="lt1"/>
+      </a:fontRef>
+    </dgm:style>
+  </dgm:styleLbl>
+  <dgm:styleLbl name="fgImgPlace1">
+    <dgm:scene3d>
+      <a:camera prst="orthographicFront"/>
+      <a:lightRig rig="threePt" dir="t"/>
+    </dgm:scene3d>
+    <dgm:sp3d/>
+    <dgm:txPr/>
+    <dgm:style>
+      <a:lnRef idx="2">
+        <a:scrgbClr r="0" g="0" b="0"/>
+      </a:lnRef>
+      <a:fillRef idx="1">
+        <a:scrgbClr r="0" g="0" b="0"/>
+      </a:fillRef>
+      <a:effectRef idx="0">
+        <a:scrgbClr r="0" g="0" b="0"/>
+      </a:effectRef>
+      <a:fontRef idx="minor"/>
+    </dgm:style>
+  </dgm:styleLbl>
+  <dgm:styleLbl name="alignImgPlace1">
+    <dgm:scene3d>
+      <a:camera prst="orthographicFront"/>
+      <a:lightRig rig="threePt" dir="t"/>
+    </dgm:scene3d>
+    <dgm:sp3d/>
+    <dgm:txPr/>
+    <dgm:style>
+      <a:lnRef idx="2">
+        <a:scrgbClr r="0" g="0" b="0"/>
+      </a:lnRef>
+      <a:fillRef idx="1">
+        <a:scrgbClr r="0" g="0" b="0"/>
+      </a:fillRef>
+      <a:effectRef idx="0">
+        <a:scrgbClr r="0" g="0" b="0"/>
+      </a:effectRef>
+      <a:fontRef idx="minor"/>
+    </dgm:style>
+  </dgm:styleLbl>
+  <dgm:styleLbl name="bgImgPlace1">
+    <dgm:scene3d>
+      <a:camera prst="orthographicFront"/>
+      <a:lightRig rig="threePt" dir="t"/>
+    </dgm:scene3d>
+    <dgm:sp3d/>
+    <dgm:txPr/>
+    <dgm:style>
+      <a:lnRef idx="2">
+        <a:scrgbClr r="0" g="0" b="0"/>
+      </a:lnRef>
+      <a:fillRef idx="1">
+        <a:scrgbClr r="0" g="0" b="0"/>
+      </a:fillRef>
+      <a:effectRef idx="0">
+        <a:scrgbClr r="0" g="0" b="0"/>
+      </a:effectRef>
+      <a:fontRef idx="minor"/>
+    </dgm:style>
+  </dgm:styleLbl>
+  <dgm:styleLbl name="sibTrans2D1">
+    <dgm:scene3d>
+      <a:camera prst="orthographicFront"/>
+      <a:lightRig rig="threePt" dir="t"/>
+    </dgm:scene3d>
+    <dgm:sp3d/>
+    <dgm:txPr/>
+    <dgm:style>
+      <a:lnRef idx="0">
+        <a:scrgbClr r="0" g="0" b="0"/>
+      </a:lnRef>
+      <a:fillRef idx="1">
+        <a:scrgbClr r="0" g="0" b="0"/>
+      </a:fillRef>
+      <a:effectRef idx="0">
+        <a:scrgbClr r="0" g="0" b="0"/>
+      </a:effectRef>
+      <a:fontRef idx="minor">
+        <a:schemeClr val="lt1"/>
+      </a:fontRef>
+    </dgm:style>
+  </dgm:styleLbl>
+  <dgm:styleLbl name="fgSibTrans2D1">
+    <dgm:scene3d>
+      <a:camera prst="orthographicFront"/>
+      <a:lightRig rig="threePt" dir="t"/>
+    </dgm:scene3d>
+    <dgm:sp3d/>
+    <dgm:txPr/>
+    <dgm:style>
+      <a:lnRef idx="0">
+        <a:scrgbClr r="0" g="0" b="0"/>
+      </a:lnRef>
+      <a:fillRef idx="1">
+        <a:scrgbClr r="0" g="0" b="0"/>
+      </a:fillRef>
+      <a:effectRef idx="0">
+        <a:scrgbClr r="0" g="0" b="0"/>
+      </a:effectRef>
+      <a:fontRef idx="minor">
+        <a:schemeClr val="lt1"/>
+      </a:fontRef>
+    </dgm:style>
+  </dgm:styleLbl>
+  <dgm:styleLbl name="bgSibTrans2D1">
+    <dgm:scene3d>
+      <a:camera prst="orthographicFront"/>
+      <a:lightRig rig="threePt" dir="t"/>
+    </dgm:scene3d>
+    <dgm:sp3d/>
+    <dgm:txPr/>
+    <dgm:style>
+      <a:lnRef idx="0">
+        <a:scrgbClr r="0" g="0" b="0"/>
+      </a:lnRef>
+      <a:fillRef idx="1">
+        <a:scrgbClr r="0" g="0" b="0"/>
+      </a:fillRef>
+      <a:effectRef idx="0">
+        <a:scrgbClr r="0" g="0" b="0"/>
+      </a:effectRef>
+      <a:fontRef idx="minor">
+        <a:schemeClr val="lt1"/>
+      </a:fontRef>
+    </dgm:style>
+  </dgm:styleLbl>
+  <dgm:styleLbl name="sibTrans1D1">
+    <dgm:scene3d>
+      <a:camera prst="orthographicFront"/>
+      <a:lightRig rig="threePt" dir="t"/>
+    </dgm:scene3d>
+    <dgm:sp3d/>
+    <dgm:txPr/>
+    <dgm:style>
+      <a:lnRef idx="1">
+        <a:scrgbClr r="0" g="0" b="0"/>
+      </a:lnRef>
+      <a:fillRef idx="0">
+        <a:scrgbClr r="0" g="0" b="0"/>
+      </a:fillRef>
+      <a:effectRef idx="0">
+        <a:scrgbClr r="0" g="0" b="0"/>
+      </a:effectRef>
+      <a:fontRef idx="minor"/>
+    </dgm:style>
+  </dgm:styleLbl>
+  <dgm:styleLbl name="callout">
+    <dgm:scene3d>
+      <a:camera prst="orthographicFront"/>
+      <a:lightRig rig="threePt" dir="t"/>
+    </dgm:scene3d>
+    <dgm:sp3d/>
+    <dgm:txPr/>
+    <dgm:style>
+      <a:lnRef idx="2">
+        <a:scrgbClr r="0" g="0" b="0"/>
+      </a:lnRef>
+      <a:fillRef idx="1">
+        <a:scrgbClr r="0" g="0" b="0"/>
+      </a:fillRef>
+      <a:effectRef idx="0">
+        <a:scrgbClr r="0" g="0" b="0"/>
+      </a:effectRef>
+      <a:fontRef idx="minor"/>
+    </dgm:style>
+  </dgm:styleLbl>
+  <dgm:styleLbl name="asst0">
+    <dgm:scene3d>
+      <a:camera prst="orthographicFront"/>
+      <a:lightRig rig="threePt" dir="t"/>
+    </dgm:scene3d>
+    <dgm:sp3d/>
+    <dgm:txPr/>
+    <dgm:style>
+      <a:lnRef idx="2">
+        <a:scrgbClr r="0" g="0" b="0"/>
+      </a:lnRef>
+      <a:fillRef idx="1">
+        <a:scrgbClr r="0" g="0" b="0"/>
+      </a:fillRef>
+      <a:effectRef idx="0">
+        <a:scrgbClr r="0" g="0" b="0"/>
+      </a:effectRef>
+      <a:fontRef idx="minor">
+        <a:schemeClr val="lt1"/>
+      </a:fontRef>
+    </dgm:style>
+  </dgm:styleLbl>
+  <dgm:styleLbl name="asst1">
+    <dgm:scene3d>
+      <a:camera prst="orthographicFront"/>
+      <a:lightRig rig="threePt" dir="t"/>
+    </dgm:scene3d>
+    <dgm:sp3d/>
+    <dgm:txPr/>
+    <dgm:style>
+      <a:lnRef idx="2">
+        <a:scrgbClr r="0" g="0" b="0"/>
+      </a:lnRef>
+      <a:fillRef idx="1">
+        <a:scrgbClr r="0" g="0" b="0"/>
+      </a:fillRef>
+      <a:effectRef idx="0">
+        <a:scrgbClr r="0" g="0" b="0"/>
+      </a:effectRef>
+      <a:fontRef idx="minor">
+        <a:schemeClr val="lt1"/>
+      </a:fontRef>
+    </dgm:style>
+  </dgm:styleLbl>
+  <dgm:styleLbl name="asst2">
+    <dgm:scene3d>
+      <a:camera prst="orthographicFront"/>
+      <a:lightRig rig="threePt" dir="t"/>
+    </dgm:scene3d>
+    <dgm:sp3d/>
+    <dgm:txPr/>
+    <dgm:style>
+      <a:lnRef idx="2">
+        <a:scrgbClr r="0" g="0" b="0"/>
+      </a:lnRef>
+      <a:fillRef idx="1">
+        <a:scrgbClr r="0" g="0" b="0"/>
+      </a:fillRef>
+      <a:effectRef idx="0">
+        <a:scrgbClr r="0" g="0" b="0"/>
+      </a:effectRef>
+      <a:fontRef idx="minor">
+        <a:schemeClr val="lt1"/>
+      </a:fontRef>
+    </dgm:style>
+  </dgm:styleLbl>
+  <dgm:styleLbl name="asst3">
+    <dgm:scene3d>
+      <a:camera prst="orthographicFront"/>
+      <a:lightRig rig="threePt" dir="t"/>
+    </dgm:scene3d>
+    <dgm:sp3d/>
+    <dgm:txPr/>
+    <dgm:style>
+      <a:lnRef idx="2">
+        <a:scrgbClr r="0" g="0" b="0"/>
+      </a:lnRef>
+      <a:fillRef idx="1">
+        <a:scrgbClr r="0" g="0" b="0"/>
+      </a:fillRef>
+      <a:effectRef idx="0">
+        <a:scrgbClr r="0" g="0" b="0"/>
+      </a:effectRef>
+      <a:fontRef idx="minor">
+        <a:schemeClr val="lt1"/>
+      </a:fontRef>
+    </dgm:style>
+  </dgm:styleLbl>
+  <dgm:styleLbl name="asst4">
+    <dgm:scene3d>
+      <a:camera prst="orthographicFront"/>
+      <a:lightRig rig="threePt" dir="t"/>
+    </dgm:scene3d>
+    <dgm:sp3d/>
+    <dgm:txPr/>
+    <dgm:style>
+      <a:lnRef idx="2">
+        <a:scrgbClr r="0" g="0" b="0"/>
+      </a:lnRef>
+      <a:fillRef idx="1">
+        <a:scrgbClr r="0" g="0" b="0"/>
+      </a:fillRef>
+      <a:effectRef idx="0">
+        <a:scrgbClr r="0" g="0" b="0"/>
+      </a:effectRef>
+      <a:fontRef idx="minor">
+        <a:schemeClr val="lt1"/>
+      </a:fontRef>
+    </dgm:style>
+  </dgm:styleLbl>
+  <dgm:styleLbl name="parChTrans2D1">
+    <dgm:scene3d>
+      <a:camera prst="orthographicFront"/>
+      <a:lightRig rig="threePt" dir="t"/>
+    </dgm:scene3d>
+    <dgm:sp3d/>
+    <dgm:txPr/>
+    <dgm:style>
+      <a:lnRef idx="2">
+        <a:scrgbClr r="0" g="0" b="0"/>
+      </a:lnRef>
+      <a:fillRef idx="1">
+        <a:scrgbClr r="0" g="0" b="0"/>
+      </a:fillRef>
+      <a:effectRef idx="0">
+        <a:scrgbClr r="0" g="0" b="0"/>
+      </a:effectRef>
+      <a:fontRef idx="minor">
+        <a:schemeClr val="lt1"/>
+      </a:fontRef>
+    </dgm:style>
+  </dgm:styleLbl>
+  <dgm:styleLbl name="parChTrans2D2">
+    <dgm:scene3d>
+      <a:camera prst="orthographicFront"/>
+      <a:lightRig rig="threePt" dir="t"/>
+    </dgm:scene3d>
+    <dgm:sp3d/>
+    <dgm:txPr/>
+    <dgm:style>
+      <a:lnRef idx="2">
+        <a:scrgbClr r="0" g="0" b="0"/>
+      </a:lnRef>
+      <a:fillRef idx="1">
+        <a:scrgbClr r="0" g="0" b="0"/>
+      </a:fillRef>
+      <a:effectRef idx="0">
+        <a:scrgbClr r="0" g="0" b="0"/>
+      </a:effectRef>
+      <a:fontRef idx="minor">
+        <a:schemeClr val="lt1"/>
+      </a:fontRef>
+    </dgm:style>
+  </dgm:styleLbl>
+  <dgm:styleLbl name="parChTrans2D3">
+    <dgm:scene3d>
+      <a:camera prst="orthographicFront"/>
+      <a:lightRig rig="threePt" dir="t"/>
+    </dgm:scene3d>
+    <dgm:sp3d/>
+    <dgm:txPr/>
+    <dgm:style>
+      <a:lnRef idx="2">
+        <a:scrgbClr r="0" g="0" b="0"/>
+      </a:lnRef>
+      <a:fillRef idx="1">
+        <a:scrgbClr r="0" g="0" b="0"/>
+      </a:fillRef>
+      <a:effectRef idx="0">
+        <a:scrgbClr r="0" g="0" b="0"/>
+      </a:effectRef>
+      <a:fontRef idx="minor">
+        <a:schemeClr val="lt1"/>
+      </a:fontRef>
+    </dgm:style>
+  </dgm:styleLbl>
+  <dgm:styleLbl name="parChTrans2D4">
+    <dgm:scene3d>
+      <a:camera prst="orthographicFront"/>
+      <a:lightRig rig="threePt" dir="t"/>
+    </dgm:scene3d>
+    <dgm:sp3d/>
+    <dgm:txPr/>
+    <dgm:style>
+      <a:lnRef idx="2">
+        <a:scrgbClr r="0" g="0" b="0"/>
+      </a:lnRef>
+      <a:fillRef idx="1">
+        <a:scrgbClr r="0" g="0" b="0"/>
+      </a:fillRef>
+      <a:effectRef idx="0">
+        <a:scrgbClr r="0" g="0" b="0"/>
+      </a:effectRef>
+      <a:fontRef idx="minor">
+        <a:schemeClr val="lt1"/>
+      </a:fontRef>
+    </dgm:style>
+  </dgm:styleLbl>
+  <dgm:styleLbl name="parChTrans1D1">
+    <dgm:scene3d>
+      <a:camera prst="orthographicFront"/>
+      <a:lightRig rig="threePt" dir="t"/>
+    </dgm:scene3d>
+    <dgm:sp3d/>
+    <dgm:txPr/>
+    <dgm:style>
+      <a:lnRef idx="2">
+        <a:scrgbClr r="0" g="0" b="0"/>
+      </a:lnRef>
+      <a:fillRef idx="0">
+        <a:scrgbClr r="0" g="0" b="0"/>
+      </a:fillRef>
+      <a:effectRef idx="0">
+        <a:scrgbClr r="0" g="0" b="0"/>
+      </a:effectRef>
+      <a:fontRef idx="minor"/>
+    </dgm:style>
+  </dgm:styleLbl>
+  <dgm:styleLbl name="parChTrans1D2">
+    <dgm:scene3d>
+      <a:camera prst="orthographicFront"/>
+      <a:lightRig rig="threePt" dir="t"/>
+    </dgm:scene3d>
+    <dgm:sp3d/>
+    <dgm:txPr/>
+    <dgm:style>
+      <a:lnRef idx="2">
+        <a:scrgbClr r="0" g="0" b="0"/>
+      </a:lnRef>
+      <a:fillRef idx="0">
+        <a:scrgbClr r="0" g="0" b="0"/>
+      </a:fillRef>
+      <a:effectRef idx="0">
+        <a:scrgbClr r="0" g="0" b="0"/>
+      </a:effectRef>
+      <a:fontRef idx="minor"/>
+    </dgm:style>
+  </dgm:styleLbl>
+  <dgm:styleLbl name="parChTrans1D3">
+    <dgm:scene3d>
+      <a:camera prst="orthographicFront"/>
+      <a:lightRig rig="threePt" dir="t"/>
+    </dgm:scene3d>
+    <dgm:sp3d/>
+    <dgm:txPr/>
+    <dgm:style>
+      <a:lnRef idx="2">
+        <a:scrgbClr r="0" g="0" b="0"/>
+      </a:lnRef>
+      <a:fillRef idx="0">
+        <a:scrgbClr r="0" g="0" b="0"/>
+      </a:fillRef>
+      <a:effectRef idx="0">
+        <a:scrgbClr r="0" g="0" b="0"/>
+      </a:effectRef>
+      <a:fontRef idx="minor"/>
+    </dgm:style>
+  </dgm:styleLbl>
+  <dgm:styleLbl name="parChTrans1D4">
+    <dgm:scene3d>
+      <a:camera prst="orthographicFront"/>
+      <a:lightRig rig="threePt" dir="t"/>
+    </dgm:scene3d>
+    <dgm:sp3d/>
+    <dgm:txPr/>
+    <dgm:style>
+      <a:lnRef idx="2">
+        <a:scrgbClr r="0" g="0" b="0"/>
+      </a:lnRef>
+      <a:fillRef idx="0">
+        <a:scrgbClr r="0" g="0" b="0"/>
+      </a:fillRef>
+      <a:effectRef idx="0">
+        <a:scrgbClr r="0" g="0" b="0"/>
+      </a:effectRef>
+      <a:fontRef idx="minor"/>
+    </dgm:style>
+  </dgm:styleLbl>
+  <dgm:styleLbl name="fgAcc1">
+    <dgm:scene3d>
+      <a:camera prst="orthographicFront"/>
+      <a:lightRig rig="threePt" dir="t"/>
+    </dgm:scene3d>
+    <dgm:sp3d/>
+    <dgm:txPr/>
+    <dgm:style>
+      <a:lnRef idx="2">
+        <a:scrgbClr r="0" g="0" b="0"/>
+      </a:lnRef>
+      <a:fillRef idx="1">
+        <a:scrgbClr r="0" g="0" b="0"/>
+      </a:fillRef>
+      <a:effectRef idx="0">
+        <a:scrgbClr r="0" g="0" b="0"/>
+      </a:effectRef>
+      <a:fontRef idx="minor"/>
+    </dgm:style>
+  </dgm:styleLbl>
+  <dgm:styleLbl name="conFgAcc1">
+    <dgm:scene3d>
+      <a:camera prst="orthographicFront"/>
+      <a:lightRig rig="threePt" dir="t"/>
+    </dgm:scene3d>
+    <dgm:sp3d/>
+    <dgm:txPr/>
+    <dgm:style>
+      <a:lnRef idx="2">
+        <a:scrgbClr r="0" g="0" b="0"/>
+      </a:lnRef>
+      <a:fillRef idx="1">
+        <a:scrgbClr r="0" g="0" b="0"/>
+      </a:fillRef>
+      <a:effectRef idx="0">
+        <a:scrgbClr r="0" g="0" b="0"/>
+      </a:effectRef>
+      <a:fontRef idx="minor"/>
+    </dgm:style>
+  </dgm:styleLbl>
+  <dgm:styleLbl name="alignAcc1">
+    <dgm:scene3d>
+      <a:camera prst="orthographicFront"/>
+      <a:lightRig rig="threePt" dir="t"/>
+    </dgm:scene3d>
+    <dgm:sp3d/>
+    <dgm:txPr/>
+    <dgm:style>
+      <a:lnRef idx="2">
+        <a:scrgbClr r="0" g="0" b="0"/>
+      </a:lnRef>
+      <a:fillRef idx="1">
+        <a:scrgbClr r="0" g="0" b="0"/>
+      </a:fillRef>
+      <a:effectRef idx="0">
+        <a:scrgbClr r="0" g="0" b="0"/>
+      </a:effectRef>
+      <a:fontRef idx="minor"/>
+    </dgm:style>
+  </dgm:styleLbl>
+  <dgm:styleLbl name="trAlignAcc1">
+    <dgm:scene3d>
+      <a:camera prst="orthographicFront"/>
+      <a:lightRig rig="threePt" dir="t"/>
+    </dgm:scene3d>
+    <dgm:sp3d/>
+    <dgm:txPr/>
+    <dgm:style>
+      <a:lnRef idx="1">
+        <a:scrgbClr r="0" g="0" b="0"/>
+      </a:lnRef>
+      <a:fillRef idx="1">
+        <a:scrgbClr r="0" g="0" b="0"/>
+      </a:fillRef>
+      <a:effectRef idx="0">
+        <a:scrgbClr r="0" g="0" b="0"/>
+      </a:effectRef>
+      <a:fontRef idx="minor"/>
+    </dgm:style>
+  </dgm:styleLbl>
+  <dgm:styleLbl name="bgAcc1">
+    <dgm:scene3d>
+      <a:camera prst="orthographicFront"/>
+      <a:lightRig rig="threePt" dir="t"/>
+    </dgm:scene3d>
+    <dgm:sp3d/>
+    <dgm:txPr/>
+    <dgm:style>
+      <a:lnRef idx="2">
+        <a:scrgbClr r="0" g="0" b="0"/>
+      </a:lnRef>
+      <a:fillRef idx="1">
+        <a:scrgbClr r="0" g="0" b="0"/>
+      </a:fillRef>
+      <a:effectRef idx="0">
+        <a:scrgbClr r="0" g="0" b="0"/>
+      </a:effectRef>
+      <a:fontRef idx="minor"/>
+    </dgm:style>
+  </dgm:styleLbl>
+  <dgm:styleLbl name="solidFgAcc1">
+    <dgm:scene3d>
+      <a:camera prst="orthographicFront"/>
+      <a:lightRig rig="threePt" dir="t"/>
+    </dgm:scene3d>
+    <dgm:sp3d/>
+    <dgm:txPr/>
+    <dgm:style>
+      <a:lnRef idx="2">
+        <a:scrgbClr r="0" g="0" b="0"/>
+      </a:lnRef>
+      <a:fillRef idx="1">
+        <a:scrgbClr r="0" g="0" b="0"/>
+      </a:fillRef>
+      <a:effectRef idx="0">
+        <a:scrgbClr r="0" g="0" b="0"/>
+      </a:effectRef>
+      <a:fontRef idx="minor"/>
+    </dgm:style>
+  </dgm:styleLbl>
+  <dgm:styleLbl name="solidAlignAcc1">
+    <dgm:scene3d>
+      <a:camera prst="orthographicFront"/>
+      <a:lightRig rig="threePt" dir="t"/>
+    </dgm:scene3d>
+    <dgm:sp3d/>
+    <dgm:txPr/>
+    <dgm:style>
+      <a:lnRef idx="2">
+        <a:scrgbClr r="0" g="0" b="0"/>
+      </a:lnRef>
+      <a:fillRef idx="1">
+        <a:scrgbClr r="0" g="0" b="0"/>
+      </a:fillRef>
+      <a:effectRef idx="0">
+        <a:scrgbClr r="0" g="0" b="0"/>
+      </a:effectRef>
+      <a:fontRef idx="minor"/>
+    </dgm:style>
+  </dgm:styleLbl>
+  <dgm:styleLbl name="solidBgAcc1">
+    <dgm:scene3d>
+      <a:camera prst="orthographicFront"/>
+      <a:lightRig rig="threePt" dir="t"/>
+    </dgm:scene3d>
+    <dgm:sp3d/>
+    <dgm:txPr/>
+    <dgm:style>
+      <a:lnRef idx="2">
+        <a:scrgbClr r="0" g="0" b="0"/>
+      </a:lnRef>
+      <a:fillRef idx="1">
+        <a:scrgbClr r="0" g="0" b="0"/>
+      </a:fillRef>
+      <a:effectRef idx="0">
+        <a:scrgbClr r="0" g="0" b="0"/>
+      </a:effectRef>
+      <a:fontRef idx="minor"/>
+    </dgm:style>
+  </dgm:styleLbl>
+  <dgm:styleLbl name="fgAccFollowNode1">
+    <dgm:scene3d>
+      <a:camera prst="orthographicFront"/>
+      <a:lightRig rig="threePt" dir="t"/>
+    </dgm:scene3d>
+    <dgm:sp3d/>
+    <dgm:txPr/>
+    <dgm:style>
+      <a:lnRef idx="2">
+        <a:scrgbClr r="0" g="0" b="0"/>
+      </a:lnRef>
+      <a:fillRef idx="1">
+        <a:scrgbClr r="0" g="0" b="0"/>
+      </a:fillRef>
+      <a:effectRef idx="0">
+        <a:scrgbClr r="0" g="0" b="0"/>
+      </a:effectRef>
+      <a:fontRef idx="minor"/>
+    </dgm:style>
+  </dgm:styleLbl>
+  <dgm:styleLbl name="alignAccFollowNode1">
+    <dgm:scene3d>
+      <a:camera prst="orthographicFront"/>
+      <a:lightRig rig="threePt" dir="t"/>
+    </dgm:scene3d>
+    <dgm:sp3d/>
+    <dgm:txPr/>
+    <dgm:style>
+      <a:lnRef idx="2">
+        <a:scrgbClr r="0" g="0" b="0"/>
+      </a:lnRef>
+      <a:fillRef idx="1">
+        <a:scrgbClr r="0" g="0" b="0"/>
+      </a:fillRef>
+      <a:effectRef idx="0">
+        <a:scrgbClr r="0" g="0" b="0"/>
+      </a:effectRef>
+      <a:fontRef idx="minor"/>
+    </dgm:style>
+  </dgm:styleLbl>
+  <dgm:styleLbl name="bgAccFollowNode1">
+    <dgm:scene3d>
+      <a:camera prst="orthographicFront"/>
+      <a:lightRig rig="threePt" dir="t"/>
+    </dgm:scene3d>
+    <dgm:sp3d/>
+    <dgm:txPr/>
+    <dgm:style>
+      <a:lnRef idx="2">
+        <a:scrgbClr r="0" g="0" b="0"/>
+      </a:lnRef>
+      <a:fillRef idx="1">
+        <a:scrgbClr r="0" g="0" b="0"/>
+      </a:fillRef>
+      <a:effectRef idx="0">
+        <a:scrgbClr r="0" g="0" b="0"/>
+      </a:effectRef>
+      <a:fontRef idx="minor"/>
+    </dgm:style>
+  </dgm:styleLbl>
+  <dgm:styleLbl name="fgAcc0">
+    <dgm:scene3d>
+      <a:camera prst="orthographicFront"/>
+      <a:lightRig rig="threePt" dir="t"/>
+    </dgm:scene3d>
+    <dgm:sp3d/>
+    <dgm:txPr/>
+    <dgm:style>
+      <a:lnRef idx="2">
+        <a:scrgbClr r="0" g="0" b="0"/>
+      </a:lnRef>
+      <a:fillRef idx="1">
+        <a:scrgbClr r="0" g="0" b="0"/>
+      </a:fillRef>
+      <a:effectRef idx="0">
+        <a:scrgbClr r="0" g="0" b="0"/>
+      </a:effectRef>
+      <a:fontRef idx="minor"/>
+    </dgm:style>
+  </dgm:styleLbl>
+  <dgm:styleLbl name="fgAcc2">
+    <dgm:scene3d>
+      <a:camera prst="orthographicFront"/>
+      <a:lightRig rig="threePt" dir="t"/>
+    </dgm:scene3d>
+    <dgm:sp3d/>
+    <dgm:txPr/>
+    <dgm:style>
+      <a:lnRef idx="2">
+        <a:scrgbClr r="0" g="0" b="0"/>
+      </a:lnRef>
+      <a:fillRef idx="1">
+        <a:scrgbClr r="0" g="0" b="0"/>
+      </a:fillRef>
+      <a:effectRef idx="0">
+        <a:scrgbClr r="0" g="0" b="0"/>
+      </a:effectRef>
+      <a:fontRef idx="minor"/>
+    </dgm:style>
+  </dgm:styleLbl>
+  <dgm:styleLbl name="fgAcc3">
+    <dgm:scene3d>
+      <a:camera prst="orthographicFront"/>
+      <a:lightRig rig="threePt" dir="t"/>
+    </dgm:scene3d>
+    <dgm:sp3d/>
+    <dgm:txPr/>
+    <dgm:style>
+      <a:lnRef idx="2">
+        <a:scrgbClr r="0" g="0" b="0"/>
+      </a:lnRef>
+      <a:fillRef idx="1">
+        <a:scrgbClr r="0" g="0" b="0"/>
+      </a:fillRef>
+      <a:effectRef idx="0">
+        <a:scrgbClr r="0" g="0" b="0"/>
+      </a:effectRef>
+      <a:fontRef idx="minor"/>
+    </dgm:style>
+  </dgm:styleLbl>
+  <dgm:styleLbl name="fgAcc4">
+    <dgm:scene3d>
+      <a:camera prst="orthographicFront"/>
+      <a:lightRig rig="threePt" dir="t"/>
+    </dgm:scene3d>
+    <dgm:sp3d/>
+    <dgm:txPr/>
+    <dgm:style>
+      <a:lnRef idx="2">
+        <a:scrgbClr r="0" g="0" b="0"/>
+      </a:lnRef>
+      <a:fillRef idx="1">
+        <a:scrgbClr r="0" g="0" b="0"/>
+      </a:fillRef>
+      <a:effectRef idx="0">
+        <a:scrgbClr r="0" g="0" b="0"/>
+      </a:effectRef>
+      <a:fontRef idx="minor"/>
+    </dgm:style>
+  </dgm:styleLbl>
+  <dgm:styleLbl name="bgShp">
+    <dgm:scene3d>
+      <a:camera prst="orthographicFront"/>
+      <a:lightRig rig="threePt" dir="t"/>
+    </dgm:scene3d>
+    <dgm:sp3d/>
+    <dgm:txPr/>
+    <dgm:style>
+      <a:lnRef idx="0">
+        <a:scrgbClr r="0" g="0" b="0"/>
+      </a:lnRef>
+      <a:fillRef idx="1">
+        <a:scrgbClr r="0" g="0" b="0"/>
+      </a:fillRef>
+      <a:effectRef idx="0">
+        <a:scrgbClr r="0" g="0" b="0"/>
+      </a:effectRef>
+      <a:fontRef idx="minor"/>
+    </dgm:style>
+  </dgm:styleLbl>
+  <dgm:styleLbl name="dkBgShp">
+    <dgm:scene3d>
+      <a:camera prst="orthographicFront"/>
+      <a:lightRig rig="threePt" dir="t"/>
+    </dgm:scene3d>
+    <dgm:sp3d/>
+    <dgm:txPr/>
+    <dgm:style>
+      <a:lnRef idx="0">
+        <a:scrgbClr r="0" g="0" b="0"/>
+      </a:lnRef>
+      <a:fillRef idx="1">
+        <a:scrgbClr r="0" g="0" b="0"/>
+      </a:fillRef>
+      <a:effectRef idx="0">
+        <a:scrgbClr r="0" g="0" b="0"/>
+      </a:effectRef>
+      <a:fontRef idx="minor"/>
+    </dgm:style>
+  </dgm:styleLbl>
+  <dgm:styleLbl name="trBgShp">
+    <dgm:scene3d>
+      <a:camera prst="orthographicFront"/>
+      <a:lightRig rig="threePt" dir="t"/>
+    </dgm:scene3d>
+    <dgm:sp3d/>
+    <dgm:txPr/>
+    <dgm:style>
+      <a:lnRef idx="0">
+        <a:scrgbClr r="0" g="0" b="0"/>
+      </a:lnRef>
+      <a:fillRef idx="1">
+        <a:scrgbClr r="0" g="0" b="0"/>
+      </a:fillRef>
+      <a:effectRef idx="0">
+        <a:scrgbClr r="0" g="0" b="0"/>
+      </a:effectRef>
+      <a:fontRef idx="minor"/>
+    </dgm:style>
+  </dgm:styleLbl>
+  <dgm:styleLbl name="fgShp">
+    <dgm:scene3d>
+      <a:camera prst="orthographicFront"/>
+      <a:lightRig rig="threePt" dir="t"/>
+    </dgm:scene3d>
+    <dgm:sp3d/>
+    <dgm:txPr/>
+    <dgm:style>
+      <a:lnRef idx="2">
+        <a:scrgbClr r="0" g="0" b="0"/>
+      </a:lnRef>
+      <a:fillRef idx="1">
+        <a:scrgbClr r="0" g="0" b="0"/>
+      </a:fillRef>
+      <a:effectRef idx="0">
+        <a:scrgbClr r="0" g="0" b="0"/>
+      </a:effectRef>
+      <a:fontRef idx="minor"/>
+    </dgm:style>
+  </dgm:styleLbl>
+  <dgm:styleLbl name="revTx">
+    <dgm:scene3d>
+      <a:camera prst="orthographicFront"/>
+      <a:lightRig rig="threePt" dir="t"/>
+    </dgm:scene3d>
+    <dgm:sp3d/>
+    <dgm:txPr/>
+    <dgm:style>
+      <a:lnRef idx="0">
+        <a:scrgbClr r="0" g="0" b="0"/>
+      </a:lnRef>
+      <a:fillRef idx="0">
+        <a:scrgbClr r="0" g="0" b="0"/>
+      </a:fillRef>
+      <a:effectRef idx="0">
+        <a:scrgbClr r="0" g="0" b="0"/>
+      </a:effectRef>
+      <a:fontRef idx="minor"/>
+    </dgm:style>
+  </dgm:styleLbl>
+</dgm:styleDef>
+</file>
+
+<file path=ppt/diagrams/quickStyle5.xml><?xml version="1.0" encoding="utf-8"?>
 <dgm:styleDef xmlns:dgm="http://schemas.openxmlformats.org/drawingml/2006/diagram" xmlns:a="http://schemas.openxmlformats.org/drawingml/2006/main" uniqueId="urn:microsoft.com/office/officeart/2005/8/quickstyle/simple1">
   <dgm:title val=""/>
   <dgm:desc val=""/>
@@ -16364,7 +19823,7 @@
 </p:sld>
 </file>
 
-<file path=ppt/slides/slide2.xml><?xml version="1.0" encoding="utf-8"?>
+<file path=ppt/slides/slide10.xml><?xml version="1.0" encoding="utf-8"?>
 <p:sld xmlns:a="http://schemas.openxmlformats.org/drawingml/2006/main" xmlns:r="http://schemas.openxmlformats.org/officeDocument/2006/relationships" xmlns:p="http://schemas.openxmlformats.org/presentationml/2006/main">
   <p:cSld>
     <p:bg>
@@ -16391,194 +19850,7 @@
       </p:grpSpPr>
       <p:sp>
         <p:nvSpPr>
-          <p:cNvPr id="2" name="Title 1">
-            <a:extLst>
-              <a:ext uri="{FF2B5EF4-FFF2-40B4-BE49-F238E27FC236}">
-                <a16:creationId xmlns:a16="http://schemas.microsoft.com/office/drawing/2014/main" id="{D31AF4AB-96B2-4BDC-B108-ED19C830853C}"/>
-              </a:ext>
-            </a:extLst>
-          </p:cNvPr>
-          <p:cNvSpPr>
-            <a:spLocks noGrp="1"/>
-          </p:cNvSpPr>
-          <p:nvPr>
-            <p:ph type="title"/>
-          </p:nvPr>
-        </p:nvSpPr>
-        <p:spPr>
-          <a:xfrm>
-            <a:off x="1069848" y="484632"/>
-            <a:ext cx="10058400" cy="1609344"/>
-          </a:xfrm>
-        </p:spPr>
-        <p:txBody>
-          <a:bodyPr>
-            <a:normAutofit/>
-          </a:bodyPr>
-          <a:lstStyle/>
-          <a:p>
-            <a:r>
-              <a:rPr lang="en-GB"/>
-              <a:t>BACKGROUND</a:t>
-            </a:r>
-            <a:endParaRPr lang="en-US"/>
-          </a:p>
-        </p:txBody>
-      </p:sp>
-      <p:sp>
-        <p:nvSpPr>
-          <p:cNvPr id="7" name="Rectangle 9">
-            <a:extLst>
-              <a:ext uri="{FF2B5EF4-FFF2-40B4-BE49-F238E27FC236}">
-                <a16:creationId xmlns:a16="http://schemas.microsoft.com/office/drawing/2014/main" id="{73FAFB3F-DE4E-478C-9ECA-E9FAAE5A7A56}"/>
-              </a:ext>
-              <a:ext uri="{C183D7F6-B498-43B3-948B-1728B52AA6E4}">
-                <adec:decorative xmlns:adec="http://schemas.microsoft.com/office/drawing/2017/decorative" val="1"/>
-              </a:ext>
-            </a:extLst>
-          </p:cNvPr>
-          <p:cNvSpPr>
-            <a:spLocks noGrp="1" noRot="1" noChangeAspect="1" noMove="1" noResize="1" noEditPoints="1" noAdjustHandles="1" noChangeArrowheads="1" noChangeShapeType="1" noTextEdit="1"/>
-          </p:cNvSpPr>
-          <p:nvPr>
-            <p:extLst>
-              <p:ext uri="{386F3935-93C4-4BCD-93E2-E3B085C9AB24}">
-                <p16:designElem xmlns:p16="http://schemas.microsoft.com/office/powerpoint/2015/main" val="1"/>
-              </p:ext>
-            </p:extLst>
-          </p:nvPr>
-        </p:nvSpPr>
-        <p:spPr>
-          <a:xfrm>
-            <a:off x="1066800" y="2013293"/>
-            <a:ext cx="10058400" cy="80683"/>
-          </a:xfrm>
-          <a:prstGeom prst="rect">
-            <a:avLst/>
-          </a:prstGeom>
-          <a:blipFill dpi="0" rotWithShape="1">
-            <a:blip r:embed="rId2">
-              <a:alphaModFix amt="85000"/>
-              <a:lum bright="70000" contrast="-70000"/>
-              <a:extLst>
-                <a:ext uri="{BEBA8EAE-BF5A-486C-A8C5-ECC9F3942E4B}">
-                  <a14:imgProps xmlns:a14="http://schemas.microsoft.com/office/drawing/2010/main">
-                    <a14:imgLayer r:embed="rId3">
-                      <a14:imgEffect>
-                        <a14:sharpenSoften amount="61000"/>
-                      </a14:imgEffect>
-                    </a14:imgLayer>
-                  </a14:imgProps>
-                </a:ext>
-                <a:ext uri="{28A0092B-C50C-407E-A947-70E740481C1C}">
-                  <a14:useLocalDpi xmlns:a14="http://schemas.microsoft.com/office/drawing/2010/main" val="0"/>
-                </a:ext>
-              </a:extLst>
-            </a:blip>
-            <a:srcRect/>
-            <a:tile tx="0" ty="-762000" sx="92000" sy="89000" flip="xy" algn="ctr"/>
-          </a:blipFill>
-          <a:ln>
-            <a:noFill/>
-          </a:ln>
-        </p:spPr>
-        <p:style>
-          <a:lnRef idx="2">
-            <a:schemeClr val="accent1">
-              <a:shade val="50000"/>
-            </a:schemeClr>
-          </a:lnRef>
-          <a:fillRef idx="1">
-            <a:schemeClr val="accent1"/>
-          </a:fillRef>
-          <a:effectRef idx="0">
-            <a:schemeClr val="accent1"/>
-          </a:effectRef>
-          <a:fontRef idx="minor">
-            <a:schemeClr val="lt1"/>
-          </a:fontRef>
-        </p:style>
-        <p:txBody>
-          <a:bodyPr rtlCol="0" anchor="ctr"/>
-          <a:lstStyle/>
-          <a:p>
-            <a:pPr algn="ctr"/>
-            <a:endParaRPr lang="en-US"/>
-          </a:p>
-        </p:txBody>
-      </p:sp>
-      <p:graphicFrame>
-        <p:nvGraphicFramePr>
-          <p:cNvPr id="5" name="Content Placeholder 2">
-            <a:extLst>
-              <a:ext uri="{FF2B5EF4-FFF2-40B4-BE49-F238E27FC236}">
-                <a16:creationId xmlns:a16="http://schemas.microsoft.com/office/drawing/2014/main" id="{DAD12F3B-E9C7-4B9B-A161-A4D17020BD86}"/>
-              </a:ext>
-            </a:extLst>
-          </p:cNvPr>
-          <p:cNvGraphicFramePr>
-            <a:graphicFrameLocks noGrp="1"/>
-          </p:cNvGraphicFramePr>
-          <p:nvPr>
-            <p:ph idx="1"/>
-            <p:extLst>
-              <p:ext uri="{D42A27DB-BD31-4B8C-83A1-F6EECF244321}">
-                <p14:modId xmlns:p14="http://schemas.microsoft.com/office/powerpoint/2010/main" val="23471925"/>
-              </p:ext>
-            </p:extLst>
-          </p:nvPr>
-        </p:nvGraphicFramePr>
-        <p:xfrm>
-          <a:off x="1069975" y="2385390"/>
-          <a:ext cx="10058400" cy="3617845"/>
-        </p:xfrm>
-        <a:graphic>
-          <a:graphicData uri="http://schemas.openxmlformats.org/drawingml/2006/diagram">
-            <dgm:relIds xmlns:dgm="http://schemas.openxmlformats.org/drawingml/2006/diagram" xmlns:r="http://schemas.openxmlformats.org/officeDocument/2006/relationships" r:dm="rId4" r:lo="rId5" r:qs="rId6" r:cs="rId7"/>
-          </a:graphicData>
-        </a:graphic>
-      </p:graphicFrame>
-    </p:spTree>
-    <p:extLst>
-      <p:ext uri="{BB962C8B-B14F-4D97-AF65-F5344CB8AC3E}">
-        <p14:creationId xmlns:p14="http://schemas.microsoft.com/office/powerpoint/2010/main" val="3301331372"/>
-      </p:ext>
-    </p:extLst>
-  </p:cSld>
-  <p:clrMapOvr>
-    <a:masterClrMapping/>
-  </p:clrMapOvr>
-</p:sld>
-</file>
-
-<file path=ppt/slides/slide3.xml><?xml version="1.0" encoding="utf-8"?>
-<p:sld xmlns:a="http://schemas.openxmlformats.org/drawingml/2006/main" xmlns:r="http://schemas.openxmlformats.org/officeDocument/2006/relationships" xmlns:p="http://schemas.openxmlformats.org/presentationml/2006/main">
-  <p:cSld>
-    <p:bg>
-      <p:bgPr>
-        <a:solidFill>
-          <a:schemeClr val="bg1"/>
-        </a:solidFill>
-        <a:effectLst/>
-      </p:bgPr>
-    </p:bg>
-    <p:spTree>
-      <p:nvGrpSpPr>
-        <p:cNvPr id="1" name=""/>
-        <p:cNvGrpSpPr/>
-        <p:nvPr/>
-      </p:nvGrpSpPr>
-      <p:grpSpPr>
-        <a:xfrm>
-          <a:off x="0" y="0"/>
-          <a:ext cx="0" cy="0"/>
-          <a:chOff x="0" y="0"/>
-          <a:chExt cx="0" cy="0"/>
-        </a:xfrm>
-      </p:grpSpPr>
-      <p:sp>
-        <p:nvSpPr>
-          <p:cNvPr id="10" name="Rectangle 9">
+          <p:cNvPr id="16" name="Rectangle 9">
             <a:extLst>
               <a:ext uri="{FF2B5EF4-FFF2-40B4-BE49-F238E27FC236}">
                 <a16:creationId xmlns:a16="http://schemas.microsoft.com/office/drawing/2014/main" id="{C9E61CF6-8F07-4962-9613-3E030E3AE360}"/>
@@ -16663,7 +19935,7 @@
           <p:cNvPr id="2" name="Title 1">
             <a:extLst>
               <a:ext uri="{FF2B5EF4-FFF2-40B4-BE49-F238E27FC236}">
-                <a16:creationId xmlns:a16="http://schemas.microsoft.com/office/drawing/2014/main" id="{7F2CCA56-7C39-4071-B38E-981B35C81BC4}"/>
+                <a16:creationId xmlns:a16="http://schemas.microsoft.com/office/drawing/2014/main" id="{369B4EF4-B005-4991-85A4-C14FF5421A3B}"/>
               </a:ext>
             </a:extLst>
           </p:cNvPr>
@@ -16690,16 +19962,31 @@
           <a:lstStyle/>
           <a:p>
             <a:r>
-              <a:rPr lang="en-GB" sz="4000"/>
-              <a:t>PROBLEM STATEMENT</a:t>
+              <a:rPr lang="en-US" sz="4000" dirty="0">
+                <a:solidFill>
+                  <a:srgbClr val="0070C0"/>
+                </a:solidFill>
+                <a:hlinkClick r:id="rId4">
+                  <a:extLst>
+                    <a:ext uri="{A12FA001-AC4F-418D-AE19-62706E023703}">
+                      <ahyp:hlinkClr xmlns:ahyp="http://schemas.microsoft.com/office/drawing/2018/hyperlinkcolor" val="tx"/>
+                    </a:ext>
+                  </a:extLst>
+                </a:hlinkClick>
+              </a:rPr>
+              <a:t>Sample Output</a:t>
             </a:r>
-            <a:endParaRPr lang="en-US" sz="4000"/>
+            <a:endParaRPr lang="en-US" sz="4000" dirty="0">
+              <a:solidFill>
+                <a:srgbClr val="0070C0"/>
+              </a:solidFill>
+            </a:endParaRPr>
           </a:p>
         </p:txBody>
       </p:sp>
       <p:grpSp>
         <p:nvGrpSpPr>
-          <p:cNvPr id="12" name="Group 11">
+          <p:cNvPr id="17" name="Group 11">
             <a:extLst>
               <a:ext uri="{FF2B5EF4-FFF2-40B4-BE49-F238E27FC236}">
                 <a16:creationId xmlns:a16="http://schemas.microsoft.com/office/drawing/2014/main" id="{693D30EF-116A-4B76-BB80-8E43340D4952}"/>
@@ -16734,1311 +20021,6 @@
               <a:extLst>
                 <a:ext uri="{FF2B5EF4-FFF2-40B4-BE49-F238E27FC236}">
                   <a16:creationId xmlns:a16="http://schemas.microsoft.com/office/drawing/2014/main" id="{231DFC7B-4141-44FE-B9F9-8030DAD7CF7A}"/>
-                </a:ext>
-                <a:ext uri="{C183D7F6-B498-43B3-948B-1728B52AA6E4}">
-                  <adec:decorative xmlns:adec="http://schemas.microsoft.com/office/drawing/2017/decorative" val="1"/>
-                </a:ext>
-              </a:extLst>
-            </p:cNvPr>
-            <p:cNvSpPr/>
-            <p:nvPr>
-              <p:extLst>
-                <p:ext uri="{386F3935-93C4-4BCD-93E2-E3B085C9AB24}">
-                  <p16:designElem xmlns:p16="http://schemas.microsoft.com/office/powerpoint/2015/main" val="1"/>
-                </p:ext>
-              </p:extLst>
-            </p:nvPr>
-          </p:nvSpPr>
-          <p:spPr>
-            <a:xfrm>
-              <a:off x="11361456" y="6195813"/>
-              <a:ext cx="548640" cy="548640"/>
-            </a:xfrm>
-            <a:prstGeom prst="ellipse">
-              <a:avLst/>
-            </a:prstGeom>
-            <a:blipFill dpi="0" rotWithShape="1">
-              <a:blip r:embed="rId4">
-                <a:duotone>
-                  <a:schemeClr val="accent2">
-                    <a:shade val="45000"/>
-                    <a:satMod val="135000"/>
-                  </a:schemeClr>
-                  <a:prstClr val="white"/>
-                </a:duotone>
-              </a:blip>
-              <a:srcRect/>
-              <a:tile tx="50800" ty="0" sx="85000" sy="85000" flip="none" algn="tl"/>
-            </a:blipFill>
-            <a:ln w="25400" cap="flat" cmpd="sng" algn="ctr">
-              <a:noFill/>
-              <a:prstDash val="solid"/>
-            </a:ln>
-            <a:effectLst/>
-          </p:spPr>
-          <p:txBody>
-            <a:bodyPr lIns="0" tIns="0" rIns="0" bIns="0" rtlCol="0" anchor="ctr"/>
-            <a:lstStyle/>
-            <a:p>
-              <a:pPr marL="0" marR="0" lvl="0" indent="0" algn="ctr" defTabSz="914400" eaLnBrk="1" fontAlgn="auto" latinLnBrk="0" hangingPunct="1">
-                <a:lnSpc>
-                  <a:spcPct val="100000"/>
-                </a:lnSpc>
-                <a:spcBef>
-                  <a:spcPts val="0"/>
-                </a:spcBef>
-                <a:spcAft>
-                  <a:spcPts val="0"/>
-                </a:spcAft>
-                <a:buClrTx/>
-                <a:buSzTx/>
-                <a:buFontTx/>
-                <a:buNone/>
-                <a:tabLst/>
-                <a:defRPr/>
-              </a:pPr>
-              <a:endParaRPr kumimoji="0" lang="en-US" sz="2000" b="0" i="0" u="none" strike="noStrike" kern="0" cap="none" spc="0" normalizeH="0" baseline="0" noProof="0" dirty="0">
-                <a:ln>
-                  <a:noFill/>
-                </a:ln>
-                <a:solidFill>
-                  <a:prstClr val="white"/>
-                </a:solidFill>
-                <a:effectLst/>
-                <a:uLnTx/>
-                <a:uFillTx/>
-                <a:latin typeface="Rockwell Extra Bold" pitchFamily="18" charset="0"/>
-                <a:ea typeface="+mn-ea"/>
-                <a:cs typeface="+mn-cs"/>
-              </a:endParaRPr>
-            </a:p>
-          </p:txBody>
-        </p:sp>
-        <p:sp>
-          <p:nvSpPr>
-            <p:cNvPr id="14" name="Oval 13">
-              <a:extLst>
-                <a:ext uri="{FF2B5EF4-FFF2-40B4-BE49-F238E27FC236}">
-                  <a16:creationId xmlns:a16="http://schemas.microsoft.com/office/drawing/2014/main" id="{661A8904-4FC3-442E-B6CF-CD2E9D4BFDFE}"/>
-                </a:ext>
-                <a:ext uri="{C183D7F6-B498-43B3-948B-1728B52AA6E4}">
-                  <adec:decorative xmlns:adec="http://schemas.microsoft.com/office/drawing/2017/decorative" val="1"/>
-                </a:ext>
-              </a:extLst>
-            </p:cNvPr>
-            <p:cNvSpPr/>
-            <p:nvPr>
-              <p:extLst>
-                <p:ext uri="{386F3935-93C4-4BCD-93E2-E3B085C9AB24}">
-                  <p16:designElem xmlns:p16="http://schemas.microsoft.com/office/powerpoint/2015/main" val="1"/>
-                </p:ext>
-              </p:extLst>
-            </p:nvPr>
-          </p:nvSpPr>
-          <p:spPr>
-            <a:xfrm>
-              <a:off x="11396488" y="6230844"/>
-              <a:ext cx="478576" cy="478578"/>
-            </a:xfrm>
-            <a:prstGeom prst="ellipse">
-              <a:avLst/>
-            </a:prstGeom>
-            <a:noFill/>
-            <a:ln w="12700" cap="flat" cmpd="sng" algn="ctr">
-              <a:solidFill>
-                <a:srgbClr val="FFFFFF"/>
-              </a:solidFill>
-              <a:prstDash val="solid"/>
-            </a:ln>
-            <a:effectLst/>
-          </p:spPr>
-          <p:txBody>
-            <a:bodyPr rtlCol="0" anchor="ctr"/>
-            <a:lstStyle/>
-            <a:p>
-              <a:pPr marL="0" marR="0" lvl="0" indent="0" algn="ctr" defTabSz="914400" eaLnBrk="1" fontAlgn="auto" latinLnBrk="0" hangingPunct="1">
-                <a:lnSpc>
-                  <a:spcPct val="100000"/>
-                </a:lnSpc>
-                <a:spcBef>
-                  <a:spcPts val="0"/>
-                </a:spcBef>
-                <a:spcAft>
-                  <a:spcPts val="0"/>
-                </a:spcAft>
-                <a:buClrTx/>
-                <a:buSzTx/>
-                <a:buFontTx/>
-                <a:buNone/>
-                <a:tabLst/>
-                <a:defRPr/>
-              </a:pPr>
-              <a:endParaRPr kumimoji="0" lang="en-US" sz="1800" b="0" i="0" u="none" strike="noStrike" kern="0" cap="none" spc="0" normalizeH="0" baseline="0" noProof="0" dirty="0">
-                <a:ln>
-                  <a:noFill/>
-                </a:ln>
-                <a:solidFill>
-                  <a:prstClr val="white"/>
-                </a:solidFill>
-                <a:effectLst/>
-                <a:uLnTx/>
-                <a:uFillTx/>
-                <a:latin typeface="Calibri"/>
-                <a:ea typeface="+mn-ea"/>
-                <a:cs typeface="+mn-cs"/>
-              </a:endParaRPr>
-            </a:p>
-          </p:txBody>
-        </p:sp>
-      </p:grpSp>
-      <p:graphicFrame>
-        <p:nvGraphicFramePr>
-          <p:cNvPr id="5" name="Content Placeholder 2">
-            <a:extLst>
-              <a:ext uri="{FF2B5EF4-FFF2-40B4-BE49-F238E27FC236}">
-                <a16:creationId xmlns:a16="http://schemas.microsoft.com/office/drawing/2014/main" id="{063F2145-6DD8-4689-923F-95645E2CE484}"/>
-              </a:ext>
-            </a:extLst>
-          </p:cNvPr>
-          <p:cNvGraphicFramePr>
-            <a:graphicFrameLocks noGrp="1"/>
-          </p:cNvGraphicFramePr>
-          <p:nvPr>
-            <p:ph idx="1"/>
-            <p:extLst>
-              <p:ext uri="{D42A27DB-BD31-4B8C-83A1-F6EECF244321}">
-                <p14:modId xmlns:p14="http://schemas.microsoft.com/office/powerpoint/2010/main" val="3687526936"/>
-              </p:ext>
-            </p:extLst>
-          </p:nvPr>
-        </p:nvGraphicFramePr>
-        <p:xfrm>
-          <a:off x="622300" y="639763"/>
-          <a:ext cx="6572250" cy="5588000"/>
-        </p:xfrm>
-        <a:graphic>
-          <a:graphicData uri="http://schemas.openxmlformats.org/drawingml/2006/diagram">
-            <dgm:relIds xmlns:dgm="http://schemas.openxmlformats.org/drawingml/2006/diagram" xmlns:r="http://schemas.openxmlformats.org/officeDocument/2006/relationships" r:dm="rId5" r:lo="rId6" r:qs="rId7" r:cs="rId8"/>
-          </a:graphicData>
-        </a:graphic>
-      </p:graphicFrame>
-    </p:spTree>
-    <p:extLst>
-      <p:ext uri="{BB962C8B-B14F-4D97-AF65-F5344CB8AC3E}">
-        <p14:creationId xmlns:p14="http://schemas.microsoft.com/office/powerpoint/2010/main" val="705372882"/>
-      </p:ext>
-    </p:extLst>
-  </p:cSld>
-  <p:clrMapOvr>
-    <a:masterClrMapping/>
-  </p:clrMapOvr>
-</p:sld>
-</file>
-
-<file path=ppt/slides/slide4.xml><?xml version="1.0" encoding="utf-8"?>
-<p:sld xmlns:a="http://schemas.openxmlformats.org/drawingml/2006/main" xmlns:r="http://schemas.openxmlformats.org/officeDocument/2006/relationships" xmlns:p="http://schemas.openxmlformats.org/presentationml/2006/main">
-  <p:cSld>
-    <p:bg>
-      <p:bgPr>
-        <a:solidFill>
-          <a:schemeClr val="bg1"/>
-        </a:solidFill>
-        <a:effectLst/>
-      </p:bgPr>
-    </p:bg>
-    <p:spTree>
-      <p:nvGrpSpPr>
-        <p:cNvPr id="1" name=""/>
-        <p:cNvGrpSpPr/>
-        <p:nvPr/>
-      </p:nvGrpSpPr>
-      <p:grpSpPr>
-        <a:xfrm>
-          <a:off x="0" y="0"/>
-          <a:ext cx="0" cy="0"/>
-          <a:chOff x="0" y="0"/>
-          <a:chExt cx="0" cy="0"/>
-        </a:xfrm>
-      </p:grpSpPr>
-      <p:sp>
-        <p:nvSpPr>
-          <p:cNvPr id="10" name="Rectangle 9">
-            <a:extLst>
-              <a:ext uri="{FF2B5EF4-FFF2-40B4-BE49-F238E27FC236}">
-                <a16:creationId xmlns:a16="http://schemas.microsoft.com/office/drawing/2014/main" id="{C9E61CF6-8F07-4962-9613-3E030E3AE360}"/>
-              </a:ext>
-              <a:ext uri="{C183D7F6-B498-43B3-948B-1728B52AA6E4}">
-                <adec:decorative xmlns:adec="http://schemas.microsoft.com/office/drawing/2017/decorative" val="1"/>
-              </a:ext>
-            </a:extLst>
-          </p:cNvPr>
-          <p:cNvSpPr>
-            <a:spLocks noGrp="1" noRot="1" noChangeAspect="1" noMove="1" noResize="1" noEditPoints="1" noAdjustHandles="1" noChangeArrowheads="1" noChangeShapeType="1" noTextEdit="1"/>
-          </p:cNvSpPr>
-          <p:nvPr>
-            <p:extLst>
-              <p:ext uri="{386F3935-93C4-4BCD-93E2-E3B085C9AB24}">
-                <p16:designElem xmlns:p16="http://schemas.microsoft.com/office/powerpoint/2015/main" val="1"/>
-              </p:ext>
-            </p:extLst>
-          </p:nvPr>
-        </p:nvSpPr>
-        <p:spPr>
-          <a:xfrm>
-            <a:off x="7836310" y="0"/>
-            <a:ext cx="4355689" cy="6857999"/>
-          </a:xfrm>
-          <a:prstGeom prst="rect">
-            <a:avLst/>
-          </a:prstGeom>
-          <a:blipFill dpi="0" rotWithShape="1">
-            <a:blip r:embed="rId2">
-              <a:alphaModFix amt="60000"/>
-              <a:lum bright="70000" contrast="-70000"/>
-              <a:extLst>
-                <a:ext uri="{BEBA8EAE-BF5A-486C-A8C5-ECC9F3942E4B}">
-                  <a14:imgProps xmlns:a14="http://schemas.microsoft.com/office/drawing/2010/main">
-                    <a14:imgLayer r:embed="rId3">
-                      <a14:imgEffect>
-                        <a14:sharpenSoften amount="61000"/>
-                      </a14:imgEffect>
-                    </a14:imgLayer>
-                  </a14:imgProps>
-                </a:ext>
-                <a:ext uri="{28A0092B-C50C-407E-A947-70E740481C1C}">
-                  <a14:useLocalDpi xmlns:a14="http://schemas.microsoft.com/office/drawing/2010/main" val="0"/>
-                </a:ext>
-              </a:extLst>
-            </a:blip>
-            <a:srcRect/>
-            <a:tile tx="0" ty="-704850" sx="92000" sy="89000" flip="xy" algn="ctr"/>
-          </a:blipFill>
-          <a:ln>
-            <a:noFill/>
-          </a:ln>
-        </p:spPr>
-        <p:style>
-          <a:lnRef idx="2">
-            <a:schemeClr val="accent1">
-              <a:shade val="50000"/>
-            </a:schemeClr>
-          </a:lnRef>
-          <a:fillRef idx="1">
-            <a:schemeClr val="accent1"/>
-          </a:fillRef>
-          <a:effectRef idx="0">
-            <a:schemeClr val="accent1"/>
-          </a:effectRef>
-          <a:fontRef idx="minor">
-            <a:schemeClr val="lt1"/>
-          </a:fontRef>
-        </p:style>
-        <p:txBody>
-          <a:bodyPr rtlCol="0" anchor="ctr"/>
-          <a:lstStyle/>
-          <a:p>
-            <a:pPr algn="ctr"/>
-            <a:endParaRPr lang="en-US"/>
-          </a:p>
-        </p:txBody>
-      </p:sp>
-      <p:sp>
-        <p:nvSpPr>
-          <p:cNvPr id="2" name="Title 1">
-            <a:extLst>
-              <a:ext uri="{FF2B5EF4-FFF2-40B4-BE49-F238E27FC236}">
-                <a16:creationId xmlns:a16="http://schemas.microsoft.com/office/drawing/2014/main" id="{A88F7825-37C7-4195-93A3-1ABA21759D67}"/>
-              </a:ext>
-            </a:extLst>
-          </p:cNvPr>
-          <p:cNvSpPr>
-            <a:spLocks noGrp="1"/>
-          </p:cNvSpPr>
-          <p:nvPr>
-            <p:ph type="title"/>
-          </p:nvPr>
-        </p:nvSpPr>
-        <p:spPr>
-          <a:xfrm>
-            <a:off x="8479777" y="639763"/>
-            <a:ext cx="3046073" cy="5177377"/>
-          </a:xfrm>
-          <a:ln>
-            <a:noFill/>
-          </a:ln>
-        </p:spPr>
-        <p:txBody>
-          <a:bodyPr>
-            <a:normAutofit/>
-          </a:bodyPr>
-          <a:lstStyle/>
-          <a:p>
-            <a:r>
-              <a:rPr lang="en-GB" sz="4000"/>
-              <a:t>PROPOSAL</a:t>
-            </a:r>
-            <a:endParaRPr lang="en-US" sz="4000"/>
-          </a:p>
-        </p:txBody>
-      </p:sp>
-      <p:grpSp>
-        <p:nvGrpSpPr>
-          <p:cNvPr id="12" name="Group 11">
-            <a:extLst>
-              <a:ext uri="{FF2B5EF4-FFF2-40B4-BE49-F238E27FC236}">
-                <a16:creationId xmlns:a16="http://schemas.microsoft.com/office/drawing/2014/main" id="{693D30EF-116A-4B76-BB80-8E43340D4952}"/>
-              </a:ext>
-              <a:ext uri="{C183D7F6-B498-43B3-948B-1728B52AA6E4}">
-                <adec:decorative xmlns:adec="http://schemas.microsoft.com/office/drawing/2017/decorative" val="1"/>
-              </a:ext>
-            </a:extLst>
-          </p:cNvPr>
-          <p:cNvGrpSpPr>
-            <a:grpSpLocks noGrp="1" noUngrp="1" noRot="1" noChangeAspect="1" noMove="1" noResize="1"/>
-          </p:cNvGrpSpPr>
-          <p:nvPr>
-            <p:extLst>
-              <p:ext uri="{386F3935-93C4-4BCD-93E2-E3B085C9AB24}">
-                <p16:designElem xmlns:p16="http://schemas.microsoft.com/office/powerpoint/2015/main" val="1"/>
-              </p:ext>
-            </p:extLst>
-          </p:nvPr>
-        </p:nvGrpSpPr>
-        <p:grpSpPr>
-          <a:xfrm>
-            <a:off x="11401725" y="6229681"/>
-            <a:ext cx="457200" cy="457200"/>
-            <a:chOff x="11361456" y="6195813"/>
-            <a:chExt cx="548640" cy="548640"/>
-          </a:xfrm>
-        </p:grpSpPr>
-        <p:sp>
-          <p:nvSpPr>
-            <p:cNvPr id="13" name="Oval 12">
-              <a:extLst>
-                <a:ext uri="{FF2B5EF4-FFF2-40B4-BE49-F238E27FC236}">
-                  <a16:creationId xmlns:a16="http://schemas.microsoft.com/office/drawing/2014/main" id="{231DFC7B-4141-44FE-B9F9-8030DAD7CF7A}"/>
-                </a:ext>
-                <a:ext uri="{C183D7F6-B498-43B3-948B-1728B52AA6E4}">
-                  <adec:decorative xmlns:adec="http://schemas.microsoft.com/office/drawing/2017/decorative" val="1"/>
-                </a:ext>
-              </a:extLst>
-            </p:cNvPr>
-            <p:cNvSpPr/>
-            <p:nvPr>
-              <p:extLst>
-                <p:ext uri="{386F3935-93C4-4BCD-93E2-E3B085C9AB24}">
-                  <p16:designElem xmlns:p16="http://schemas.microsoft.com/office/powerpoint/2015/main" val="1"/>
-                </p:ext>
-              </p:extLst>
-            </p:nvPr>
-          </p:nvSpPr>
-          <p:spPr>
-            <a:xfrm>
-              <a:off x="11361456" y="6195813"/>
-              <a:ext cx="548640" cy="548640"/>
-            </a:xfrm>
-            <a:prstGeom prst="ellipse">
-              <a:avLst/>
-            </a:prstGeom>
-            <a:blipFill dpi="0" rotWithShape="1">
-              <a:blip r:embed="rId4">
-                <a:duotone>
-                  <a:schemeClr val="accent2">
-                    <a:shade val="45000"/>
-                    <a:satMod val="135000"/>
-                  </a:schemeClr>
-                  <a:prstClr val="white"/>
-                </a:duotone>
-              </a:blip>
-              <a:srcRect/>
-              <a:tile tx="50800" ty="0" sx="85000" sy="85000" flip="none" algn="tl"/>
-            </a:blipFill>
-            <a:ln w="25400" cap="flat" cmpd="sng" algn="ctr">
-              <a:noFill/>
-              <a:prstDash val="solid"/>
-            </a:ln>
-            <a:effectLst/>
-          </p:spPr>
-          <p:txBody>
-            <a:bodyPr lIns="0" tIns="0" rIns="0" bIns="0" rtlCol="0" anchor="ctr"/>
-            <a:lstStyle/>
-            <a:p>
-              <a:pPr marL="0" marR="0" lvl="0" indent="0" algn="ctr" defTabSz="914400" eaLnBrk="1" fontAlgn="auto" latinLnBrk="0" hangingPunct="1">
-                <a:lnSpc>
-                  <a:spcPct val="100000"/>
-                </a:lnSpc>
-                <a:spcBef>
-                  <a:spcPts val="0"/>
-                </a:spcBef>
-                <a:spcAft>
-                  <a:spcPts val="0"/>
-                </a:spcAft>
-                <a:buClrTx/>
-                <a:buSzTx/>
-                <a:buFontTx/>
-                <a:buNone/>
-                <a:tabLst/>
-                <a:defRPr/>
-              </a:pPr>
-              <a:endParaRPr kumimoji="0" lang="en-US" sz="2000" b="0" i="0" u="none" strike="noStrike" kern="0" cap="none" spc="0" normalizeH="0" baseline="0" noProof="0" dirty="0">
-                <a:ln>
-                  <a:noFill/>
-                </a:ln>
-                <a:solidFill>
-                  <a:prstClr val="white"/>
-                </a:solidFill>
-                <a:effectLst/>
-                <a:uLnTx/>
-                <a:uFillTx/>
-                <a:latin typeface="Rockwell Extra Bold" pitchFamily="18" charset="0"/>
-                <a:ea typeface="+mn-ea"/>
-                <a:cs typeface="+mn-cs"/>
-              </a:endParaRPr>
-            </a:p>
-          </p:txBody>
-        </p:sp>
-        <p:sp>
-          <p:nvSpPr>
-            <p:cNvPr id="14" name="Oval 13">
-              <a:extLst>
-                <a:ext uri="{FF2B5EF4-FFF2-40B4-BE49-F238E27FC236}">
-                  <a16:creationId xmlns:a16="http://schemas.microsoft.com/office/drawing/2014/main" id="{661A8904-4FC3-442E-B6CF-CD2E9D4BFDFE}"/>
-                </a:ext>
-                <a:ext uri="{C183D7F6-B498-43B3-948B-1728B52AA6E4}">
-                  <adec:decorative xmlns:adec="http://schemas.microsoft.com/office/drawing/2017/decorative" val="1"/>
-                </a:ext>
-              </a:extLst>
-            </p:cNvPr>
-            <p:cNvSpPr/>
-            <p:nvPr>
-              <p:extLst>
-                <p:ext uri="{386F3935-93C4-4BCD-93E2-E3B085C9AB24}">
-                  <p16:designElem xmlns:p16="http://schemas.microsoft.com/office/powerpoint/2015/main" val="1"/>
-                </p:ext>
-              </p:extLst>
-            </p:nvPr>
-          </p:nvSpPr>
-          <p:spPr>
-            <a:xfrm>
-              <a:off x="11396488" y="6230844"/>
-              <a:ext cx="478576" cy="478578"/>
-            </a:xfrm>
-            <a:prstGeom prst="ellipse">
-              <a:avLst/>
-            </a:prstGeom>
-            <a:noFill/>
-            <a:ln w="12700" cap="flat" cmpd="sng" algn="ctr">
-              <a:solidFill>
-                <a:srgbClr val="FFFFFF"/>
-              </a:solidFill>
-              <a:prstDash val="solid"/>
-            </a:ln>
-            <a:effectLst/>
-          </p:spPr>
-          <p:txBody>
-            <a:bodyPr rtlCol="0" anchor="ctr"/>
-            <a:lstStyle/>
-            <a:p>
-              <a:pPr marL="0" marR="0" lvl="0" indent="0" algn="ctr" defTabSz="914400" eaLnBrk="1" fontAlgn="auto" latinLnBrk="0" hangingPunct="1">
-                <a:lnSpc>
-                  <a:spcPct val="100000"/>
-                </a:lnSpc>
-                <a:spcBef>
-                  <a:spcPts val="0"/>
-                </a:spcBef>
-                <a:spcAft>
-                  <a:spcPts val="0"/>
-                </a:spcAft>
-                <a:buClrTx/>
-                <a:buSzTx/>
-                <a:buFontTx/>
-                <a:buNone/>
-                <a:tabLst/>
-                <a:defRPr/>
-              </a:pPr>
-              <a:endParaRPr kumimoji="0" lang="en-US" sz="1800" b="0" i="0" u="none" strike="noStrike" kern="0" cap="none" spc="0" normalizeH="0" baseline="0" noProof="0" dirty="0">
-                <a:ln>
-                  <a:noFill/>
-                </a:ln>
-                <a:solidFill>
-                  <a:prstClr val="white"/>
-                </a:solidFill>
-                <a:effectLst/>
-                <a:uLnTx/>
-                <a:uFillTx/>
-                <a:latin typeface="Calibri"/>
-                <a:ea typeface="+mn-ea"/>
-                <a:cs typeface="+mn-cs"/>
-              </a:endParaRPr>
-            </a:p>
-          </p:txBody>
-        </p:sp>
-      </p:grpSp>
-      <p:graphicFrame>
-        <p:nvGraphicFramePr>
-          <p:cNvPr id="5" name="Content Placeholder 2">
-            <a:extLst>
-              <a:ext uri="{FF2B5EF4-FFF2-40B4-BE49-F238E27FC236}">
-                <a16:creationId xmlns:a16="http://schemas.microsoft.com/office/drawing/2014/main" id="{B203D89C-052C-472D-A841-3DC6753666A2}"/>
-              </a:ext>
-            </a:extLst>
-          </p:cNvPr>
-          <p:cNvGraphicFramePr>
-            <a:graphicFrameLocks noGrp="1"/>
-          </p:cNvGraphicFramePr>
-          <p:nvPr>
-            <p:ph idx="1"/>
-            <p:extLst>
-              <p:ext uri="{D42A27DB-BD31-4B8C-83A1-F6EECF244321}">
-                <p14:modId xmlns:p14="http://schemas.microsoft.com/office/powerpoint/2010/main" val="4113354483"/>
-              </p:ext>
-            </p:extLst>
-          </p:nvPr>
-        </p:nvGraphicFramePr>
-        <p:xfrm>
-          <a:off x="622300" y="639763"/>
-          <a:ext cx="6572250" cy="5588000"/>
-        </p:xfrm>
-        <a:graphic>
-          <a:graphicData uri="http://schemas.openxmlformats.org/drawingml/2006/diagram">
-            <dgm:relIds xmlns:dgm="http://schemas.openxmlformats.org/drawingml/2006/diagram" xmlns:r="http://schemas.openxmlformats.org/officeDocument/2006/relationships" r:dm="rId5" r:lo="rId6" r:qs="rId7" r:cs="rId8"/>
-          </a:graphicData>
-        </a:graphic>
-      </p:graphicFrame>
-    </p:spTree>
-    <p:extLst>
-      <p:ext uri="{BB962C8B-B14F-4D97-AF65-F5344CB8AC3E}">
-        <p14:creationId xmlns:p14="http://schemas.microsoft.com/office/powerpoint/2010/main" val="2772238799"/>
-      </p:ext>
-    </p:extLst>
-  </p:cSld>
-  <p:clrMapOvr>
-    <a:masterClrMapping/>
-  </p:clrMapOvr>
-</p:sld>
-</file>
-
-<file path=ppt/slides/slide5.xml><?xml version="1.0" encoding="utf-8"?>
-<p:sld xmlns:a="http://schemas.openxmlformats.org/drawingml/2006/main" xmlns:r="http://schemas.openxmlformats.org/officeDocument/2006/relationships" xmlns:p="http://schemas.openxmlformats.org/presentationml/2006/main">
-  <p:cSld>
-    <p:bg>
-      <p:bgPr>
-        <a:solidFill>
-          <a:schemeClr val="bg1"/>
-        </a:solidFill>
-        <a:effectLst/>
-      </p:bgPr>
-    </p:bg>
-    <p:spTree>
-      <p:nvGrpSpPr>
-        <p:cNvPr id="1" name=""/>
-        <p:cNvGrpSpPr/>
-        <p:nvPr/>
-      </p:nvGrpSpPr>
-      <p:grpSpPr>
-        <a:xfrm>
-          <a:off x="0" y="0"/>
-          <a:ext cx="0" cy="0"/>
-          <a:chOff x="0" y="0"/>
-          <a:chExt cx="0" cy="0"/>
-        </a:xfrm>
-      </p:grpSpPr>
-      <p:sp useBgFill="1">
-        <p:nvSpPr>
-          <p:cNvPr id="8" name="Rectangle 7">
-            <a:extLst>
-              <a:ext uri="{FF2B5EF4-FFF2-40B4-BE49-F238E27FC236}">
-                <a16:creationId xmlns:a16="http://schemas.microsoft.com/office/drawing/2014/main" id="{3C06EAFD-0C69-4B3B-BEA7-E7E11DDF9C43}"/>
-              </a:ext>
-              <a:ext uri="{C183D7F6-B498-43B3-948B-1728B52AA6E4}">
-                <adec:decorative xmlns:adec="http://schemas.microsoft.com/office/drawing/2017/decorative" val="1"/>
-              </a:ext>
-            </a:extLst>
-          </p:cNvPr>
-          <p:cNvSpPr>
-            <a:spLocks noGrp="1" noRot="1" noChangeAspect="1" noMove="1" noResize="1" noEditPoints="1" noAdjustHandles="1" noChangeArrowheads="1" noChangeShapeType="1" noTextEdit="1"/>
-          </p:cNvSpPr>
-          <p:nvPr>
-            <p:extLst>
-              <p:ext uri="{386F3935-93C4-4BCD-93E2-E3B085C9AB24}">
-                <p16:designElem xmlns:p16="http://schemas.microsoft.com/office/powerpoint/2015/main" val="1"/>
-              </p:ext>
-            </p:extLst>
-          </p:nvPr>
-        </p:nvSpPr>
-        <p:spPr>
-          <a:xfrm>
-            <a:off x="0" y="0"/>
-            <a:ext cx="12188952" cy="6858000"/>
-          </a:xfrm>
-          <a:prstGeom prst="rect">
-            <a:avLst/>
-          </a:prstGeom>
-          <a:ln>
-            <a:noFill/>
-          </a:ln>
-        </p:spPr>
-        <p:style>
-          <a:lnRef idx="2">
-            <a:schemeClr val="accent1">
-              <a:shade val="50000"/>
-            </a:schemeClr>
-          </a:lnRef>
-          <a:fillRef idx="1">
-            <a:schemeClr val="accent1"/>
-          </a:fillRef>
-          <a:effectRef idx="0">
-            <a:schemeClr val="accent1"/>
-          </a:effectRef>
-          <a:fontRef idx="minor">
-            <a:schemeClr val="lt1"/>
-          </a:fontRef>
-        </p:style>
-        <p:txBody>
-          <a:bodyPr rtlCol="0" anchor="ctr"/>
-          <a:lstStyle/>
-          <a:p>
-            <a:pPr algn="ctr"/>
-            <a:endParaRPr lang="en-US"/>
-          </a:p>
-        </p:txBody>
-      </p:sp>
-      <p:sp>
-        <p:nvSpPr>
-          <p:cNvPr id="10" name="Rectangle 9">
-            <a:extLst>
-              <a:ext uri="{FF2B5EF4-FFF2-40B4-BE49-F238E27FC236}">
-                <a16:creationId xmlns:a16="http://schemas.microsoft.com/office/drawing/2014/main" id="{A4066C89-42FB-4624-9AFE-3A31B36491B5}"/>
-              </a:ext>
-              <a:ext uri="{C183D7F6-B498-43B3-948B-1728B52AA6E4}">
-                <adec:decorative xmlns:adec="http://schemas.microsoft.com/office/drawing/2017/decorative" val="1"/>
-              </a:ext>
-            </a:extLst>
-          </p:cNvPr>
-          <p:cNvSpPr>
-            <a:spLocks noGrp="1" noRot="1" noChangeAspect="1" noMove="1" noResize="1" noEditPoints="1" noAdjustHandles="1" noChangeArrowheads="1" noChangeShapeType="1" noTextEdit="1"/>
-          </p:cNvSpPr>
-          <p:nvPr>
-            <p:extLst>
-              <p:ext uri="{386F3935-93C4-4BCD-93E2-E3B085C9AB24}">
-                <p16:designElem xmlns:p16="http://schemas.microsoft.com/office/powerpoint/2015/main" val="1"/>
-              </p:ext>
-            </p:extLst>
-          </p:nvPr>
-        </p:nvSpPr>
-        <p:spPr>
-          <a:xfrm>
-            <a:off x="3344" y="0"/>
-            <a:ext cx="4648169" cy="6858000"/>
-          </a:xfrm>
-          <a:prstGeom prst="rect">
-            <a:avLst/>
-          </a:prstGeom>
-          <a:blipFill dpi="0" rotWithShape="1">
-            <a:blip r:embed="rId2">
-              <a:duotone>
-                <a:schemeClr val="accent1">
-                  <a:shade val="45000"/>
-                  <a:satMod val="135000"/>
-                </a:schemeClr>
-                <a:prstClr val="white"/>
-              </a:duotone>
-              <a:extLst>
-                <a:ext uri="{BEBA8EAE-BF5A-486C-A8C5-ECC9F3942E4B}">
-                  <a14:imgProps xmlns:a14="http://schemas.microsoft.com/office/drawing/2010/main">
-                    <a14:imgLayer r:embed="rId3">
-                      <a14:imgEffect>
-                        <a14:saturation sat="400000"/>
-                      </a14:imgEffect>
-                      <a14:imgEffect>
-                        <a14:brightnessContrast bright="-40000" contrast="40000"/>
-                      </a14:imgEffect>
-                    </a14:imgLayer>
-                  </a14:imgProps>
-                </a:ext>
-              </a:extLst>
-            </a:blip>
-            <a:srcRect/>
-            <a:tile tx="0" ty="0" sx="85000" sy="85000" flip="none" algn="tl"/>
-          </a:blipFill>
-          <a:ln w="25400" cap="flat" cmpd="sng" algn="ctr">
-            <a:noFill/>
-            <a:prstDash val="solid"/>
-          </a:ln>
-          <a:effectLst/>
-        </p:spPr>
-        <p:txBody>
-          <a:bodyPr lIns="0" tIns="0" rIns="0" bIns="0" rtlCol="0" anchor="ctr"/>
-          <a:lstStyle/>
-          <a:p>
-            <a:pPr algn="ctr" defTabSz="914400"/>
-            <a:endParaRPr lang="en-US" sz="2000" kern="0">
-              <a:solidFill>
-                <a:prstClr val="white"/>
-              </a:solidFill>
-              <a:latin typeface="Rockwell Extra Bold" pitchFamily="18" charset="0"/>
-            </a:endParaRPr>
-          </a:p>
-        </p:txBody>
-      </p:sp>
-      <p:sp>
-        <p:nvSpPr>
-          <p:cNvPr id="2" name="Title 1">
-            <a:extLst>
-              <a:ext uri="{FF2B5EF4-FFF2-40B4-BE49-F238E27FC236}">
-                <a16:creationId xmlns:a16="http://schemas.microsoft.com/office/drawing/2014/main" id="{32396498-B1DE-474C-873C-36B409CE6E64}"/>
-              </a:ext>
-            </a:extLst>
-          </p:cNvPr>
-          <p:cNvSpPr>
-            <a:spLocks noGrp="1"/>
-          </p:cNvSpPr>
-          <p:nvPr>
-            <p:ph type="title"/>
-          </p:nvPr>
-        </p:nvSpPr>
-        <p:spPr>
-          <a:xfrm>
-            <a:off x="643468" y="643466"/>
-            <a:ext cx="3686312" cy="5528734"/>
-          </a:xfrm>
-        </p:spPr>
-        <p:txBody>
-          <a:bodyPr>
-            <a:normAutofit/>
-          </a:bodyPr>
-          <a:lstStyle/>
-          <a:p>
-            <a:pPr algn="r"/>
-            <a:r>
-              <a:rPr lang="en-US" sz="4100" dirty="0">
-                <a:solidFill>
-                  <a:srgbClr val="FFFFFF"/>
-                </a:solidFill>
-              </a:rPr>
-              <a:t>Methodology</a:t>
-            </a:r>
-          </a:p>
-        </p:txBody>
-      </p:sp>
-      <p:sp>
-        <p:nvSpPr>
-          <p:cNvPr id="3" name="Content Placeholder 2">
-            <a:extLst>
-              <a:ext uri="{FF2B5EF4-FFF2-40B4-BE49-F238E27FC236}">
-                <a16:creationId xmlns:a16="http://schemas.microsoft.com/office/drawing/2014/main" id="{6163062E-9927-4DF3-99C9-8ED6136ABD17}"/>
-              </a:ext>
-            </a:extLst>
-          </p:cNvPr>
-          <p:cNvSpPr>
-            <a:spLocks noGrp="1"/>
-          </p:cNvSpPr>
-          <p:nvPr>
-            <p:ph idx="1"/>
-          </p:nvPr>
-        </p:nvSpPr>
-        <p:spPr>
-          <a:xfrm>
-            <a:off x="5053780" y="599768"/>
-            <a:ext cx="6074467" cy="5572432"/>
-          </a:xfrm>
-        </p:spPr>
-        <p:txBody>
-          <a:bodyPr anchor="ctr">
-            <a:normAutofit lnSpcReduction="10000"/>
-          </a:bodyPr>
-          <a:lstStyle/>
-          <a:p>
-            <a:r>
-              <a:rPr lang="en-US" sz="1900" dirty="0"/>
-              <a:t>The project is in two stages:</a:t>
-            </a:r>
-          </a:p>
-          <a:p>
-            <a:r>
-              <a:rPr lang="en-US" sz="1900" b="1" dirty="0">
-                <a:solidFill>
-                  <a:srgbClr val="0070C0"/>
-                </a:solidFill>
-                <a:hlinkClick r:id="rId4">
-                  <a:extLst>
-                    <a:ext uri="{A12FA001-AC4F-418D-AE19-62706E023703}">
-                      <ahyp:hlinkClr xmlns:ahyp="http://schemas.microsoft.com/office/drawing/2018/hyperlinkcolor" val="tx"/>
-                    </a:ext>
-                  </a:extLst>
-                </a:hlinkClick>
-              </a:rPr>
-              <a:t>Stage 1 (Excel and VBA-Based Design)</a:t>
-            </a:r>
-            <a:endParaRPr lang="en-US" sz="1900" b="1" dirty="0">
-              <a:solidFill>
-                <a:srgbClr val="0070C0"/>
-              </a:solidFill>
-            </a:endParaRPr>
-          </a:p>
-          <a:p>
-            <a:r>
-              <a:rPr lang="en-US" sz="1900" dirty="0"/>
-              <a:t>This stage involves the use of excel VBA built on the existing template in order to fully automate all the activities of the reconciliation process.</a:t>
-            </a:r>
-          </a:p>
-          <a:p>
-            <a:r>
-              <a:rPr lang="en-US" sz="1900" dirty="0"/>
-              <a:t>All activities involving spooling of data, copying, pasting, formulas evaluation, formatting and comparison are handled by macros written.</a:t>
-            </a:r>
-          </a:p>
-          <a:p>
-            <a:r>
-              <a:rPr lang="en-US" sz="1900" dirty="0"/>
-              <a:t>A user form is built on the excel to allow the users to supply input information such as previous load amount, most recent load and unload amounts, times of previous load and recent load, ATM ID and branch code.</a:t>
-            </a:r>
-          </a:p>
-          <a:p>
-            <a:r>
-              <a:rPr lang="en-US" sz="1900" dirty="0"/>
-              <a:t>Upon entering the input information and selecting submit, the report is automatically generated and saved in a directory on the computer.</a:t>
-            </a:r>
-          </a:p>
-          <a:p>
-            <a:r>
-              <a:rPr lang="en-US" sz="1900" dirty="0"/>
-              <a:t>This can be accessed from </a:t>
-            </a:r>
-            <a:r>
-              <a:rPr lang="en-US" sz="1900" dirty="0" err="1">
-                <a:solidFill>
-                  <a:srgbClr val="0070C0"/>
-                </a:solidFill>
-                <a:hlinkClick r:id="rId4">
-                  <a:extLst>
-                    <a:ext uri="{A12FA001-AC4F-418D-AE19-62706E023703}">
-                      <ahyp:hlinkClr xmlns:ahyp="http://schemas.microsoft.com/office/drawing/2018/hyperlinkcolor" val="tx"/>
-                    </a:ext>
-                  </a:extLst>
-                </a:hlinkClick>
-              </a:rPr>
-              <a:t>Github</a:t>
-            </a:r>
-            <a:r>
-              <a:rPr lang="en-US" sz="1900" dirty="0">
-                <a:solidFill>
-                  <a:srgbClr val="0070C0"/>
-                </a:solidFill>
-                <a:hlinkClick r:id="rId4">
-                  <a:extLst>
-                    <a:ext uri="{A12FA001-AC4F-418D-AE19-62706E023703}">
-                      <ahyp:hlinkClr xmlns:ahyp="http://schemas.microsoft.com/office/drawing/2018/hyperlinkcolor" val="tx"/>
-                    </a:ext>
-                  </a:extLst>
-                </a:hlinkClick>
-              </a:rPr>
-              <a:t> link</a:t>
-            </a:r>
-            <a:endParaRPr lang="en-US" sz="1900" dirty="0">
-              <a:solidFill>
-                <a:srgbClr val="0070C0"/>
-              </a:solidFill>
-            </a:endParaRPr>
-          </a:p>
-        </p:txBody>
-      </p:sp>
-      <p:sp>
-        <p:nvSpPr>
-          <p:cNvPr id="12" name="Oval 11">
-            <a:extLst>
-              <a:ext uri="{FF2B5EF4-FFF2-40B4-BE49-F238E27FC236}">
-                <a16:creationId xmlns:a16="http://schemas.microsoft.com/office/drawing/2014/main" id="{BA218FBC-B2D6-48CA-9289-C4110162EDAD}"/>
-              </a:ext>
-              <a:ext uri="{C183D7F6-B498-43B3-948B-1728B52AA6E4}">
-                <adec:decorative xmlns:adec="http://schemas.microsoft.com/office/drawing/2017/decorative" val="1"/>
-              </a:ext>
-            </a:extLst>
-          </p:cNvPr>
-          <p:cNvSpPr>
-            <a:spLocks noGrp="1" noRot="1" noChangeAspect="1" noMove="1" noResize="1" noEditPoints="1" noAdjustHandles="1" noChangeArrowheads="1" noChangeShapeType="1" noTextEdit="1"/>
-          </p:cNvSpPr>
-          <p:nvPr>
-            <p:extLst>
-              <p:ext uri="{386F3935-93C4-4BCD-93E2-E3B085C9AB24}">
-                <p16:designElem xmlns:p16="http://schemas.microsoft.com/office/powerpoint/2015/main" val="1"/>
-              </p:ext>
-            </p:extLst>
-          </p:nvPr>
-        </p:nvSpPr>
-        <p:spPr>
-          <a:xfrm>
-            <a:off x="11401725" y="6229681"/>
-            <a:ext cx="457200" cy="457200"/>
-          </a:xfrm>
-          <a:prstGeom prst="ellipse">
-            <a:avLst/>
-          </a:prstGeom>
-          <a:blipFill dpi="0" rotWithShape="1">
-            <a:blip r:embed="rId5">
-              <a:duotone>
-                <a:schemeClr val="accent1">
-                  <a:shade val="45000"/>
-                  <a:satMod val="135000"/>
-                </a:schemeClr>
-                <a:prstClr val="white"/>
-              </a:duotone>
-            </a:blip>
-            <a:srcRect/>
-            <a:tile tx="50800" ty="0" sx="85000" sy="85000" flip="none" algn="tl"/>
-          </a:blipFill>
-          <a:ln w="25400" cap="flat" cmpd="sng" algn="ctr">
-            <a:noFill/>
-            <a:prstDash val="solid"/>
-          </a:ln>
-          <a:effectLst/>
-        </p:spPr>
-        <p:txBody>
-          <a:bodyPr lIns="0" tIns="0" rIns="0" bIns="0" rtlCol="0" anchor="ctr"/>
-          <a:lstStyle/>
-          <a:p>
-            <a:pPr marL="0" marR="0" lvl="0" indent="0" algn="ctr" defTabSz="914400" eaLnBrk="1" fontAlgn="auto" latinLnBrk="0" hangingPunct="1">
-              <a:lnSpc>
-                <a:spcPct val="100000"/>
-              </a:lnSpc>
-              <a:spcBef>
-                <a:spcPts val="0"/>
-              </a:spcBef>
-              <a:spcAft>
-                <a:spcPts val="0"/>
-              </a:spcAft>
-              <a:buClrTx/>
-              <a:buSzTx/>
-              <a:buFontTx/>
-              <a:buNone/>
-              <a:tabLst/>
-              <a:defRPr/>
-            </a:pPr>
-            <a:endParaRPr kumimoji="0" lang="en-US" sz="2000" b="0" i="0" u="none" strike="noStrike" kern="0" cap="none" spc="0" normalizeH="0" baseline="0" noProof="0" dirty="0">
-              <a:ln>
-                <a:noFill/>
-              </a:ln>
-              <a:solidFill>
-                <a:prstClr val="white"/>
-              </a:solidFill>
-              <a:effectLst/>
-              <a:uLnTx/>
-              <a:uFillTx/>
-              <a:latin typeface="Rockwell Extra Bold" pitchFamily="18" charset="0"/>
-              <a:ea typeface="+mn-ea"/>
-              <a:cs typeface="+mn-cs"/>
-            </a:endParaRPr>
-          </a:p>
-        </p:txBody>
-      </p:sp>
-      <p:sp>
-        <p:nvSpPr>
-          <p:cNvPr id="14" name="Oval 13">
-            <a:extLst>
-              <a:ext uri="{FF2B5EF4-FFF2-40B4-BE49-F238E27FC236}">
-                <a16:creationId xmlns:a16="http://schemas.microsoft.com/office/drawing/2014/main" id="{2DED9084-49DA-4911-ACB7-5F9E4DEFA039}"/>
-              </a:ext>
-              <a:ext uri="{C183D7F6-B498-43B3-948B-1728B52AA6E4}">
-                <adec:decorative xmlns:adec="http://schemas.microsoft.com/office/drawing/2017/decorative" val="1"/>
-              </a:ext>
-            </a:extLst>
-          </p:cNvPr>
-          <p:cNvSpPr>
-            <a:spLocks noGrp="1" noRot="1" noChangeAspect="1" noMove="1" noResize="1" noEditPoints="1" noAdjustHandles="1" noChangeArrowheads="1" noChangeShapeType="1" noTextEdit="1"/>
-          </p:cNvSpPr>
-          <p:nvPr>
-            <p:extLst>
-              <p:ext uri="{386F3935-93C4-4BCD-93E2-E3B085C9AB24}">
-                <p16:designElem xmlns:p16="http://schemas.microsoft.com/office/powerpoint/2015/main" val="1"/>
-              </p:ext>
-            </p:extLst>
-          </p:nvPr>
-        </p:nvSpPr>
-        <p:spPr>
-          <a:xfrm>
-            <a:off x="11430918" y="6258874"/>
-            <a:ext cx="398813" cy="398815"/>
-          </a:xfrm>
-          <a:prstGeom prst="ellipse">
-            <a:avLst/>
-          </a:prstGeom>
-          <a:noFill/>
-          <a:ln w="12700" cap="flat" cmpd="sng" algn="ctr">
-            <a:solidFill>
-              <a:srgbClr val="FFFFFF"/>
-            </a:solidFill>
-            <a:prstDash val="solid"/>
-          </a:ln>
-          <a:effectLst/>
-        </p:spPr>
-        <p:txBody>
-          <a:bodyPr rtlCol="0" anchor="ctr"/>
-          <a:lstStyle/>
-          <a:p>
-            <a:pPr marL="0" marR="0" lvl="0" indent="0" algn="ctr" defTabSz="914400" eaLnBrk="1" fontAlgn="auto" latinLnBrk="0" hangingPunct="1">
-              <a:lnSpc>
-                <a:spcPct val="100000"/>
-              </a:lnSpc>
-              <a:spcBef>
-                <a:spcPts val="0"/>
-              </a:spcBef>
-              <a:spcAft>
-                <a:spcPts val="0"/>
-              </a:spcAft>
-              <a:buClrTx/>
-              <a:buSzTx/>
-              <a:buFontTx/>
-              <a:buNone/>
-              <a:tabLst/>
-              <a:defRPr/>
-            </a:pPr>
-            <a:endParaRPr kumimoji="0" lang="en-US" sz="1800" b="0" i="0" u="none" strike="noStrike" kern="0" cap="none" spc="0" normalizeH="0" baseline="0" noProof="0" dirty="0">
-              <a:ln>
-                <a:noFill/>
-              </a:ln>
-              <a:solidFill>
-                <a:prstClr val="white"/>
-              </a:solidFill>
-              <a:effectLst/>
-              <a:uLnTx/>
-              <a:uFillTx/>
-              <a:latin typeface="Calibri"/>
-              <a:ea typeface="+mn-ea"/>
-              <a:cs typeface="+mn-cs"/>
-            </a:endParaRPr>
-          </a:p>
-        </p:txBody>
-      </p:sp>
-    </p:spTree>
-    <p:extLst>
-      <p:ext uri="{BB962C8B-B14F-4D97-AF65-F5344CB8AC3E}">
-        <p14:creationId xmlns:p14="http://schemas.microsoft.com/office/powerpoint/2010/main" val="1515872336"/>
-      </p:ext>
-    </p:extLst>
-  </p:cSld>
-  <p:clrMapOvr>
-    <a:masterClrMapping/>
-  </p:clrMapOvr>
-</p:sld>
-</file>
-
-<file path=ppt/slides/slide6.xml><?xml version="1.0" encoding="utf-8"?>
-<p:sld xmlns:a="http://schemas.openxmlformats.org/drawingml/2006/main" xmlns:r="http://schemas.openxmlformats.org/officeDocument/2006/relationships" xmlns:p="http://schemas.openxmlformats.org/presentationml/2006/main">
-  <p:cSld>
-    <p:bg>
-      <p:bgPr>
-        <a:solidFill>
-          <a:schemeClr val="bg1"/>
-        </a:solidFill>
-        <a:effectLst/>
-      </p:bgPr>
-    </p:bg>
-    <p:spTree>
-      <p:nvGrpSpPr>
-        <p:cNvPr id="1" name=""/>
-        <p:cNvGrpSpPr/>
-        <p:nvPr/>
-      </p:nvGrpSpPr>
-      <p:grpSpPr>
-        <a:xfrm>
-          <a:off x="0" y="0"/>
-          <a:ext cx="0" cy="0"/>
-          <a:chOff x="0" y="0"/>
-          <a:chExt cx="0" cy="0"/>
-        </a:xfrm>
-      </p:grpSpPr>
-      <p:sp>
-        <p:nvSpPr>
-          <p:cNvPr id="23" name="Rectangle 8">
-            <a:extLst>
-              <a:ext uri="{FF2B5EF4-FFF2-40B4-BE49-F238E27FC236}">
-                <a16:creationId xmlns:a16="http://schemas.microsoft.com/office/drawing/2014/main" id="{BD9989FB-36A6-49EE-889A-BDBC54F18EB7}"/>
-              </a:ext>
-              <a:ext uri="{C183D7F6-B498-43B3-948B-1728B52AA6E4}">
-                <adec:decorative xmlns:adec="http://schemas.microsoft.com/office/drawing/2017/decorative" val="1"/>
-              </a:ext>
-            </a:extLst>
-          </p:cNvPr>
-          <p:cNvSpPr>
-            <a:spLocks noGrp="1" noRot="1" noChangeAspect="1" noMove="1" noResize="1" noEditPoints="1" noAdjustHandles="1" noChangeArrowheads="1" noChangeShapeType="1" noTextEdit="1"/>
-          </p:cNvSpPr>
-          <p:nvPr>
-            <p:extLst>
-              <p:ext uri="{386F3935-93C4-4BCD-93E2-E3B085C9AB24}">
-                <p16:designElem xmlns:p16="http://schemas.microsoft.com/office/powerpoint/2015/main" val="1"/>
-              </p:ext>
-            </p:extLst>
-          </p:nvPr>
-        </p:nvSpPr>
-        <p:spPr>
-          <a:xfrm>
-            <a:off x="7836310" y="0"/>
-            <a:ext cx="4355689" cy="6857999"/>
-          </a:xfrm>
-          <a:prstGeom prst="rect">
-            <a:avLst/>
-          </a:prstGeom>
-          <a:blipFill dpi="0" rotWithShape="1">
-            <a:blip r:embed="rId2">
-              <a:alphaModFix amt="60000"/>
-              <a:lum bright="70000" contrast="-70000"/>
-              <a:extLst>
-                <a:ext uri="{BEBA8EAE-BF5A-486C-A8C5-ECC9F3942E4B}">
-                  <a14:imgProps xmlns:a14="http://schemas.microsoft.com/office/drawing/2010/main">
-                    <a14:imgLayer r:embed="rId3">
-                      <a14:imgEffect>
-                        <a14:sharpenSoften amount="61000"/>
-                      </a14:imgEffect>
-                    </a14:imgLayer>
-                  </a14:imgProps>
-                </a:ext>
-                <a:ext uri="{28A0092B-C50C-407E-A947-70E740481C1C}">
-                  <a14:useLocalDpi xmlns:a14="http://schemas.microsoft.com/office/drawing/2010/main" val="0"/>
-                </a:ext>
-              </a:extLst>
-            </a:blip>
-            <a:srcRect/>
-            <a:tile tx="0" ty="-704850" sx="92000" sy="89000" flip="xy" algn="ctr"/>
-          </a:blipFill>
-          <a:ln>
-            <a:noFill/>
-          </a:ln>
-        </p:spPr>
-        <p:style>
-          <a:lnRef idx="2">
-            <a:schemeClr val="accent1">
-              <a:shade val="50000"/>
-            </a:schemeClr>
-          </a:lnRef>
-          <a:fillRef idx="1">
-            <a:schemeClr val="accent1"/>
-          </a:fillRef>
-          <a:effectRef idx="0">
-            <a:schemeClr val="accent1"/>
-          </a:effectRef>
-          <a:fontRef idx="minor">
-            <a:schemeClr val="lt1"/>
-          </a:fontRef>
-        </p:style>
-        <p:txBody>
-          <a:bodyPr rtlCol="0" anchor="ctr"/>
-          <a:lstStyle/>
-          <a:p>
-            <a:pPr algn="ctr"/>
-            <a:endParaRPr lang="en-US"/>
-          </a:p>
-        </p:txBody>
-      </p:sp>
-      <p:sp>
-        <p:nvSpPr>
-          <p:cNvPr id="2" name="Title 1">
-            <a:extLst>
-              <a:ext uri="{FF2B5EF4-FFF2-40B4-BE49-F238E27FC236}">
-                <a16:creationId xmlns:a16="http://schemas.microsoft.com/office/drawing/2014/main" id="{B6887607-CBFD-411C-882C-568B660C6B0D}"/>
-              </a:ext>
-            </a:extLst>
-          </p:cNvPr>
-          <p:cNvSpPr>
-            <a:spLocks noGrp="1"/>
-          </p:cNvSpPr>
-          <p:nvPr>
-            <p:ph type="title"/>
-          </p:nvPr>
-        </p:nvSpPr>
-        <p:spPr>
-          <a:xfrm>
-            <a:off x="8086289" y="2048389"/>
-            <a:ext cx="3544035" cy="1609344"/>
-          </a:xfrm>
-          <a:ln>
-            <a:noFill/>
-          </a:ln>
-        </p:spPr>
-        <p:txBody>
-          <a:bodyPr>
-            <a:normAutofit/>
-          </a:bodyPr>
-          <a:lstStyle/>
-          <a:p>
-            <a:r>
-              <a:rPr lang="en-US" sz="3200" dirty="0"/>
-              <a:t>USERFORM for Data Entry</a:t>
-            </a:r>
-          </a:p>
-        </p:txBody>
-      </p:sp>
-      <p:pic>
-        <p:nvPicPr>
-          <p:cNvPr id="4" name="Picture 3">
-            <a:extLst>
-              <a:ext uri="{FF2B5EF4-FFF2-40B4-BE49-F238E27FC236}">
-                <a16:creationId xmlns:a16="http://schemas.microsoft.com/office/drawing/2014/main" id="{73DD8D90-E0F6-47F5-926A-B73776609755}"/>
-              </a:ext>
-            </a:extLst>
-          </p:cNvPr>
-          <p:cNvPicPr/>
-          <p:nvPr/>
-        </p:nvPicPr>
-        <p:blipFill>
-          <a:blip r:embed="rId4">
-            <a:extLst>
-              <a:ext uri="{28A0092B-C50C-407E-A947-70E740481C1C}">
-                <a14:useLocalDpi xmlns:a14="http://schemas.microsoft.com/office/drawing/2010/main" val="0"/>
-              </a:ext>
-            </a:extLst>
-          </a:blip>
-          <a:stretch>
-            <a:fillRect/>
-          </a:stretch>
-        </p:blipFill>
-        <p:spPr>
-          <a:xfrm>
-            <a:off x="633999" y="689316"/>
-            <a:ext cx="7202311" cy="5176911"/>
-          </a:xfrm>
-          <a:prstGeom prst="rect">
-            <a:avLst/>
-          </a:prstGeom>
-        </p:spPr>
-      </p:pic>
-      <p:grpSp>
-        <p:nvGrpSpPr>
-          <p:cNvPr id="24" name="Group 10">
-            <a:extLst>
-              <a:ext uri="{FF2B5EF4-FFF2-40B4-BE49-F238E27FC236}">
-                <a16:creationId xmlns:a16="http://schemas.microsoft.com/office/drawing/2014/main" id="{79532E44-64CD-4887-95E4-6D13510171F7}"/>
-              </a:ext>
-              <a:ext uri="{C183D7F6-B498-43B3-948B-1728B52AA6E4}">
-                <adec:decorative xmlns:adec="http://schemas.microsoft.com/office/drawing/2017/decorative" val="1"/>
-              </a:ext>
-            </a:extLst>
-          </p:cNvPr>
-          <p:cNvGrpSpPr>
-            <a:grpSpLocks noGrp="1" noUngrp="1" noRot="1" noChangeAspect="1" noMove="1" noResize="1"/>
-          </p:cNvGrpSpPr>
-          <p:nvPr>
-            <p:extLst>
-              <p:ext uri="{386F3935-93C4-4BCD-93E2-E3B085C9AB24}">
-                <p16:designElem xmlns:p16="http://schemas.microsoft.com/office/powerpoint/2015/main" val="1"/>
-              </p:ext>
-            </p:extLst>
-          </p:nvPr>
-        </p:nvGrpSpPr>
-        <p:grpSpPr>
-          <a:xfrm>
-            <a:off x="11401725" y="6229681"/>
-            <a:ext cx="457200" cy="457200"/>
-            <a:chOff x="11361456" y="6195813"/>
-            <a:chExt cx="548640" cy="548640"/>
-          </a:xfrm>
-        </p:grpSpPr>
-        <p:sp>
-          <p:nvSpPr>
-            <p:cNvPr id="12" name="Oval 11">
-              <a:extLst>
-                <a:ext uri="{FF2B5EF4-FFF2-40B4-BE49-F238E27FC236}">
-                  <a16:creationId xmlns:a16="http://schemas.microsoft.com/office/drawing/2014/main" id="{35C2F53F-F2F7-4BC7-88F8-CCFD6D3CB58A}"/>
                 </a:ext>
                 <a:ext uri="{C183D7F6-B498-43B3-948B-1728B52AA6E4}">
                   <adec:decorative xmlns:adec="http://schemas.microsoft.com/office/drawing/2017/decorative" val="1"/>
@@ -18121,856 +20103,7 @@
         </p:sp>
         <p:sp>
           <p:nvSpPr>
-            <p:cNvPr id="25" name="Oval 12">
-              <a:extLst>
-                <a:ext uri="{FF2B5EF4-FFF2-40B4-BE49-F238E27FC236}">
-                  <a16:creationId xmlns:a16="http://schemas.microsoft.com/office/drawing/2014/main" id="{9B3675A9-8FB2-4982-9BE7-47E456D0D38D}"/>
-                </a:ext>
-                <a:ext uri="{C183D7F6-B498-43B3-948B-1728B52AA6E4}">
-                  <adec:decorative xmlns:adec="http://schemas.microsoft.com/office/drawing/2017/decorative" val="1"/>
-                </a:ext>
-              </a:extLst>
-            </p:cNvPr>
-            <p:cNvSpPr/>
-            <p:nvPr>
-              <p:extLst>
-                <p:ext uri="{386F3935-93C4-4BCD-93E2-E3B085C9AB24}">
-                  <p16:designElem xmlns:p16="http://schemas.microsoft.com/office/powerpoint/2015/main" val="1"/>
-                </p:ext>
-              </p:extLst>
-            </p:nvPr>
-          </p:nvSpPr>
-          <p:spPr>
-            <a:xfrm>
-              <a:off x="11396488" y="6230844"/>
-              <a:ext cx="478576" cy="478578"/>
-            </a:xfrm>
-            <a:prstGeom prst="ellipse">
-              <a:avLst/>
-            </a:prstGeom>
-            <a:noFill/>
-            <a:ln w="12700" cap="flat" cmpd="sng" algn="ctr">
-              <a:solidFill>
-                <a:srgbClr val="FFFFFF"/>
-              </a:solidFill>
-              <a:prstDash val="solid"/>
-            </a:ln>
-            <a:effectLst/>
-          </p:spPr>
-          <p:txBody>
-            <a:bodyPr rtlCol="0" anchor="ctr"/>
-            <a:lstStyle/>
-            <a:p>
-              <a:pPr marL="0" marR="0" lvl="0" indent="0" algn="ctr" defTabSz="914400" eaLnBrk="1" fontAlgn="auto" latinLnBrk="0" hangingPunct="1">
-                <a:lnSpc>
-                  <a:spcPct val="100000"/>
-                </a:lnSpc>
-                <a:spcBef>
-                  <a:spcPts val="0"/>
-                </a:spcBef>
-                <a:spcAft>
-                  <a:spcPts val="0"/>
-                </a:spcAft>
-                <a:buClrTx/>
-                <a:buSzTx/>
-                <a:buFontTx/>
-                <a:buNone/>
-                <a:tabLst/>
-                <a:defRPr/>
-              </a:pPr>
-              <a:endParaRPr kumimoji="0" lang="en-US" sz="1800" b="0" i="0" u="none" strike="noStrike" kern="0" cap="none" spc="0" normalizeH="0" baseline="0" noProof="0" dirty="0">
-                <a:ln>
-                  <a:noFill/>
-                </a:ln>
-                <a:solidFill>
-                  <a:prstClr val="white"/>
-                </a:solidFill>
-                <a:effectLst/>
-                <a:uLnTx/>
-                <a:uFillTx/>
-                <a:latin typeface="Calibri"/>
-                <a:ea typeface="+mn-ea"/>
-                <a:cs typeface="+mn-cs"/>
-              </a:endParaRPr>
-            </a:p>
-          </p:txBody>
-        </p:sp>
-      </p:grpSp>
-    </p:spTree>
-    <p:extLst>
-      <p:ext uri="{BB962C8B-B14F-4D97-AF65-F5344CB8AC3E}">
-        <p14:creationId xmlns:p14="http://schemas.microsoft.com/office/powerpoint/2010/main" val="2234316490"/>
-      </p:ext>
-    </p:extLst>
-  </p:cSld>
-  <p:clrMapOvr>
-    <a:masterClrMapping/>
-  </p:clrMapOvr>
-</p:sld>
-</file>
-
-<file path=ppt/slides/slide7.xml><?xml version="1.0" encoding="utf-8"?>
-<p:sld xmlns:a="http://schemas.openxmlformats.org/drawingml/2006/main" xmlns:r="http://schemas.openxmlformats.org/officeDocument/2006/relationships" xmlns:p="http://schemas.openxmlformats.org/presentationml/2006/main">
-  <p:cSld>
-    <p:bg>
-      <p:bgPr>
-        <a:solidFill>
-          <a:schemeClr val="bg1"/>
-        </a:solidFill>
-        <a:effectLst/>
-      </p:bgPr>
-    </p:bg>
-    <p:spTree>
-      <p:nvGrpSpPr>
-        <p:cNvPr id="1" name=""/>
-        <p:cNvGrpSpPr/>
-        <p:nvPr/>
-      </p:nvGrpSpPr>
-      <p:grpSpPr>
-        <a:xfrm>
-          <a:off x="0" y="0"/>
-          <a:ext cx="0" cy="0"/>
-          <a:chOff x="0" y="0"/>
-          <a:chExt cx="0" cy="0"/>
-        </a:xfrm>
-      </p:grpSpPr>
-      <p:sp useBgFill="1">
-        <p:nvSpPr>
-          <p:cNvPr id="8" name="Rectangle 7">
-            <a:extLst>
-              <a:ext uri="{FF2B5EF4-FFF2-40B4-BE49-F238E27FC236}">
-                <a16:creationId xmlns:a16="http://schemas.microsoft.com/office/drawing/2014/main" id="{3C06EAFD-0C69-4B3B-BEA7-E7E11DDF9C43}"/>
-              </a:ext>
-              <a:ext uri="{C183D7F6-B498-43B3-948B-1728B52AA6E4}">
-                <adec:decorative xmlns:adec="http://schemas.microsoft.com/office/drawing/2017/decorative" val="1"/>
-              </a:ext>
-            </a:extLst>
-          </p:cNvPr>
-          <p:cNvSpPr>
-            <a:spLocks noGrp="1" noRot="1" noChangeAspect="1" noMove="1" noResize="1" noEditPoints="1" noAdjustHandles="1" noChangeArrowheads="1" noChangeShapeType="1" noTextEdit="1"/>
-          </p:cNvSpPr>
-          <p:nvPr>
-            <p:extLst>
-              <p:ext uri="{386F3935-93C4-4BCD-93E2-E3B085C9AB24}">
-                <p16:designElem xmlns:p16="http://schemas.microsoft.com/office/powerpoint/2015/main" val="1"/>
-              </p:ext>
-            </p:extLst>
-          </p:nvPr>
-        </p:nvSpPr>
-        <p:spPr>
-          <a:xfrm>
-            <a:off x="0" y="0"/>
-            <a:ext cx="12188952" cy="6858000"/>
-          </a:xfrm>
-          <a:prstGeom prst="rect">
-            <a:avLst/>
-          </a:prstGeom>
-          <a:ln>
-            <a:noFill/>
-          </a:ln>
-        </p:spPr>
-        <p:style>
-          <a:lnRef idx="2">
-            <a:schemeClr val="accent1">
-              <a:shade val="50000"/>
-            </a:schemeClr>
-          </a:lnRef>
-          <a:fillRef idx="1">
-            <a:schemeClr val="accent1"/>
-          </a:fillRef>
-          <a:effectRef idx="0">
-            <a:schemeClr val="accent1"/>
-          </a:effectRef>
-          <a:fontRef idx="minor">
-            <a:schemeClr val="lt1"/>
-          </a:fontRef>
-        </p:style>
-        <p:txBody>
-          <a:bodyPr rtlCol="0" anchor="ctr"/>
-          <a:lstStyle/>
-          <a:p>
-            <a:pPr algn="ctr"/>
-            <a:endParaRPr lang="en-US"/>
-          </a:p>
-        </p:txBody>
-      </p:sp>
-      <p:sp>
-        <p:nvSpPr>
-          <p:cNvPr id="10" name="Rectangle 9">
-            <a:extLst>
-              <a:ext uri="{FF2B5EF4-FFF2-40B4-BE49-F238E27FC236}">
-                <a16:creationId xmlns:a16="http://schemas.microsoft.com/office/drawing/2014/main" id="{A4066C89-42FB-4624-9AFE-3A31B36491B5}"/>
-              </a:ext>
-              <a:ext uri="{C183D7F6-B498-43B3-948B-1728B52AA6E4}">
-                <adec:decorative xmlns:adec="http://schemas.microsoft.com/office/drawing/2017/decorative" val="1"/>
-              </a:ext>
-            </a:extLst>
-          </p:cNvPr>
-          <p:cNvSpPr>
-            <a:spLocks noGrp="1" noRot="1" noChangeAspect="1" noMove="1" noResize="1" noEditPoints="1" noAdjustHandles="1" noChangeArrowheads="1" noChangeShapeType="1" noTextEdit="1"/>
-          </p:cNvSpPr>
-          <p:nvPr>
-            <p:extLst>
-              <p:ext uri="{386F3935-93C4-4BCD-93E2-E3B085C9AB24}">
-                <p16:designElem xmlns:p16="http://schemas.microsoft.com/office/powerpoint/2015/main" val="1"/>
-              </p:ext>
-            </p:extLst>
-          </p:nvPr>
-        </p:nvSpPr>
-        <p:spPr>
-          <a:xfrm>
-            <a:off x="3344" y="0"/>
-            <a:ext cx="4648169" cy="6858000"/>
-          </a:xfrm>
-          <a:prstGeom prst="rect">
-            <a:avLst/>
-          </a:prstGeom>
-          <a:blipFill dpi="0" rotWithShape="1">
-            <a:blip r:embed="rId2">
-              <a:duotone>
-                <a:schemeClr val="accent1">
-                  <a:shade val="45000"/>
-                  <a:satMod val="135000"/>
-                </a:schemeClr>
-                <a:prstClr val="white"/>
-              </a:duotone>
-              <a:extLst>
-                <a:ext uri="{BEBA8EAE-BF5A-486C-A8C5-ECC9F3942E4B}">
-                  <a14:imgProps xmlns:a14="http://schemas.microsoft.com/office/drawing/2010/main">
-                    <a14:imgLayer r:embed="rId3">
-                      <a14:imgEffect>
-                        <a14:saturation sat="400000"/>
-                      </a14:imgEffect>
-                      <a14:imgEffect>
-                        <a14:brightnessContrast bright="-40000" contrast="40000"/>
-                      </a14:imgEffect>
-                    </a14:imgLayer>
-                  </a14:imgProps>
-                </a:ext>
-              </a:extLst>
-            </a:blip>
-            <a:srcRect/>
-            <a:tile tx="0" ty="0" sx="85000" sy="85000" flip="none" algn="tl"/>
-          </a:blipFill>
-          <a:ln w="25400" cap="flat" cmpd="sng" algn="ctr">
-            <a:noFill/>
-            <a:prstDash val="solid"/>
-          </a:ln>
-          <a:effectLst/>
-        </p:spPr>
-        <p:txBody>
-          <a:bodyPr lIns="0" tIns="0" rIns="0" bIns="0" rtlCol="0" anchor="ctr"/>
-          <a:lstStyle/>
-          <a:p>
-            <a:pPr algn="ctr" defTabSz="914400"/>
-            <a:endParaRPr lang="en-US" sz="2000" kern="0">
-              <a:solidFill>
-                <a:prstClr val="white"/>
-              </a:solidFill>
-              <a:latin typeface="Rockwell Extra Bold" pitchFamily="18" charset="0"/>
-            </a:endParaRPr>
-          </a:p>
-        </p:txBody>
-      </p:sp>
-      <p:sp>
-        <p:nvSpPr>
-          <p:cNvPr id="2" name="Title 1">
-            <a:extLst>
-              <a:ext uri="{FF2B5EF4-FFF2-40B4-BE49-F238E27FC236}">
-                <a16:creationId xmlns:a16="http://schemas.microsoft.com/office/drawing/2014/main" id="{B640094B-6A3F-4F98-86E7-0B58EDB06832}"/>
-              </a:ext>
-            </a:extLst>
-          </p:cNvPr>
-          <p:cNvSpPr>
-            <a:spLocks noGrp="1"/>
-          </p:cNvSpPr>
-          <p:nvPr>
-            <p:ph type="title"/>
-          </p:nvPr>
-        </p:nvSpPr>
-        <p:spPr>
-          <a:xfrm>
-            <a:off x="643468" y="643466"/>
-            <a:ext cx="3686312" cy="5528734"/>
-          </a:xfrm>
-        </p:spPr>
-        <p:txBody>
-          <a:bodyPr>
-            <a:normAutofit/>
-          </a:bodyPr>
-          <a:lstStyle/>
-          <a:p>
-            <a:pPr algn="r"/>
-            <a:r>
-              <a:rPr lang="en-US" sz="4100">
-                <a:solidFill>
-                  <a:srgbClr val="FFFFFF"/>
-                </a:solidFill>
-              </a:rPr>
-              <a:t>Methodology (Continued)</a:t>
-            </a:r>
-          </a:p>
-        </p:txBody>
-      </p:sp>
-      <p:sp>
-        <p:nvSpPr>
-          <p:cNvPr id="3" name="Content Placeholder 2">
-            <a:extLst>
-              <a:ext uri="{FF2B5EF4-FFF2-40B4-BE49-F238E27FC236}">
-                <a16:creationId xmlns:a16="http://schemas.microsoft.com/office/drawing/2014/main" id="{B7B10B13-E28E-4960-BE59-9838056DB19B}"/>
-              </a:ext>
-            </a:extLst>
-          </p:cNvPr>
-          <p:cNvSpPr>
-            <a:spLocks noGrp="1"/>
-          </p:cNvSpPr>
-          <p:nvPr>
-            <p:ph idx="1"/>
-          </p:nvPr>
-        </p:nvSpPr>
-        <p:spPr>
-          <a:xfrm>
-            <a:off x="5053780" y="599768"/>
-            <a:ext cx="6074467" cy="5572432"/>
-          </a:xfrm>
-        </p:spPr>
-        <p:txBody>
-          <a:bodyPr anchor="ctr">
-            <a:normAutofit/>
-          </a:bodyPr>
-          <a:lstStyle/>
-          <a:p>
-            <a:r>
-              <a:rPr lang="en-US" b="1" dirty="0">
-                <a:solidFill>
-                  <a:srgbClr val="0070C0"/>
-                </a:solidFill>
-                <a:hlinkClick r:id="rId4">
-                  <a:extLst>
-                    <a:ext uri="{A12FA001-AC4F-418D-AE19-62706E023703}">
-                      <ahyp:hlinkClr xmlns:ahyp="http://schemas.microsoft.com/office/drawing/2018/hyperlinkcolor" val="tx"/>
-                    </a:ext>
-                  </a:extLst>
-                </a:hlinkClick>
-              </a:rPr>
-              <a:t>Stage 2 (Python-Based Design)</a:t>
-            </a:r>
-            <a:endParaRPr lang="en-US" b="1" dirty="0">
-              <a:solidFill>
-                <a:srgbClr val="0070C0"/>
-              </a:solidFill>
-            </a:endParaRPr>
-          </a:p>
-          <a:p>
-            <a:r>
-              <a:rPr lang="en-US" dirty="0"/>
-              <a:t>This stage involves the deployment of the process on the web for portability.</a:t>
-            </a:r>
-          </a:p>
-          <a:p>
-            <a:r>
-              <a:rPr lang="en-US" dirty="0"/>
-              <a:t>All procedural and logical activities highlighted in stage 1 are carried out using Python</a:t>
-            </a:r>
-          </a:p>
-          <a:p>
-            <a:r>
-              <a:rPr lang="en-US" dirty="0"/>
-              <a:t>A front-end web developer will then create a webpage for user interaction.</a:t>
-            </a:r>
-          </a:p>
-          <a:p>
-            <a:r>
-              <a:rPr lang="en-US" dirty="0"/>
-              <a:t>The development and simulation is carried out in </a:t>
-            </a:r>
-            <a:r>
-              <a:rPr lang="en-US" dirty="0" err="1"/>
-              <a:t>Jupyter</a:t>
-            </a:r>
-            <a:r>
-              <a:rPr lang="en-US" dirty="0"/>
-              <a:t> Notebook.</a:t>
-            </a:r>
-          </a:p>
-          <a:p>
-            <a:r>
-              <a:rPr lang="en-US" dirty="0"/>
-              <a:t>The report is automatically available for download after the input information has been entered and submitted.</a:t>
-            </a:r>
-          </a:p>
-          <a:p>
-            <a:r>
-              <a:rPr lang="en-US" dirty="0"/>
-              <a:t>The python script can be viewed on </a:t>
-            </a:r>
-            <a:r>
-              <a:rPr lang="en-US" dirty="0" err="1">
-                <a:solidFill>
-                  <a:srgbClr val="0070C0"/>
-                </a:solidFill>
-                <a:hlinkClick r:id="rId4">
-                  <a:extLst>
-                    <a:ext uri="{A12FA001-AC4F-418D-AE19-62706E023703}">
-                      <ahyp:hlinkClr xmlns:ahyp="http://schemas.microsoft.com/office/drawing/2018/hyperlinkcolor" val="tx"/>
-                    </a:ext>
-                  </a:extLst>
-                </a:hlinkClick>
-              </a:rPr>
-              <a:t>Github</a:t>
-            </a:r>
-            <a:endParaRPr lang="en-US" dirty="0">
-              <a:solidFill>
-                <a:srgbClr val="0070C0"/>
-              </a:solidFill>
-            </a:endParaRPr>
-          </a:p>
-        </p:txBody>
-      </p:sp>
-      <p:sp>
-        <p:nvSpPr>
-          <p:cNvPr id="12" name="Oval 11">
-            <a:extLst>
-              <a:ext uri="{FF2B5EF4-FFF2-40B4-BE49-F238E27FC236}">
-                <a16:creationId xmlns:a16="http://schemas.microsoft.com/office/drawing/2014/main" id="{BA218FBC-B2D6-48CA-9289-C4110162EDAD}"/>
-              </a:ext>
-              <a:ext uri="{C183D7F6-B498-43B3-948B-1728B52AA6E4}">
-                <adec:decorative xmlns:adec="http://schemas.microsoft.com/office/drawing/2017/decorative" val="1"/>
-              </a:ext>
-            </a:extLst>
-          </p:cNvPr>
-          <p:cNvSpPr>
-            <a:spLocks noGrp="1" noRot="1" noChangeAspect="1" noMove="1" noResize="1" noEditPoints="1" noAdjustHandles="1" noChangeArrowheads="1" noChangeShapeType="1" noTextEdit="1"/>
-          </p:cNvSpPr>
-          <p:nvPr>
-            <p:extLst>
-              <p:ext uri="{386F3935-93C4-4BCD-93E2-E3B085C9AB24}">
-                <p16:designElem xmlns:p16="http://schemas.microsoft.com/office/powerpoint/2015/main" val="1"/>
-              </p:ext>
-            </p:extLst>
-          </p:nvPr>
-        </p:nvSpPr>
-        <p:spPr>
-          <a:xfrm>
-            <a:off x="11401725" y="6229681"/>
-            <a:ext cx="457200" cy="457200"/>
-          </a:xfrm>
-          <a:prstGeom prst="ellipse">
-            <a:avLst/>
-          </a:prstGeom>
-          <a:blipFill dpi="0" rotWithShape="1">
-            <a:blip r:embed="rId5">
-              <a:duotone>
-                <a:schemeClr val="accent1">
-                  <a:shade val="45000"/>
-                  <a:satMod val="135000"/>
-                </a:schemeClr>
-                <a:prstClr val="white"/>
-              </a:duotone>
-            </a:blip>
-            <a:srcRect/>
-            <a:tile tx="50800" ty="0" sx="85000" sy="85000" flip="none" algn="tl"/>
-          </a:blipFill>
-          <a:ln w="25400" cap="flat" cmpd="sng" algn="ctr">
-            <a:noFill/>
-            <a:prstDash val="solid"/>
-          </a:ln>
-          <a:effectLst/>
-        </p:spPr>
-        <p:txBody>
-          <a:bodyPr lIns="0" tIns="0" rIns="0" bIns="0" rtlCol="0" anchor="ctr"/>
-          <a:lstStyle/>
-          <a:p>
-            <a:pPr marL="0" marR="0" lvl="0" indent="0" algn="ctr" defTabSz="914400" eaLnBrk="1" fontAlgn="auto" latinLnBrk="0" hangingPunct="1">
-              <a:lnSpc>
-                <a:spcPct val="100000"/>
-              </a:lnSpc>
-              <a:spcBef>
-                <a:spcPts val="0"/>
-              </a:spcBef>
-              <a:spcAft>
-                <a:spcPts val="0"/>
-              </a:spcAft>
-              <a:buClrTx/>
-              <a:buSzTx/>
-              <a:buFontTx/>
-              <a:buNone/>
-              <a:tabLst/>
-              <a:defRPr/>
-            </a:pPr>
-            <a:endParaRPr kumimoji="0" lang="en-US" sz="2000" b="0" i="0" u="none" strike="noStrike" kern="0" cap="none" spc="0" normalizeH="0" baseline="0" noProof="0" dirty="0">
-              <a:ln>
-                <a:noFill/>
-              </a:ln>
-              <a:solidFill>
-                <a:prstClr val="white"/>
-              </a:solidFill>
-              <a:effectLst/>
-              <a:uLnTx/>
-              <a:uFillTx/>
-              <a:latin typeface="Rockwell Extra Bold" pitchFamily="18" charset="0"/>
-              <a:ea typeface="+mn-ea"/>
-              <a:cs typeface="+mn-cs"/>
-            </a:endParaRPr>
-          </a:p>
-        </p:txBody>
-      </p:sp>
-      <p:sp>
-        <p:nvSpPr>
-          <p:cNvPr id="14" name="Oval 13">
-            <a:extLst>
-              <a:ext uri="{FF2B5EF4-FFF2-40B4-BE49-F238E27FC236}">
-                <a16:creationId xmlns:a16="http://schemas.microsoft.com/office/drawing/2014/main" id="{2DED9084-49DA-4911-ACB7-5F9E4DEFA039}"/>
-              </a:ext>
-              <a:ext uri="{C183D7F6-B498-43B3-948B-1728B52AA6E4}">
-                <adec:decorative xmlns:adec="http://schemas.microsoft.com/office/drawing/2017/decorative" val="1"/>
-              </a:ext>
-            </a:extLst>
-          </p:cNvPr>
-          <p:cNvSpPr>
-            <a:spLocks noGrp="1" noRot="1" noChangeAspect="1" noMove="1" noResize="1" noEditPoints="1" noAdjustHandles="1" noChangeArrowheads="1" noChangeShapeType="1" noTextEdit="1"/>
-          </p:cNvSpPr>
-          <p:nvPr>
-            <p:extLst>
-              <p:ext uri="{386F3935-93C4-4BCD-93E2-E3B085C9AB24}">
-                <p16:designElem xmlns:p16="http://schemas.microsoft.com/office/powerpoint/2015/main" val="1"/>
-              </p:ext>
-            </p:extLst>
-          </p:nvPr>
-        </p:nvSpPr>
-        <p:spPr>
-          <a:xfrm>
-            <a:off x="11430918" y="6258874"/>
-            <a:ext cx="398813" cy="398815"/>
-          </a:xfrm>
-          <a:prstGeom prst="ellipse">
-            <a:avLst/>
-          </a:prstGeom>
-          <a:noFill/>
-          <a:ln w="12700" cap="flat" cmpd="sng" algn="ctr">
-            <a:solidFill>
-              <a:srgbClr val="FFFFFF"/>
-            </a:solidFill>
-            <a:prstDash val="solid"/>
-          </a:ln>
-          <a:effectLst/>
-        </p:spPr>
-        <p:txBody>
-          <a:bodyPr rtlCol="0" anchor="ctr"/>
-          <a:lstStyle/>
-          <a:p>
-            <a:pPr marL="0" marR="0" lvl="0" indent="0" algn="ctr" defTabSz="914400" eaLnBrk="1" fontAlgn="auto" latinLnBrk="0" hangingPunct="1">
-              <a:lnSpc>
-                <a:spcPct val="100000"/>
-              </a:lnSpc>
-              <a:spcBef>
-                <a:spcPts val="0"/>
-              </a:spcBef>
-              <a:spcAft>
-                <a:spcPts val="0"/>
-              </a:spcAft>
-              <a:buClrTx/>
-              <a:buSzTx/>
-              <a:buFontTx/>
-              <a:buNone/>
-              <a:tabLst/>
-              <a:defRPr/>
-            </a:pPr>
-            <a:endParaRPr kumimoji="0" lang="en-US" sz="1800" b="0" i="0" u="none" strike="noStrike" kern="0" cap="none" spc="0" normalizeH="0" baseline="0" noProof="0" dirty="0">
-              <a:ln>
-                <a:noFill/>
-              </a:ln>
-              <a:solidFill>
-                <a:prstClr val="white"/>
-              </a:solidFill>
-              <a:effectLst/>
-              <a:uLnTx/>
-              <a:uFillTx/>
-              <a:latin typeface="Calibri"/>
-              <a:ea typeface="+mn-ea"/>
-              <a:cs typeface="+mn-cs"/>
-            </a:endParaRPr>
-          </a:p>
-        </p:txBody>
-      </p:sp>
-    </p:spTree>
-    <p:extLst>
-      <p:ext uri="{BB962C8B-B14F-4D97-AF65-F5344CB8AC3E}">
-        <p14:creationId xmlns:p14="http://schemas.microsoft.com/office/powerpoint/2010/main" val="944279360"/>
-      </p:ext>
-    </p:extLst>
-  </p:cSld>
-  <p:clrMapOvr>
-    <a:masterClrMapping/>
-  </p:clrMapOvr>
-</p:sld>
-</file>
-
-<file path=ppt/slides/slide8.xml><?xml version="1.0" encoding="utf-8"?>
-<p:sld xmlns:a="http://schemas.openxmlformats.org/drawingml/2006/main" xmlns:r="http://schemas.openxmlformats.org/officeDocument/2006/relationships" xmlns:p="http://schemas.openxmlformats.org/presentationml/2006/main">
-  <p:cSld>
-    <p:bg>
-      <p:bgPr>
-        <a:solidFill>
-          <a:schemeClr val="bg1"/>
-        </a:solidFill>
-        <a:effectLst/>
-      </p:bgPr>
-    </p:bg>
-    <p:spTree>
-      <p:nvGrpSpPr>
-        <p:cNvPr id="1" name=""/>
-        <p:cNvGrpSpPr/>
-        <p:nvPr/>
-      </p:nvGrpSpPr>
-      <p:grpSpPr>
-        <a:xfrm>
-          <a:off x="0" y="0"/>
-          <a:ext cx="0" cy="0"/>
-          <a:chOff x="0" y="0"/>
-          <a:chExt cx="0" cy="0"/>
-        </a:xfrm>
-      </p:grpSpPr>
-      <p:sp>
-        <p:nvSpPr>
-          <p:cNvPr id="10" name="Rectangle 9">
-            <a:extLst>
-              <a:ext uri="{FF2B5EF4-FFF2-40B4-BE49-F238E27FC236}">
-                <a16:creationId xmlns:a16="http://schemas.microsoft.com/office/drawing/2014/main" id="{C9E61CF6-8F07-4962-9613-3E030E3AE360}"/>
-              </a:ext>
-              <a:ext uri="{C183D7F6-B498-43B3-948B-1728B52AA6E4}">
-                <adec:decorative xmlns:adec="http://schemas.microsoft.com/office/drawing/2017/decorative" val="1"/>
-              </a:ext>
-            </a:extLst>
-          </p:cNvPr>
-          <p:cNvSpPr>
-            <a:spLocks noGrp="1" noRot="1" noChangeAspect="1" noMove="1" noResize="1" noEditPoints="1" noAdjustHandles="1" noChangeArrowheads="1" noChangeShapeType="1" noTextEdit="1"/>
-          </p:cNvSpPr>
-          <p:nvPr>
-            <p:extLst>
-              <p:ext uri="{386F3935-93C4-4BCD-93E2-E3B085C9AB24}">
-                <p16:designElem xmlns:p16="http://schemas.microsoft.com/office/powerpoint/2015/main" val="1"/>
-              </p:ext>
-            </p:extLst>
-          </p:nvPr>
-        </p:nvSpPr>
-        <p:spPr>
-          <a:xfrm>
-            <a:off x="7836310" y="0"/>
-            <a:ext cx="4355689" cy="6857999"/>
-          </a:xfrm>
-          <a:prstGeom prst="rect">
-            <a:avLst/>
-          </a:prstGeom>
-          <a:blipFill dpi="0" rotWithShape="1">
-            <a:blip r:embed="rId2">
-              <a:alphaModFix amt="60000"/>
-              <a:lum bright="70000" contrast="-70000"/>
-              <a:extLst>
-                <a:ext uri="{BEBA8EAE-BF5A-486C-A8C5-ECC9F3942E4B}">
-                  <a14:imgProps xmlns:a14="http://schemas.microsoft.com/office/drawing/2010/main">
-                    <a14:imgLayer r:embed="rId3">
-                      <a14:imgEffect>
-                        <a14:sharpenSoften amount="61000"/>
-                      </a14:imgEffect>
-                    </a14:imgLayer>
-                  </a14:imgProps>
-                </a:ext>
-                <a:ext uri="{28A0092B-C50C-407E-A947-70E740481C1C}">
-                  <a14:useLocalDpi xmlns:a14="http://schemas.microsoft.com/office/drawing/2010/main" val="0"/>
-                </a:ext>
-              </a:extLst>
-            </a:blip>
-            <a:srcRect/>
-            <a:tile tx="0" ty="-704850" sx="92000" sy="89000" flip="xy" algn="ctr"/>
-          </a:blipFill>
-          <a:ln>
-            <a:noFill/>
-          </a:ln>
-        </p:spPr>
-        <p:style>
-          <a:lnRef idx="2">
-            <a:schemeClr val="accent1">
-              <a:shade val="50000"/>
-            </a:schemeClr>
-          </a:lnRef>
-          <a:fillRef idx="1">
-            <a:schemeClr val="accent1"/>
-          </a:fillRef>
-          <a:effectRef idx="0">
-            <a:schemeClr val="accent1"/>
-          </a:effectRef>
-          <a:fontRef idx="minor">
-            <a:schemeClr val="lt1"/>
-          </a:fontRef>
-        </p:style>
-        <p:txBody>
-          <a:bodyPr rtlCol="0" anchor="ctr"/>
-          <a:lstStyle/>
-          <a:p>
-            <a:pPr algn="ctr"/>
-            <a:endParaRPr lang="en-US"/>
-          </a:p>
-        </p:txBody>
-      </p:sp>
-      <p:sp>
-        <p:nvSpPr>
-          <p:cNvPr id="2" name="Title 1">
-            <a:extLst>
-              <a:ext uri="{FF2B5EF4-FFF2-40B4-BE49-F238E27FC236}">
-                <a16:creationId xmlns:a16="http://schemas.microsoft.com/office/drawing/2014/main" id="{72CBAFFB-7342-43FA-9A4E-A5B11A4EA61F}"/>
-              </a:ext>
-            </a:extLst>
-          </p:cNvPr>
-          <p:cNvSpPr>
-            <a:spLocks noGrp="1"/>
-          </p:cNvSpPr>
-          <p:nvPr>
-            <p:ph type="title"/>
-          </p:nvPr>
-        </p:nvSpPr>
-        <p:spPr>
-          <a:xfrm>
-            <a:off x="8479777" y="639763"/>
-            <a:ext cx="3196408" cy="5177377"/>
-          </a:xfrm>
-          <a:ln>
-            <a:noFill/>
-          </a:ln>
-        </p:spPr>
-        <p:txBody>
-          <a:bodyPr>
-            <a:normAutofit/>
-          </a:bodyPr>
-          <a:lstStyle/>
-          <a:p>
-            <a:r>
-              <a:rPr lang="en-US" sz="3400" dirty="0"/>
-              <a:t>VALUE PROPOSITIONS</a:t>
-            </a:r>
-          </a:p>
-        </p:txBody>
-      </p:sp>
-      <p:grpSp>
-        <p:nvGrpSpPr>
-          <p:cNvPr id="12" name="Group 11">
-            <a:extLst>
-              <a:ext uri="{FF2B5EF4-FFF2-40B4-BE49-F238E27FC236}">
-                <a16:creationId xmlns:a16="http://schemas.microsoft.com/office/drawing/2014/main" id="{693D30EF-116A-4B76-BB80-8E43340D4952}"/>
-              </a:ext>
-              <a:ext uri="{C183D7F6-B498-43B3-948B-1728B52AA6E4}">
-                <adec:decorative xmlns:adec="http://schemas.microsoft.com/office/drawing/2017/decorative" val="1"/>
-              </a:ext>
-            </a:extLst>
-          </p:cNvPr>
-          <p:cNvGrpSpPr>
-            <a:grpSpLocks noGrp="1" noUngrp="1" noRot="1" noChangeAspect="1" noMove="1" noResize="1"/>
-          </p:cNvGrpSpPr>
-          <p:nvPr>
-            <p:extLst>
-              <p:ext uri="{386F3935-93C4-4BCD-93E2-E3B085C9AB24}">
-                <p16:designElem xmlns:p16="http://schemas.microsoft.com/office/powerpoint/2015/main" val="1"/>
-              </p:ext>
-            </p:extLst>
-          </p:nvPr>
-        </p:nvGrpSpPr>
-        <p:grpSpPr>
-          <a:xfrm>
-            <a:off x="11401725" y="6229681"/>
-            <a:ext cx="457200" cy="457200"/>
-            <a:chOff x="11361456" y="6195813"/>
-            <a:chExt cx="548640" cy="548640"/>
-          </a:xfrm>
-        </p:grpSpPr>
-        <p:sp>
-          <p:nvSpPr>
-            <p:cNvPr id="13" name="Oval 12">
-              <a:extLst>
-                <a:ext uri="{FF2B5EF4-FFF2-40B4-BE49-F238E27FC236}">
-                  <a16:creationId xmlns:a16="http://schemas.microsoft.com/office/drawing/2014/main" id="{231DFC7B-4141-44FE-B9F9-8030DAD7CF7A}"/>
-                </a:ext>
-                <a:ext uri="{C183D7F6-B498-43B3-948B-1728B52AA6E4}">
-                  <adec:decorative xmlns:adec="http://schemas.microsoft.com/office/drawing/2017/decorative" val="1"/>
-                </a:ext>
-              </a:extLst>
-            </p:cNvPr>
-            <p:cNvSpPr/>
-            <p:nvPr>
-              <p:extLst>
-                <p:ext uri="{386F3935-93C4-4BCD-93E2-E3B085C9AB24}">
-                  <p16:designElem xmlns:p16="http://schemas.microsoft.com/office/powerpoint/2015/main" val="1"/>
-                </p:ext>
-              </p:extLst>
-            </p:nvPr>
-          </p:nvSpPr>
-          <p:spPr>
-            <a:xfrm>
-              <a:off x="11361456" y="6195813"/>
-              <a:ext cx="548640" cy="548640"/>
-            </a:xfrm>
-            <a:prstGeom prst="ellipse">
-              <a:avLst/>
-            </a:prstGeom>
-            <a:blipFill dpi="0" rotWithShape="1">
-              <a:blip r:embed="rId4">
-                <a:duotone>
-                  <a:schemeClr val="accent2">
-                    <a:shade val="45000"/>
-                    <a:satMod val="135000"/>
-                  </a:schemeClr>
-                  <a:prstClr val="white"/>
-                </a:duotone>
-              </a:blip>
-              <a:srcRect/>
-              <a:tile tx="50800" ty="0" sx="85000" sy="85000" flip="none" algn="tl"/>
-            </a:blipFill>
-            <a:ln w="25400" cap="flat" cmpd="sng" algn="ctr">
-              <a:noFill/>
-              <a:prstDash val="solid"/>
-            </a:ln>
-            <a:effectLst/>
-          </p:spPr>
-          <p:txBody>
-            <a:bodyPr lIns="0" tIns="0" rIns="0" bIns="0" rtlCol="0" anchor="ctr"/>
-            <a:lstStyle/>
-            <a:p>
-              <a:pPr marL="0" marR="0" lvl="0" indent="0" algn="ctr" defTabSz="914400" eaLnBrk="1" fontAlgn="auto" latinLnBrk="0" hangingPunct="1">
-                <a:lnSpc>
-                  <a:spcPct val="100000"/>
-                </a:lnSpc>
-                <a:spcBef>
-                  <a:spcPts val="0"/>
-                </a:spcBef>
-                <a:spcAft>
-                  <a:spcPts val="0"/>
-                </a:spcAft>
-                <a:buClrTx/>
-                <a:buSzTx/>
-                <a:buFontTx/>
-                <a:buNone/>
-                <a:tabLst/>
-                <a:defRPr/>
-              </a:pPr>
-              <a:endParaRPr kumimoji="0" lang="en-US" sz="2000" b="0" i="0" u="none" strike="noStrike" kern="0" cap="none" spc="0" normalizeH="0" baseline="0" noProof="0" dirty="0">
-                <a:ln>
-                  <a:noFill/>
-                </a:ln>
-                <a:solidFill>
-                  <a:prstClr val="white"/>
-                </a:solidFill>
-                <a:effectLst/>
-                <a:uLnTx/>
-                <a:uFillTx/>
-                <a:latin typeface="Rockwell Extra Bold" pitchFamily="18" charset="0"/>
-                <a:ea typeface="+mn-ea"/>
-                <a:cs typeface="+mn-cs"/>
-              </a:endParaRPr>
-            </a:p>
-          </p:txBody>
-        </p:sp>
-        <p:sp>
-          <p:nvSpPr>
-            <p:cNvPr id="14" name="Oval 13">
+            <p:cNvPr id="18" name="Oval 13">
               <a:extLst>
                 <a:ext uri="{FF2B5EF4-FFF2-40B4-BE49-F238E27FC236}">
                   <a16:creationId xmlns:a16="http://schemas.microsoft.com/office/drawing/2014/main" id="{661A8904-4FC3-442E-B6CF-CD2E9D4BFDFE}"/>
@@ -19050,7 +20183,7 @@
           <p:cNvPr id="5" name="Content Placeholder 2">
             <a:extLst>
               <a:ext uri="{FF2B5EF4-FFF2-40B4-BE49-F238E27FC236}">
-                <a16:creationId xmlns:a16="http://schemas.microsoft.com/office/drawing/2014/main" id="{7496466A-6F40-42C9-A685-9D17A7C4C956}"/>
+                <a16:creationId xmlns:a16="http://schemas.microsoft.com/office/drawing/2014/main" id="{3D39AE9A-0C0F-445B-9C0D-9A1EF3CC96EF}"/>
               </a:ext>
             </a:extLst>
           </p:cNvPr>
@@ -19061,25 +20194,25 @@
             <p:ph idx="1"/>
             <p:extLst>
               <p:ext uri="{D42A27DB-BD31-4B8C-83A1-F6EECF244321}">
-                <p14:modId xmlns:p14="http://schemas.microsoft.com/office/powerpoint/2010/main" val="1535098021"/>
+                <p14:modId xmlns:p14="http://schemas.microsoft.com/office/powerpoint/2010/main" val="432611100"/>
               </p:ext>
             </p:extLst>
           </p:nvPr>
         </p:nvGraphicFramePr>
         <p:xfrm>
-          <a:off x="362268" y="354495"/>
-          <a:ext cx="7140967" cy="6149009"/>
+          <a:off x="622300" y="639763"/>
+          <a:ext cx="6572250" cy="5588000"/>
         </p:xfrm>
         <a:graphic>
           <a:graphicData uri="http://schemas.openxmlformats.org/drawingml/2006/diagram">
-            <dgm:relIds xmlns:dgm="http://schemas.openxmlformats.org/drawingml/2006/diagram" xmlns:r="http://schemas.openxmlformats.org/officeDocument/2006/relationships" r:dm="rId5" r:lo="rId6" r:qs="rId7" r:cs="rId8"/>
+            <dgm:relIds xmlns:dgm="http://schemas.openxmlformats.org/drawingml/2006/diagram" xmlns:r="http://schemas.openxmlformats.org/officeDocument/2006/relationships" r:dm="rId6" r:lo="rId7" r:qs="rId8" r:cs="rId9"/>
           </a:graphicData>
         </a:graphic>
       </p:graphicFrame>
     </p:spTree>
     <p:extLst>
       <p:ext uri="{BB962C8B-B14F-4D97-AF65-F5344CB8AC3E}">
-        <p14:creationId xmlns:p14="http://schemas.microsoft.com/office/powerpoint/2010/main" val="2724451126"/>
+        <p14:creationId xmlns:p14="http://schemas.microsoft.com/office/powerpoint/2010/main" val="2346512099"/>
       </p:ext>
     </p:extLst>
   </p:cSld>
@@ -19089,7 +20222,7 @@
 </p:sld>
 </file>
 
-<file path=ppt/slides/slide9.xml><?xml version="1.0" encoding="utf-8"?>
+<file path=ppt/slides/slide11.xml><?xml version="1.0" encoding="utf-8"?>
 <p:sld xmlns:a="http://schemas.openxmlformats.org/drawingml/2006/main" xmlns:r="http://schemas.openxmlformats.org/officeDocument/2006/relationships" xmlns:p="http://schemas.openxmlformats.org/presentationml/2006/main">
   <p:cSld>
     <p:bg>
@@ -20290,6 +21423,3347 @@
 </p:sld>
 </file>
 
+<file path=ppt/slides/slide2.xml><?xml version="1.0" encoding="utf-8"?>
+<p:sld xmlns:a="http://schemas.openxmlformats.org/drawingml/2006/main" xmlns:r="http://schemas.openxmlformats.org/officeDocument/2006/relationships" xmlns:p="http://schemas.openxmlformats.org/presentationml/2006/main">
+  <p:cSld>
+    <p:bg>
+      <p:bgPr>
+        <a:solidFill>
+          <a:schemeClr val="bg1"/>
+        </a:solidFill>
+        <a:effectLst/>
+      </p:bgPr>
+    </p:bg>
+    <p:spTree>
+      <p:nvGrpSpPr>
+        <p:cNvPr id="1" name=""/>
+        <p:cNvGrpSpPr/>
+        <p:nvPr/>
+      </p:nvGrpSpPr>
+      <p:grpSpPr>
+        <a:xfrm>
+          <a:off x="0" y="0"/>
+          <a:ext cx="0" cy="0"/>
+          <a:chOff x="0" y="0"/>
+          <a:chExt cx="0" cy="0"/>
+        </a:xfrm>
+      </p:grpSpPr>
+      <p:sp>
+        <p:nvSpPr>
+          <p:cNvPr id="10" name="Rectangle 9">
+            <a:extLst>
+              <a:ext uri="{FF2B5EF4-FFF2-40B4-BE49-F238E27FC236}">
+                <a16:creationId xmlns:a16="http://schemas.microsoft.com/office/drawing/2014/main" id="{78BA6964-249A-42B6-A349-426A774A1B1A}"/>
+              </a:ext>
+              <a:ext uri="{C183D7F6-B498-43B3-948B-1728B52AA6E4}">
+                <adec:decorative xmlns:adec="http://schemas.microsoft.com/office/drawing/2017/decorative" val="1"/>
+              </a:ext>
+            </a:extLst>
+          </p:cNvPr>
+          <p:cNvSpPr>
+            <a:spLocks noGrp="1" noRot="1" noChangeAspect="1" noMove="1" noResize="1" noEditPoints="1" noAdjustHandles="1" noChangeArrowheads="1" noChangeShapeType="1" noTextEdit="1"/>
+          </p:cNvSpPr>
+          <p:nvPr>
+            <p:extLst>
+              <p:ext uri="{386F3935-93C4-4BCD-93E2-E3B085C9AB24}">
+                <p16:designElem xmlns:p16="http://schemas.microsoft.com/office/powerpoint/2015/main" val="1"/>
+              </p:ext>
+            </p:extLst>
+          </p:nvPr>
+        </p:nvSpPr>
+        <p:spPr>
+          <a:xfrm>
+            <a:off x="0" y="0"/>
+            <a:ext cx="7545274" cy="6857999"/>
+          </a:xfrm>
+          <a:prstGeom prst="rect">
+            <a:avLst/>
+          </a:prstGeom>
+          <a:blipFill dpi="0" rotWithShape="1">
+            <a:blip r:embed="rId2">
+              <a:alphaModFix amt="60000"/>
+              <a:lum bright="70000" contrast="-70000"/>
+              <a:extLst>
+                <a:ext uri="{BEBA8EAE-BF5A-486C-A8C5-ECC9F3942E4B}">
+                  <a14:imgProps xmlns:a14="http://schemas.microsoft.com/office/drawing/2010/main">
+                    <a14:imgLayer r:embed="rId3">
+                      <a14:imgEffect>
+                        <a14:sharpenSoften amount="61000"/>
+                      </a14:imgEffect>
+                    </a14:imgLayer>
+                  </a14:imgProps>
+                </a:ext>
+                <a:ext uri="{28A0092B-C50C-407E-A947-70E740481C1C}">
+                  <a14:useLocalDpi xmlns:a14="http://schemas.microsoft.com/office/drawing/2010/main" val="0"/>
+                </a:ext>
+              </a:extLst>
+            </a:blip>
+            <a:srcRect/>
+            <a:tile tx="0" ty="-704850" sx="92000" sy="89000" flip="xy" algn="ctr"/>
+          </a:blipFill>
+          <a:ln>
+            <a:noFill/>
+          </a:ln>
+        </p:spPr>
+        <p:style>
+          <a:lnRef idx="2">
+            <a:schemeClr val="accent1">
+              <a:shade val="50000"/>
+            </a:schemeClr>
+          </a:lnRef>
+          <a:fillRef idx="1">
+            <a:schemeClr val="accent1"/>
+          </a:fillRef>
+          <a:effectRef idx="0">
+            <a:schemeClr val="accent1"/>
+          </a:effectRef>
+          <a:fontRef idx="minor">
+            <a:schemeClr val="lt1"/>
+          </a:fontRef>
+        </p:style>
+        <p:txBody>
+          <a:bodyPr rtlCol="0" anchor="ctr"/>
+          <a:lstStyle/>
+          <a:p>
+            <a:pPr algn="ctr"/>
+            <a:endParaRPr lang="en-US"/>
+          </a:p>
+        </p:txBody>
+      </p:sp>
+      <p:sp>
+        <p:nvSpPr>
+          <p:cNvPr id="2" name="Title 1">
+            <a:extLst>
+              <a:ext uri="{FF2B5EF4-FFF2-40B4-BE49-F238E27FC236}">
+                <a16:creationId xmlns:a16="http://schemas.microsoft.com/office/drawing/2014/main" id="{EA2E72FF-A9CE-494B-BB5A-A434EAE3C3D1}"/>
+              </a:ext>
+            </a:extLst>
+          </p:cNvPr>
+          <p:cNvSpPr>
+            <a:spLocks noGrp="1"/>
+          </p:cNvSpPr>
+          <p:nvPr>
+            <p:ph type="title"/>
+          </p:nvPr>
+        </p:nvSpPr>
+        <p:spPr>
+          <a:xfrm>
+            <a:off x="382280" y="484632"/>
+            <a:ext cx="6743844" cy="1609344"/>
+          </a:xfrm>
+        </p:spPr>
+        <p:txBody>
+          <a:bodyPr>
+            <a:normAutofit/>
+          </a:bodyPr>
+          <a:lstStyle/>
+          <a:p>
+            <a:r>
+              <a:rPr lang="en-US" dirty="0"/>
+              <a:t>GitHub Links to files and </a:t>
+            </a:r>
+            <a:r>
+              <a:rPr lang="en-US"/>
+              <a:t>Sripts</a:t>
+            </a:r>
+            <a:endParaRPr lang="en-US" dirty="0"/>
+          </a:p>
+        </p:txBody>
+      </p:sp>
+      <p:sp>
+        <p:nvSpPr>
+          <p:cNvPr id="3" name="Content Placeholder 2">
+            <a:extLst>
+              <a:ext uri="{FF2B5EF4-FFF2-40B4-BE49-F238E27FC236}">
+                <a16:creationId xmlns:a16="http://schemas.microsoft.com/office/drawing/2014/main" id="{7DF73CCB-8F37-4901-9837-213BED9F1528}"/>
+              </a:ext>
+            </a:extLst>
+          </p:cNvPr>
+          <p:cNvSpPr>
+            <a:spLocks noGrp="1"/>
+          </p:cNvSpPr>
+          <p:nvPr>
+            <p:ph idx="1"/>
+          </p:nvPr>
+        </p:nvSpPr>
+        <p:spPr>
+          <a:xfrm>
+            <a:off x="382279" y="2121408"/>
+            <a:ext cx="6743845" cy="4050792"/>
+          </a:xfrm>
+        </p:spPr>
+        <p:txBody>
+          <a:bodyPr>
+            <a:normAutofit/>
+          </a:bodyPr>
+          <a:lstStyle/>
+          <a:p>
+            <a:r>
+              <a:rPr lang="en-US" sz="1800">
+                <a:hlinkClick r:id="rId4">
+                  <a:extLst>
+                    <a:ext uri="{A12FA001-AC4F-418D-AE19-62706E023703}">
+                      <ahyp:hlinkClr xmlns:ahyp="http://schemas.microsoft.com/office/drawing/2018/hyperlinkcolor" val="tx"/>
+                    </a:ext>
+                  </a:extLst>
+                </a:hlinkClick>
+              </a:rPr>
+              <a:t>VBA Excel-based implementation</a:t>
+            </a:r>
+            <a:endParaRPr lang="en-US" sz="1800"/>
+          </a:p>
+          <a:p>
+            <a:r>
+              <a:rPr lang="en-US" sz="1800">
+                <a:hlinkClick r:id="rId5">
+                  <a:extLst>
+                    <a:ext uri="{A12FA001-AC4F-418D-AE19-62706E023703}">
+                      <ahyp:hlinkClr xmlns:ahyp="http://schemas.microsoft.com/office/drawing/2018/hyperlinkcolor" val="tx"/>
+                    </a:ext>
+                  </a:extLst>
+                </a:hlinkClick>
+              </a:rPr>
+              <a:t>Python-based implementation</a:t>
+            </a:r>
+            <a:endParaRPr lang="en-US" sz="1800"/>
+          </a:p>
+          <a:p>
+            <a:r>
+              <a:rPr lang="en-US" sz="1800">
+                <a:hlinkClick r:id="rId6">
+                  <a:extLst>
+                    <a:ext uri="{A12FA001-AC4F-418D-AE19-62706E023703}">
+                      <ahyp:hlinkClr xmlns:ahyp="http://schemas.microsoft.com/office/drawing/2018/hyperlinkcolor" val="tx"/>
+                    </a:ext>
+                  </a:extLst>
+                </a:hlinkClick>
+              </a:rPr>
+              <a:t>Flowchart for python-based implementation</a:t>
+            </a:r>
+            <a:endParaRPr lang="en-US" sz="1800"/>
+          </a:p>
+          <a:p>
+            <a:r>
+              <a:rPr lang="en-US" sz="1800">
+                <a:hlinkClick r:id="rId7">
+                  <a:extLst>
+                    <a:ext uri="{A12FA001-AC4F-418D-AE19-62706E023703}">
+                      <ahyp:hlinkClr xmlns:ahyp="http://schemas.microsoft.com/office/drawing/2018/hyperlinkcolor" val="tx"/>
+                    </a:ext>
+                  </a:extLst>
+                </a:hlinkClick>
+              </a:rPr>
+              <a:t>Sample output workbook</a:t>
+            </a:r>
+            <a:endParaRPr lang="en-US" sz="1800"/>
+          </a:p>
+        </p:txBody>
+      </p:sp>
+      <p:pic>
+        <p:nvPicPr>
+          <p:cNvPr id="7" name="Graphic 6" descr="Dataflows">
+            <a:extLst>
+              <a:ext uri="{FF2B5EF4-FFF2-40B4-BE49-F238E27FC236}">
+                <a16:creationId xmlns:a16="http://schemas.microsoft.com/office/drawing/2014/main" id="{C8C3F453-8204-4C23-B9E2-6BF67E72DF5B}"/>
+              </a:ext>
+            </a:extLst>
+          </p:cNvPr>
+          <p:cNvPicPr>
+            <a:picLocks noChangeAspect="1"/>
+          </p:cNvPicPr>
+          <p:nvPr/>
+        </p:nvPicPr>
+        <p:blipFill>
+          <a:blip r:embed="rId8">
+            <a:extLst>
+              <a:ext uri="{28A0092B-C50C-407E-A947-70E740481C1C}">
+                <a14:useLocalDpi xmlns:a14="http://schemas.microsoft.com/office/drawing/2010/main" val="0"/>
+              </a:ext>
+              <a:ext uri="{96DAC541-7B7A-43D3-8B79-37D633B846F1}">
+                <asvg:svgBlip xmlns:asvg="http://schemas.microsoft.com/office/drawing/2016/SVG/main" r:embed="rId9"/>
+              </a:ext>
+            </a:extLst>
+          </a:blip>
+          <a:stretch>
+            <a:fillRect/>
+          </a:stretch>
+        </p:blipFill>
+        <p:spPr>
+          <a:xfrm>
+            <a:off x="8203460" y="1595727"/>
+            <a:ext cx="3369177" cy="3369177"/>
+          </a:xfrm>
+          <a:prstGeom prst="rect">
+            <a:avLst/>
+          </a:prstGeom>
+        </p:spPr>
+      </p:pic>
+      <p:grpSp>
+        <p:nvGrpSpPr>
+          <p:cNvPr id="12" name="Group 11">
+            <a:extLst>
+              <a:ext uri="{FF2B5EF4-FFF2-40B4-BE49-F238E27FC236}">
+                <a16:creationId xmlns:a16="http://schemas.microsoft.com/office/drawing/2014/main" id="{BD0B695D-00F7-4E5A-8137-9A25014B6E07}"/>
+              </a:ext>
+              <a:ext uri="{C183D7F6-B498-43B3-948B-1728B52AA6E4}">
+                <adec:decorative xmlns:adec="http://schemas.microsoft.com/office/drawing/2017/decorative" val="1"/>
+              </a:ext>
+            </a:extLst>
+          </p:cNvPr>
+          <p:cNvGrpSpPr>
+            <a:grpSpLocks noGrp="1" noUngrp="1" noRot="1" noChangeAspect="1" noMove="1" noResize="1"/>
+          </p:cNvGrpSpPr>
+          <p:nvPr>
+            <p:extLst>
+              <p:ext uri="{386F3935-93C4-4BCD-93E2-E3B085C9AB24}">
+                <p16:designElem xmlns:p16="http://schemas.microsoft.com/office/powerpoint/2015/main" val="1"/>
+              </p:ext>
+            </p:extLst>
+          </p:nvPr>
+        </p:nvGrpSpPr>
+        <p:grpSpPr>
+          <a:xfrm>
+            <a:off x="11401725" y="6229681"/>
+            <a:ext cx="457200" cy="457200"/>
+            <a:chOff x="11361456" y="6195813"/>
+            <a:chExt cx="548640" cy="548640"/>
+          </a:xfrm>
+        </p:grpSpPr>
+        <p:sp>
+          <p:nvSpPr>
+            <p:cNvPr id="13" name="Oval 12">
+              <a:extLst>
+                <a:ext uri="{FF2B5EF4-FFF2-40B4-BE49-F238E27FC236}">
+                  <a16:creationId xmlns:a16="http://schemas.microsoft.com/office/drawing/2014/main" id="{7C0F04FA-7C78-4947-8588-A6CF8DA1EB3F}"/>
+                </a:ext>
+                <a:ext uri="{C183D7F6-B498-43B3-948B-1728B52AA6E4}">
+                  <adec:decorative xmlns:adec="http://schemas.microsoft.com/office/drawing/2017/decorative" val="1"/>
+                </a:ext>
+              </a:extLst>
+            </p:cNvPr>
+            <p:cNvSpPr/>
+            <p:nvPr>
+              <p:extLst>
+                <p:ext uri="{386F3935-93C4-4BCD-93E2-E3B085C9AB24}">
+                  <p16:designElem xmlns:p16="http://schemas.microsoft.com/office/powerpoint/2015/main" val="1"/>
+                </p:ext>
+              </p:extLst>
+            </p:nvPr>
+          </p:nvSpPr>
+          <p:spPr>
+            <a:xfrm>
+              <a:off x="11361456" y="6195813"/>
+              <a:ext cx="548640" cy="548640"/>
+            </a:xfrm>
+            <a:prstGeom prst="ellipse">
+              <a:avLst/>
+            </a:prstGeom>
+            <a:blipFill dpi="0" rotWithShape="1">
+              <a:blip r:embed="rId10">
+                <a:duotone>
+                  <a:schemeClr val="accent2">
+                    <a:shade val="45000"/>
+                    <a:satMod val="135000"/>
+                  </a:schemeClr>
+                  <a:prstClr val="white"/>
+                </a:duotone>
+              </a:blip>
+              <a:srcRect/>
+              <a:tile tx="50800" ty="0" sx="85000" sy="85000" flip="none" algn="tl"/>
+            </a:blipFill>
+            <a:ln w="25400" cap="flat" cmpd="sng" algn="ctr">
+              <a:noFill/>
+              <a:prstDash val="solid"/>
+            </a:ln>
+            <a:effectLst/>
+          </p:spPr>
+          <p:txBody>
+            <a:bodyPr lIns="0" tIns="0" rIns="0" bIns="0" rtlCol="0" anchor="ctr"/>
+            <a:lstStyle/>
+            <a:p>
+              <a:pPr marL="0" marR="0" lvl="0" indent="0" algn="ctr" defTabSz="914400" eaLnBrk="1" fontAlgn="auto" latinLnBrk="0" hangingPunct="1">
+                <a:lnSpc>
+                  <a:spcPct val="100000"/>
+                </a:lnSpc>
+                <a:spcBef>
+                  <a:spcPts val="0"/>
+                </a:spcBef>
+                <a:spcAft>
+                  <a:spcPts val="0"/>
+                </a:spcAft>
+                <a:buClrTx/>
+                <a:buSzTx/>
+                <a:buFontTx/>
+                <a:buNone/>
+                <a:tabLst/>
+                <a:defRPr/>
+              </a:pPr>
+              <a:endParaRPr kumimoji="0" lang="en-US" sz="2000" b="0" i="0" u="none" strike="noStrike" kern="0" cap="none" spc="0" normalizeH="0" baseline="0" noProof="0" dirty="0">
+                <a:ln>
+                  <a:noFill/>
+                </a:ln>
+                <a:solidFill>
+                  <a:prstClr val="white"/>
+                </a:solidFill>
+                <a:effectLst/>
+                <a:uLnTx/>
+                <a:uFillTx/>
+                <a:latin typeface="Rockwell Extra Bold" pitchFamily="18" charset="0"/>
+                <a:ea typeface="+mn-ea"/>
+                <a:cs typeface="+mn-cs"/>
+              </a:endParaRPr>
+            </a:p>
+          </p:txBody>
+        </p:sp>
+        <p:sp>
+          <p:nvSpPr>
+            <p:cNvPr id="14" name="Oval 13">
+              <a:extLst>
+                <a:ext uri="{FF2B5EF4-FFF2-40B4-BE49-F238E27FC236}">
+                  <a16:creationId xmlns:a16="http://schemas.microsoft.com/office/drawing/2014/main" id="{51D67843-2635-4E72-B61A-4202F9E17F71}"/>
+                </a:ext>
+                <a:ext uri="{C183D7F6-B498-43B3-948B-1728B52AA6E4}">
+                  <adec:decorative xmlns:adec="http://schemas.microsoft.com/office/drawing/2017/decorative" val="1"/>
+                </a:ext>
+              </a:extLst>
+            </p:cNvPr>
+            <p:cNvSpPr/>
+            <p:nvPr>
+              <p:extLst>
+                <p:ext uri="{386F3935-93C4-4BCD-93E2-E3B085C9AB24}">
+                  <p16:designElem xmlns:p16="http://schemas.microsoft.com/office/powerpoint/2015/main" val="1"/>
+                </p:ext>
+              </p:extLst>
+            </p:nvPr>
+          </p:nvSpPr>
+          <p:spPr>
+            <a:xfrm>
+              <a:off x="11396488" y="6230844"/>
+              <a:ext cx="478576" cy="478578"/>
+            </a:xfrm>
+            <a:prstGeom prst="ellipse">
+              <a:avLst/>
+            </a:prstGeom>
+            <a:noFill/>
+            <a:ln w="12700" cap="flat" cmpd="sng" algn="ctr">
+              <a:solidFill>
+                <a:srgbClr val="FFFFFF"/>
+              </a:solidFill>
+              <a:prstDash val="solid"/>
+            </a:ln>
+            <a:effectLst/>
+          </p:spPr>
+          <p:txBody>
+            <a:bodyPr rtlCol="0" anchor="ctr"/>
+            <a:lstStyle/>
+            <a:p>
+              <a:pPr marL="0" marR="0" lvl="0" indent="0" algn="ctr" defTabSz="914400" eaLnBrk="1" fontAlgn="auto" latinLnBrk="0" hangingPunct="1">
+                <a:lnSpc>
+                  <a:spcPct val="100000"/>
+                </a:lnSpc>
+                <a:spcBef>
+                  <a:spcPts val="0"/>
+                </a:spcBef>
+                <a:spcAft>
+                  <a:spcPts val="0"/>
+                </a:spcAft>
+                <a:buClrTx/>
+                <a:buSzTx/>
+                <a:buFontTx/>
+                <a:buNone/>
+                <a:tabLst/>
+                <a:defRPr/>
+              </a:pPr>
+              <a:endParaRPr kumimoji="0" lang="en-US" sz="1800" b="0" i="0" u="none" strike="noStrike" kern="0" cap="none" spc="0" normalizeH="0" baseline="0" noProof="0" dirty="0">
+                <a:ln>
+                  <a:noFill/>
+                </a:ln>
+                <a:solidFill>
+                  <a:prstClr val="white"/>
+                </a:solidFill>
+                <a:effectLst/>
+                <a:uLnTx/>
+                <a:uFillTx/>
+                <a:latin typeface="Calibri"/>
+                <a:ea typeface="+mn-ea"/>
+                <a:cs typeface="+mn-cs"/>
+              </a:endParaRPr>
+            </a:p>
+          </p:txBody>
+        </p:sp>
+      </p:grpSp>
+      <p:sp>
+        <p:nvSpPr>
+          <p:cNvPr id="16" name="Slide Number Placeholder 6">
+            <a:extLst>
+              <a:ext uri="{FF2B5EF4-FFF2-40B4-BE49-F238E27FC236}">
+                <a16:creationId xmlns:a16="http://schemas.microsoft.com/office/drawing/2014/main" id="{4FF3ABA2-C942-48D8-87FE-7625DE11FF65}"/>
+              </a:ext>
+              <a:ext uri="{C183D7F6-B498-43B3-948B-1728B52AA6E4}">
+                <adec:decorative xmlns:adec="http://schemas.microsoft.com/office/drawing/2017/decorative" val="1"/>
+              </a:ext>
+            </a:extLst>
+          </p:cNvPr>
+          <p:cNvSpPr txBox="1">
+            <a:spLocks noGrp="1" noRot="1" noChangeAspect="1" noMove="1" noResize="1" noEditPoints="1" noAdjustHandles="1" noChangeArrowheads="1" noChangeShapeType="1" noTextEdit="1"/>
+          </p:cNvSpPr>
+          <p:nvPr>
+            <p:extLst>
+              <p:ext uri="{386F3935-93C4-4BCD-93E2-E3B085C9AB24}">
+                <p16:designElem xmlns:p16="http://schemas.microsoft.com/office/powerpoint/2015/main" val="1"/>
+              </p:ext>
+            </p:extLst>
+          </p:nvPr>
+        </p:nvSpPr>
+        <p:spPr>
+          <a:xfrm>
+            <a:off x="11320181" y="6272783"/>
+            <a:ext cx="640080" cy="365125"/>
+          </a:xfrm>
+          <a:prstGeom prst="rect">
+            <a:avLst/>
+          </a:prstGeom>
+        </p:spPr>
+        <p:txBody>
+          <a:bodyPr vert="horz" lIns="91440" tIns="45720" rIns="91440" bIns="45720" rtlCol="0" anchor="ctr"/>
+          <a:lstStyle>
+            <a:defPPr>
+              <a:defRPr lang="en-US"/>
+            </a:defPPr>
+            <a:lvl1pPr marL="0" algn="ctr" defTabSz="914400" rtl="0" eaLnBrk="1" latinLnBrk="0" hangingPunct="1">
+              <a:defRPr sz="1400" b="1" kern="1200">
+                <a:solidFill>
+                  <a:srgbClr val="FFFFFF"/>
+                </a:solidFill>
+                <a:latin typeface="+mj-lt"/>
+                <a:ea typeface="+mn-ea"/>
+                <a:cs typeface="+mn-cs"/>
+              </a:defRPr>
+            </a:lvl1pPr>
+            <a:lvl2pPr marL="457200" algn="l" defTabSz="914400" rtl="0" eaLnBrk="1" latinLnBrk="0" hangingPunct="1">
+              <a:defRPr sz="1800" kern="1200">
+                <a:solidFill>
+                  <a:schemeClr val="tx1"/>
+                </a:solidFill>
+                <a:latin typeface="+mn-lt"/>
+                <a:ea typeface="+mn-ea"/>
+                <a:cs typeface="+mn-cs"/>
+              </a:defRPr>
+            </a:lvl2pPr>
+            <a:lvl3pPr marL="914400" algn="l" defTabSz="914400" rtl="0" eaLnBrk="1" latinLnBrk="0" hangingPunct="1">
+              <a:defRPr sz="1800" kern="1200">
+                <a:solidFill>
+                  <a:schemeClr val="tx1"/>
+                </a:solidFill>
+                <a:latin typeface="+mn-lt"/>
+                <a:ea typeface="+mn-ea"/>
+                <a:cs typeface="+mn-cs"/>
+              </a:defRPr>
+            </a:lvl3pPr>
+            <a:lvl4pPr marL="1371600" algn="l" defTabSz="914400" rtl="0" eaLnBrk="1" latinLnBrk="0" hangingPunct="1">
+              <a:defRPr sz="1800" kern="1200">
+                <a:solidFill>
+                  <a:schemeClr val="tx1"/>
+                </a:solidFill>
+                <a:latin typeface="+mn-lt"/>
+                <a:ea typeface="+mn-ea"/>
+                <a:cs typeface="+mn-cs"/>
+              </a:defRPr>
+            </a:lvl4pPr>
+            <a:lvl5pPr marL="1828800" algn="l" defTabSz="914400" rtl="0" eaLnBrk="1" latinLnBrk="0" hangingPunct="1">
+              <a:defRPr sz="1800" kern="1200">
+                <a:solidFill>
+                  <a:schemeClr val="tx1"/>
+                </a:solidFill>
+                <a:latin typeface="+mn-lt"/>
+                <a:ea typeface="+mn-ea"/>
+                <a:cs typeface="+mn-cs"/>
+              </a:defRPr>
+            </a:lvl5pPr>
+            <a:lvl6pPr marL="2286000" algn="l" defTabSz="914400" rtl="0" eaLnBrk="1" latinLnBrk="0" hangingPunct="1">
+              <a:defRPr sz="1800" kern="1200">
+                <a:solidFill>
+                  <a:schemeClr val="tx1"/>
+                </a:solidFill>
+                <a:latin typeface="+mn-lt"/>
+                <a:ea typeface="+mn-ea"/>
+                <a:cs typeface="+mn-cs"/>
+              </a:defRPr>
+            </a:lvl6pPr>
+            <a:lvl7pPr marL="2743200" algn="l" defTabSz="914400" rtl="0" eaLnBrk="1" latinLnBrk="0" hangingPunct="1">
+              <a:defRPr sz="1800" kern="1200">
+                <a:solidFill>
+                  <a:schemeClr val="tx1"/>
+                </a:solidFill>
+                <a:latin typeface="+mn-lt"/>
+                <a:ea typeface="+mn-ea"/>
+                <a:cs typeface="+mn-cs"/>
+              </a:defRPr>
+            </a:lvl7pPr>
+            <a:lvl8pPr marL="3200400" algn="l" defTabSz="914400" rtl="0" eaLnBrk="1" latinLnBrk="0" hangingPunct="1">
+              <a:defRPr sz="1800" kern="1200">
+                <a:solidFill>
+                  <a:schemeClr val="tx1"/>
+                </a:solidFill>
+                <a:latin typeface="+mn-lt"/>
+                <a:ea typeface="+mn-ea"/>
+                <a:cs typeface="+mn-cs"/>
+              </a:defRPr>
+            </a:lvl8pPr>
+            <a:lvl9pPr marL="3657600" algn="l" defTabSz="914400" rtl="0" eaLnBrk="1" latinLnBrk="0" hangingPunct="1">
+              <a:defRPr sz="1800" kern="1200">
+                <a:solidFill>
+                  <a:schemeClr val="tx1"/>
+                </a:solidFill>
+                <a:latin typeface="+mn-lt"/>
+                <a:ea typeface="+mn-ea"/>
+                <a:cs typeface="+mn-cs"/>
+              </a:defRPr>
+            </a:lvl9pPr>
+          </a:lstStyle>
+          <a:p>
+            <a:endParaRPr lang="en-US" dirty="0"/>
+          </a:p>
+        </p:txBody>
+      </p:sp>
+    </p:spTree>
+    <p:extLst>
+      <p:ext uri="{BB962C8B-B14F-4D97-AF65-F5344CB8AC3E}">
+        <p14:creationId xmlns:p14="http://schemas.microsoft.com/office/powerpoint/2010/main" val="2663434044"/>
+      </p:ext>
+    </p:extLst>
+  </p:cSld>
+  <p:clrMapOvr>
+    <a:masterClrMapping/>
+  </p:clrMapOvr>
+</p:sld>
+</file>
+
+<file path=ppt/slides/slide3.xml><?xml version="1.0" encoding="utf-8"?>
+<p:sld xmlns:a="http://schemas.openxmlformats.org/drawingml/2006/main" xmlns:r="http://schemas.openxmlformats.org/officeDocument/2006/relationships" xmlns:p="http://schemas.openxmlformats.org/presentationml/2006/main">
+  <p:cSld>
+    <p:bg>
+      <p:bgPr>
+        <a:solidFill>
+          <a:schemeClr val="bg1"/>
+        </a:solidFill>
+        <a:effectLst/>
+      </p:bgPr>
+    </p:bg>
+    <p:spTree>
+      <p:nvGrpSpPr>
+        <p:cNvPr id="1" name=""/>
+        <p:cNvGrpSpPr/>
+        <p:nvPr/>
+      </p:nvGrpSpPr>
+      <p:grpSpPr>
+        <a:xfrm>
+          <a:off x="0" y="0"/>
+          <a:ext cx="0" cy="0"/>
+          <a:chOff x="0" y="0"/>
+          <a:chExt cx="0" cy="0"/>
+        </a:xfrm>
+      </p:grpSpPr>
+      <p:sp>
+        <p:nvSpPr>
+          <p:cNvPr id="2" name="Title 1">
+            <a:extLst>
+              <a:ext uri="{FF2B5EF4-FFF2-40B4-BE49-F238E27FC236}">
+                <a16:creationId xmlns:a16="http://schemas.microsoft.com/office/drawing/2014/main" id="{D31AF4AB-96B2-4BDC-B108-ED19C830853C}"/>
+              </a:ext>
+            </a:extLst>
+          </p:cNvPr>
+          <p:cNvSpPr>
+            <a:spLocks noGrp="1"/>
+          </p:cNvSpPr>
+          <p:nvPr>
+            <p:ph type="title"/>
+          </p:nvPr>
+        </p:nvSpPr>
+        <p:spPr>
+          <a:xfrm>
+            <a:off x="1069848" y="484632"/>
+            <a:ext cx="10058400" cy="1609344"/>
+          </a:xfrm>
+        </p:spPr>
+        <p:txBody>
+          <a:bodyPr>
+            <a:normAutofit/>
+          </a:bodyPr>
+          <a:lstStyle/>
+          <a:p>
+            <a:r>
+              <a:rPr lang="en-GB"/>
+              <a:t>BACKGROUND</a:t>
+            </a:r>
+            <a:endParaRPr lang="en-US"/>
+          </a:p>
+        </p:txBody>
+      </p:sp>
+      <p:sp>
+        <p:nvSpPr>
+          <p:cNvPr id="7" name="Rectangle 9">
+            <a:extLst>
+              <a:ext uri="{FF2B5EF4-FFF2-40B4-BE49-F238E27FC236}">
+                <a16:creationId xmlns:a16="http://schemas.microsoft.com/office/drawing/2014/main" id="{73FAFB3F-DE4E-478C-9ECA-E9FAAE5A7A56}"/>
+              </a:ext>
+              <a:ext uri="{C183D7F6-B498-43B3-948B-1728B52AA6E4}">
+                <adec:decorative xmlns:adec="http://schemas.microsoft.com/office/drawing/2017/decorative" val="1"/>
+              </a:ext>
+            </a:extLst>
+          </p:cNvPr>
+          <p:cNvSpPr>
+            <a:spLocks noGrp="1" noRot="1" noChangeAspect="1" noMove="1" noResize="1" noEditPoints="1" noAdjustHandles="1" noChangeArrowheads="1" noChangeShapeType="1" noTextEdit="1"/>
+          </p:cNvSpPr>
+          <p:nvPr>
+            <p:extLst>
+              <p:ext uri="{386F3935-93C4-4BCD-93E2-E3B085C9AB24}">
+                <p16:designElem xmlns:p16="http://schemas.microsoft.com/office/powerpoint/2015/main" val="1"/>
+              </p:ext>
+            </p:extLst>
+          </p:nvPr>
+        </p:nvSpPr>
+        <p:spPr>
+          <a:xfrm>
+            <a:off x="1066800" y="2013293"/>
+            <a:ext cx="10058400" cy="80683"/>
+          </a:xfrm>
+          <a:prstGeom prst="rect">
+            <a:avLst/>
+          </a:prstGeom>
+          <a:blipFill dpi="0" rotWithShape="1">
+            <a:blip r:embed="rId2">
+              <a:alphaModFix amt="85000"/>
+              <a:lum bright="70000" contrast="-70000"/>
+              <a:extLst>
+                <a:ext uri="{BEBA8EAE-BF5A-486C-A8C5-ECC9F3942E4B}">
+                  <a14:imgProps xmlns:a14="http://schemas.microsoft.com/office/drawing/2010/main">
+                    <a14:imgLayer r:embed="rId3">
+                      <a14:imgEffect>
+                        <a14:sharpenSoften amount="61000"/>
+                      </a14:imgEffect>
+                    </a14:imgLayer>
+                  </a14:imgProps>
+                </a:ext>
+                <a:ext uri="{28A0092B-C50C-407E-A947-70E740481C1C}">
+                  <a14:useLocalDpi xmlns:a14="http://schemas.microsoft.com/office/drawing/2010/main" val="0"/>
+                </a:ext>
+              </a:extLst>
+            </a:blip>
+            <a:srcRect/>
+            <a:tile tx="0" ty="-762000" sx="92000" sy="89000" flip="xy" algn="ctr"/>
+          </a:blipFill>
+          <a:ln>
+            <a:noFill/>
+          </a:ln>
+        </p:spPr>
+        <p:style>
+          <a:lnRef idx="2">
+            <a:schemeClr val="accent1">
+              <a:shade val="50000"/>
+            </a:schemeClr>
+          </a:lnRef>
+          <a:fillRef idx="1">
+            <a:schemeClr val="accent1"/>
+          </a:fillRef>
+          <a:effectRef idx="0">
+            <a:schemeClr val="accent1"/>
+          </a:effectRef>
+          <a:fontRef idx="minor">
+            <a:schemeClr val="lt1"/>
+          </a:fontRef>
+        </p:style>
+        <p:txBody>
+          <a:bodyPr rtlCol="0" anchor="ctr"/>
+          <a:lstStyle/>
+          <a:p>
+            <a:pPr algn="ctr"/>
+            <a:endParaRPr lang="en-US"/>
+          </a:p>
+        </p:txBody>
+      </p:sp>
+      <p:graphicFrame>
+        <p:nvGraphicFramePr>
+          <p:cNvPr id="5" name="Content Placeholder 2">
+            <a:extLst>
+              <a:ext uri="{FF2B5EF4-FFF2-40B4-BE49-F238E27FC236}">
+                <a16:creationId xmlns:a16="http://schemas.microsoft.com/office/drawing/2014/main" id="{DAD12F3B-E9C7-4B9B-A161-A4D17020BD86}"/>
+              </a:ext>
+            </a:extLst>
+          </p:cNvPr>
+          <p:cNvGraphicFramePr>
+            <a:graphicFrameLocks noGrp="1"/>
+          </p:cNvGraphicFramePr>
+          <p:nvPr>
+            <p:ph idx="1"/>
+            <p:extLst>
+              <p:ext uri="{D42A27DB-BD31-4B8C-83A1-F6EECF244321}">
+                <p14:modId xmlns:p14="http://schemas.microsoft.com/office/powerpoint/2010/main" val="23471925"/>
+              </p:ext>
+            </p:extLst>
+          </p:nvPr>
+        </p:nvGraphicFramePr>
+        <p:xfrm>
+          <a:off x="1069975" y="2385390"/>
+          <a:ext cx="10058400" cy="3617845"/>
+        </p:xfrm>
+        <a:graphic>
+          <a:graphicData uri="http://schemas.openxmlformats.org/drawingml/2006/diagram">
+            <dgm:relIds xmlns:dgm="http://schemas.openxmlformats.org/drawingml/2006/diagram" xmlns:r="http://schemas.openxmlformats.org/officeDocument/2006/relationships" r:dm="rId4" r:lo="rId5" r:qs="rId6" r:cs="rId7"/>
+          </a:graphicData>
+        </a:graphic>
+      </p:graphicFrame>
+    </p:spTree>
+    <p:extLst>
+      <p:ext uri="{BB962C8B-B14F-4D97-AF65-F5344CB8AC3E}">
+        <p14:creationId xmlns:p14="http://schemas.microsoft.com/office/powerpoint/2010/main" val="3301331372"/>
+      </p:ext>
+    </p:extLst>
+  </p:cSld>
+  <p:clrMapOvr>
+    <a:masterClrMapping/>
+  </p:clrMapOvr>
+</p:sld>
+</file>
+
+<file path=ppt/slides/slide4.xml><?xml version="1.0" encoding="utf-8"?>
+<p:sld xmlns:a="http://schemas.openxmlformats.org/drawingml/2006/main" xmlns:r="http://schemas.openxmlformats.org/officeDocument/2006/relationships" xmlns:p="http://schemas.openxmlformats.org/presentationml/2006/main">
+  <p:cSld>
+    <p:bg>
+      <p:bgPr>
+        <a:solidFill>
+          <a:schemeClr val="bg1"/>
+        </a:solidFill>
+        <a:effectLst/>
+      </p:bgPr>
+    </p:bg>
+    <p:spTree>
+      <p:nvGrpSpPr>
+        <p:cNvPr id="1" name=""/>
+        <p:cNvGrpSpPr/>
+        <p:nvPr/>
+      </p:nvGrpSpPr>
+      <p:grpSpPr>
+        <a:xfrm>
+          <a:off x="0" y="0"/>
+          <a:ext cx="0" cy="0"/>
+          <a:chOff x="0" y="0"/>
+          <a:chExt cx="0" cy="0"/>
+        </a:xfrm>
+      </p:grpSpPr>
+      <p:sp>
+        <p:nvSpPr>
+          <p:cNvPr id="10" name="Rectangle 9">
+            <a:extLst>
+              <a:ext uri="{FF2B5EF4-FFF2-40B4-BE49-F238E27FC236}">
+                <a16:creationId xmlns:a16="http://schemas.microsoft.com/office/drawing/2014/main" id="{C9E61CF6-8F07-4962-9613-3E030E3AE360}"/>
+              </a:ext>
+              <a:ext uri="{C183D7F6-B498-43B3-948B-1728B52AA6E4}">
+                <adec:decorative xmlns:adec="http://schemas.microsoft.com/office/drawing/2017/decorative" val="1"/>
+              </a:ext>
+            </a:extLst>
+          </p:cNvPr>
+          <p:cNvSpPr>
+            <a:spLocks noGrp="1" noRot="1" noChangeAspect="1" noMove="1" noResize="1" noEditPoints="1" noAdjustHandles="1" noChangeArrowheads="1" noChangeShapeType="1" noTextEdit="1"/>
+          </p:cNvSpPr>
+          <p:nvPr>
+            <p:extLst>
+              <p:ext uri="{386F3935-93C4-4BCD-93E2-E3B085C9AB24}">
+                <p16:designElem xmlns:p16="http://schemas.microsoft.com/office/powerpoint/2015/main" val="1"/>
+              </p:ext>
+            </p:extLst>
+          </p:nvPr>
+        </p:nvSpPr>
+        <p:spPr>
+          <a:xfrm>
+            <a:off x="7836310" y="0"/>
+            <a:ext cx="4355689" cy="6857999"/>
+          </a:xfrm>
+          <a:prstGeom prst="rect">
+            <a:avLst/>
+          </a:prstGeom>
+          <a:blipFill dpi="0" rotWithShape="1">
+            <a:blip r:embed="rId2">
+              <a:alphaModFix amt="60000"/>
+              <a:lum bright="70000" contrast="-70000"/>
+              <a:extLst>
+                <a:ext uri="{BEBA8EAE-BF5A-486C-A8C5-ECC9F3942E4B}">
+                  <a14:imgProps xmlns:a14="http://schemas.microsoft.com/office/drawing/2010/main">
+                    <a14:imgLayer r:embed="rId3">
+                      <a14:imgEffect>
+                        <a14:sharpenSoften amount="61000"/>
+                      </a14:imgEffect>
+                    </a14:imgLayer>
+                  </a14:imgProps>
+                </a:ext>
+                <a:ext uri="{28A0092B-C50C-407E-A947-70E740481C1C}">
+                  <a14:useLocalDpi xmlns:a14="http://schemas.microsoft.com/office/drawing/2010/main" val="0"/>
+                </a:ext>
+              </a:extLst>
+            </a:blip>
+            <a:srcRect/>
+            <a:tile tx="0" ty="-704850" sx="92000" sy="89000" flip="xy" algn="ctr"/>
+          </a:blipFill>
+          <a:ln>
+            <a:noFill/>
+          </a:ln>
+        </p:spPr>
+        <p:style>
+          <a:lnRef idx="2">
+            <a:schemeClr val="accent1">
+              <a:shade val="50000"/>
+            </a:schemeClr>
+          </a:lnRef>
+          <a:fillRef idx="1">
+            <a:schemeClr val="accent1"/>
+          </a:fillRef>
+          <a:effectRef idx="0">
+            <a:schemeClr val="accent1"/>
+          </a:effectRef>
+          <a:fontRef idx="minor">
+            <a:schemeClr val="lt1"/>
+          </a:fontRef>
+        </p:style>
+        <p:txBody>
+          <a:bodyPr rtlCol="0" anchor="ctr"/>
+          <a:lstStyle/>
+          <a:p>
+            <a:pPr algn="ctr"/>
+            <a:endParaRPr lang="en-US"/>
+          </a:p>
+        </p:txBody>
+      </p:sp>
+      <p:sp>
+        <p:nvSpPr>
+          <p:cNvPr id="2" name="Title 1">
+            <a:extLst>
+              <a:ext uri="{FF2B5EF4-FFF2-40B4-BE49-F238E27FC236}">
+                <a16:creationId xmlns:a16="http://schemas.microsoft.com/office/drawing/2014/main" id="{7F2CCA56-7C39-4071-B38E-981B35C81BC4}"/>
+              </a:ext>
+            </a:extLst>
+          </p:cNvPr>
+          <p:cNvSpPr>
+            <a:spLocks noGrp="1"/>
+          </p:cNvSpPr>
+          <p:nvPr>
+            <p:ph type="title"/>
+          </p:nvPr>
+        </p:nvSpPr>
+        <p:spPr>
+          <a:xfrm>
+            <a:off x="8479777" y="639763"/>
+            <a:ext cx="3046073" cy="5177377"/>
+          </a:xfrm>
+          <a:ln>
+            <a:noFill/>
+          </a:ln>
+        </p:spPr>
+        <p:txBody>
+          <a:bodyPr>
+            <a:normAutofit/>
+          </a:bodyPr>
+          <a:lstStyle/>
+          <a:p>
+            <a:r>
+              <a:rPr lang="en-GB" sz="4000"/>
+              <a:t>PROBLEM STATEMENT</a:t>
+            </a:r>
+            <a:endParaRPr lang="en-US" sz="4000"/>
+          </a:p>
+        </p:txBody>
+      </p:sp>
+      <p:grpSp>
+        <p:nvGrpSpPr>
+          <p:cNvPr id="12" name="Group 11">
+            <a:extLst>
+              <a:ext uri="{FF2B5EF4-FFF2-40B4-BE49-F238E27FC236}">
+                <a16:creationId xmlns:a16="http://schemas.microsoft.com/office/drawing/2014/main" id="{693D30EF-116A-4B76-BB80-8E43340D4952}"/>
+              </a:ext>
+              <a:ext uri="{C183D7F6-B498-43B3-948B-1728B52AA6E4}">
+                <adec:decorative xmlns:adec="http://schemas.microsoft.com/office/drawing/2017/decorative" val="1"/>
+              </a:ext>
+            </a:extLst>
+          </p:cNvPr>
+          <p:cNvGrpSpPr>
+            <a:grpSpLocks noGrp="1" noUngrp="1" noRot="1" noChangeAspect="1" noMove="1" noResize="1"/>
+          </p:cNvGrpSpPr>
+          <p:nvPr>
+            <p:extLst>
+              <p:ext uri="{386F3935-93C4-4BCD-93E2-E3B085C9AB24}">
+                <p16:designElem xmlns:p16="http://schemas.microsoft.com/office/powerpoint/2015/main" val="1"/>
+              </p:ext>
+            </p:extLst>
+          </p:nvPr>
+        </p:nvGrpSpPr>
+        <p:grpSpPr>
+          <a:xfrm>
+            <a:off x="11401725" y="6229681"/>
+            <a:ext cx="457200" cy="457200"/>
+            <a:chOff x="11361456" y="6195813"/>
+            <a:chExt cx="548640" cy="548640"/>
+          </a:xfrm>
+        </p:grpSpPr>
+        <p:sp>
+          <p:nvSpPr>
+            <p:cNvPr id="13" name="Oval 12">
+              <a:extLst>
+                <a:ext uri="{FF2B5EF4-FFF2-40B4-BE49-F238E27FC236}">
+                  <a16:creationId xmlns:a16="http://schemas.microsoft.com/office/drawing/2014/main" id="{231DFC7B-4141-44FE-B9F9-8030DAD7CF7A}"/>
+                </a:ext>
+                <a:ext uri="{C183D7F6-B498-43B3-948B-1728B52AA6E4}">
+                  <adec:decorative xmlns:adec="http://schemas.microsoft.com/office/drawing/2017/decorative" val="1"/>
+                </a:ext>
+              </a:extLst>
+            </p:cNvPr>
+            <p:cNvSpPr/>
+            <p:nvPr>
+              <p:extLst>
+                <p:ext uri="{386F3935-93C4-4BCD-93E2-E3B085C9AB24}">
+                  <p16:designElem xmlns:p16="http://schemas.microsoft.com/office/powerpoint/2015/main" val="1"/>
+                </p:ext>
+              </p:extLst>
+            </p:nvPr>
+          </p:nvSpPr>
+          <p:spPr>
+            <a:xfrm>
+              <a:off x="11361456" y="6195813"/>
+              <a:ext cx="548640" cy="548640"/>
+            </a:xfrm>
+            <a:prstGeom prst="ellipse">
+              <a:avLst/>
+            </a:prstGeom>
+            <a:blipFill dpi="0" rotWithShape="1">
+              <a:blip r:embed="rId4">
+                <a:duotone>
+                  <a:schemeClr val="accent2">
+                    <a:shade val="45000"/>
+                    <a:satMod val="135000"/>
+                  </a:schemeClr>
+                  <a:prstClr val="white"/>
+                </a:duotone>
+              </a:blip>
+              <a:srcRect/>
+              <a:tile tx="50800" ty="0" sx="85000" sy="85000" flip="none" algn="tl"/>
+            </a:blipFill>
+            <a:ln w="25400" cap="flat" cmpd="sng" algn="ctr">
+              <a:noFill/>
+              <a:prstDash val="solid"/>
+            </a:ln>
+            <a:effectLst/>
+          </p:spPr>
+          <p:txBody>
+            <a:bodyPr lIns="0" tIns="0" rIns="0" bIns="0" rtlCol="0" anchor="ctr"/>
+            <a:lstStyle/>
+            <a:p>
+              <a:pPr marL="0" marR="0" lvl="0" indent="0" algn="ctr" defTabSz="914400" eaLnBrk="1" fontAlgn="auto" latinLnBrk="0" hangingPunct="1">
+                <a:lnSpc>
+                  <a:spcPct val="100000"/>
+                </a:lnSpc>
+                <a:spcBef>
+                  <a:spcPts val="0"/>
+                </a:spcBef>
+                <a:spcAft>
+                  <a:spcPts val="0"/>
+                </a:spcAft>
+                <a:buClrTx/>
+                <a:buSzTx/>
+                <a:buFontTx/>
+                <a:buNone/>
+                <a:tabLst/>
+                <a:defRPr/>
+              </a:pPr>
+              <a:endParaRPr kumimoji="0" lang="en-US" sz="2000" b="0" i="0" u="none" strike="noStrike" kern="0" cap="none" spc="0" normalizeH="0" baseline="0" noProof="0" dirty="0">
+                <a:ln>
+                  <a:noFill/>
+                </a:ln>
+                <a:solidFill>
+                  <a:prstClr val="white"/>
+                </a:solidFill>
+                <a:effectLst/>
+                <a:uLnTx/>
+                <a:uFillTx/>
+                <a:latin typeface="Rockwell Extra Bold" pitchFamily="18" charset="0"/>
+                <a:ea typeface="+mn-ea"/>
+                <a:cs typeface="+mn-cs"/>
+              </a:endParaRPr>
+            </a:p>
+          </p:txBody>
+        </p:sp>
+        <p:sp>
+          <p:nvSpPr>
+            <p:cNvPr id="14" name="Oval 13">
+              <a:extLst>
+                <a:ext uri="{FF2B5EF4-FFF2-40B4-BE49-F238E27FC236}">
+                  <a16:creationId xmlns:a16="http://schemas.microsoft.com/office/drawing/2014/main" id="{661A8904-4FC3-442E-B6CF-CD2E9D4BFDFE}"/>
+                </a:ext>
+                <a:ext uri="{C183D7F6-B498-43B3-948B-1728B52AA6E4}">
+                  <adec:decorative xmlns:adec="http://schemas.microsoft.com/office/drawing/2017/decorative" val="1"/>
+                </a:ext>
+              </a:extLst>
+            </p:cNvPr>
+            <p:cNvSpPr/>
+            <p:nvPr>
+              <p:extLst>
+                <p:ext uri="{386F3935-93C4-4BCD-93E2-E3B085C9AB24}">
+                  <p16:designElem xmlns:p16="http://schemas.microsoft.com/office/powerpoint/2015/main" val="1"/>
+                </p:ext>
+              </p:extLst>
+            </p:nvPr>
+          </p:nvSpPr>
+          <p:spPr>
+            <a:xfrm>
+              <a:off x="11396488" y="6230844"/>
+              <a:ext cx="478576" cy="478578"/>
+            </a:xfrm>
+            <a:prstGeom prst="ellipse">
+              <a:avLst/>
+            </a:prstGeom>
+            <a:noFill/>
+            <a:ln w="12700" cap="flat" cmpd="sng" algn="ctr">
+              <a:solidFill>
+                <a:srgbClr val="FFFFFF"/>
+              </a:solidFill>
+              <a:prstDash val="solid"/>
+            </a:ln>
+            <a:effectLst/>
+          </p:spPr>
+          <p:txBody>
+            <a:bodyPr rtlCol="0" anchor="ctr"/>
+            <a:lstStyle/>
+            <a:p>
+              <a:pPr marL="0" marR="0" lvl="0" indent="0" algn="ctr" defTabSz="914400" eaLnBrk="1" fontAlgn="auto" latinLnBrk="0" hangingPunct="1">
+                <a:lnSpc>
+                  <a:spcPct val="100000"/>
+                </a:lnSpc>
+                <a:spcBef>
+                  <a:spcPts val="0"/>
+                </a:spcBef>
+                <a:spcAft>
+                  <a:spcPts val="0"/>
+                </a:spcAft>
+                <a:buClrTx/>
+                <a:buSzTx/>
+                <a:buFontTx/>
+                <a:buNone/>
+                <a:tabLst/>
+                <a:defRPr/>
+              </a:pPr>
+              <a:endParaRPr kumimoji="0" lang="en-US" sz="1800" b="0" i="0" u="none" strike="noStrike" kern="0" cap="none" spc="0" normalizeH="0" baseline="0" noProof="0" dirty="0">
+                <a:ln>
+                  <a:noFill/>
+                </a:ln>
+                <a:solidFill>
+                  <a:prstClr val="white"/>
+                </a:solidFill>
+                <a:effectLst/>
+                <a:uLnTx/>
+                <a:uFillTx/>
+                <a:latin typeface="Calibri"/>
+                <a:ea typeface="+mn-ea"/>
+                <a:cs typeface="+mn-cs"/>
+              </a:endParaRPr>
+            </a:p>
+          </p:txBody>
+        </p:sp>
+      </p:grpSp>
+      <p:graphicFrame>
+        <p:nvGraphicFramePr>
+          <p:cNvPr id="5" name="Content Placeholder 2">
+            <a:extLst>
+              <a:ext uri="{FF2B5EF4-FFF2-40B4-BE49-F238E27FC236}">
+                <a16:creationId xmlns:a16="http://schemas.microsoft.com/office/drawing/2014/main" id="{063F2145-6DD8-4689-923F-95645E2CE484}"/>
+              </a:ext>
+            </a:extLst>
+          </p:cNvPr>
+          <p:cNvGraphicFramePr>
+            <a:graphicFrameLocks noGrp="1"/>
+          </p:cNvGraphicFramePr>
+          <p:nvPr>
+            <p:ph idx="1"/>
+            <p:extLst>
+              <p:ext uri="{D42A27DB-BD31-4B8C-83A1-F6EECF244321}">
+                <p14:modId xmlns:p14="http://schemas.microsoft.com/office/powerpoint/2010/main" val="3687526936"/>
+              </p:ext>
+            </p:extLst>
+          </p:nvPr>
+        </p:nvGraphicFramePr>
+        <p:xfrm>
+          <a:off x="622300" y="639763"/>
+          <a:ext cx="6572250" cy="5588000"/>
+        </p:xfrm>
+        <a:graphic>
+          <a:graphicData uri="http://schemas.openxmlformats.org/drawingml/2006/diagram">
+            <dgm:relIds xmlns:dgm="http://schemas.openxmlformats.org/drawingml/2006/diagram" xmlns:r="http://schemas.openxmlformats.org/officeDocument/2006/relationships" r:dm="rId5" r:lo="rId6" r:qs="rId7" r:cs="rId8"/>
+          </a:graphicData>
+        </a:graphic>
+      </p:graphicFrame>
+    </p:spTree>
+    <p:extLst>
+      <p:ext uri="{BB962C8B-B14F-4D97-AF65-F5344CB8AC3E}">
+        <p14:creationId xmlns:p14="http://schemas.microsoft.com/office/powerpoint/2010/main" val="705372882"/>
+      </p:ext>
+    </p:extLst>
+  </p:cSld>
+  <p:clrMapOvr>
+    <a:masterClrMapping/>
+  </p:clrMapOvr>
+</p:sld>
+</file>
+
+<file path=ppt/slides/slide5.xml><?xml version="1.0" encoding="utf-8"?>
+<p:sld xmlns:a="http://schemas.openxmlformats.org/drawingml/2006/main" xmlns:r="http://schemas.openxmlformats.org/officeDocument/2006/relationships" xmlns:p="http://schemas.openxmlformats.org/presentationml/2006/main">
+  <p:cSld>
+    <p:bg>
+      <p:bgPr>
+        <a:solidFill>
+          <a:schemeClr val="bg1"/>
+        </a:solidFill>
+        <a:effectLst/>
+      </p:bgPr>
+    </p:bg>
+    <p:spTree>
+      <p:nvGrpSpPr>
+        <p:cNvPr id="1" name=""/>
+        <p:cNvGrpSpPr/>
+        <p:nvPr/>
+      </p:nvGrpSpPr>
+      <p:grpSpPr>
+        <a:xfrm>
+          <a:off x="0" y="0"/>
+          <a:ext cx="0" cy="0"/>
+          <a:chOff x="0" y="0"/>
+          <a:chExt cx="0" cy="0"/>
+        </a:xfrm>
+      </p:grpSpPr>
+      <p:sp>
+        <p:nvSpPr>
+          <p:cNvPr id="10" name="Rectangle 9">
+            <a:extLst>
+              <a:ext uri="{FF2B5EF4-FFF2-40B4-BE49-F238E27FC236}">
+                <a16:creationId xmlns:a16="http://schemas.microsoft.com/office/drawing/2014/main" id="{C9E61CF6-8F07-4962-9613-3E030E3AE360}"/>
+              </a:ext>
+              <a:ext uri="{C183D7F6-B498-43B3-948B-1728B52AA6E4}">
+                <adec:decorative xmlns:adec="http://schemas.microsoft.com/office/drawing/2017/decorative" val="1"/>
+              </a:ext>
+            </a:extLst>
+          </p:cNvPr>
+          <p:cNvSpPr>
+            <a:spLocks noGrp="1" noRot="1" noChangeAspect="1" noMove="1" noResize="1" noEditPoints="1" noAdjustHandles="1" noChangeArrowheads="1" noChangeShapeType="1" noTextEdit="1"/>
+          </p:cNvSpPr>
+          <p:nvPr>
+            <p:extLst>
+              <p:ext uri="{386F3935-93C4-4BCD-93E2-E3B085C9AB24}">
+                <p16:designElem xmlns:p16="http://schemas.microsoft.com/office/powerpoint/2015/main" val="1"/>
+              </p:ext>
+            </p:extLst>
+          </p:nvPr>
+        </p:nvSpPr>
+        <p:spPr>
+          <a:xfrm>
+            <a:off x="7836310" y="0"/>
+            <a:ext cx="4355689" cy="6857999"/>
+          </a:xfrm>
+          <a:prstGeom prst="rect">
+            <a:avLst/>
+          </a:prstGeom>
+          <a:blipFill dpi="0" rotWithShape="1">
+            <a:blip r:embed="rId2">
+              <a:alphaModFix amt="60000"/>
+              <a:lum bright="70000" contrast="-70000"/>
+              <a:extLst>
+                <a:ext uri="{BEBA8EAE-BF5A-486C-A8C5-ECC9F3942E4B}">
+                  <a14:imgProps xmlns:a14="http://schemas.microsoft.com/office/drawing/2010/main">
+                    <a14:imgLayer r:embed="rId3">
+                      <a14:imgEffect>
+                        <a14:sharpenSoften amount="61000"/>
+                      </a14:imgEffect>
+                    </a14:imgLayer>
+                  </a14:imgProps>
+                </a:ext>
+                <a:ext uri="{28A0092B-C50C-407E-A947-70E740481C1C}">
+                  <a14:useLocalDpi xmlns:a14="http://schemas.microsoft.com/office/drawing/2010/main" val="0"/>
+                </a:ext>
+              </a:extLst>
+            </a:blip>
+            <a:srcRect/>
+            <a:tile tx="0" ty="-704850" sx="92000" sy="89000" flip="xy" algn="ctr"/>
+          </a:blipFill>
+          <a:ln>
+            <a:noFill/>
+          </a:ln>
+        </p:spPr>
+        <p:style>
+          <a:lnRef idx="2">
+            <a:schemeClr val="accent1">
+              <a:shade val="50000"/>
+            </a:schemeClr>
+          </a:lnRef>
+          <a:fillRef idx="1">
+            <a:schemeClr val="accent1"/>
+          </a:fillRef>
+          <a:effectRef idx="0">
+            <a:schemeClr val="accent1"/>
+          </a:effectRef>
+          <a:fontRef idx="minor">
+            <a:schemeClr val="lt1"/>
+          </a:fontRef>
+        </p:style>
+        <p:txBody>
+          <a:bodyPr rtlCol="0" anchor="ctr"/>
+          <a:lstStyle/>
+          <a:p>
+            <a:pPr algn="ctr"/>
+            <a:endParaRPr lang="en-US"/>
+          </a:p>
+        </p:txBody>
+      </p:sp>
+      <p:sp>
+        <p:nvSpPr>
+          <p:cNvPr id="2" name="Title 1">
+            <a:extLst>
+              <a:ext uri="{FF2B5EF4-FFF2-40B4-BE49-F238E27FC236}">
+                <a16:creationId xmlns:a16="http://schemas.microsoft.com/office/drawing/2014/main" id="{A88F7825-37C7-4195-93A3-1ABA21759D67}"/>
+              </a:ext>
+            </a:extLst>
+          </p:cNvPr>
+          <p:cNvSpPr>
+            <a:spLocks noGrp="1"/>
+          </p:cNvSpPr>
+          <p:nvPr>
+            <p:ph type="title"/>
+          </p:nvPr>
+        </p:nvSpPr>
+        <p:spPr>
+          <a:xfrm>
+            <a:off x="8479777" y="639763"/>
+            <a:ext cx="3046073" cy="5177377"/>
+          </a:xfrm>
+          <a:ln>
+            <a:noFill/>
+          </a:ln>
+        </p:spPr>
+        <p:txBody>
+          <a:bodyPr>
+            <a:normAutofit/>
+          </a:bodyPr>
+          <a:lstStyle/>
+          <a:p>
+            <a:r>
+              <a:rPr lang="en-GB" sz="4000"/>
+              <a:t>PROPOSAL</a:t>
+            </a:r>
+            <a:endParaRPr lang="en-US" sz="4000"/>
+          </a:p>
+        </p:txBody>
+      </p:sp>
+      <p:grpSp>
+        <p:nvGrpSpPr>
+          <p:cNvPr id="12" name="Group 11">
+            <a:extLst>
+              <a:ext uri="{FF2B5EF4-FFF2-40B4-BE49-F238E27FC236}">
+                <a16:creationId xmlns:a16="http://schemas.microsoft.com/office/drawing/2014/main" id="{693D30EF-116A-4B76-BB80-8E43340D4952}"/>
+              </a:ext>
+              <a:ext uri="{C183D7F6-B498-43B3-948B-1728B52AA6E4}">
+                <adec:decorative xmlns:adec="http://schemas.microsoft.com/office/drawing/2017/decorative" val="1"/>
+              </a:ext>
+            </a:extLst>
+          </p:cNvPr>
+          <p:cNvGrpSpPr>
+            <a:grpSpLocks noGrp="1" noUngrp="1" noRot="1" noChangeAspect="1" noMove="1" noResize="1"/>
+          </p:cNvGrpSpPr>
+          <p:nvPr>
+            <p:extLst>
+              <p:ext uri="{386F3935-93C4-4BCD-93E2-E3B085C9AB24}">
+                <p16:designElem xmlns:p16="http://schemas.microsoft.com/office/powerpoint/2015/main" val="1"/>
+              </p:ext>
+            </p:extLst>
+          </p:nvPr>
+        </p:nvGrpSpPr>
+        <p:grpSpPr>
+          <a:xfrm>
+            <a:off x="11401725" y="6229681"/>
+            <a:ext cx="457200" cy="457200"/>
+            <a:chOff x="11361456" y="6195813"/>
+            <a:chExt cx="548640" cy="548640"/>
+          </a:xfrm>
+        </p:grpSpPr>
+        <p:sp>
+          <p:nvSpPr>
+            <p:cNvPr id="13" name="Oval 12">
+              <a:extLst>
+                <a:ext uri="{FF2B5EF4-FFF2-40B4-BE49-F238E27FC236}">
+                  <a16:creationId xmlns:a16="http://schemas.microsoft.com/office/drawing/2014/main" id="{231DFC7B-4141-44FE-B9F9-8030DAD7CF7A}"/>
+                </a:ext>
+                <a:ext uri="{C183D7F6-B498-43B3-948B-1728B52AA6E4}">
+                  <adec:decorative xmlns:adec="http://schemas.microsoft.com/office/drawing/2017/decorative" val="1"/>
+                </a:ext>
+              </a:extLst>
+            </p:cNvPr>
+            <p:cNvSpPr/>
+            <p:nvPr>
+              <p:extLst>
+                <p:ext uri="{386F3935-93C4-4BCD-93E2-E3B085C9AB24}">
+                  <p16:designElem xmlns:p16="http://schemas.microsoft.com/office/powerpoint/2015/main" val="1"/>
+                </p:ext>
+              </p:extLst>
+            </p:nvPr>
+          </p:nvSpPr>
+          <p:spPr>
+            <a:xfrm>
+              <a:off x="11361456" y="6195813"/>
+              <a:ext cx="548640" cy="548640"/>
+            </a:xfrm>
+            <a:prstGeom prst="ellipse">
+              <a:avLst/>
+            </a:prstGeom>
+            <a:blipFill dpi="0" rotWithShape="1">
+              <a:blip r:embed="rId4">
+                <a:duotone>
+                  <a:schemeClr val="accent2">
+                    <a:shade val="45000"/>
+                    <a:satMod val="135000"/>
+                  </a:schemeClr>
+                  <a:prstClr val="white"/>
+                </a:duotone>
+              </a:blip>
+              <a:srcRect/>
+              <a:tile tx="50800" ty="0" sx="85000" sy="85000" flip="none" algn="tl"/>
+            </a:blipFill>
+            <a:ln w="25400" cap="flat" cmpd="sng" algn="ctr">
+              <a:noFill/>
+              <a:prstDash val="solid"/>
+            </a:ln>
+            <a:effectLst/>
+          </p:spPr>
+          <p:txBody>
+            <a:bodyPr lIns="0" tIns="0" rIns="0" bIns="0" rtlCol="0" anchor="ctr"/>
+            <a:lstStyle/>
+            <a:p>
+              <a:pPr marL="0" marR="0" lvl="0" indent="0" algn="ctr" defTabSz="914400" eaLnBrk="1" fontAlgn="auto" latinLnBrk="0" hangingPunct="1">
+                <a:lnSpc>
+                  <a:spcPct val="100000"/>
+                </a:lnSpc>
+                <a:spcBef>
+                  <a:spcPts val="0"/>
+                </a:spcBef>
+                <a:spcAft>
+                  <a:spcPts val="0"/>
+                </a:spcAft>
+                <a:buClrTx/>
+                <a:buSzTx/>
+                <a:buFontTx/>
+                <a:buNone/>
+                <a:tabLst/>
+                <a:defRPr/>
+              </a:pPr>
+              <a:endParaRPr kumimoji="0" lang="en-US" sz="2000" b="0" i="0" u="none" strike="noStrike" kern="0" cap="none" spc="0" normalizeH="0" baseline="0" noProof="0" dirty="0">
+                <a:ln>
+                  <a:noFill/>
+                </a:ln>
+                <a:solidFill>
+                  <a:prstClr val="white"/>
+                </a:solidFill>
+                <a:effectLst/>
+                <a:uLnTx/>
+                <a:uFillTx/>
+                <a:latin typeface="Rockwell Extra Bold" pitchFamily="18" charset="0"/>
+                <a:ea typeface="+mn-ea"/>
+                <a:cs typeface="+mn-cs"/>
+              </a:endParaRPr>
+            </a:p>
+          </p:txBody>
+        </p:sp>
+        <p:sp>
+          <p:nvSpPr>
+            <p:cNvPr id="14" name="Oval 13">
+              <a:extLst>
+                <a:ext uri="{FF2B5EF4-FFF2-40B4-BE49-F238E27FC236}">
+                  <a16:creationId xmlns:a16="http://schemas.microsoft.com/office/drawing/2014/main" id="{661A8904-4FC3-442E-B6CF-CD2E9D4BFDFE}"/>
+                </a:ext>
+                <a:ext uri="{C183D7F6-B498-43B3-948B-1728B52AA6E4}">
+                  <adec:decorative xmlns:adec="http://schemas.microsoft.com/office/drawing/2017/decorative" val="1"/>
+                </a:ext>
+              </a:extLst>
+            </p:cNvPr>
+            <p:cNvSpPr/>
+            <p:nvPr>
+              <p:extLst>
+                <p:ext uri="{386F3935-93C4-4BCD-93E2-E3B085C9AB24}">
+                  <p16:designElem xmlns:p16="http://schemas.microsoft.com/office/powerpoint/2015/main" val="1"/>
+                </p:ext>
+              </p:extLst>
+            </p:nvPr>
+          </p:nvSpPr>
+          <p:spPr>
+            <a:xfrm>
+              <a:off x="11396488" y="6230844"/>
+              <a:ext cx="478576" cy="478578"/>
+            </a:xfrm>
+            <a:prstGeom prst="ellipse">
+              <a:avLst/>
+            </a:prstGeom>
+            <a:noFill/>
+            <a:ln w="12700" cap="flat" cmpd="sng" algn="ctr">
+              <a:solidFill>
+                <a:srgbClr val="FFFFFF"/>
+              </a:solidFill>
+              <a:prstDash val="solid"/>
+            </a:ln>
+            <a:effectLst/>
+          </p:spPr>
+          <p:txBody>
+            <a:bodyPr rtlCol="0" anchor="ctr"/>
+            <a:lstStyle/>
+            <a:p>
+              <a:pPr marL="0" marR="0" lvl="0" indent="0" algn="ctr" defTabSz="914400" eaLnBrk="1" fontAlgn="auto" latinLnBrk="0" hangingPunct="1">
+                <a:lnSpc>
+                  <a:spcPct val="100000"/>
+                </a:lnSpc>
+                <a:spcBef>
+                  <a:spcPts val="0"/>
+                </a:spcBef>
+                <a:spcAft>
+                  <a:spcPts val="0"/>
+                </a:spcAft>
+                <a:buClrTx/>
+                <a:buSzTx/>
+                <a:buFontTx/>
+                <a:buNone/>
+                <a:tabLst/>
+                <a:defRPr/>
+              </a:pPr>
+              <a:endParaRPr kumimoji="0" lang="en-US" sz="1800" b="0" i="0" u="none" strike="noStrike" kern="0" cap="none" spc="0" normalizeH="0" baseline="0" noProof="0" dirty="0">
+                <a:ln>
+                  <a:noFill/>
+                </a:ln>
+                <a:solidFill>
+                  <a:prstClr val="white"/>
+                </a:solidFill>
+                <a:effectLst/>
+                <a:uLnTx/>
+                <a:uFillTx/>
+                <a:latin typeface="Calibri"/>
+                <a:ea typeface="+mn-ea"/>
+                <a:cs typeface="+mn-cs"/>
+              </a:endParaRPr>
+            </a:p>
+          </p:txBody>
+        </p:sp>
+      </p:grpSp>
+      <p:graphicFrame>
+        <p:nvGraphicFramePr>
+          <p:cNvPr id="5" name="Content Placeholder 2">
+            <a:extLst>
+              <a:ext uri="{FF2B5EF4-FFF2-40B4-BE49-F238E27FC236}">
+                <a16:creationId xmlns:a16="http://schemas.microsoft.com/office/drawing/2014/main" id="{B203D89C-052C-472D-A841-3DC6753666A2}"/>
+              </a:ext>
+            </a:extLst>
+          </p:cNvPr>
+          <p:cNvGraphicFramePr>
+            <a:graphicFrameLocks noGrp="1"/>
+          </p:cNvGraphicFramePr>
+          <p:nvPr>
+            <p:ph idx="1"/>
+            <p:extLst>
+              <p:ext uri="{D42A27DB-BD31-4B8C-83A1-F6EECF244321}">
+                <p14:modId xmlns:p14="http://schemas.microsoft.com/office/powerpoint/2010/main" val="4113354483"/>
+              </p:ext>
+            </p:extLst>
+          </p:nvPr>
+        </p:nvGraphicFramePr>
+        <p:xfrm>
+          <a:off x="622300" y="639763"/>
+          <a:ext cx="6572250" cy="5588000"/>
+        </p:xfrm>
+        <a:graphic>
+          <a:graphicData uri="http://schemas.openxmlformats.org/drawingml/2006/diagram">
+            <dgm:relIds xmlns:dgm="http://schemas.openxmlformats.org/drawingml/2006/diagram" xmlns:r="http://schemas.openxmlformats.org/officeDocument/2006/relationships" r:dm="rId5" r:lo="rId6" r:qs="rId7" r:cs="rId8"/>
+          </a:graphicData>
+        </a:graphic>
+      </p:graphicFrame>
+    </p:spTree>
+    <p:extLst>
+      <p:ext uri="{BB962C8B-B14F-4D97-AF65-F5344CB8AC3E}">
+        <p14:creationId xmlns:p14="http://schemas.microsoft.com/office/powerpoint/2010/main" val="2772238799"/>
+      </p:ext>
+    </p:extLst>
+  </p:cSld>
+  <p:clrMapOvr>
+    <a:masterClrMapping/>
+  </p:clrMapOvr>
+</p:sld>
+</file>
+
+<file path=ppt/slides/slide6.xml><?xml version="1.0" encoding="utf-8"?>
+<p:sld xmlns:a="http://schemas.openxmlformats.org/drawingml/2006/main" xmlns:r="http://schemas.openxmlformats.org/officeDocument/2006/relationships" xmlns:p="http://schemas.openxmlformats.org/presentationml/2006/main">
+  <p:cSld>
+    <p:bg>
+      <p:bgPr>
+        <a:solidFill>
+          <a:schemeClr val="bg1"/>
+        </a:solidFill>
+        <a:effectLst/>
+      </p:bgPr>
+    </p:bg>
+    <p:spTree>
+      <p:nvGrpSpPr>
+        <p:cNvPr id="1" name=""/>
+        <p:cNvGrpSpPr/>
+        <p:nvPr/>
+      </p:nvGrpSpPr>
+      <p:grpSpPr>
+        <a:xfrm>
+          <a:off x="0" y="0"/>
+          <a:ext cx="0" cy="0"/>
+          <a:chOff x="0" y="0"/>
+          <a:chExt cx="0" cy="0"/>
+        </a:xfrm>
+      </p:grpSpPr>
+      <p:sp useBgFill="1">
+        <p:nvSpPr>
+          <p:cNvPr id="8" name="Rectangle 7">
+            <a:extLst>
+              <a:ext uri="{FF2B5EF4-FFF2-40B4-BE49-F238E27FC236}">
+                <a16:creationId xmlns:a16="http://schemas.microsoft.com/office/drawing/2014/main" id="{3C06EAFD-0C69-4B3B-BEA7-E7E11DDF9C43}"/>
+              </a:ext>
+              <a:ext uri="{C183D7F6-B498-43B3-948B-1728B52AA6E4}">
+                <adec:decorative xmlns:adec="http://schemas.microsoft.com/office/drawing/2017/decorative" val="1"/>
+              </a:ext>
+            </a:extLst>
+          </p:cNvPr>
+          <p:cNvSpPr>
+            <a:spLocks noGrp="1" noRot="1" noChangeAspect="1" noMove="1" noResize="1" noEditPoints="1" noAdjustHandles="1" noChangeArrowheads="1" noChangeShapeType="1" noTextEdit="1"/>
+          </p:cNvSpPr>
+          <p:nvPr>
+            <p:extLst>
+              <p:ext uri="{386F3935-93C4-4BCD-93E2-E3B085C9AB24}">
+                <p16:designElem xmlns:p16="http://schemas.microsoft.com/office/powerpoint/2015/main" val="1"/>
+              </p:ext>
+            </p:extLst>
+          </p:nvPr>
+        </p:nvSpPr>
+        <p:spPr>
+          <a:xfrm>
+            <a:off x="0" y="0"/>
+            <a:ext cx="12188952" cy="6858000"/>
+          </a:xfrm>
+          <a:prstGeom prst="rect">
+            <a:avLst/>
+          </a:prstGeom>
+          <a:ln>
+            <a:noFill/>
+          </a:ln>
+        </p:spPr>
+        <p:style>
+          <a:lnRef idx="2">
+            <a:schemeClr val="accent1">
+              <a:shade val="50000"/>
+            </a:schemeClr>
+          </a:lnRef>
+          <a:fillRef idx="1">
+            <a:schemeClr val="accent1"/>
+          </a:fillRef>
+          <a:effectRef idx="0">
+            <a:schemeClr val="accent1"/>
+          </a:effectRef>
+          <a:fontRef idx="minor">
+            <a:schemeClr val="lt1"/>
+          </a:fontRef>
+        </p:style>
+        <p:txBody>
+          <a:bodyPr rtlCol="0" anchor="ctr"/>
+          <a:lstStyle/>
+          <a:p>
+            <a:pPr algn="ctr"/>
+            <a:endParaRPr lang="en-US"/>
+          </a:p>
+        </p:txBody>
+      </p:sp>
+      <p:sp>
+        <p:nvSpPr>
+          <p:cNvPr id="10" name="Rectangle 9">
+            <a:extLst>
+              <a:ext uri="{FF2B5EF4-FFF2-40B4-BE49-F238E27FC236}">
+                <a16:creationId xmlns:a16="http://schemas.microsoft.com/office/drawing/2014/main" id="{A4066C89-42FB-4624-9AFE-3A31B36491B5}"/>
+              </a:ext>
+              <a:ext uri="{C183D7F6-B498-43B3-948B-1728B52AA6E4}">
+                <adec:decorative xmlns:adec="http://schemas.microsoft.com/office/drawing/2017/decorative" val="1"/>
+              </a:ext>
+            </a:extLst>
+          </p:cNvPr>
+          <p:cNvSpPr>
+            <a:spLocks noGrp="1" noRot="1" noChangeAspect="1" noMove="1" noResize="1" noEditPoints="1" noAdjustHandles="1" noChangeArrowheads="1" noChangeShapeType="1" noTextEdit="1"/>
+          </p:cNvSpPr>
+          <p:nvPr>
+            <p:extLst>
+              <p:ext uri="{386F3935-93C4-4BCD-93E2-E3B085C9AB24}">
+                <p16:designElem xmlns:p16="http://schemas.microsoft.com/office/powerpoint/2015/main" val="1"/>
+              </p:ext>
+            </p:extLst>
+          </p:nvPr>
+        </p:nvSpPr>
+        <p:spPr>
+          <a:xfrm>
+            <a:off x="3344" y="0"/>
+            <a:ext cx="4648169" cy="6858000"/>
+          </a:xfrm>
+          <a:prstGeom prst="rect">
+            <a:avLst/>
+          </a:prstGeom>
+          <a:blipFill dpi="0" rotWithShape="1">
+            <a:blip r:embed="rId2">
+              <a:duotone>
+                <a:schemeClr val="accent1">
+                  <a:shade val="45000"/>
+                  <a:satMod val="135000"/>
+                </a:schemeClr>
+                <a:prstClr val="white"/>
+              </a:duotone>
+              <a:extLst>
+                <a:ext uri="{BEBA8EAE-BF5A-486C-A8C5-ECC9F3942E4B}">
+                  <a14:imgProps xmlns:a14="http://schemas.microsoft.com/office/drawing/2010/main">
+                    <a14:imgLayer r:embed="rId3">
+                      <a14:imgEffect>
+                        <a14:saturation sat="400000"/>
+                      </a14:imgEffect>
+                      <a14:imgEffect>
+                        <a14:brightnessContrast bright="-40000" contrast="40000"/>
+                      </a14:imgEffect>
+                    </a14:imgLayer>
+                  </a14:imgProps>
+                </a:ext>
+              </a:extLst>
+            </a:blip>
+            <a:srcRect/>
+            <a:tile tx="0" ty="0" sx="85000" sy="85000" flip="none" algn="tl"/>
+          </a:blipFill>
+          <a:ln w="25400" cap="flat" cmpd="sng" algn="ctr">
+            <a:noFill/>
+            <a:prstDash val="solid"/>
+          </a:ln>
+          <a:effectLst/>
+        </p:spPr>
+        <p:txBody>
+          <a:bodyPr lIns="0" tIns="0" rIns="0" bIns="0" rtlCol="0" anchor="ctr"/>
+          <a:lstStyle/>
+          <a:p>
+            <a:pPr algn="ctr" defTabSz="914400"/>
+            <a:endParaRPr lang="en-US" sz="2000" kern="0">
+              <a:solidFill>
+                <a:prstClr val="white"/>
+              </a:solidFill>
+              <a:latin typeface="Rockwell Extra Bold" pitchFamily="18" charset="0"/>
+            </a:endParaRPr>
+          </a:p>
+        </p:txBody>
+      </p:sp>
+      <p:sp>
+        <p:nvSpPr>
+          <p:cNvPr id="2" name="Title 1">
+            <a:extLst>
+              <a:ext uri="{FF2B5EF4-FFF2-40B4-BE49-F238E27FC236}">
+                <a16:creationId xmlns:a16="http://schemas.microsoft.com/office/drawing/2014/main" id="{32396498-B1DE-474C-873C-36B409CE6E64}"/>
+              </a:ext>
+            </a:extLst>
+          </p:cNvPr>
+          <p:cNvSpPr>
+            <a:spLocks noGrp="1"/>
+          </p:cNvSpPr>
+          <p:nvPr>
+            <p:ph type="title"/>
+          </p:nvPr>
+        </p:nvSpPr>
+        <p:spPr>
+          <a:xfrm>
+            <a:off x="643468" y="643466"/>
+            <a:ext cx="3686312" cy="5528734"/>
+          </a:xfrm>
+        </p:spPr>
+        <p:txBody>
+          <a:bodyPr>
+            <a:normAutofit/>
+          </a:bodyPr>
+          <a:lstStyle/>
+          <a:p>
+            <a:pPr algn="r"/>
+            <a:r>
+              <a:rPr lang="en-US" sz="4100" dirty="0">
+                <a:solidFill>
+                  <a:srgbClr val="FFFFFF"/>
+                </a:solidFill>
+              </a:rPr>
+              <a:t>Methodology</a:t>
+            </a:r>
+          </a:p>
+        </p:txBody>
+      </p:sp>
+      <p:sp>
+        <p:nvSpPr>
+          <p:cNvPr id="3" name="Content Placeholder 2">
+            <a:extLst>
+              <a:ext uri="{FF2B5EF4-FFF2-40B4-BE49-F238E27FC236}">
+                <a16:creationId xmlns:a16="http://schemas.microsoft.com/office/drawing/2014/main" id="{6163062E-9927-4DF3-99C9-8ED6136ABD17}"/>
+              </a:ext>
+            </a:extLst>
+          </p:cNvPr>
+          <p:cNvSpPr>
+            <a:spLocks noGrp="1"/>
+          </p:cNvSpPr>
+          <p:nvPr>
+            <p:ph idx="1"/>
+          </p:nvPr>
+        </p:nvSpPr>
+        <p:spPr>
+          <a:xfrm>
+            <a:off x="5053780" y="599768"/>
+            <a:ext cx="6074467" cy="5572432"/>
+          </a:xfrm>
+        </p:spPr>
+        <p:txBody>
+          <a:bodyPr anchor="ctr">
+            <a:normAutofit lnSpcReduction="10000"/>
+          </a:bodyPr>
+          <a:lstStyle/>
+          <a:p>
+            <a:r>
+              <a:rPr lang="en-US" sz="1900" dirty="0"/>
+              <a:t>The project is in two stages:</a:t>
+            </a:r>
+          </a:p>
+          <a:p>
+            <a:r>
+              <a:rPr lang="en-US" sz="1900" b="1" dirty="0">
+                <a:solidFill>
+                  <a:srgbClr val="0070C0"/>
+                </a:solidFill>
+                <a:hlinkClick r:id="rId4">
+                  <a:extLst>
+                    <a:ext uri="{A12FA001-AC4F-418D-AE19-62706E023703}">
+                      <ahyp:hlinkClr xmlns:ahyp="http://schemas.microsoft.com/office/drawing/2018/hyperlinkcolor" val="tx"/>
+                    </a:ext>
+                  </a:extLst>
+                </a:hlinkClick>
+              </a:rPr>
+              <a:t>Stage 1 (Excel and VBA-Based Design)</a:t>
+            </a:r>
+            <a:endParaRPr lang="en-US" sz="1900" b="1" dirty="0">
+              <a:solidFill>
+                <a:srgbClr val="0070C0"/>
+              </a:solidFill>
+            </a:endParaRPr>
+          </a:p>
+          <a:p>
+            <a:r>
+              <a:rPr lang="en-US" sz="1900" dirty="0"/>
+              <a:t>This stage involves the use of excel VBA built on the existing template in order to fully automate all the activities of the reconciliation process.</a:t>
+            </a:r>
+          </a:p>
+          <a:p>
+            <a:r>
+              <a:rPr lang="en-US" sz="1900" dirty="0"/>
+              <a:t>All activities involving spooling of data, copying, pasting, formulas evaluation, formatting and comparison are handled by macros written.</a:t>
+            </a:r>
+          </a:p>
+          <a:p>
+            <a:r>
+              <a:rPr lang="en-US" sz="1900" dirty="0"/>
+              <a:t>A user form is built on the excel to allow the users to supply input information such as previous load amount, most recent load and unload amounts, times of previous load and recent load, ATM ID and branch code.</a:t>
+            </a:r>
+          </a:p>
+          <a:p>
+            <a:r>
+              <a:rPr lang="en-US" sz="1900" dirty="0"/>
+              <a:t>Upon entering the input information and selecting submit, the report is automatically generated and saved in a directory on the computer.</a:t>
+            </a:r>
+          </a:p>
+          <a:p>
+            <a:r>
+              <a:rPr lang="en-US" sz="1900" dirty="0"/>
+              <a:t>This can be accessed from </a:t>
+            </a:r>
+            <a:r>
+              <a:rPr lang="en-US" sz="1900" dirty="0" err="1">
+                <a:solidFill>
+                  <a:srgbClr val="0070C0"/>
+                </a:solidFill>
+                <a:hlinkClick r:id="rId4">
+                  <a:extLst>
+                    <a:ext uri="{A12FA001-AC4F-418D-AE19-62706E023703}">
+                      <ahyp:hlinkClr xmlns:ahyp="http://schemas.microsoft.com/office/drawing/2018/hyperlinkcolor" val="tx"/>
+                    </a:ext>
+                  </a:extLst>
+                </a:hlinkClick>
+              </a:rPr>
+              <a:t>Github</a:t>
+            </a:r>
+            <a:r>
+              <a:rPr lang="en-US" sz="1900" dirty="0">
+                <a:solidFill>
+                  <a:srgbClr val="0070C0"/>
+                </a:solidFill>
+                <a:hlinkClick r:id="rId4">
+                  <a:extLst>
+                    <a:ext uri="{A12FA001-AC4F-418D-AE19-62706E023703}">
+                      <ahyp:hlinkClr xmlns:ahyp="http://schemas.microsoft.com/office/drawing/2018/hyperlinkcolor" val="tx"/>
+                    </a:ext>
+                  </a:extLst>
+                </a:hlinkClick>
+              </a:rPr>
+              <a:t> link</a:t>
+            </a:r>
+            <a:endParaRPr lang="en-US" sz="1900" dirty="0">
+              <a:solidFill>
+                <a:srgbClr val="0070C0"/>
+              </a:solidFill>
+            </a:endParaRPr>
+          </a:p>
+        </p:txBody>
+      </p:sp>
+      <p:sp>
+        <p:nvSpPr>
+          <p:cNvPr id="12" name="Oval 11">
+            <a:extLst>
+              <a:ext uri="{FF2B5EF4-FFF2-40B4-BE49-F238E27FC236}">
+                <a16:creationId xmlns:a16="http://schemas.microsoft.com/office/drawing/2014/main" id="{BA218FBC-B2D6-48CA-9289-C4110162EDAD}"/>
+              </a:ext>
+              <a:ext uri="{C183D7F6-B498-43B3-948B-1728B52AA6E4}">
+                <adec:decorative xmlns:adec="http://schemas.microsoft.com/office/drawing/2017/decorative" val="1"/>
+              </a:ext>
+            </a:extLst>
+          </p:cNvPr>
+          <p:cNvSpPr>
+            <a:spLocks noGrp="1" noRot="1" noChangeAspect="1" noMove="1" noResize="1" noEditPoints="1" noAdjustHandles="1" noChangeArrowheads="1" noChangeShapeType="1" noTextEdit="1"/>
+          </p:cNvSpPr>
+          <p:nvPr>
+            <p:extLst>
+              <p:ext uri="{386F3935-93C4-4BCD-93E2-E3B085C9AB24}">
+                <p16:designElem xmlns:p16="http://schemas.microsoft.com/office/powerpoint/2015/main" val="1"/>
+              </p:ext>
+            </p:extLst>
+          </p:nvPr>
+        </p:nvSpPr>
+        <p:spPr>
+          <a:xfrm>
+            <a:off x="11401725" y="6229681"/>
+            <a:ext cx="457200" cy="457200"/>
+          </a:xfrm>
+          <a:prstGeom prst="ellipse">
+            <a:avLst/>
+          </a:prstGeom>
+          <a:blipFill dpi="0" rotWithShape="1">
+            <a:blip r:embed="rId5">
+              <a:duotone>
+                <a:schemeClr val="accent1">
+                  <a:shade val="45000"/>
+                  <a:satMod val="135000"/>
+                </a:schemeClr>
+                <a:prstClr val="white"/>
+              </a:duotone>
+            </a:blip>
+            <a:srcRect/>
+            <a:tile tx="50800" ty="0" sx="85000" sy="85000" flip="none" algn="tl"/>
+          </a:blipFill>
+          <a:ln w="25400" cap="flat" cmpd="sng" algn="ctr">
+            <a:noFill/>
+            <a:prstDash val="solid"/>
+          </a:ln>
+          <a:effectLst/>
+        </p:spPr>
+        <p:txBody>
+          <a:bodyPr lIns="0" tIns="0" rIns="0" bIns="0" rtlCol="0" anchor="ctr"/>
+          <a:lstStyle/>
+          <a:p>
+            <a:pPr marL="0" marR="0" lvl="0" indent="0" algn="ctr" defTabSz="914400" eaLnBrk="1" fontAlgn="auto" latinLnBrk="0" hangingPunct="1">
+              <a:lnSpc>
+                <a:spcPct val="100000"/>
+              </a:lnSpc>
+              <a:spcBef>
+                <a:spcPts val="0"/>
+              </a:spcBef>
+              <a:spcAft>
+                <a:spcPts val="0"/>
+              </a:spcAft>
+              <a:buClrTx/>
+              <a:buSzTx/>
+              <a:buFontTx/>
+              <a:buNone/>
+              <a:tabLst/>
+              <a:defRPr/>
+            </a:pPr>
+            <a:endParaRPr kumimoji="0" lang="en-US" sz="2000" b="0" i="0" u="none" strike="noStrike" kern="0" cap="none" spc="0" normalizeH="0" baseline="0" noProof="0" dirty="0">
+              <a:ln>
+                <a:noFill/>
+              </a:ln>
+              <a:solidFill>
+                <a:prstClr val="white"/>
+              </a:solidFill>
+              <a:effectLst/>
+              <a:uLnTx/>
+              <a:uFillTx/>
+              <a:latin typeface="Rockwell Extra Bold" pitchFamily="18" charset="0"/>
+              <a:ea typeface="+mn-ea"/>
+              <a:cs typeface="+mn-cs"/>
+            </a:endParaRPr>
+          </a:p>
+        </p:txBody>
+      </p:sp>
+      <p:sp>
+        <p:nvSpPr>
+          <p:cNvPr id="14" name="Oval 13">
+            <a:extLst>
+              <a:ext uri="{FF2B5EF4-FFF2-40B4-BE49-F238E27FC236}">
+                <a16:creationId xmlns:a16="http://schemas.microsoft.com/office/drawing/2014/main" id="{2DED9084-49DA-4911-ACB7-5F9E4DEFA039}"/>
+              </a:ext>
+              <a:ext uri="{C183D7F6-B498-43B3-948B-1728B52AA6E4}">
+                <adec:decorative xmlns:adec="http://schemas.microsoft.com/office/drawing/2017/decorative" val="1"/>
+              </a:ext>
+            </a:extLst>
+          </p:cNvPr>
+          <p:cNvSpPr>
+            <a:spLocks noGrp="1" noRot="1" noChangeAspect="1" noMove="1" noResize="1" noEditPoints="1" noAdjustHandles="1" noChangeArrowheads="1" noChangeShapeType="1" noTextEdit="1"/>
+          </p:cNvSpPr>
+          <p:nvPr>
+            <p:extLst>
+              <p:ext uri="{386F3935-93C4-4BCD-93E2-E3B085C9AB24}">
+                <p16:designElem xmlns:p16="http://schemas.microsoft.com/office/powerpoint/2015/main" val="1"/>
+              </p:ext>
+            </p:extLst>
+          </p:nvPr>
+        </p:nvSpPr>
+        <p:spPr>
+          <a:xfrm>
+            <a:off x="11430918" y="6258874"/>
+            <a:ext cx="398813" cy="398815"/>
+          </a:xfrm>
+          <a:prstGeom prst="ellipse">
+            <a:avLst/>
+          </a:prstGeom>
+          <a:noFill/>
+          <a:ln w="12700" cap="flat" cmpd="sng" algn="ctr">
+            <a:solidFill>
+              <a:srgbClr val="FFFFFF"/>
+            </a:solidFill>
+            <a:prstDash val="solid"/>
+          </a:ln>
+          <a:effectLst/>
+        </p:spPr>
+        <p:txBody>
+          <a:bodyPr rtlCol="0" anchor="ctr"/>
+          <a:lstStyle/>
+          <a:p>
+            <a:pPr marL="0" marR="0" lvl="0" indent="0" algn="ctr" defTabSz="914400" eaLnBrk="1" fontAlgn="auto" latinLnBrk="0" hangingPunct="1">
+              <a:lnSpc>
+                <a:spcPct val="100000"/>
+              </a:lnSpc>
+              <a:spcBef>
+                <a:spcPts val="0"/>
+              </a:spcBef>
+              <a:spcAft>
+                <a:spcPts val="0"/>
+              </a:spcAft>
+              <a:buClrTx/>
+              <a:buSzTx/>
+              <a:buFontTx/>
+              <a:buNone/>
+              <a:tabLst/>
+              <a:defRPr/>
+            </a:pPr>
+            <a:endParaRPr kumimoji="0" lang="en-US" sz="1800" b="0" i="0" u="none" strike="noStrike" kern="0" cap="none" spc="0" normalizeH="0" baseline="0" noProof="0" dirty="0">
+              <a:ln>
+                <a:noFill/>
+              </a:ln>
+              <a:solidFill>
+                <a:prstClr val="white"/>
+              </a:solidFill>
+              <a:effectLst/>
+              <a:uLnTx/>
+              <a:uFillTx/>
+              <a:latin typeface="Calibri"/>
+              <a:ea typeface="+mn-ea"/>
+              <a:cs typeface="+mn-cs"/>
+            </a:endParaRPr>
+          </a:p>
+        </p:txBody>
+      </p:sp>
+    </p:spTree>
+    <p:extLst>
+      <p:ext uri="{BB962C8B-B14F-4D97-AF65-F5344CB8AC3E}">
+        <p14:creationId xmlns:p14="http://schemas.microsoft.com/office/powerpoint/2010/main" val="1515872336"/>
+      </p:ext>
+    </p:extLst>
+  </p:cSld>
+  <p:clrMapOvr>
+    <a:masterClrMapping/>
+  </p:clrMapOvr>
+</p:sld>
+</file>
+
+<file path=ppt/slides/slide7.xml><?xml version="1.0" encoding="utf-8"?>
+<p:sld xmlns:a="http://schemas.openxmlformats.org/drawingml/2006/main" xmlns:r="http://schemas.openxmlformats.org/officeDocument/2006/relationships" xmlns:p="http://schemas.openxmlformats.org/presentationml/2006/main">
+  <p:cSld>
+    <p:bg>
+      <p:bgPr>
+        <a:solidFill>
+          <a:schemeClr val="bg1"/>
+        </a:solidFill>
+        <a:effectLst/>
+      </p:bgPr>
+    </p:bg>
+    <p:spTree>
+      <p:nvGrpSpPr>
+        <p:cNvPr id="1" name=""/>
+        <p:cNvGrpSpPr/>
+        <p:nvPr/>
+      </p:nvGrpSpPr>
+      <p:grpSpPr>
+        <a:xfrm>
+          <a:off x="0" y="0"/>
+          <a:ext cx="0" cy="0"/>
+          <a:chOff x="0" y="0"/>
+          <a:chExt cx="0" cy="0"/>
+        </a:xfrm>
+      </p:grpSpPr>
+      <p:sp>
+        <p:nvSpPr>
+          <p:cNvPr id="23" name="Rectangle 8">
+            <a:extLst>
+              <a:ext uri="{FF2B5EF4-FFF2-40B4-BE49-F238E27FC236}">
+                <a16:creationId xmlns:a16="http://schemas.microsoft.com/office/drawing/2014/main" id="{BD9989FB-36A6-49EE-889A-BDBC54F18EB7}"/>
+              </a:ext>
+              <a:ext uri="{C183D7F6-B498-43B3-948B-1728B52AA6E4}">
+                <adec:decorative xmlns:adec="http://schemas.microsoft.com/office/drawing/2017/decorative" val="1"/>
+              </a:ext>
+            </a:extLst>
+          </p:cNvPr>
+          <p:cNvSpPr>
+            <a:spLocks noGrp="1" noRot="1" noChangeAspect="1" noMove="1" noResize="1" noEditPoints="1" noAdjustHandles="1" noChangeArrowheads="1" noChangeShapeType="1" noTextEdit="1"/>
+          </p:cNvSpPr>
+          <p:nvPr>
+            <p:extLst>
+              <p:ext uri="{386F3935-93C4-4BCD-93E2-E3B085C9AB24}">
+                <p16:designElem xmlns:p16="http://schemas.microsoft.com/office/powerpoint/2015/main" val="1"/>
+              </p:ext>
+            </p:extLst>
+          </p:nvPr>
+        </p:nvSpPr>
+        <p:spPr>
+          <a:xfrm>
+            <a:off x="7836310" y="0"/>
+            <a:ext cx="4355689" cy="6857999"/>
+          </a:xfrm>
+          <a:prstGeom prst="rect">
+            <a:avLst/>
+          </a:prstGeom>
+          <a:blipFill dpi="0" rotWithShape="1">
+            <a:blip r:embed="rId2">
+              <a:alphaModFix amt="60000"/>
+              <a:lum bright="70000" contrast="-70000"/>
+              <a:extLst>
+                <a:ext uri="{BEBA8EAE-BF5A-486C-A8C5-ECC9F3942E4B}">
+                  <a14:imgProps xmlns:a14="http://schemas.microsoft.com/office/drawing/2010/main">
+                    <a14:imgLayer r:embed="rId3">
+                      <a14:imgEffect>
+                        <a14:sharpenSoften amount="61000"/>
+                      </a14:imgEffect>
+                    </a14:imgLayer>
+                  </a14:imgProps>
+                </a:ext>
+                <a:ext uri="{28A0092B-C50C-407E-A947-70E740481C1C}">
+                  <a14:useLocalDpi xmlns:a14="http://schemas.microsoft.com/office/drawing/2010/main" val="0"/>
+                </a:ext>
+              </a:extLst>
+            </a:blip>
+            <a:srcRect/>
+            <a:tile tx="0" ty="-704850" sx="92000" sy="89000" flip="xy" algn="ctr"/>
+          </a:blipFill>
+          <a:ln>
+            <a:noFill/>
+          </a:ln>
+        </p:spPr>
+        <p:style>
+          <a:lnRef idx="2">
+            <a:schemeClr val="accent1">
+              <a:shade val="50000"/>
+            </a:schemeClr>
+          </a:lnRef>
+          <a:fillRef idx="1">
+            <a:schemeClr val="accent1"/>
+          </a:fillRef>
+          <a:effectRef idx="0">
+            <a:schemeClr val="accent1"/>
+          </a:effectRef>
+          <a:fontRef idx="minor">
+            <a:schemeClr val="lt1"/>
+          </a:fontRef>
+        </p:style>
+        <p:txBody>
+          <a:bodyPr rtlCol="0" anchor="ctr"/>
+          <a:lstStyle/>
+          <a:p>
+            <a:pPr algn="ctr"/>
+            <a:endParaRPr lang="en-US"/>
+          </a:p>
+        </p:txBody>
+      </p:sp>
+      <p:sp>
+        <p:nvSpPr>
+          <p:cNvPr id="2" name="Title 1">
+            <a:extLst>
+              <a:ext uri="{FF2B5EF4-FFF2-40B4-BE49-F238E27FC236}">
+                <a16:creationId xmlns:a16="http://schemas.microsoft.com/office/drawing/2014/main" id="{B6887607-CBFD-411C-882C-568B660C6B0D}"/>
+              </a:ext>
+            </a:extLst>
+          </p:cNvPr>
+          <p:cNvSpPr>
+            <a:spLocks noGrp="1"/>
+          </p:cNvSpPr>
+          <p:nvPr>
+            <p:ph type="title"/>
+          </p:nvPr>
+        </p:nvSpPr>
+        <p:spPr>
+          <a:xfrm>
+            <a:off x="8086289" y="2048389"/>
+            <a:ext cx="3544035" cy="1609344"/>
+          </a:xfrm>
+          <a:ln>
+            <a:noFill/>
+          </a:ln>
+        </p:spPr>
+        <p:txBody>
+          <a:bodyPr>
+            <a:normAutofit/>
+          </a:bodyPr>
+          <a:lstStyle/>
+          <a:p>
+            <a:r>
+              <a:rPr lang="en-US" sz="3200" dirty="0"/>
+              <a:t>USERFORM for Data Entry</a:t>
+            </a:r>
+          </a:p>
+        </p:txBody>
+      </p:sp>
+      <p:pic>
+        <p:nvPicPr>
+          <p:cNvPr id="4" name="Picture 3">
+            <a:extLst>
+              <a:ext uri="{FF2B5EF4-FFF2-40B4-BE49-F238E27FC236}">
+                <a16:creationId xmlns:a16="http://schemas.microsoft.com/office/drawing/2014/main" id="{73DD8D90-E0F6-47F5-926A-B73776609755}"/>
+              </a:ext>
+            </a:extLst>
+          </p:cNvPr>
+          <p:cNvPicPr/>
+          <p:nvPr/>
+        </p:nvPicPr>
+        <p:blipFill>
+          <a:blip r:embed="rId4">
+            <a:extLst>
+              <a:ext uri="{28A0092B-C50C-407E-A947-70E740481C1C}">
+                <a14:useLocalDpi xmlns:a14="http://schemas.microsoft.com/office/drawing/2010/main" val="0"/>
+              </a:ext>
+            </a:extLst>
+          </a:blip>
+          <a:stretch>
+            <a:fillRect/>
+          </a:stretch>
+        </p:blipFill>
+        <p:spPr>
+          <a:xfrm>
+            <a:off x="633999" y="689316"/>
+            <a:ext cx="7202311" cy="5176911"/>
+          </a:xfrm>
+          <a:prstGeom prst="rect">
+            <a:avLst/>
+          </a:prstGeom>
+        </p:spPr>
+      </p:pic>
+      <p:grpSp>
+        <p:nvGrpSpPr>
+          <p:cNvPr id="24" name="Group 10">
+            <a:extLst>
+              <a:ext uri="{FF2B5EF4-FFF2-40B4-BE49-F238E27FC236}">
+                <a16:creationId xmlns:a16="http://schemas.microsoft.com/office/drawing/2014/main" id="{79532E44-64CD-4887-95E4-6D13510171F7}"/>
+              </a:ext>
+              <a:ext uri="{C183D7F6-B498-43B3-948B-1728B52AA6E4}">
+                <adec:decorative xmlns:adec="http://schemas.microsoft.com/office/drawing/2017/decorative" val="1"/>
+              </a:ext>
+            </a:extLst>
+          </p:cNvPr>
+          <p:cNvGrpSpPr>
+            <a:grpSpLocks noGrp="1" noUngrp="1" noRot="1" noChangeAspect="1" noMove="1" noResize="1"/>
+          </p:cNvGrpSpPr>
+          <p:nvPr>
+            <p:extLst>
+              <p:ext uri="{386F3935-93C4-4BCD-93E2-E3B085C9AB24}">
+                <p16:designElem xmlns:p16="http://schemas.microsoft.com/office/powerpoint/2015/main" val="1"/>
+              </p:ext>
+            </p:extLst>
+          </p:nvPr>
+        </p:nvGrpSpPr>
+        <p:grpSpPr>
+          <a:xfrm>
+            <a:off x="11401725" y="6229681"/>
+            <a:ext cx="457200" cy="457200"/>
+            <a:chOff x="11361456" y="6195813"/>
+            <a:chExt cx="548640" cy="548640"/>
+          </a:xfrm>
+        </p:grpSpPr>
+        <p:sp>
+          <p:nvSpPr>
+            <p:cNvPr id="12" name="Oval 11">
+              <a:extLst>
+                <a:ext uri="{FF2B5EF4-FFF2-40B4-BE49-F238E27FC236}">
+                  <a16:creationId xmlns:a16="http://schemas.microsoft.com/office/drawing/2014/main" id="{35C2F53F-F2F7-4BC7-88F8-CCFD6D3CB58A}"/>
+                </a:ext>
+                <a:ext uri="{C183D7F6-B498-43B3-948B-1728B52AA6E4}">
+                  <adec:decorative xmlns:adec="http://schemas.microsoft.com/office/drawing/2017/decorative" val="1"/>
+                </a:ext>
+              </a:extLst>
+            </p:cNvPr>
+            <p:cNvSpPr/>
+            <p:nvPr>
+              <p:extLst>
+                <p:ext uri="{386F3935-93C4-4BCD-93E2-E3B085C9AB24}">
+                  <p16:designElem xmlns:p16="http://schemas.microsoft.com/office/powerpoint/2015/main" val="1"/>
+                </p:ext>
+              </p:extLst>
+            </p:nvPr>
+          </p:nvSpPr>
+          <p:spPr>
+            <a:xfrm>
+              <a:off x="11361456" y="6195813"/>
+              <a:ext cx="548640" cy="548640"/>
+            </a:xfrm>
+            <a:prstGeom prst="ellipse">
+              <a:avLst/>
+            </a:prstGeom>
+            <a:blipFill dpi="0" rotWithShape="1">
+              <a:blip r:embed="rId5">
+                <a:duotone>
+                  <a:schemeClr val="accent2">
+                    <a:shade val="45000"/>
+                    <a:satMod val="135000"/>
+                  </a:schemeClr>
+                  <a:prstClr val="white"/>
+                </a:duotone>
+              </a:blip>
+              <a:srcRect/>
+              <a:tile tx="50800" ty="0" sx="85000" sy="85000" flip="none" algn="tl"/>
+            </a:blipFill>
+            <a:ln w="25400" cap="flat" cmpd="sng" algn="ctr">
+              <a:noFill/>
+              <a:prstDash val="solid"/>
+            </a:ln>
+            <a:effectLst/>
+          </p:spPr>
+          <p:txBody>
+            <a:bodyPr lIns="0" tIns="0" rIns="0" bIns="0" rtlCol="0" anchor="ctr"/>
+            <a:lstStyle/>
+            <a:p>
+              <a:pPr marL="0" marR="0" lvl="0" indent="0" algn="ctr" defTabSz="914400" eaLnBrk="1" fontAlgn="auto" latinLnBrk="0" hangingPunct="1">
+                <a:lnSpc>
+                  <a:spcPct val="100000"/>
+                </a:lnSpc>
+                <a:spcBef>
+                  <a:spcPts val="0"/>
+                </a:spcBef>
+                <a:spcAft>
+                  <a:spcPts val="0"/>
+                </a:spcAft>
+                <a:buClrTx/>
+                <a:buSzTx/>
+                <a:buFontTx/>
+                <a:buNone/>
+                <a:tabLst/>
+                <a:defRPr/>
+              </a:pPr>
+              <a:endParaRPr kumimoji="0" lang="en-US" sz="2000" b="0" i="0" u="none" strike="noStrike" kern="0" cap="none" spc="0" normalizeH="0" baseline="0" noProof="0" dirty="0">
+                <a:ln>
+                  <a:noFill/>
+                </a:ln>
+                <a:solidFill>
+                  <a:prstClr val="white"/>
+                </a:solidFill>
+                <a:effectLst/>
+                <a:uLnTx/>
+                <a:uFillTx/>
+                <a:latin typeface="Rockwell Extra Bold" pitchFamily="18" charset="0"/>
+                <a:ea typeface="+mn-ea"/>
+                <a:cs typeface="+mn-cs"/>
+              </a:endParaRPr>
+            </a:p>
+          </p:txBody>
+        </p:sp>
+        <p:sp>
+          <p:nvSpPr>
+            <p:cNvPr id="25" name="Oval 12">
+              <a:extLst>
+                <a:ext uri="{FF2B5EF4-FFF2-40B4-BE49-F238E27FC236}">
+                  <a16:creationId xmlns:a16="http://schemas.microsoft.com/office/drawing/2014/main" id="{9B3675A9-8FB2-4982-9BE7-47E456D0D38D}"/>
+                </a:ext>
+                <a:ext uri="{C183D7F6-B498-43B3-948B-1728B52AA6E4}">
+                  <adec:decorative xmlns:adec="http://schemas.microsoft.com/office/drawing/2017/decorative" val="1"/>
+                </a:ext>
+              </a:extLst>
+            </p:cNvPr>
+            <p:cNvSpPr/>
+            <p:nvPr>
+              <p:extLst>
+                <p:ext uri="{386F3935-93C4-4BCD-93E2-E3B085C9AB24}">
+                  <p16:designElem xmlns:p16="http://schemas.microsoft.com/office/powerpoint/2015/main" val="1"/>
+                </p:ext>
+              </p:extLst>
+            </p:nvPr>
+          </p:nvSpPr>
+          <p:spPr>
+            <a:xfrm>
+              <a:off x="11396488" y="6230844"/>
+              <a:ext cx="478576" cy="478578"/>
+            </a:xfrm>
+            <a:prstGeom prst="ellipse">
+              <a:avLst/>
+            </a:prstGeom>
+            <a:noFill/>
+            <a:ln w="12700" cap="flat" cmpd="sng" algn="ctr">
+              <a:solidFill>
+                <a:srgbClr val="FFFFFF"/>
+              </a:solidFill>
+              <a:prstDash val="solid"/>
+            </a:ln>
+            <a:effectLst/>
+          </p:spPr>
+          <p:txBody>
+            <a:bodyPr rtlCol="0" anchor="ctr"/>
+            <a:lstStyle/>
+            <a:p>
+              <a:pPr marL="0" marR="0" lvl="0" indent="0" algn="ctr" defTabSz="914400" eaLnBrk="1" fontAlgn="auto" latinLnBrk="0" hangingPunct="1">
+                <a:lnSpc>
+                  <a:spcPct val="100000"/>
+                </a:lnSpc>
+                <a:spcBef>
+                  <a:spcPts val="0"/>
+                </a:spcBef>
+                <a:spcAft>
+                  <a:spcPts val="0"/>
+                </a:spcAft>
+                <a:buClrTx/>
+                <a:buSzTx/>
+                <a:buFontTx/>
+                <a:buNone/>
+                <a:tabLst/>
+                <a:defRPr/>
+              </a:pPr>
+              <a:endParaRPr kumimoji="0" lang="en-US" sz="1800" b="0" i="0" u="none" strike="noStrike" kern="0" cap="none" spc="0" normalizeH="0" baseline="0" noProof="0" dirty="0">
+                <a:ln>
+                  <a:noFill/>
+                </a:ln>
+                <a:solidFill>
+                  <a:prstClr val="white"/>
+                </a:solidFill>
+                <a:effectLst/>
+                <a:uLnTx/>
+                <a:uFillTx/>
+                <a:latin typeface="Calibri"/>
+                <a:ea typeface="+mn-ea"/>
+                <a:cs typeface="+mn-cs"/>
+              </a:endParaRPr>
+            </a:p>
+          </p:txBody>
+        </p:sp>
+      </p:grpSp>
+    </p:spTree>
+    <p:extLst>
+      <p:ext uri="{BB962C8B-B14F-4D97-AF65-F5344CB8AC3E}">
+        <p14:creationId xmlns:p14="http://schemas.microsoft.com/office/powerpoint/2010/main" val="2234316490"/>
+      </p:ext>
+    </p:extLst>
+  </p:cSld>
+  <p:clrMapOvr>
+    <a:masterClrMapping/>
+  </p:clrMapOvr>
+</p:sld>
+</file>
+
+<file path=ppt/slides/slide8.xml><?xml version="1.0" encoding="utf-8"?>
+<p:sld xmlns:a="http://schemas.openxmlformats.org/drawingml/2006/main" xmlns:r="http://schemas.openxmlformats.org/officeDocument/2006/relationships" xmlns:p="http://schemas.openxmlformats.org/presentationml/2006/main">
+  <p:cSld>
+    <p:bg>
+      <p:bgPr>
+        <a:solidFill>
+          <a:schemeClr val="bg1"/>
+        </a:solidFill>
+        <a:effectLst/>
+      </p:bgPr>
+    </p:bg>
+    <p:spTree>
+      <p:nvGrpSpPr>
+        <p:cNvPr id="1" name=""/>
+        <p:cNvGrpSpPr/>
+        <p:nvPr/>
+      </p:nvGrpSpPr>
+      <p:grpSpPr>
+        <a:xfrm>
+          <a:off x="0" y="0"/>
+          <a:ext cx="0" cy="0"/>
+          <a:chOff x="0" y="0"/>
+          <a:chExt cx="0" cy="0"/>
+        </a:xfrm>
+      </p:grpSpPr>
+      <p:sp useBgFill="1">
+        <p:nvSpPr>
+          <p:cNvPr id="8" name="Rectangle 7">
+            <a:extLst>
+              <a:ext uri="{FF2B5EF4-FFF2-40B4-BE49-F238E27FC236}">
+                <a16:creationId xmlns:a16="http://schemas.microsoft.com/office/drawing/2014/main" id="{3C06EAFD-0C69-4B3B-BEA7-E7E11DDF9C43}"/>
+              </a:ext>
+              <a:ext uri="{C183D7F6-B498-43B3-948B-1728B52AA6E4}">
+                <adec:decorative xmlns:adec="http://schemas.microsoft.com/office/drawing/2017/decorative" val="1"/>
+              </a:ext>
+            </a:extLst>
+          </p:cNvPr>
+          <p:cNvSpPr>
+            <a:spLocks noGrp="1" noRot="1" noChangeAspect="1" noMove="1" noResize="1" noEditPoints="1" noAdjustHandles="1" noChangeArrowheads="1" noChangeShapeType="1" noTextEdit="1"/>
+          </p:cNvSpPr>
+          <p:nvPr>
+            <p:extLst>
+              <p:ext uri="{386F3935-93C4-4BCD-93E2-E3B085C9AB24}">
+                <p16:designElem xmlns:p16="http://schemas.microsoft.com/office/powerpoint/2015/main" val="1"/>
+              </p:ext>
+            </p:extLst>
+          </p:nvPr>
+        </p:nvSpPr>
+        <p:spPr>
+          <a:xfrm>
+            <a:off x="0" y="0"/>
+            <a:ext cx="12188952" cy="6858000"/>
+          </a:xfrm>
+          <a:prstGeom prst="rect">
+            <a:avLst/>
+          </a:prstGeom>
+          <a:ln>
+            <a:noFill/>
+          </a:ln>
+        </p:spPr>
+        <p:style>
+          <a:lnRef idx="2">
+            <a:schemeClr val="accent1">
+              <a:shade val="50000"/>
+            </a:schemeClr>
+          </a:lnRef>
+          <a:fillRef idx="1">
+            <a:schemeClr val="accent1"/>
+          </a:fillRef>
+          <a:effectRef idx="0">
+            <a:schemeClr val="accent1"/>
+          </a:effectRef>
+          <a:fontRef idx="minor">
+            <a:schemeClr val="lt1"/>
+          </a:fontRef>
+        </p:style>
+        <p:txBody>
+          <a:bodyPr rtlCol="0" anchor="ctr"/>
+          <a:lstStyle/>
+          <a:p>
+            <a:pPr algn="ctr"/>
+            <a:endParaRPr lang="en-US"/>
+          </a:p>
+        </p:txBody>
+      </p:sp>
+      <p:sp>
+        <p:nvSpPr>
+          <p:cNvPr id="10" name="Rectangle 9">
+            <a:extLst>
+              <a:ext uri="{FF2B5EF4-FFF2-40B4-BE49-F238E27FC236}">
+                <a16:creationId xmlns:a16="http://schemas.microsoft.com/office/drawing/2014/main" id="{A4066C89-42FB-4624-9AFE-3A31B36491B5}"/>
+              </a:ext>
+              <a:ext uri="{C183D7F6-B498-43B3-948B-1728B52AA6E4}">
+                <adec:decorative xmlns:adec="http://schemas.microsoft.com/office/drawing/2017/decorative" val="1"/>
+              </a:ext>
+            </a:extLst>
+          </p:cNvPr>
+          <p:cNvSpPr>
+            <a:spLocks noGrp="1" noRot="1" noChangeAspect="1" noMove="1" noResize="1" noEditPoints="1" noAdjustHandles="1" noChangeArrowheads="1" noChangeShapeType="1" noTextEdit="1"/>
+          </p:cNvSpPr>
+          <p:nvPr>
+            <p:extLst>
+              <p:ext uri="{386F3935-93C4-4BCD-93E2-E3B085C9AB24}">
+                <p16:designElem xmlns:p16="http://schemas.microsoft.com/office/powerpoint/2015/main" val="1"/>
+              </p:ext>
+            </p:extLst>
+          </p:nvPr>
+        </p:nvSpPr>
+        <p:spPr>
+          <a:xfrm>
+            <a:off x="3344" y="0"/>
+            <a:ext cx="4648169" cy="6858000"/>
+          </a:xfrm>
+          <a:prstGeom prst="rect">
+            <a:avLst/>
+          </a:prstGeom>
+          <a:blipFill dpi="0" rotWithShape="1">
+            <a:blip r:embed="rId2">
+              <a:duotone>
+                <a:schemeClr val="accent1">
+                  <a:shade val="45000"/>
+                  <a:satMod val="135000"/>
+                </a:schemeClr>
+                <a:prstClr val="white"/>
+              </a:duotone>
+              <a:extLst>
+                <a:ext uri="{BEBA8EAE-BF5A-486C-A8C5-ECC9F3942E4B}">
+                  <a14:imgProps xmlns:a14="http://schemas.microsoft.com/office/drawing/2010/main">
+                    <a14:imgLayer r:embed="rId3">
+                      <a14:imgEffect>
+                        <a14:saturation sat="400000"/>
+                      </a14:imgEffect>
+                      <a14:imgEffect>
+                        <a14:brightnessContrast bright="-40000" contrast="40000"/>
+                      </a14:imgEffect>
+                    </a14:imgLayer>
+                  </a14:imgProps>
+                </a:ext>
+              </a:extLst>
+            </a:blip>
+            <a:srcRect/>
+            <a:tile tx="0" ty="0" sx="85000" sy="85000" flip="none" algn="tl"/>
+          </a:blipFill>
+          <a:ln w="25400" cap="flat" cmpd="sng" algn="ctr">
+            <a:noFill/>
+            <a:prstDash val="solid"/>
+          </a:ln>
+          <a:effectLst/>
+        </p:spPr>
+        <p:txBody>
+          <a:bodyPr lIns="0" tIns="0" rIns="0" bIns="0" rtlCol="0" anchor="ctr"/>
+          <a:lstStyle/>
+          <a:p>
+            <a:pPr algn="ctr" defTabSz="914400"/>
+            <a:endParaRPr lang="en-US" sz="2000" kern="0">
+              <a:solidFill>
+                <a:prstClr val="white"/>
+              </a:solidFill>
+              <a:latin typeface="Rockwell Extra Bold" pitchFamily="18" charset="0"/>
+            </a:endParaRPr>
+          </a:p>
+        </p:txBody>
+      </p:sp>
+      <p:sp>
+        <p:nvSpPr>
+          <p:cNvPr id="2" name="Title 1">
+            <a:extLst>
+              <a:ext uri="{FF2B5EF4-FFF2-40B4-BE49-F238E27FC236}">
+                <a16:creationId xmlns:a16="http://schemas.microsoft.com/office/drawing/2014/main" id="{B640094B-6A3F-4F98-86E7-0B58EDB06832}"/>
+              </a:ext>
+            </a:extLst>
+          </p:cNvPr>
+          <p:cNvSpPr>
+            <a:spLocks noGrp="1"/>
+          </p:cNvSpPr>
+          <p:nvPr>
+            <p:ph type="title"/>
+          </p:nvPr>
+        </p:nvSpPr>
+        <p:spPr>
+          <a:xfrm>
+            <a:off x="643468" y="643466"/>
+            <a:ext cx="3686312" cy="5528734"/>
+          </a:xfrm>
+        </p:spPr>
+        <p:txBody>
+          <a:bodyPr>
+            <a:normAutofit/>
+          </a:bodyPr>
+          <a:lstStyle/>
+          <a:p>
+            <a:pPr algn="r"/>
+            <a:r>
+              <a:rPr lang="en-US" sz="4100">
+                <a:solidFill>
+                  <a:srgbClr val="FFFFFF"/>
+                </a:solidFill>
+              </a:rPr>
+              <a:t>Methodology (Continued)</a:t>
+            </a:r>
+          </a:p>
+        </p:txBody>
+      </p:sp>
+      <p:sp>
+        <p:nvSpPr>
+          <p:cNvPr id="3" name="Content Placeholder 2">
+            <a:extLst>
+              <a:ext uri="{FF2B5EF4-FFF2-40B4-BE49-F238E27FC236}">
+                <a16:creationId xmlns:a16="http://schemas.microsoft.com/office/drawing/2014/main" id="{B7B10B13-E28E-4960-BE59-9838056DB19B}"/>
+              </a:ext>
+            </a:extLst>
+          </p:cNvPr>
+          <p:cNvSpPr>
+            <a:spLocks noGrp="1"/>
+          </p:cNvSpPr>
+          <p:nvPr>
+            <p:ph idx="1"/>
+          </p:nvPr>
+        </p:nvSpPr>
+        <p:spPr>
+          <a:xfrm>
+            <a:off x="5053780" y="599768"/>
+            <a:ext cx="6074467" cy="5572432"/>
+          </a:xfrm>
+        </p:spPr>
+        <p:txBody>
+          <a:bodyPr anchor="ctr">
+            <a:normAutofit/>
+          </a:bodyPr>
+          <a:lstStyle/>
+          <a:p>
+            <a:r>
+              <a:rPr lang="en-US" b="1" dirty="0">
+                <a:solidFill>
+                  <a:srgbClr val="0070C0"/>
+                </a:solidFill>
+                <a:hlinkClick r:id="rId4">
+                  <a:extLst>
+                    <a:ext uri="{A12FA001-AC4F-418D-AE19-62706E023703}">
+                      <ahyp:hlinkClr xmlns:ahyp="http://schemas.microsoft.com/office/drawing/2018/hyperlinkcolor" val="tx"/>
+                    </a:ext>
+                  </a:extLst>
+                </a:hlinkClick>
+              </a:rPr>
+              <a:t>Stage 2 (Python-Based Design)</a:t>
+            </a:r>
+            <a:endParaRPr lang="en-US" b="1" dirty="0">
+              <a:solidFill>
+                <a:srgbClr val="0070C0"/>
+              </a:solidFill>
+            </a:endParaRPr>
+          </a:p>
+          <a:p>
+            <a:r>
+              <a:rPr lang="en-US" dirty="0"/>
+              <a:t>This stage involves the deployment of the process on the web for portability.</a:t>
+            </a:r>
+          </a:p>
+          <a:p>
+            <a:r>
+              <a:rPr lang="en-US" dirty="0"/>
+              <a:t>All procedural and logical activities highlighted in stage 1 are carried out using Python</a:t>
+            </a:r>
+          </a:p>
+          <a:p>
+            <a:r>
+              <a:rPr lang="en-US" dirty="0"/>
+              <a:t>A front-end web developer will then create a webpage for user interaction.</a:t>
+            </a:r>
+          </a:p>
+          <a:p>
+            <a:r>
+              <a:rPr lang="en-US" dirty="0"/>
+              <a:t>The development and simulation is carried out in </a:t>
+            </a:r>
+            <a:r>
+              <a:rPr lang="en-US" dirty="0" err="1"/>
+              <a:t>Jupyter</a:t>
+            </a:r>
+            <a:r>
+              <a:rPr lang="en-US" dirty="0"/>
+              <a:t> Notebook.</a:t>
+            </a:r>
+          </a:p>
+          <a:p>
+            <a:r>
+              <a:rPr lang="en-US" dirty="0"/>
+              <a:t>The report is automatically available for download after the input information has been entered and submitted.</a:t>
+            </a:r>
+          </a:p>
+          <a:p>
+            <a:r>
+              <a:rPr lang="en-US" dirty="0"/>
+              <a:t>The python script can be viewed on </a:t>
+            </a:r>
+            <a:r>
+              <a:rPr lang="en-US" dirty="0">
+                <a:solidFill>
+                  <a:srgbClr val="0070C0"/>
+                </a:solidFill>
+                <a:hlinkClick r:id="rId4">
+                  <a:extLst>
+                    <a:ext uri="{A12FA001-AC4F-418D-AE19-62706E023703}">
+                      <ahyp:hlinkClr xmlns:ahyp="http://schemas.microsoft.com/office/drawing/2018/hyperlinkcolor" val="tx"/>
+                    </a:ext>
+                  </a:extLst>
+                </a:hlinkClick>
+              </a:rPr>
+              <a:t>GitHub</a:t>
+            </a:r>
+            <a:endParaRPr lang="en-US" dirty="0">
+              <a:solidFill>
+                <a:srgbClr val="0070C0"/>
+              </a:solidFill>
+            </a:endParaRPr>
+          </a:p>
+        </p:txBody>
+      </p:sp>
+      <p:sp>
+        <p:nvSpPr>
+          <p:cNvPr id="12" name="Oval 11">
+            <a:extLst>
+              <a:ext uri="{FF2B5EF4-FFF2-40B4-BE49-F238E27FC236}">
+                <a16:creationId xmlns:a16="http://schemas.microsoft.com/office/drawing/2014/main" id="{BA218FBC-B2D6-48CA-9289-C4110162EDAD}"/>
+              </a:ext>
+              <a:ext uri="{C183D7F6-B498-43B3-948B-1728B52AA6E4}">
+                <adec:decorative xmlns:adec="http://schemas.microsoft.com/office/drawing/2017/decorative" val="1"/>
+              </a:ext>
+            </a:extLst>
+          </p:cNvPr>
+          <p:cNvSpPr>
+            <a:spLocks noGrp="1" noRot="1" noChangeAspect="1" noMove="1" noResize="1" noEditPoints="1" noAdjustHandles="1" noChangeArrowheads="1" noChangeShapeType="1" noTextEdit="1"/>
+          </p:cNvSpPr>
+          <p:nvPr>
+            <p:extLst>
+              <p:ext uri="{386F3935-93C4-4BCD-93E2-E3B085C9AB24}">
+                <p16:designElem xmlns:p16="http://schemas.microsoft.com/office/powerpoint/2015/main" val="1"/>
+              </p:ext>
+            </p:extLst>
+          </p:nvPr>
+        </p:nvSpPr>
+        <p:spPr>
+          <a:xfrm>
+            <a:off x="11401725" y="6229681"/>
+            <a:ext cx="457200" cy="457200"/>
+          </a:xfrm>
+          <a:prstGeom prst="ellipse">
+            <a:avLst/>
+          </a:prstGeom>
+          <a:blipFill dpi="0" rotWithShape="1">
+            <a:blip r:embed="rId5">
+              <a:duotone>
+                <a:schemeClr val="accent1">
+                  <a:shade val="45000"/>
+                  <a:satMod val="135000"/>
+                </a:schemeClr>
+                <a:prstClr val="white"/>
+              </a:duotone>
+            </a:blip>
+            <a:srcRect/>
+            <a:tile tx="50800" ty="0" sx="85000" sy="85000" flip="none" algn="tl"/>
+          </a:blipFill>
+          <a:ln w="25400" cap="flat" cmpd="sng" algn="ctr">
+            <a:noFill/>
+            <a:prstDash val="solid"/>
+          </a:ln>
+          <a:effectLst/>
+        </p:spPr>
+        <p:txBody>
+          <a:bodyPr lIns="0" tIns="0" rIns="0" bIns="0" rtlCol="0" anchor="ctr"/>
+          <a:lstStyle/>
+          <a:p>
+            <a:pPr marL="0" marR="0" lvl="0" indent="0" algn="ctr" defTabSz="914400" eaLnBrk="1" fontAlgn="auto" latinLnBrk="0" hangingPunct="1">
+              <a:lnSpc>
+                <a:spcPct val="100000"/>
+              </a:lnSpc>
+              <a:spcBef>
+                <a:spcPts val="0"/>
+              </a:spcBef>
+              <a:spcAft>
+                <a:spcPts val="0"/>
+              </a:spcAft>
+              <a:buClrTx/>
+              <a:buSzTx/>
+              <a:buFontTx/>
+              <a:buNone/>
+              <a:tabLst/>
+              <a:defRPr/>
+            </a:pPr>
+            <a:endParaRPr kumimoji="0" lang="en-US" sz="2000" b="0" i="0" u="none" strike="noStrike" kern="0" cap="none" spc="0" normalizeH="0" baseline="0" noProof="0" dirty="0">
+              <a:ln>
+                <a:noFill/>
+              </a:ln>
+              <a:solidFill>
+                <a:prstClr val="white"/>
+              </a:solidFill>
+              <a:effectLst/>
+              <a:uLnTx/>
+              <a:uFillTx/>
+              <a:latin typeface="Rockwell Extra Bold" pitchFamily="18" charset="0"/>
+              <a:ea typeface="+mn-ea"/>
+              <a:cs typeface="+mn-cs"/>
+            </a:endParaRPr>
+          </a:p>
+        </p:txBody>
+      </p:sp>
+      <p:sp>
+        <p:nvSpPr>
+          <p:cNvPr id="14" name="Oval 13">
+            <a:extLst>
+              <a:ext uri="{FF2B5EF4-FFF2-40B4-BE49-F238E27FC236}">
+                <a16:creationId xmlns:a16="http://schemas.microsoft.com/office/drawing/2014/main" id="{2DED9084-49DA-4911-ACB7-5F9E4DEFA039}"/>
+              </a:ext>
+              <a:ext uri="{C183D7F6-B498-43B3-948B-1728B52AA6E4}">
+                <adec:decorative xmlns:adec="http://schemas.microsoft.com/office/drawing/2017/decorative" val="1"/>
+              </a:ext>
+            </a:extLst>
+          </p:cNvPr>
+          <p:cNvSpPr>
+            <a:spLocks noGrp="1" noRot="1" noChangeAspect="1" noMove="1" noResize="1" noEditPoints="1" noAdjustHandles="1" noChangeArrowheads="1" noChangeShapeType="1" noTextEdit="1"/>
+          </p:cNvSpPr>
+          <p:nvPr>
+            <p:extLst>
+              <p:ext uri="{386F3935-93C4-4BCD-93E2-E3B085C9AB24}">
+                <p16:designElem xmlns:p16="http://schemas.microsoft.com/office/powerpoint/2015/main" val="1"/>
+              </p:ext>
+            </p:extLst>
+          </p:nvPr>
+        </p:nvSpPr>
+        <p:spPr>
+          <a:xfrm>
+            <a:off x="11430918" y="6258874"/>
+            <a:ext cx="398813" cy="398815"/>
+          </a:xfrm>
+          <a:prstGeom prst="ellipse">
+            <a:avLst/>
+          </a:prstGeom>
+          <a:noFill/>
+          <a:ln w="12700" cap="flat" cmpd="sng" algn="ctr">
+            <a:solidFill>
+              <a:srgbClr val="FFFFFF"/>
+            </a:solidFill>
+            <a:prstDash val="solid"/>
+          </a:ln>
+          <a:effectLst/>
+        </p:spPr>
+        <p:txBody>
+          <a:bodyPr rtlCol="0" anchor="ctr"/>
+          <a:lstStyle/>
+          <a:p>
+            <a:pPr marL="0" marR="0" lvl="0" indent="0" algn="ctr" defTabSz="914400" eaLnBrk="1" fontAlgn="auto" latinLnBrk="0" hangingPunct="1">
+              <a:lnSpc>
+                <a:spcPct val="100000"/>
+              </a:lnSpc>
+              <a:spcBef>
+                <a:spcPts val="0"/>
+              </a:spcBef>
+              <a:spcAft>
+                <a:spcPts val="0"/>
+              </a:spcAft>
+              <a:buClrTx/>
+              <a:buSzTx/>
+              <a:buFontTx/>
+              <a:buNone/>
+              <a:tabLst/>
+              <a:defRPr/>
+            </a:pPr>
+            <a:endParaRPr kumimoji="0" lang="en-US" sz="1800" b="0" i="0" u="none" strike="noStrike" kern="0" cap="none" spc="0" normalizeH="0" baseline="0" noProof="0" dirty="0">
+              <a:ln>
+                <a:noFill/>
+              </a:ln>
+              <a:solidFill>
+                <a:prstClr val="white"/>
+              </a:solidFill>
+              <a:effectLst/>
+              <a:uLnTx/>
+              <a:uFillTx/>
+              <a:latin typeface="Calibri"/>
+              <a:ea typeface="+mn-ea"/>
+              <a:cs typeface="+mn-cs"/>
+            </a:endParaRPr>
+          </a:p>
+        </p:txBody>
+      </p:sp>
+    </p:spTree>
+    <p:extLst>
+      <p:ext uri="{BB962C8B-B14F-4D97-AF65-F5344CB8AC3E}">
+        <p14:creationId xmlns:p14="http://schemas.microsoft.com/office/powerpoint/2010/main" val="944279360"/>
+      </p:ext>
+    </p:extLst>
+  </p:cSld>
+  <p:clrMapOvr>
+    <a:masterClrMapping/>
+  </p:clrMapOvr>
+</p:sld>
+</file>
+
+<file path=ppt/slides/slide9.xml><?xml version="1.0" encoding="utf-8"?>
+<p:sld xmlns:a="http://schemas.openxmlformats.org/drawingml/2006/main" xmlns:r="http://schemas.openxmlformats.org/officeDocument/2006/relationships" xmlns:p="http://schemas.openxmlformats.org/presentationml/2006/main">
+  <p:cSld>
+    <p:bg>
+      <p:bgPr>
+        <a:solidFill>
+          <a:schemeClr val="bg1"/>
+        </a:solidFill>
+        <a:effectLst/>
+      </p:bgPr>
+    </p:bg>
+    <p:spTree>
+      <p:nvGrpSpPr>
+        <p:cNvPr id="1" name=""/>
+        <p:cNvGrpSpPr/>
+        <p:nvPr/>
+      </p:nvGrpSpPr>
+      <p:grpSpPr>
+        <a:xfrm>
+          <a:off x="0" y="0"/>
+          <a:ext cx="0" cy="0"/>
+          <a:chOff x="0" y="0"/>
+          <a:chExt cx="0" cy="0"/>
+        </a:xfrm>
+      </p:grpSpPr>
+      <p:sp>
+        <p:nvSpPr>
+          <p:cNvPr id="10" name="Rectangle 9">
+            <a:extLst>
+              <a:ext uri="{FF2B5EF4-FFF2-40B4-BE49-F238E27FC236}">
+                <a16:creationId xmlns:a16="http://schemas.microsoft.com/office/drawing/2014/main" id="{C9E61CF6-8F07-4962-9613-3E030E3AE360}"/>
+              </a:ext>
+              <a:ext uri="{C183D7F6-B498-43B3-948B-1728B52AA6E4}">
+                <adec:decorative xmlns:adec="http://schemas.microsoft.com/office/drawing/2017/decorative" val="1"/>
+              </a:ext>
+            </a:extLst>
+          </p:cNvPr>
+          <p:cNvSpPr>
+            <a:spLocks noGrp="1" noRot="1" noChangeAspect="1" noMove="1" noResize="1" noEditPoints="1" noAdjustHandles="1" noChangeArrowheads="1" noChangeShapeType="1" noTextEdit="1"/>
+          </p:cNvSpPr>
+          <p:nvPr>
+            <p:extLst>
+              <p:ext uri="{386F3935-93C4-4BCD-93E2-E3B085C9AB24}">
+                <p16:designElem xmlns:p16="http://schemas.microsoft.com/office/powerpoint/2015/main" val="1"/>
+              </p:ext>
+            </p:extLst>
+          </p:nvPr>
+        </p:nvSpPr>
+        <p:spPr>
+          <a:xfrm>
+            <a:off x="7836310" y="0"/>
+            <a:ext cx="4355689" cy="6857999"/>
+          </a:xfrm>
+          <a:prstGeom prst="rect">
+            <a:avLst/>
+          </a:prstGeom>
+          <a:blipFill dpi="0" rotWithShape="1">
+            <a:blip r:embed="rId2">
+              <a:alphaModFix amt="60000"/>
+              <a:lum bright="70000" contrast="-70000"/>
+              <a:extLst>
+                <a:ext uri="{BEBA8EAE-BF5A-486C-A8C5-ECC9F3942E4B}">
+                  <a14:imgProps xmlns:a14="http://schemas.microsoft.com/office/drawing/2010/main">
+                    <a14:imgLayer r:embed="rId3">
+                      <a14:imgEffect>
+                        <a14:sharpenSoften amount="61000"/>
+                      </a14:imgEffect>
+                    </a14:imgLayer>
+                  </a14:imgProps>
+                </a:ext>
+                <a:ext uri="{28A0092B-C50C-407E-A947-70E740481C1C}">
+                  <a14:useLocalDpi xmlns:a14="http://schemas.microsoft.com/office/drawing/2010/main" val="0"/>
+                </a:ext>
+              </a:extLst>
+            </a:blip>
+            <a:srcRect/>
+            <a:tile tx="0" ty="-704850" sx="92000" sy="89000" flip="xy" algn="ctr"/>
+          </a:blipFill>
+          <a:ln>
+            <a:noFill/>
+          </a:ln>
+        </p:spPr>
+        <p:style>
+          <a:lnRef idx="2">
+            <a:schemeClr val="accent1">
+              <a:shade val="50000"/>
+            </a:schemeClr>
+          </a:lnRef>
+          <a:fillRef idx="1">
+            <a:schemeClr val="accent1"/>
+          </a:fillRef>
+          <a:effectRef idx="0">
+            <a:schemeClr val="accent1"/>
+          </a:effectRef>
+          <a:fontRef idx="minor">
+            <a:schemeClr val="lt1"/>
+          </a:fontRef>
+        </p:style>
+        <p:txBody>
+          <a:bodyPr rtlCol="0" anchor="ctr"/>
+          <a:lstStyle/>
+          <a:p>
+            <a:pPr algn="ctr"/>
+            <a:endParaRPr lang="en-US"/>
+          </a:p>
+        </p:txBody>
+      </p:sp>
+      <p:sp>
+        <p:nvSpPr>
+          <p:cNvPr id="2" name="Title 1">
+            <a:extLst>
+              <a:ext uri="{FF2B5EF4-FFF2-40B4-BE49-F238E27FC236}">
+                <a16:creationId xmlns:a16="http://schemas.microsoft.com/office/drawing/2014/main" id="{72CBAFFB-7342-43FA-9A4E-A5B11A4EA61F}"/>
+              </a:ext>
+            </a:extLst>
+          </p:cNvPr>
+          <p:cNvSpPr>
+            <a:spLocks noGrp="1"/>
+          </p:cNvSpPr>
+          <p:nvPr>
+            <p:ph type="title"/>
+          </p:nvPr>
+        </p:nvSpPr>
+        <p:spPr>
+          <a:xfrm>
+            <a:off x="8479777" y="639763"/>
+            <a:ext cx="3196408" cy="5177377"/>
+          </a:xfrm>
+          <a:ln>
+            <a:noFill/>
+          </a:ln>
+        </p:spPr>
+        <p:txBody>
+          <a:bodyPr>
+            <a:normAutofit/>
+          </a:bodyPr>
+          <a:lstStyle/>
+          <a:p>
+            <a:r>
+              <a:rPr lang="en-US" sz="3400" dirty="0"/>
+              <a:t>VALUE PROPOSITIONS</a:t>
+            </a:r>
+          </a:p>
+        </p:txBody>
+      </p:sp>
+      <p:grpSp>
+        <p:nvGrpSpPr>
+          <p:cNvPr id="12" name="Group 11">
+            <a:extLst>
+              <a:ext uri="{FF2B5EF4-FFF2-40B4-BE49-F238E27FC236}">
+                <a16:creationId xmlns:a16="http://schemas.microsoft.com/office/drawing/2014/main" id="{693D30EF-116A-4B76-BB80-8E43340D4952}"/>
+              </a:ext>
+              <a:ext uri="{C183D7F6-B498-43B3-948B-1728B52AA6E4}">
+                <adec:decorative xmlns:adec="http://schemas.microsoft.com/office/drawing/2017/decorative" val="1"/>
+              </a:ext>
+            </a:extLst>
+          </p:cNvPr>
+          <p:cNvGrpSpPr>
+            <a:grpSpLocks noGrp="1" noUngrp="1" noRot="1" noChangeAspect="1" noMove="1" noResize="1"/>
+          </p:cNvGrpSpPr>
+          <p:nvPr>
+            <p:extLst>
+              <p:ext uri="{386F3935-93C4-4BCD-93E2-E3B085C9AB24}">
+                <p16:designElem xmlns:p16="http://schemas.microsoft.com/office/powerpoint/2015/main" val="1"/>
+              </p:ext>
+            </p:extLst>
+          </p:nvPr>
+        </p:nvGrpSpPr>
+        <p:grpSpPr>
+          <a:xfrm>
+            <a:off x="11401725" y="6229681"/>
+            <a:ext cx="457200" cy="457200"/>
+            <a:chOff x="11361456" y="6195813"/>
+            <a:chExt cx="548640" cy="548640"/>
+          </a:xfrm>
+        </p:grpSpPr>
+        <p:sp>
+          <p:nvSpPr>
+            <p:cNvPr id="13" name="Oval 12">
+              <a:extLst>
+                <a:ext uri="{FF2B5EF4-FFF2-40B4-BE49-F238E27FC236}">
+                  <a16:creationId xmlns:a16="http://schemas.microsoft.com/office/drawing/2014/main" id="{231DFC7B-4141-44FE-B9F9-8030DAD7CF7A}"/>
+                </a:ext>
+                <a:ext uri="{C183D7F6-B498-43B3-948B-1728B52AA6E4}">
+                  <adec:decorative xmlns:adec="http://schemas.microsoft.com/office/drawing/2017/decorative" val="1"/>
+                </a:ext>
+              </a:extLst>
+            </p:cNvPr>
+            <p:cNvSpPr/>
+            <p:nvPr>
+              <p:extLst>
+                <p:ext uri="{386F3935-93C4-4BCD-93E2-E3B085C9AB24}">
+                  <p16:designElem xmlns:p16="http://schemas.microsoft.com/office/powerpoint/2015/main" val="1"/>
+                </p:ext>
+              </p:extLst>
+            </p:nvPr>
+          </p:nvSpPr>
+          <p:spPr>
+            <a:xfrm>
+              <a:off x="11361456" y="6195813"/>
+              <a:ext cx="548640" cy="548640"/>
+            </a:xfrm>
+            <a:prstGeom prst="ellipse">
+              <a:avLst/>
+            </a:prstGeom>
+            <a:blipFill dpi="0" rotWithShape="1">
+              <a:blip r:embed="rId4">
+                <a:duotone>
+                  <a:schemeClr val="accent2">
+                    <a:shade val="45000"/>
+                    <a:satMod val="135000"/>
+                  </a:schemeClr>
+                  <a:prstClr val="white"/>
+                </a:duotone>
+              </a:blip>
+              <a:srcRect/>
+              <a:tile tx="50800" ty="0" sx="85000" sy="85000" flip="none" algn="tl"/>
+            </a:blipFill>
+            <a:ln w="25400" cap="flat" cmpd="sng" algn="ctr">
+              <a:noFill/>
+              <a:prstDash val="solid"/>
+            </a:ln>
+            <a:effectLst/>
+          </p:spPr>
+          <p:txBody>
+            <a:bodyPr lIns="0" tIns="0" rIns="0" bIns="0" rtlCol="0" anchor="ctr"/>
+            <a:lstStyle/>
+            <a:p>
+              <a:pPr marL="0" marR="0" lvl="0" indent="0" algn="ctr" defTabSz="914400" eaLnBrk="1" fontAlgn="auto" latinLnBrk="0" hangingPunct="1">
+                <a:lnSpc>
+                  <a:spcPct val="100000"/>
+                </a:lnSpc>
+                <a:spcBef>
+                  <a:spcPts val="0"/>
+                </a:spcBef>
+                <a:spcAft>
+                  <a:spcPts val="0"/>
+                </a:spcAft>
+                <a:buClrTx/>
+                <a:buSzTx/>
+                <a:buFontTx/>
+                <a:buNone/>
+                <a:tabLst/>
+                <a:defRPr/>
+              </a:pPr>
+              <a:endParaRPr kumimoji="0" lang="en-US" sz="2000" b="0" i="0" u="none" strike="noStrike" kern="0" cap="none" spc="0" normalizeH="0" baseline="0" noProof="0" dirty="0">
+                <a:ln>
+                  <a:noFill/>
+                </a:ln>
+                <a:solidFill>
+                  <a:prstClr val="white"/>
+                </a:solidFill>
+                <a:effectLst/>
+                <a:uLnTx/>
+                <a:uFillTx/>
+                <a:latin typeface="Rockwell Extra Bold" pitchFamily="18" charset="0"/>
+                <a:ea typeface="+mn-ea"/>
+                <a:cs typeface="+mn-cs"/>
+              </a:endParaRPr>
+            </a:p>
+          </p:txBody>
+        </p:sp>
+        <p:sp>
+          <p:nvSpPr>
+            <p:cNvPr id="14" name="Oval 13">
+              <a:extLst>
+                <a:ext uri="{FF2B5EF4-FFF2-40B4-BE49-F238E27FC236}">
+                  <a16:creationId xmlns:a16="http://schemas.microsoft.com/office/drawing/2014/main" id="{661A8904-4FC3-442E-B6CF-CD2E9D4BFDFE}"/>
+                </a:ext>
+                <a:ext uri="{C183D7F6-B498-43B3-948B-1728B52AA6E4}">
+                  <adec:decorative xmlns:adec="http://schemas.microsoft.com/office/drawing/2017/decorative" val="1"/>
+                </a:ext>
+              </a:extLst>
+            </p:cNvPr>
+            <p:cNvSpPr/>
+            <p:nvPr>
+              <p:extLst>
+                <p:ext uri="{386F3935-93C4-4BCD-93E2-E3B085C9AB24}">
+                  <p16:designElem xmlns:p16="http://schemas.microsoft.com/office/powerpoint/2015/main" val="1"/>
+                </p:ext>
+              </p:extLst>
+            </p:nvPr>
+          </p:nvSpPr>
+          <p:spPr>
+            <a:xfrm>
+              <a:off x="11396488" y="6230844"/>
+              <a:ext cx="478576" cy="478578"/>
+            </a:xfrm>
+            <a:prstGeom prst="ellipse">
+              <a:avLst/>
+            </a:prstGeom>
+            <a:noFill/>
+            <a:ln w="12700" cap="flat" cmpd="sng" algn="ctr">
+              <a:solidFill>
+                <a:srgbClr val="FFFFFF"/>
+              </a:solidFill>
+              <a:prstDash val="solid"/>
+            </a:ln>
+            <a:effectLst/>
+          </p:spPr>
+          <p:txBody>
+            <a:bodyPr rtlCol="0" anchor="ctr"/>
+            <a:lstStyle/>
+            <a:p>
+              <a:pPr marL="0" marR="0" lvl="0" indent="0" algn="ctr" defTabSz="914400" eaLnBrk="1" fontAlgn="auto" latinLnBrk="0" hangingPunct="1">
+                <a:lnSpc>
+                  <a:spcPct val="100000"/>
+                </a:lnSpc>
+                <a:spcBef>
+                  <a:spcPts val="0"/>
+                </a:spcBef>
+                <a:spcAft>
+                  <a:spcPts val="0"/>
+                </a:spcAft>
+                <a:buClrTx/>
+                <a:buSzTx/>
+                <a:buFontTx/>
+                <a:buNone/>
+                <a:tabLst/>
+                <a:defRPr/>
+              </a:pPr>
+              <a:endParaRPr kumimoji="0" lang="en-US" sz="1800" b="0" i="0" u="none" strike="noStrike" kern="0" cap="none" spc="0" normalizeH="0" baseline="0" noProof="0" dirty="0">
+                <a:ln>
+                  <a:noFill/>
+                </a:ln>
+                <a:solidFill>
+                  <a:prstClr val="white"/>
+                </a:solidFill>
+                <a:effectLst/>
+                <a:uLnTx/>
+                <a:uFillTx/>
+                <a:latin typeface="Calibri"/>
+                <a:ea typeface="+mn-ea"/>
+                <a:cs typeface="+mn-cs"/>
+              </a:endParaRPr>
+            </a:p>
+          </p:txBody>
+        </p:sp>
+      </p:grpSp>
+      <p:graphicFrame>
+        <p:nvGraphicFramePr>
+          <p:cNvPr id="5" name="Content Placeholder 2">
+            <a:extLst>
+              <a:ext uri="{FF2B5EF4-FFF2-40B4-BE49-F238E27FC236}">
+                <a16:creationId xmlns:a16="http://schemas.microsoft.com/office/drawing/2014/main" id="{7496466A-6F40-42C9-A685-9D17A7C4C956}"/>
+              </a:ext>
+            </a:extLst>
+          </p:cNvPr>
+          <p:cNvGraphicFramePr>
+            <a:graphicFrameLocks noGrp="1"/>
+          </p:cNvGraphicFramePr>
+          <p:nvPr>
+            <p:ph idx="1"/>
+            <p:extLst>
+              <p:ext uri="{D42A27DB-BD31-4B8C-83A1-F6EECF244321}">
+                <p14:modId xmlns:p14="http://schemas.microsoft.com/office/powerpoint/2010/main" val="1535098021"/>
+              </p:ext>
+            </p:extLst>
+          </p:nvPr>
+        </p:nvGraphicFramePr>
+        <p:xfrm>
+          <a:off x="362268" y="354495"/>
+          <a:ext cx="7140967" cy="6149009"/>
+        </p:xfrm>
+        <a:graphic>
+          <a:graphicData uri="http://schemas.openxmlformats.org/drawingml/2006/diagram">
+            <dgm:relIds xmlns:dgm="http://schemas.openxmlformats.org/drawingml/2006/diagram" xmlns:r="http://schemas.openxmlformats.org/officeDocument/2006/relationships" r:dm="rId5" r:lo="rId6" r:qs="rId7" r:cs="rId8"/>
+          </a:graphicData>
+        </a:graphic>
+      </p:graphicFrame>
+    </p:spTree>
+    <p:extLst>
+      <p:ext uri="{BB962C8B-B14F-4D97-AF65-F5344CB8AC3E}">
+        <p14:creationId xmlns:p14="http://schemas.microsoft.com/office/powerpoint/2010/main" val="2724451126"/>
+      </p:ext>
+    </p:extLst>
+  </p:cSld>
+  <p:clrMapOvr>
+    <a:masterClrMapping/>
+  </p:clrMapOvr>
+</p:sld>
+</file>
+
 <file path=ppt/theme/theme1.xml><?xml version="1.0" encoding="utf-8"?>
 <a:theme xmlns:a="http://schemas.openxmlformats.org/drawingml/2006/main" name="Wood Type">
   <a:themeElements>
